--- a/assets/ppt/codegen/runtime.pptx
+++ b/assets/ppt/codegen/runtime.pptx
@@ -7,6 +7,9 @@
   <p:notesMasterIdLst>
     <p:notesMasterId r:id="rId56"/>
   </p:notesMasterIdLst>
+  <p:handoutMasterIdLst>
+    <p:handoutMasterId r:id="rId57"/>
+  </p:handoutMasterIdLst>
   <p:sldIdLst>
     <p:sldId id="323" r:id="rId2"/>
     <p:sldId id="284" r:id="rId3"/>
@@ -193,6 +196,172 @@
 </p:presentation>
 </file>
 
+<file path=ppt/handoutMasters/handoutMaster1.xml><?xml version="1.0" encoding="utf-8"?>
+<p:handoutMaster xmlns:a="http://schemas.openxmlformats.org/drawingml/2006/main" xmlns:r="http://schemas.openxmlformats.org/officeDocument/2006/relationships" xmlns:p="http://schemas.openxmlformats.org/presentationml/2006/main">
+  <p:cSld>
+    <p:bg>
+      <p:bgRef idx="1001">
+        <a:schemeClr val="bg1"/>
+      </p:bgRef>
+    </p:bg>
+    <p:spTree>
+      <p:nvGrpSpPr>
+        <p:cNvPr id="1" name=""/>
+        <p:cNvGrpSpPr/>
+        <p:nvPr/>
+      </p:nvGrpSpPr>
+      <p:grpSpPr>
+        <a:xfrm>
+          <a:off x="0" y="0"/>
+          <a:ext cx="0" cy="0"/>
+          <a:chOff x="0" y="0"/>
+          <a:chExt cx="0" cy="0"/>
+        </a:xfrm>
+      </p:grpSpPr>
+      <p:sp>
+        <p:nvSpPr>
+          <p:cNvPr id="2" name="Header Placeholder 1"/>
+          <p:cNvSpPr>
+            <a:spLocks noGrp="1"/>
+          </p:cNvSpPr>
+          <p:nvPr>
+            <p:ph type="hdr" sz="quarter"/>
+          </p:nvPr>
+        </p:nvSpPr>
+        <p:spPr>
+          <a:xfrm>
+            <a:off x="0" y="0"/>
+            <a:ext cx="2971800" cy="457200"/>
+          </a:xfrm>
+          <a:prstGeom prst="rect">
+            <a:avLst/>
+          </a:prstGeom>
+        </p:spPr>
+        <p:txBody>
+          <a:bodyPr vert="horz" lIns="91440" tIns="45720" rIns="91440" bIns="45720" rtlCol="0"/>
+          <a:lstStyle>
+            <a:lvl1pPr algn="l">
+              <a:defRPr sz="1200"/>
+            </a:lvl1pPr>
+          </a:lstStyle>
+          <a:p>
+            <a:endParaRPr lang="en-US"/>
+          </a:p>
+        </p:txBody>
+      </p:sp>
+      <p:sp>
+        <p:nvSpPr>
+          <p:cNvPr id="3" name="Date Placeholder 2"/>
+          <p:cNvSpPr>
+            <a:spLocks noGrp="1"/>
+          </p:cNvSpPr>
+          <p:nvPr>
+            <p:ph type="dt" sz="quarter" idx="1"/>
+          </p:nvPr>
+        </p:nvSpPr>
+        <p:spPr>
+          <a:xfrm>
+            <a:off x="3884613" y="0"/>
+            <a:ext cx="2971800" cy="457200"/>
+          </a:xfrm>
+          <a:prstGeom prst="rect">
+            <a:avLst/>
+          </a:prstGeom>
+        </p:spPr>
+        <p:txBody>
+          <a:bodyPr vert="horz" lIns="91440" tIns="45720" rIns="91440" bIns="45720" rtlCol="0"/>
+          <a:lstStyle>
+            <a:lvl1pPr algn="r">
+              <a:defRPr sz="1200"/>
+            </a:lvl1pPr>
+          </a:lstStyle>
+          <a:p>
+            <a:fld id="{5E76AA8D-35CB-424F-B1D1-70BA14843A7F}" type="datetimeFigureOut">
+              <a:rPr lang="en-US" smtClean="0"/>
+              <a:t>16-07-07</a:t>
+            </a:fld>
+            <a:endParaRPr lang="en-US"/>
+          </a:p>
+        </p:txBody>
+      </p:sp>
+      <p:sp>
+        <p:nvSpPr>
+          <p:cNvPr id="4" name="Footer Placeholder 3"/>
+          <p:cNvSpPr>
+            <a:spLocks noGrp="1"/>
+          </p:cNvSpPr>
+          <p:nvPr>
+            <p:ph type="ftr" sz="quarter" idx="2"/>
+          </p:nvPr>
+        </p:nvSpPr>
+        <p:spPr>
+          <a:xfrm>
+            <a:off x="0" y="8685213"/>
+            <a:ext cx="2971800" cy="457200"/>
+          </a:xfrm>
+          <a:prstGeom prst="rect">
+            <a:avLst/>
+          </a:prstGeom>
+        </p:spPr>
+        <p:txBody>
+          <a:bodyPr vert="horz" lIns="91440" tIns="45720" rIns="91440" bIns="45720" rtlCol="0" anchor="b"/>
+          <a:lstStyle>
+            <a:lvl1pPr algn="l">
+              <a:defRPr sz="1200"/>
+            </a:lvl1pPr>
+          </a:lstStyle>
+          <a:p>
+            <a:endParaRPr lang="en-US"/>
+          </a:p>
+        </p:txBody>
+      </p:sp>
+      <p:sp>
+        <p:nvSpPr>
+          <p:cNvPr id="5" name="Slide Number Placeholder 4"/>
+          <p:cNvSpPr>
+            <a:spLocks noGrp="1"/>
+          </p:cNvSpPr>
+          <p:nvPr>
+            <p:ph type="sldNum" sz="quarter" idx="3"/>
+          </p:nvPr>
+        </p:nvSpPr>
+        <p:spPr>
+          <a:xfrm>
+            <a:off x="3884613" y="8685213"/>
+            <a:ext cx="2971800" cy="457200"/>
+          </a:xfrm>
+          <a:prstGeom prst="rect">
+            <a:avLst/>
+          </a:prstGeom>
+        </p:spPr>
+        <p:txBody>
+          <a:bodyPr vert="horz" lIns="91440" tIns="45720" rIns="91440" bIns="45720" rtlCol="0" anchor="b"/>
+          <a:lstStyle>
+            <a:lvl1pPr algn="r">
+              <a:defRPr sz="1200"/>
+            </a:lvl1pPr>
+          </a:lstStyle>
+          <a:p>
+            <a:fld id="{58729279-3979-AE44-A7B5-352592FD2420}" type="slidenum">
+              <a:rPr lang="en-US" smtClean="0"/>
+              <a:t>‹#›</a:t>
+            </a:fld>
+            <a:endParaRPr lang="en-US"/>
+          </a:p>
+        </p:txBody>
+      </p:sp>
+    </p:spTree>
+    <p:extLst>
+      <p:ext uri="{BB962C8B-B14F-4D97-AF65-F5344CB8AC3E}">
+        <p14:creationId xmlns:p14="http://schemas.microsoft.com/office/powerpoint/2010/main" val="3133139481"/>
+      </p:ext>
+    </p:extLst>
+  </p:cSld>
+  <p:clrMap bg1="lt1" tx1="dk1" bg2="lt2" tx2="dk2" accent1="accent1" accent2="accent2" accent3="accent3" accent4="accent4" accent5="accent5" accent6="accent6" hlink="hlink" folHlink="folHlink"/>
+  <p:hf hdr="0" ftr="0" dt="0"/>
+</p:handoutMaster>
+</file>
+
 <file path=ppt/notesMasters/notesMaster1.xml><?xml version="1.0" encoding="utf-8"?>
 <p:notesMaster xmlns:a="http://schemas.openxmlformats.org/drawingml/2006/main" xmlns:r="http://schemas.openxmlformats.org/officeDocument/2006/relationships" xmlns:p="http://schemas.openxmlformats.org/presentationml/2006/main">
   <p:cSld>
@@ -504,6 +673,7 @@
     </p:extLst>
   </p:cSld>
   <p:clrMap bg1="lt1" tx1="dk1" bg2="lt2" tx2="dk2" accent1="accent1" accent2="accent2" accent3="accent3" accent4="accent4" accent5="accent5" accent6="accent6" hlink="hlink" folHlink="folHlink"/>
+  <p:hf hdr="0" ftr="0" dt="0"/>
   <p:notesStyle>
     <a:lvl1pPr algn="l" rtl="0" fontAlgn="base">
       <a:spcBef>
@@ -2495,10 +2665,9 @@
             </a:lvl1pPr>
           </a:lstStyle>
           <a:p>
-            <a:fld id="{776E1748-DE2A-2944-B86C-AC0CF02D8196}" type="datetime1">
-              <a:rPr lang="en-US"/>
-              <a:pPr/>
-              <a:t>16-07-05</a:t>
+            <a:fld id="{733C5728-672F-7047-A224-752C8B25746F}" type="datetime1">
+              <a:rPr lang="en-CA" smtClean="0"/>
+              <a:t>16-07-07</a:t>
             </a:fld>
             <a:endParaRPr lang="en-US"/>
           </a:p>
@@ -2674,10 +2843,9 @@
             </a:lvl1pPr>
           </a:lstStyle>
           <a:p>
-            <a:fld id="{5B40A61D-FBD2-984B-A6DB-10C2F4596227}" type="datetime1">
-              <a:rPr lang="en-US"/>
-              <a:pPr/>
-              <a:t>16-07-05</a:t>
+            <a:fld id="{4C20B341-C45D-E942-B7AE-5938ABC199F1}" type="datetime1">
+              <a:rPr lang="en-CA" smtClean="0"/>
+              <a:t>16-07-07</a:t>
             </a:fld>
             <a:endParaRPr lang="en-US"/>
           </a:p>
@@ -2863,10 +3031,9 @@
             </a:lvl1pPr>
           </a:lstStyle>
           <a:p>
-            <a:fld id="{8D3A2A69-F045-BA48-812F-F479421D21B2}" type="datetime1">
-              <a:rPr lang="en-US"/>
-              <a:pPr/>
-              <a:t>16-07-05</a:t>
+            <a:fld id="{883FAE5D-9DBE-5C47-A519-B687A05237EA}" type="datetime1">
+              <a:rPr lang="en-CA" smtClean="0"/>
+              <a:t>16-07-07</a:t>
             </a:fld>
             <a:endParaRPr lang="en-US"/>
           </a:p>
@@ -3042,10 +3209,9 @@
             </a:lvl1pPr>
           </a:lstStyle>
           <a:p>
-            <a:fld id="{5BABB0BE-4836-1E4F-8361-DDABFE66DBD6}" type="datetime1">
-              <a:rPr lang="en-US"/>
-              <a:pPr/>
-              <a:t>16-07-05</a:t>
+            <a:fld id="{32D57635-B6E1-E445-A9ED-856D0A3A205A}" type="datetime1">
+              <a:rPr lang="en-CA" smtClean="0"/>
+              <a:t>16-07-07</a:t>
             </a:fld>
             <a:endParaRPr lang="en-US"/>
           </a:p>
@@ -3243,10 +3409,9 @@
             </a:lvl1pPr>
           </a:lstStyle>
           <a:p>
-            <a:fld id="{BAB7E1AF-66B7-9F49-9145-A0A02B48A135}" type="datetime1">
-              <a:rPr lang="en-US"/>
-              <a:pPr/>
-              <a:t>16-07-05</a:t>
+            <a:fld id="{3D054386-23DE-F343-8671-294F00B9E172}" type="datetime1">
+              <a:rPr lang="en-CA" smtClean="0"/>
+              <a:t>16-07-07</a:t>
             </a:fld>
             <a:endParaRPr lang="en-US"/>
           </a:p>
@@ -3540,10 +3705,9 @@
             </a:lvl1pPr>
           </a:lstStyle>
           <a:p>
-            <a:fld id="{6F59700C-64FB-C749-903E-9D319DDD2801}" type="datetime1">
-              <a:rPr lang="en-US"/>
-              <a:pPr/>
-              <a:t>16-07-05</a:t>
+            <a:fld id="{11C85651-6F7A-214D-AFCB-1737430624C4}" type="datetime1">
+              <a:rPr lang="en-CA" smtClean="0"/>
+              <a:t>16-07-07</a:t>
             </a:fld>
             <a:endParaRPr lang="en-US"/>
           </a:p>
@@ -3976,10 +4140,9 @@
             </a:lvl1pPr>
           </a:lstStyle>
           <a:p>
-            <a:fld id="{D342686C-C421-4C41-85B8-A6A66001AC73}" type="datetime1">
-              <a:rPr lang="en-US"/>
-              <a:pPr/>
-              <a:t>16-07-05</a:t>
+            <a:fld id="{9B810EE1-C814-804A-86C6-2E3FFA79B09A}" type="datetime1">
+              <a:rPr lang="en-CA" smtClean="0"/>
+              <a:t>16-07-07</a:t>
             </a:fld>
             <a:endParaRPr lang="en-US"/>
           </a:p>
@@ -4103,10 +4266,9 @@
             </a:lvl1pPr>
           </a:lstStyle>
           <a:p>
-            <a:fld id="{EE0E3171-9A0A-4A41-945B-7EB4829E3A1D}" type="datetime1">
-              <a:rPr lang="en-US"/>
-              <a:pPr/>
-              <a:t>16-07-05</a:t>
+            <a:fld id="{E73C42ED-E168-184A-9FBA-E4CC9ECDF6AF}" type="datetime1">
+              <a:rPr lang="en-CA" smtClean="0"/>
+              <a:t>16-07-07</a:t>
             </a:fld>
             <a:endParaRPr lang="en-US"/>
           </a:p>
@@ -4207,10 +4369,9 @@
             </a:lvl1pPr>
           </a:lstStyle>
           <a:p>
-            <a:fld id="{9CE6CB8A-517F-A446-B976-41AF7A08E10F}" type="datetime1">
-              <a:rPr lang="en-US"/>
-              <a:pPr/>
-              <a:t>16-07-05</a:t>
+            <a:fld id="{DD4818A6-32A7-5F49-8533-FA6158D0E9A0}" type="datetime1">
+              <a:rPr lang="en-CA" smtClean="0"/>
+              <a:t>16-07-07</a:t>
             </a:fld>
             <a:endParaRPr lang="en-US"/>
           </a:p>
@@ -4493,10 +4654,9 @@
             </a:lvl1pPr>
           </a:lstStyle>
           <a:p>
-            <a:fld id="{9931076D-E76E-5F48-9F72-926FB621C952}" type="datetime1">
-              <a:rPr lang="en-US"/>
-              <a:pPr/>
-              <a:t>16-07-05</a:t>
+            <a:fld id="{DC61ECEF-8DE8-7F4F-A392-1133A0FB31FB}" type="datetime1">
+              <a:rPr lang="en-CA" smtClean="0"/>
+              <a:t>16-07-07</a:t>
             </a:fld>
             <a:endParaRPr lang="en-US"/>
           </a:p>
@@ -4755,10 +4915,9 @@
             </a:lvl1pPr>
           </a:lstStyle>
           <a:p>
-            <a:fld id="{DD89A4F1-4EC6-E646-B4DE-ED510FB41CA1}" type="datetime1">
-              <a:rPr lang="en-US"/>
-              <a:pPr/>
-              <a:t>16-07-05</a:t>
+            <a:fld id="{8E432F6E-385F-C84A-A6D8-24557CF262FC}" type="datetime1">
+              <a:rPr lang="en-CA" smtClean="0"/>
+              <a:t>16-07-07</a:t>
             </a:fld>
             <a:endParaRPr lang="en-US"/>
           </a:p>
@@ -5004,10 +5163,9 @@
             </a:lvl1pPr>
           </a:lstStyle>
           <a:p>
-            <a:fld id="{6D1D1E8D-337B-A549-8B72-3312900933A1}" type="datetime1">
-              <a:rPr lang="en-US" smtClean="0"/>
-              <a:pPr/>
-              <a:t>16-07-05</a:t>
+            <a:fld id="{B37CB990-3D08-CA47-9376-D92211F603DA}" type="datetime1">
+              <a:rPr lang="en-CA" smtClean="0"/>
+              <a:t>16-07-07</a:t>
             </a:fld>
             <a:endParaRPr lang="en-US" dirty="0"/>
           </a:p>
@@ -5123,7 +5281,7 @@
     <p:sldLayoutId id="2147483658" r:id="rId10"/>
     <p:sldLayoutId id="2147483659" r:id="rId11"/>
   </p:sldLayoutIdLst>
-  <p:hf hdr="0" ftr="0"/>
+  <p:hf hdr="0" ftr="0" dt="0"/>
   <p:txStyles>
     <p:titleStyle>
       <a:lvl1pPr algn="ctr" rtl="0" fontAlgn="base">
@@ -5758,6 +5916,30 @@
           </a:p>
         </p:txBody>
       </p:sp>
+      <p:sp>
+        <p:nvSpPr>
+          <p:cNvPr id="2" name="Slide Number Placeholder 1"/>
+          <p:cNvSpPr>
+            <a:spLocks noGrp="1"/>
+          </p:cNvSpPr>
+          <p:nvPr>
+            <p:ph type="sldNum" sz="quarter" idx="12"/>
+          </p:nvPr>
+        </p:nvSpPr>
+        <p:spPr/>
+        <p:txBody>
+          <a:bodyPr/>
+          <a:lstStyle/>
+          <a:p>
+            <a:fld id="{5A80D9AF-107F-FB42-956B-CB0A8BDE1349}" type="slidenum">
+              <a:rPr lang="en-US" smtClean="0"/>
+              <a:pPr/>
+              <a:t>1</a:t>
+            </a:fld>
+            <a:endParaRPr lang="en-US"/>
+          </a:p>
+        </p:txBody>
+      </p:sp>
     </p:spTree>
     <p:extLst>
       <p:ext uri="{BB962C8B-B14F-4D97-AF65-F5344CB8AC3E}">
@@ -5815,30 +5997,6 @@
               <a:t>Activation Tree</a:t>
             </a:r>
             <a:endParaRPr lang="en-CA" dirty="0"/>
-          </a:p>
-        </p:txBody>
-      </p:sp>
-      <p:sp>
-        <p:nvSpPr>
-          <p:cNvPr id="3" name="Date Placeholder 2"/>
-          <p:cNvSpPr>
-            <a:spLocks noGrp="1"/>
-          </p:cNvSpPr>
-          <p:nvPr>
-            <p:ph type="dt" sz="half" idx="10"/>
-          </p:nvPr>
-        </p:nvSpPr>
-        <p:spPr/>
-        <p:txBody>
-          <a:bodyPr/>
-          <a:lstStyle/>
-          <a:p>
-            <a:fld id="{EE0E3171-9A0A-4A41-945B-7EB4829E3A1D}" type="datetime1">
-              <a:rPr lang="en-US" smtClean="0"/>
-              <a:pPr/>
-              <a:t>16-07-05</a:t>
-            </a:fld>
-            <a:endParaRPr lang="en-US"/>
           </a:p>
         </p:txBody>
       </p:sp>
@@ -6130,30 +6288,6 @@
       </p:sp>
       <p:sp>
         <p:nvSpPr>
-          <p:cNvPr id="3" name="Date Placeholder 2"/>
-          <p:cNvSpPr>
-            <a:spLocks noGrp="1"/>
-          </p:cNvSpPr>
-          <p:nvPr>
-            <p:ph type="dt" sz="half" idx="10"/>
-          </p:nvPr>
-        </p:nvSpPr>
-        <p:spPr/>
-        <p:txBody>
-          <a:bodyPr/>
-          <a:lstStyle/>
-          <a:p>
-            <a:fld id="{EE0E3171-9A0A-4A41-945B-7EB4829E3A1D}" type="datetime1">
-              <a:rPr lang="en-US" smtClean="0"/>
-              <a:pPr/>
-              <a:t>16-07-05</a:t>
-            </a:fld>
-            <a:endParaRPr lang="en-US"/>
-          </a:p>
-        </p:txBody>
-      </p:sp>
-      <p:sp>
-        <p:nvSpPr>
           <p:cNvPr id="4" name="Slide Number Placeholder 3"/>
           <p:cNvSpPr>
             <a:spLocks noGrp="1"/>
@@ -6369,8 +6503,8 @@
         </p:nvSpPr>
         <p:spPr bwMode="auto">
           <a:xfrm>
-            <a:off x="281434" y="1940173"/>
-            <a:ext cx="3138438" cy="1920875"/>
+            <a:off x="33653" y="1484784"/>
+            <a:ext cx="4074542" cy="1938992"/>
           </a:xfrm>
           <a:prstGeom prst="rect">
             <a:avLst/>
@@ -7386,30 +7520,6 @@
       </p:sp>
       <p:sp>
         <p:nvSpPr>
-          <p:cNvPr id="3" name="Date Placeholder 2"/>
-          <p:cNvSpPr>
-            <a:spLocks noGrp="1"/>
-          </p:cNvSpPr>
-          <p:nvPr>
-            <p:ph type="dt" sz="half" idx="10"/>
-          </p:nvPr>
-        </p:nvSpPr>
-        <p:spPr/>
-        <p:txBody>
-          <a:bodyPr/>
-          <a:lstStyle/>
-          <a:p>
-            <a:fld id="{EE0E3171-9A0A-4A41-945B-7EB4829E3A1D}" type="datetime1">
-              <a:rPr lang="en-US" smtClean="0"/>
-              <a:pPr/>
-              <a:t>16-07-05</a:t>
-            </a:fld>
-            <a:endParaRPr lang="en-US"/>
-          </a:p>
-        </p:txBody>
-      </p:sp>
-      <p:sp>
-        <p:nvSpPr>
           <p:cNvPr id="4" name="Slide Number Placeholder 3"/>
           <p:cNvSpPr>
             <a:spLocks noGrp="1"/>
@@ -7696,8 +7806,8 @@
         </p:nvSpPr>
         <p:spPr bwMode="auto">
           <a:xfrm>
-            <a:off x="281434" y="1940173"/>
-            <a:ext cx="3138438" cy="1920875"/>
+            <a:off x="0" y="1484784"/>
+            <a:ext cx="4002534" cy="1938992"/>
           </a:xfrm>
           <a:prstGeom prst="rect">
             <a:avLst/>
@@ -8385,30 +8495,6 @@
       </p:sp>
       <p:sp>
         <p:nvSpPr>
-          <p:cNvPr id="3" name="Date Placeholder 2"/>
-          <p:cNvSpPr>
-            <a:spLocks noGrp="1"/>
-          </p:cNvSpPr>
-          <p:nvPr>
-            <p:ph type="dt" sz="half" idx="10"/>
-          </p:nvPr>
-        </p:nvSpPr>
-        <p:spPr/>
-        <p:txBody>
-          <a:bodyPr/>
-          <a:lstStyle/>
-          <a:p>
-            <a:fld id="{EE0E3171-9A0A-4A41-945B-7EB4829E3A1D}" type="datetime1">
-              <a:rPr lang="en-US" smtClean="0"/>
-              <a:pPr/>
-              <a:t>16-07-05</a:t>
-            </a:fld>
-            <a:endParaRPr lang="en-US"/>
-          </a:p>
-        </p:txBody>
-      </p:sp>
-      <p:sp>
-        <p:nvSpPr>
           <p:cNvPr id="4" name="Slide Number Placeholder 3"/>
           <p:cNvSpPr>
             <a:spLocks noGrp="1"/>
@@ -8827,143 +8913,6 @@
           <a:effectLst/>
         </p:spPr>
       </p:cxnSp>
-      <p:sp>
-        <p:nvSpPr>
-          <p:cNvPr id="39" name="Text Box 38"/>
-          <p:cNvSpPr txBox="1">
-            <a:spLocks noChangeArrowheads="1"/>
-          </p:cNvSpPr>
-          <p:nvPr/>
-        </p:nvSpPr>
-        <p:spPr bwMode="auto">
-          <a:xfrm>
-            <a:off x="281434" y="1940173"/>
-            <a:ext cx="3138438" cy="1920875"/>
-          </a:xfrm>
-          <a:prstGeom prst="rect">
-            <a:avLst/>
-          </a:prstGeom>
-          <a:noFill/>
-          <a:ln w="9525">
-            <a:noFill/>
-            <a:miter lim="800000"/>
-            <a:headEnd/>
-            <a:tailEnd/>
-          </a:ln>
-          <a:effectLst/>
-        </p:spPr>
-        <p:txBody>
-          <a:bodyPr wrap="square">
-            <a:prstTxWarp prst="textNoShape">
-              <a:avLst/>
-            </a:prstTxWarp>
-            <a:spAutoFit/>
-          </a:bodyPr>
-          <a:lstStyle/>
-          <a:p>
-            <a:r>
-              <a:rPr lang="en-US" sz="2000" dirty="0" err="1">
-                <a:latin typeface="Courier" charset="0"/>
-              </a:rPr>
-              <a:t>int</a:t>
-            </a:r>
-            <a:r>
-              <a:rPr lang="en-US" sz="2000" dirty="0">
-                <a:latin typeface="Courier" charset="0"/>
-              </a:rPr>
-              <a:t> Q(</a:t>
-            </a:r>
-            <a:r>
-              <a:rPr lang="en-US" sz="2000" dirty="0" err="1">
-                <a:latin typeface="Courier" charset="0"/>
-              </a:rPr>
-              <a:t>int</a:t>
-            </a:r>
-            <a:r>
-              <a:rPr lang="en-US" sz="2000" dirty="0">
-                <a:latin typeface="Courier" charset="0"/>
-              </a:rPr>
-              <a:t> m, </a:t>
-            </a:r>
-            <a:r>
-              <a:rPr lang="en-US" sz="2000" dirty="0" err="1">
-                <a:latin typeface="Courier" charset="0"/>
-              </a:rPr>
-              <a:t>int</a:t>
-            </a:r>
-            <a:r>
-              <a:rPr lang="en-US" sz="2000" dirty="0">
-                <a:latin typeface="Courier" charset="0"/>
-              </a:rPr>
-              <a:t> n) {</a:t>
-            </a:r>
-          </a:p>
-          <a:p>
-            <a:r>
-              <a:rPr lang="en-US" sz="2000" dirty="0">
-                <a:latin typeface="Courier" charset="0"/>
-              </a:rPr>
-              <a:t>  if (n &gt; m) {</a:t>
-            </a:r>
-          </a:p>
-          <a:p>
-            <a:r>
-              <a:rPr lang="en-US" sz="2000" dirty="0">
-                <a:latin typeface="Courier" charset="0"/>
-              </a:rPr>
-              <a:t>    </a:t>
-            </a:r>
-            <a:r>
-              <a:rPr lang="en-US" sz="2000" dirty="0" err="1">
-                <a:latin typeface="Courier" charset="0"/>
-              </a:rPr>
-              <a:t>int</a:t>
-            </a:r>
-            <a:r>
-              <a:rPr lang="en-US" sz="2000" dirty="0">
-                <a:latin typeface="Courier" charset="0"/>
-              </a:rPr>
-              <a:t> </a:t>
-            </a:r>
-            <a:r>
-              <a:rPr lang="en-US" sz="2000" dirty="0" err="1">
-                <a:latin typeface="Courier" charset="0"/>
-              </a:rPr>
-              <a:t>i</a:t>
-            </a:r>
-            <a:r>
-              <a:rPr lang="en-US" sz="2000" dirty="0">
-                <a:latin typeface="Courier" charset="0"/>
-              </a:rPr>
-              <a:t> = P(m, n);</a:t>
-            </a:r>
-          </a:p>
-          <a:p>
-            <a:r>
-              <a:rPr lang="en-US" sz="2000" dirty="0">
-                <a:latin typeface="Courier" charset="0"/>
-              </a:rPr>
-              <a:t>    Q(m, i-1); Q(i+1, n); </a:t>
-            </a:r>
-          </a:p>
-          <a:p>
-            <a:r>
-              <a:rPr lang="en-US" sz="2000" dirty="0">
-                <a:latin typeface="Courier" charset="0"/>
-              </a:rPr>
-              <a:t>  }</a:t>
-            </a:r>
-          </a:p>
-          <a:p>
-            <a:r>
-              <a:rPr lang="en-US" sz="2000" dirty="0">
-                <a:latin typeface="Courier" charset="0"/>
-              </a:rPr>
-              <a:t>}</a:t>
-            </a:r>
-          </a:p>
-        </p:txBody>
-      </p:sp>
       <p:sp>
         <p:nvSpPr>
           <p:cNvPr id="44" name="Text Box 7"/>
@@ -9375,6 +9324,143 @@
               <a:t> procedures</a:t>
             </a:r>
             <a:endParaRPr lang="en-US" dirty="0"/>
+          </a:p>
+        </p:txBody>
+      </p:sp>
+      <p:sp>
+        <p:nvSpPr>
+          <p:cNvPr id="32" name="Text Box 38"/>
+          <p:cNvSpPr txBox="1">
+            <a:spLocks noChangeArrowheads="1"/>
+          </p:cNvSpPr>
+          <p:nvPr/>
+        </p:nvSpPr>
+        <p:spPr bwMode="auto">
+          <a:xfrm>
+            <a:off x="0" y="1484784"/>
+            <a:ext cx="4002534" cy="1938992"/>
+          </a:xfrm>
+          <a:prstGeom prst="rect">
+            <a:avLst/>
+          </a:prstGeom>
+          <a:noFill/>
+          <a:ln w="9525">
+            <a:noFill/>
+            <a:miter lim="800000"/>
+            <a:headEnd/>
+            <a:tailEnd/>
+          </a:ln>
+          <a:effectLst/>
+        </p:spPr>
+        <p:txBody>
+          <a:bodyPr wrap="square">
+            <a:prstTxWarp prst="textNoShape">
+              <a:avLst/>
+            </a:prstTxWarp>
+            <a:spAutoFit/>
+          </a:bodyPr>
+          <a:lstStyle/>
+          <a:p>
+            <a:r>
+              <a:rPr lang="en-US" sz="2000" dirty="0" err="1">
+                <a:latin typeface="Courier" charset="0"/>
+              </a:rPr>
+              <a:t>int</a:t>
+            </a:r>
+            <a:r>
+              <a:rPr lang="en-US" sz="2000" dirty="0">
+                <a:latin typeface="Courier" charset="0"/>
+              </a:rPr>
+              <a:t> Q(</a:t>
+            </a:r>
+            <a:r>
+              <a:rPr lang="en-US" sz="2000" dirty="0" err="1">
+                <a:latin typeface="Courier" charset="0"/>
+              </a:rPr>
+              <a:t>int</a:t>
+            </a:r>
+            <a:r>
+              <a:rPr lang="en-US" sz="2000" dirty="0">
+                <a:latin typeface="Courier" charset="0"/>
+              </a:rPr>
+              <a:t> m, </a:t>
+            </a:r>
+            <a:r>
+              <a:rPr lang="en-US" sz="2000" dirty="0" err="1">
+                <a:latin typeface="Courier" charset="0"/>
+              </a:rPr>
+              <a:t>int</a:t>
+            </a:r>
+            <a:r>
+              <a:rPr lang="en-US" sz="2000" dirty="0">
+                <a:latin typeface="Courier" charset="0"/>
+              </a:rPr>
+              <a:t> n) {</a:t>
+            </a:r>
+          </a:p>
+          <a:p>
+            <a:r>
+              <a:rPr lang="en-US" sz="2000" dirty="0">
+                <a:latin typeface="Courier" charset="0"/>
+              </a:rPr>
+              <a:t>  if (n &gt; m) {</a:t>
+            </a:r>
+          </a:p>
+          <a:p>
+            <a:r>
+              <a:rPr lang="en-US" sz="2000" dirty="0">
+                <a:latin typeface="Courier" charset="0"/>
+              </a:rPr>
+              <a:t>    </a:t>
+            </a:r>
+            <a:r>
+              <a:rPr lang="en-US" sz="2000" dirty="0" err="1">
+                <a:latin typeface="Courier" charset="0"/>
+              </a:rPr>
+              <a:t>int</a:t>
+            </a:r>
+            <a:r>
+              <a:rPr lang="en-US" sz="2000" dirty="0">
+                <a:latin typeface="Courier" charset="0"/>
+              </a:rPr>
+              <a:t> </a:t>
+            </a:r>
+            <a:r>
+              <a:rPr lang="en-US" sz="2000" dirty="0" err="1">
+                <a:latin typeface="Courier" charset="0"/>
+              </a:rPr>
+              <a:t>i</a:t>
+            </a:r>
+            <a:r>
+              <a:rPr lang="en-US" sz="2000" dirty="0">
+                <a:latin typeface="Courier" charset="0"/>
+              </a:rPr>
+              <a:t> = P(m, n);</a:t>
+            </a:r>
+          </a:p>
+          <a:p>
+            <a:r>
+              <a:rPr lang="en-US" sz="2000" dirty="0">
+                <a:latin typeface="Courier" charset="0"/>
+              </a:rPr>
+              <a:t>    Q(m, i-1); Q(i+1, n); </a:t>
+            </a:r>
+          </a:p>
+          <a:p>
+            <a:r>
+              <a:rPr lang="en-US" sz="2000" dirty="0">
+                <a:latin typeface="Courier" charset="0"/>
+              </a:rPr>
+              <a:t>  }</a:t>
+            </a:r>
+          </a:p>
+          <a:p>
+            <a:r>
+              <a:rPr lang="en-US" sz="2000" dirty="0">
+                <a:latin typeface="Courier" charset="0"/>
+              </a:rPr>
+              <a:t>}</a:t>
+            </a:r>
           </a:p>
         </p:txBody>
       </p:sp>
@@ -9729,30 +9815,6 @@
       </p:sp>
       <p:sp>
         <p:nvSpPr>
-          <p:cNvPr id="3" name="Date Placeholder 2"/>
-          <p:cNvSpPr>
-            <a:spLocks noGrp="1"/>
-          </p:cNvSpPr>
-          <p:nvPr>
-            <p:ph type="dt" sz="half" idx="10"/>
-          </p:nvPr>
-        </p:nvSpPr>
-        <p:spPr/>
-        <p:txBody>
-          <a:bodyPr/>
-          <a:lstStyle/>
-          <a:p>
-            <a:fld id="{EE0E3171-9A0A-4A41-945B-7EB4829E3A1D}" type="datetime1">
-              <a:rPr lang="en-US" smtClean="0"/>
-              <a:pPr/>
-              <a:t>16-07-05</a:t>
-            </a:fld>
-            <a:endParaRPr lang="en-US"/>
-          </a:p>
-        </p:txBody>
-      </p:sp>
-      <p:sp>
-        <p:nvSpPr>
           <p:cNvPr id="4" name="Slide Number Placeholder 3"/>
           <p:cNvSpPr>
             <a:spLocks noGrp="1"/>
@@ -10242,143 +10304,6 @@
           <a:effectLst/>
         </p:spPr>
       </p:cxnSp>
-      <p:sp>
-        <p:nvSpPr>
-          <p:cNvPr id="39" name="Text Box 38"/>
-          <p:cNvSpPr txBox="1">
-            <a:spLocks noChangeArrowheads="1"/>
-          </p:cNvSpPr>
-          <p:nvPr/>
-        </p:nvSpPr>
-        <p:spPr bwMode="auto">
-          <a:xfrm>
-            <a:off x="281434" y="1940173"/>
-            <a:ext cx="3138438" cy="1920875"/>
-          </a:xfrm>
-          <a:prstGeom prst="rect">
-            <a:avLst/>
-          </a:prstGeom>
-          <a:noFill/>
-          <a:ln w="9525">
-            <a:noFill/>
-            <a:miter lim="800000"/>
-            <a:headEnd/>
-            <a:tailEnd/>
-          </a:ln>
-          <a:effectLst/>
-        </p:spPr>
-        <p:txBody>
-          <a:bodyPr wrap="square">
-            <a:prstTxWarp prst="textNoShape">
-              <a:avLst/>
-            </a:prstTxWarp>
-            <a:spAutoFit/>
-          </a:bodyPr>
-          <a:lstStyle/>
-          <a:p>
-            <a:r>
-              <a:rPr lang="en-US" sz="2000" dirty="0" err="1">
-                <a:latin typeface="Courier" charset="0"/>
-              </a:rPr>
-              <a:t>int</a:t>
-            </a:r>
-            <a:r>
-              <a:rPr lang="en-US" sz="2000" dirty="0">
-                <a:latin typeface="Courier" charset="0"/>
-              </a:rPr>
-              <a:t> Q(</a:t>
-            </a:r>
-            <a:r>
-              <a:rPr lang="en-US" sz="2000" dirty="0" err="1">
-                <a:latin typeface="Courier" charset="0"/>
-              </a:rPr>
-              <a:t>int</a:t>
-            </a:r>
-            <a:r>
-              <a:rPr lang="en-US" sz="2000" dirty="0">
-                <a:latin typeface="Courier" charset="0"/>
-              </a:rPr>
-              <a:t> m, </a:t>
-            </a:r>
-            <a:r>
-              <a:rPr lang="en-US" sz="2000" dirty="0" err="1">
-                <a:latin typeface="Courier" charset="0"/>
-              </a:rPr>
-              <a:t>int</a:t>
-            </a:r>
-            <a:r>
-              <a:rPr lang="en-US" sz="2000" dirty="0">
-                <a:latin typeface="Courier" charset="0"/>
-              </a:rPr>
-              <a:t> n) {</a:t>
-            </a:r>
-          </a:p>
-          <a:p>
-            <a:r>
-              <a:rPr lang="en-US" sz="2000" dirty="0">
-                <a:latin typeface="Courier" charset="0"/>
-              </a:rPr>
-              <a:t>  if (n &gt; m) {</a:t>
-            </a:r>
-          </a:p>
-          <a:p>
-            <a:r>
-              <a:rPr lang="en-US" sz="2000" dirty="0">
-                <a:latin typeface="Courier" charset="0"/>
-              </a:rPr>
-              <a:t>    </a:t>
-            </a:r>
-            <a:r>
-              <a:rPr lang="en-US" sz="2000" dirty="0" err="1">
-                <a:latin typeface="Courier" charset="0"/>
-              </a:rPr>
-              <a:t>int</a:t>
-            </a:r>
-            <a:r>
-              <a:rPr lang="en-US" sz="2000" dirty="0">
-                <a:latin typeface="Courier" charset="0"/>
-              </a:rPr>
-              <a:t> </a:t>
-            </a:r>
-            <a:r>
-              <a:rPr lang="en-US" sz="2000" dirty="0" err="1">
-                <a:latin typeface="Courier" charset="0"/>
-              </a:rPr>
-              <a:t>i</a:t>
-            </a:r>
-            <a:r>
-              <a:rPr lang="en-US" sz="2000" dirty="0">
-                <a:latin typeface="Courier" charset="0"/>
-              </a:rPr>
-              <a:t> = P(m, n);</a:t>
-            </a:r>
-          </a:p>
-          <a:p>
-            <a:r>
-              <a:rPr lang="en-US" sz="2000" dirty="0">
-                <a:latin typeface="Courier" charset="0"/>
-              </a:rPr>
-              <a:t>    Q(m, i-1); Q(i+1, n); </a:t>
-            </a:r>
-          </a:p>
-          <a:p>
-            <a:r>
-              <a:rPr lang="en-US" sz="2000" dirty="0">
-                <a:latin typeface="Courier" charset="0"/>
-              </a:rPr>
-              <a:t>  }</a:t>
-            </a:r>
-          </a:p>
-          <a:p>
-            <a:r>
-              <a:rPr lang="en-US" sz="2000" dirty="0">
-                <a:latin typeface="Courier" charset="0"/>
-              </a:rPr>
-              <a:t>}</a:t>
-            </a:r>
-          </a:p>
-        </p:txBody>
-      </p:sp>
       <p:sp>
         <p:nvSpPr>
           <p:cNvPr id="44" name="Text Box 7"/>
@@ -10786,6 +10711,143 @@
               <a:t> procedures</a:t>
             </a:r>
             <a:endParaRPr lang="en-US" dirty="0"/>
+          </a:p>
+        </p:txBody>
+      </p:sp>
+      <p:sp>
+        <p:nvSpPr>
+          <p:cNvPr id="35" name="Text Box 38"/>
+          <p:cNvSpPr txBox="1">
+            <a:spLocks noChangeArrowheads="1"/>
+          </p:cNvSpPr>
+          <p:nvPr/>
+        </p:nvSpPr>
+        <p:spPr bwMode="auto">
+          <a:xfrm>
+            <a:off x="0" y="1484784"/>
+            <a:ext cx="4002534" cy="1938992"/>
+          </a:xfrm>
+          <a:prstGeom prst="rect">
+            <a:avLst/>
+          </a:prstGeom>
+          <a:noFill/>
+          <a:ln w="9525">
+            <a:noFill/>
+            <a:miter lim="800000"/>
+            <a:headEnd/>
+            <a:tailEnd/>
+          </a:ln>
+          <a:effectLst/>
+        </p:spPr>
+        <p:txBody>
+          <a:bodyPr wrap="square">
+            <a:prstTxWarp prst="textNoShape">
+              <a:avLst/>
+            </a:prstTxWarp>
+            <a:spAutoFit/>
+          </a:bodyPr>
+          <a:lstStyle/>
+          <a:p>
+            <a:r>
+              <a:rPr lang="en-US" sz="2000" dirty="0" err="1">
+                <a:latin typeface="Courier" charset="0"/>
+              </a:rPr>
+              <a:t>int</a:t>
+            </a:r>
+            <a:r>
+              <a:rPr lang="en-US" sz="2000" dirty="0">
+                <a:latin typeface="Courier" charset="0"/>
+              </a:rPr>
+              <a:t> Q(</a:t>
+            </a:r>
+            <a:r>
+              <a:rPr lang="en-US" sz="2000" dirty="0" err="1">
+                <a:latin typeface="Courier" charset="0"/>
+              </a:rPr>
+              <a:t>int</a:t>
+            </a:r>
+            <a:r>
+              <a:rPr lang="en-US" sz="2000" dirty="0">
+                <a:latin typeface="Courier" charset="0"/>
+              </a:rPr>
+              <a:t> m, </a:t>
+            </a:r>
+            <a:r>
+              <a:rPr lang="en-US" sz="2000" dirty="0" err="1">
+                <a:latin typeface="Courier" charset="0"/>
+              </a:rPr>
+              <a:t>int</a:t>
+            </a:r>
+            <a:r>
+              <a:rPr lang="en-US" sz="2000" dirty="0">
+                <a:latin typeface="Courier" charset="0"/>
+              </a:rPr>
+              <a:t> n) {</a:t>
+            </a:r>
+          </a:p>
+          <a:p>
+            <a:r>
+              <a:rPr lang="en-US" sz="2000" dirty="0">
+                <a:latin typeface="Courier" charset="0"/>
+              </a:rPr>
+              <a:t>  if (n &gt; m) {</a:t>
+            </a:r>
+          </a:p>
+          <a:p>
+            <a:r>
+              <a:rPr lang="en-US" sz="2000" dirty="0">
+                <a:latin typeface="Courier" charset="0"/>
+              </a:rPr>
+              <a:t>    </a:t>
+            </a:r>
+            <a:r>
+              <a:rPr lang="en-US" sz="2000" dirty="0" err="1">
+                <a:latin typeface="Courier" charset="0"/>
+              </a:rPr>
+              <a:t>int</a:t>
+            </a:r>
+            <a:r>
+              <a:rPr lang="en-US" sz="2000" dirty="0">
+                <a:latin typeface="Courier" charset="0"/>
+              </a:rPr>
+              <a:t> </a:t>
+            </a:r>
+            <a:r>
+              <a:rPr lang="en-US" sz="2000" dirty="0" err="1">
+                <a:latin typeface="Courier" charset="0"/>
+              </a:rPr>
+              <a:t>i</a:t>
+            </a:r>
+            <a:r>
+              <a:rPr lang="en-US" sz="2000" dirty="0">
+                <a:latin typeface="Courier" charset="0"/>
+              </a:rPr>
+              <a:t> = P(m, n);</a:t>
+            </a:r>
+          </a:p>
+          <a:p>
+            <a:r>
+              <a:rPr lang="en-US" sz="2000" dirty="0">
+                <a:latin typeface="Courier" charset="0"/>
+              </a:rPr>
+              <a:t>    Q(m, i-1); Q(i+1, n); </a:t>
+            </a:r>
+          </a:p>
+          <a:p>
+            <a:r>
+              <a:rPr lang="en-US" sz="2000" dirty="0">
+                <a:latin typeface="Courier" charset="0"/>
+              </a:rPr>
+              <a:t>  }</a:t>
+            </a:r>
+          </a:p>
+          <a:p>
+            <a:r>
+              <a:rPr lang="en-US" sz="2000" dirty="0">
+                <a:latin typeface="Courier" charset="0"/>
+              </a:rPr>
+              <a:t>}</a:t>
+            </a:r>
           </a:p>
         </p:txBody>
       </p:sp>
@@ -11012,30 +11074,6 @@
       </p:sp>
       <p:sp>
         <p:nvSpPr>
-          <p:cNvPr id="3" name="Date Placeholder 2"/>
-          <p:cNvSpPr>
-            <a:spLocks noGrp="1"/>
-          </p:cNvSpPr>
-          <p:nvPr>
-            <p:ph type="dt" sz="half" idx="10"/>
-          </p:nvPr>
-        </p:nvSpPr>
-        <p:spPr/>
-        <p:txBody>
-          <a:bodyPr/>
-          <a:lstStyle/>
-          <a:p>
-            <a:fld id="{EE0E3171-9A0A-4A41-945B-7EB4829E3A1D}" type="datetime1">
-              <a:rPr lang="en-US" smtClean="0"/>
-              <a:pPr/>
-              <a:t>16-07-05</a:t>
-            </a:fld>
-            <a:endParaRPr lang="en-US"/>
-          </a:p>
-        </p:txBody>
-      </p:sp>
-      <p:sp>
-        <p:nvSpPr>
           <p:cNvPr id="4" name="Slide Number Placeholder 3"/>
           <p:cNvSpPr>
             <a:spLocks noGrp="1"/>
@@ -11596,143 +11634,6 @@
           <a:effectLst/>
         </p:spPr>
       </p:cxnSp>
-      <p:sp>
-        <p:nvSpPr>
-          <p:cNvPr id="39" name="Text Box 38"/>
-          <p:cNvSpPr txBox="1">
-            <a:spLocks noChangeArrowheads="1"/>
-          </p:cNvSpPr>
-          <p:nvPr/>
-        </p:nvSpPr>
-        <p:spPr bwMode="auto">
-          <a:xfrm>
-            <a:off x="281434" y="1940173"/>
-            <a:ext cx="3138438" cy="1920875"/>
-          </a:xfrm>
-          <a:prstGeom prst="rect">
-            <a:avLst/>
-          </a:prstGeom>
-          <a:noFill/>
-          <a:ln w="9525">
-            <a:noFill/>
-            <a:miter lim="800000"/>
-            <a:headEnd/>
-            <a:tailEnd/>
-          </a:ln>
-          <a:effectLst/>
-        </p:spPr>
-        <p:txBody>
-          <a:bodyPr wrap="square">
-            <a:prstTxWarp prst="textNoShape">
-              <a:avLst/>
-            </a:prstTxWarp>
-            <a:spAutoFit/>
-          </a:bodyPr>
-          <a:lstStyle/>
-          <a:p>
-            <a:r>
-              <a:rPr lang="en-US" sz="2000" dirty="0" err="1">
-                <a:latin typeface="Courier" charset="0"/>
-              </a:rPr>
-              <a:t>int</a:t>
-            </a:r>
-            <a:r>
-              <a:rPr lang="en-US" sz="2000" dirty="0">
-                <a:latin typeface="Courier" charset="0"/>
-              </a:rPr>
-              <a:t> Q(</a:t>
-            </a:r>
-            <a:r>
-              <a:rPr lang="en-US" sz="2000" dirty="0" err="1">
-                <a:latin typeface="Courier" charset="0"/>
-              </a:rPr>
-              <a:t>int</a:t>
-            </a:r>
-            <a:r>
-              <a:rPr lang="en-US" sz="2000" dirty="0">
-                <a:latin typeface="Courier" charset="0"/>
-              </a:rPr>
-              <a:t> m, </a:t>
-            </a:r>
-            <a:r>
-              <a:rPr lang="en-US" sz="2000" dirty="0" err="1">
-                <a:latin typeface="Courier" charset="0"/>
-              </a:rPr>
-              <a:t>int</a:t>
-            </a:r>
-            <a:r>
-              <a:rPr lang="en-US" sz="2000" dirty="0">
-                <a:latin typeface="Courier" charset="0"/>
-              </a:rPr>
-              <a:t> n) {</a:t>
-            </a:r>
-          </a:p>
-          <a:p>
-            <a:r>
-              <a:rPr lang="en-US" sz="2000" dirty="0">
-                <a:latin typeface="Courier" charset="0"/>
-              </a:rPr>
-              <a:t>  if (n &gt; m) {</a:t>
-            </a:r>
-          </a:p>
-          <a:p>
-            <a:r>
-              <a:rPr lang="en-US" sz="2000" dirty="0">
-                <a:latin typeface="Courier" charset="0"/>
-              </a:rPr>
-              <a:t>    </a:t>
-            </a:r>
-            <a:r>
-              <a:rPr lang="en-US" sz="2000" dirty="0" err="1">
-                <a:latin typeface="Courier" charset="0"/>
-              </a:rPr>
-              <a:t>int</a:t>
-            </a:r>
-            <a:r>
-              <a:rPr lang="en-US" sz="2000" dirty="0">
-                <a:latin typeface="Courier" charset="0"/>
-              </a:rPr>
-              <a:t> </a:t>
-            </a:r>
-            <a:r>
-              <a:rPr lang="en-US" sz="2000" dirty="0" err="1">
-                <a:latin typeface="Courier" charset="0"/>
-              </a:rPr>
-              <a:t>i</a:t>
-            </a:r>
-            <a:r>
-              <a:rPr lang="en-US" sz="2000" dirty="0">
-                <a:latin typeface="Courier" charset="0"/>
-              </a:rPr>
-              <a:t> = P(m, n);</a:t>
-            </a:r>
-          </a:p>
-          <a:p>
-            <a:r>
-              <a:rPr lang="en-US" sz="2000" dirty="0">
-                <a:latin typeface="Courier" charset="0"/>
-              </a:rPr>
-              <a:t>    Q(m, i-1); Q(i+1, n); </a:t>
-            </a:r>
-          </a:p>
-          <a:p>
-            <a:r>
-              <a:rPr lang="en-US" sz="2000" dirty="0">
-                <a:latin typeface="Courier" charset="0"/>
-              </a:rPr>
-              <a:t>  }</a:t>
-            </a:r>
-          </a:p>
-          <a:p>
-            <a:r>
-              <a:rPr lang="en-US" sz="2000" dirty="0">
-                <a:latin typeface="Courier" charset="0"/>
-              </a:rPr>
-              <a:t>}</a:t>
-            </a:r>
-          </a:p>
-        </p:txBody>
-      </p:sp>
       <p:sp>
         <p:nvSpPr>
           <p:cNvPr id="44" name="Text Box 7"/>
@@ -12140,6 +12041,143 @@
               <a:t> procedures</a:t>
             </a:r>
             <a:endParaRPr lang="en-US" dirty="0"/>
+          </a:p>
+        </p:txBody>
+      </p:sp>
+      <p:sp>
+        <p:nvSpPr>
+          <p:cNvPr id="35" name="Text Box 38"/>
+          <p:cNvSpPr txBox="1">
+            <a:spLocks noChangeArrowheads="1"/>
+          </p:cNvSpPr>
+          <p:nvPr/>
+        </p:nvSpPr>
+        <p:spPr bwMode="auto">
+          <a:xfrm>
+            <a:off x="0" y="1484784"/>
+            <a:ext cx="4002534" cy="1938992"/>
+          </a:xfrm>
+          <a:prstGeom prst="rect">
+            <a:avLst/>
+          </a:prstGeom>
+          <a:noFill/>
+          <a:ln w="9525">
+            <a:noFill/>
+            <a:miter lim="800000"/>
+            <a:headEnd/>
+            <a:tailEnd/>
+          </a:ln>
+          <a:effectLst/>
+        </p:spPr>
+        <p:txBody>
+          <a:bodyPr wrap="square">
+            <a:prstTxWarp prst="textNoShape">
+              <a:avLst/>
+            </a:prstTxWarp>
+            <a:spAutoFit/>
+          </a:bodyPr>
+          <a:lstStyle/>
+          <a:p>
+            <a:r>
+              <a:rPr lang="en-US" sz="2000" dirty="0" err="1">
+                <a:latin typeface="Courier" charset="0"/>
+              </a:rPr>
+              <a:t>int</a:t>
+            </a:r>
+            <a:r>
+              <a:rPr lang="en-US" sz="2000" dirty="0">
+                <a:latin typeface="Courier" charset="0"/>
+              </a:rPr>
+              <a:t> Q(</a:t>
+            </a:r>
+            <a:r>
+              <a:rPr lang="en-US" sz="2000" dirty="0" err="1">
+                <a:latin typeface="Courier" charset="0"/>
+              </a:rPr>
+              <a:t>int</a:t>
+            </a:r>
+            <a:r>
+              <a:rPr lang="en-US" sz="2000" dirty="0">
+                <a:latin typeface="Courier" charset="0"/>
+              </a:rPr>
+              <a:t> m, </a:t>
+            </a:r>
+            <a:r>
+              <a:rPr lang="en-US" sz="2000" dirty="0" err="1">
+                <a:latin typeface="Courier" charset="0"/>
+              </a:rPr>
+              <a:t>int</a:t>
+            </a:r>
+            <a:r>
+              <a:rPr lang="en-US" sz="2000" dirty="0">
+                <a:latin typeface="Courier" charset="0"/>
+              </a:rPr>
+              <a:t> n) {</a:t>
+            </a:r>
+          </a:p>
+          <a:p>
+            <a:r>
+              <a:rPr lang="en-US" sz="2000" dirty="0">
+                <a:latin typeface="Courier" charset="0"/>
+              </a:rPr>
+              <a:t>  if (n &gt; m) {</a:t>
+            </a:r>
+          </a:p>
+          <a:p>
+            <a:r>
+              <a:rPr lang="en-US" sz="2000" dirty="0">
+                <a:latin typeface="Courier" charset="0"/>
+              </a:rPr>
+              <a:t>    </a:t>
+            </a:r>
+            <a:r>
+              <a:rPr lang="en-US" sz="2000" dirty="0" err="1">
+                <a:latin typeface="Courier" charset="0"/>
+              </a:rPr>
+              <a:t>int</a:t>
+            </a:r>
+            <a:r>
+              <a:rPr lang="en-US" sz="2000" dirty="0">
+                <a:latin typeface="Courier" charset="0"/>
+              </a:rPr>
+              <a:t> </a:t>
+            </a:r>
+            <a:r>
+              <a:rPr lang="en-US" sz="2000" dirty="0" err="1">
+                <a:latin typeface="Courier" charset="0"/>
+              </a:rPr>
+              <a:t>i</a:t>
+            </a:r>
+            <a:r>
+              <a:rPr lang="en-US" sz="2000" dirty="0">
+                <a:latin typeface="Courier" charset="0"/>
+              </a:rPr>
+              <a:t> = P(m, n);</a:t>
+            </a:r>
+          </a:p>
+          <a:p>
+            <a:r>
+              <a:rPr lang="en-US" sz="2000" dirty="0">
+                <a:latin typeface="Courier" charset="0"/>
+              </a:rPr>
+              <a:t>    Q(m, i-1); Q(i+1, n); </a:t>
+            </a:r>
+          </a:p>
+          <a:p>
+            <a:r>
+              <a:rPr lang="en-US" sz="2000" dirty="0">
+                <a:latin typeface="Courier" charset="0"/>
+              </a:rPr>
+              <a:t>  }</a:t>
+            </a:r>
+          </a:p>
+          <a:p>
+            <a:r>
+              <a:rPr lang="en-US" sz="2000" dirty="0">
+                <a:latin typeface="Courier" charset="0"/>
+              </a:rPr>
+              <a:t>}</a:t>
+            </a:r>
           </a:p>
         </p:txBody>
       </p:sp>
@@ -12577,30 +12615,6 @@
       </p:sp>
       <p:sp>
         <p:nvSpPr>
-          <p:cNvPr id="3" name="Date Placeholder 2"/>
-          <p:cNvSpPr>
-            <a:spLocks noGrp="1"/>
-          </p:cNvSpPr>
-          <p:nvPr>
-            <p:ph type="dt" sz="half" idx="10"/>
-          </p:nvPr>
-        </p:nvSpPr>
-        <p:spPr/>
-        <p:txBody>
-          <a:bodyPr/>
-          <a:lstStyle/>
-          <a:p>
-            <a:fld id="{EE0E3171-9A0A-4A41-945B-7EB4829E3A1D}" type="datetime1">
-              <a:rPr lang="en-US" smtClean="0"/>
-              <a:pPr/>
-              <a:t>16-07-05</a:t>
-            </a:fld>
-            <a:endParaRPr lang="en-US"/>
-          </a:p>
-        </p:txBody>
-      </p:sp>
-      <p:sp>
-        <p:nvSpPr>
           <p:cNvPr id="4" name="Slide Number Placeholder 3"/>
           <p:cNvSpPr>
             <a:spLocks noGrp="1"/>
@@ -13153,30 +13167,6 @@
       </p:sp>
       <p:sp>
         <p:nvSpPr>
-          <p:cNvPr id="3" name="Date Placeholder 2"/>
-          <p:cNvSpPr>
-            <a:spLocks noGrp="1"/>
-          </p:cNvSpPr>
-          <p:nvPr>
-            <p:ph type="dt" sz="half" idx="10"/>
-          </p:nvPr>
-        </p:nvSpPr>
-        <p:spPr/>
-        <p:txBody>
-          <a:bodyPr/>
-          <a:lstStyle/>
-          <a:p>
-            <a:fld id="{EE0E3171-9A0A-4A41-945B-7EB4829E3A1D}" type="datetime1">
-              <a:rPr lang="en-US" smtClean="0"/>
-              <a:pPr/>
-              <a:t>16-07-05</a:t>
-            </a:fld>
-            <a:endParaRPr lang="en-US"/>
-          </a:p>
-        </p:txBody>
-      </p:sp>
-      <p:sp>
-        <p:nvSpPr>
           <p:cNvPr id="4" name="Slide Number Placeholder 3"/>
           <p:cNvSpPr>
             <a:spLocks noGrp="1"/>
@@ -13589,30 +13579,6 @@
       </p:grpSpPr>
       <p:sp>
         <p:nvSpPr>
-          <p:cNvPr id="4" name="Date Placeholder 3"/>
-          <p:cNvSpPr>
-            <a:spLocks noGrp="1"/>
-          </p:cNvSpPr>
-          <p:nvPr>
-            <p:ph type="dt" sz="half" idx="10"/>
-          </p:nvPr>
-        </p:nvSpPr>
-        <p:spPr/>
-        <p:txBody>
-          <a:bodyPr/>
-          <a:lstStyle/>
-          <a:p>
-            <a:fld id="{BCB99C43-DFE9-8745-9915-B7DB9291F43C}" type="datetime1">
-              <a:rPr lang="en-US"/>
-              <a:pPr/>
-              <a:t>16-07-05</a:t>
-            </a:fld>
-            <a:endParaRPr lang="en-US"/>
-          </a:p>
-        </p:txBody>
-      </p:sp>
-      <p:sp>
-        <p:nvSpPr>
           <p:cNvPr id="5" name="Slide Number Placeholder 5"/>
           <p:cNvSpPr>
             <a:spLocks noGrp="1"/>
@@ -13806,30 +13772,6 @@
           <a:chExt cx="0" cy="0"/>
         </a:xfrm>
       </p:grpSpPr>
-      <p:sp>
-        <p:nvSpPr>
-          <p:cNvPr id="3" name="Date Placeholder 2"/>
-          <p:cNvSpPr>
-            <a:spLocks noGrp="1"/>
-          </p:cNvSpPr>
-          <p:nvPr>
-            <p:ph type="dt" sz="half" idx="10"/>
-          </p:nvPr>
-        </p:nvSpPr>
-        <p:spPr/>
-        <p:txBody>
-          <a:bodyPr/>
-          <a:lstStyle/>
-          <a:p>
-            <a:fld id="{EE0E3171-9A0A-4A41-945B-7EB4829E3A1D}" type="datetime1">
-              <a:rPr lang="en-US" smtClean="0"/>
-              <a:pPr/>
-              <a:t>16-07-05</a:t>
-            </a:fld>
-            <a:endParaRPr lang="en-US"/>
-          </a:p>
-        </p:txBody>
-      </p:sp>
       <p:sp>
         <p:nvSpPr>
           <p:cNvPr id="4" name="Slide Number Placeholder 3"/>
@@ -14897,30 +14839,6 @@
       </p:sp>
       <p:sp>
         <p:nvSpPr>
-          <p:cNvPr id="4" name="Date Placeholder 3"/>
-          <p:cNvSpPr>
-            <a:spLocks noGrp="1"/>
-          </p:cNvSpPr>
-          <p:nvPr>
-            <p:ph type="dt" sz="half" idx="10"/>
-          </p:nvPr>
-        </p:nvSpPr>
-        <p:spPr/>
-        <p:txBody>
-          <a:bodyPr/>
-          <a:lstStyle/>
-          <a:p>
-            <a:fld id="{5BABB0BE-4836-1E4F-8361-DDABFE66DBD6}" type="datetime1">
-              <a:rPr lang="en-US" smtClean="0"/>
-              <a:pPr/>
-              <a:t>16-07-05</a:t>
-            </a:fld>
-            <a:endParaRPr lang="en-US"/>
-          </a:p>
-        </p:txBody>
-      </p:sp>
-      <p:sp>
-        <p:nvSpPr>
           <p:cNvPr id="5" name="Slide Number Placeholder 4"/>
           <p:cNvSpPr>
             <a:spLocks noGrp="1"/>
@@ -14982,30 +14900,6 @@
       </p:grpSpPr>
       <p:sp>
         <p:nvSpPr>
-          <p:cNvPr id="3" name="Date Placeholder 2"/>
-          <p:cNvSpPr>
-            <a:spLocks noGrp="1"/>
-          </p:cNvSpPr>
-          <p:nvPr>
-            <p:ph type="dt" sz="half" idx="10"/>
-          </p:nvPr>
-        </p:nvSpPr>
-        <p:spPr/>
-        <p:txBody>
-          <a:bodyPr/>
-          <a:lstStyle/>
-          <a:p>
-            <a:fld id="{EE0E3171-9A0A-4A41-945B-7EB4829E3A1D}" type="datetime1">
-              <a:rPr lang="en-US" smtClean="0"/>
-              <a:pPr/>
-              <a:t>16-07-05</a:t>
-            </a:fld>
-            <a:endParaRPr lang="en-US"/>
-          </a:p>
-        </p:txBody>
-      </p:sp>
-      <p:sp>
-        <p:nvSpPr>
           <p:cNvPr id="4" name="Slide Number Placeholder 3"/>
           <p:cNvSpPr>
             <a:spLocks noGrp="1"/>
@@ -15977,30 +15871,6 @@
       </p:grpSpPr>
       <p:sp>
         <p:nvSpPr>
-          <p:cNvPr id="3" name="Date Placeholder 2"/>
-          <p:cNvSpPr>
-            <a:spLocks noGrp="1"/>
-          </p:cNvSpPr>
-          <p:nvPr>
-            <p:ph type="dt" sz="half" idx="10"/>
-          </p:nvPr>
-        </p:nvSpPr>
-        <p:spPr/>
-        <p:txBody>
-          <a:bodyPr/>
-          <a:lstStyle/>
-          <a:p>
-            <a:fld id="{EE0E3171-9A0A-4A41-945B-7EB4829E3A1D}" type="datetime1">
-              <a:rPr lang="en-US" smtClean="0"/>
-              <a:pPr/>
-              <a:t>16-07-05</a:t>
-            </a:fld>
-            <a:endParaRPr lang="en-US"/>
-          </a:p>
-        </p:txBody>
-      </p:sp>
-      <p:sp>
-        <p:nvSpPr>
           <p:cNvPr id="4" name="Slide Number Placeholder 3"/>
           <p:cNvSpPr>
             <a:spLocks noGrp="1"/>
@@ -17051,30 +16921,6 @@
       </p:grpSpPr>
       <p:sp>
         <p:nvSpPr>
-          <p:cNvPr id="3" name="Date Placeholder 2"/>
-          <p:cNvSpPr>
-            <a:spLocks noGrp="1"/>
-          </p:cNvSpPr>
-          <p:nvPr>
-            <p:ph type="dt" sz="half" idx="10"/>
-          </p:nvPr>
-        </p:nvSpPr>
-        <p:spPr/>
-        <p:txBody>
-          <a:bodyPr/>
-          <a:lstStyle/>
-          <a:p>
-            <a:fld id="{EE0E3171-9A0A-4A41-945B-7EB4829E3A1D}" type="datetime1">
-              <a:rPr lang="en-US" smtClean="0"/>
-              <a:pPr/>
-              <a:t>16-07-05</a:t>
-            </a:fld>
-            <a:endParaRPr lang="en-US"/>
-          </a:p>
-        </p:txBody>
-      </p:sp>
-      <p:sp>
-        <p:nvSpPr>
           <p:cNvPr id="4" name="Slide Number Placeholder 3"/>
           <p:cNvSpPr>
             <a:spLocks noGrp="1"/>
@@ -18506,30 +18352,6 @@
           <a:chExt cx="0" cy="0"/>
         </a:xfrm>
       </p:grpSpPr>
-      <p:sp>
-        <p:nvSpPr>
-          <p:cNvPr id="3" name="Date Placeholder 2"/>
-          <p:cNvSpPr>
-            <a:spLocks noGrp="1"/>
-          </p:cNvSpPr>
-          <p:nvPr>
-            <p:ph type="dt" sz="half" idx="10"/>
-          </p:nvPr>
-        </p:nvSpPr>
-        <p:spPr/>
-        <p:txBody>
-          <a:bodyPr/>
-          <a:lstStyle/>
-          <a:p>
-            <a:fld id="{EE0E3171-9A0A-4A41-945B-7EB4829E3A1D}" type="datetime1">
-              <a:rPr lang="en-US" smtClean="0"/>
-              <a:pPr/>
-              <a:t>16-07-05</a:t>
-            </a:fld>
-            <a:endParaRPr lang="en-US"/>
-          </a:p>
-        </p:txBody>
-      </p:sp>
       <p:sp>
         <p:nvSpPr>
           <p:cNvPr id="4" name="Slide Number Placeholder 3"/>
@@ -19888,30 +19710,6 @@
       </p:grpSpPr>
       <p:sp>
         <p:nvSpPr>
-          <p:cNvPr id="3" name="Date Placeholder 2"/>
-          <p:cNvSpPr>
-            <a:spLocks noGrp="1"/>
-          </p:cNvSpPr>
-          <p:nvPr>
-            <p:ph type="dt" sz="half" idx="10"/>
-          </p:nvPr>
-        </p:nvSpPr>
-        <p:spPr/>
-        <p:txBody>
-          <a:bodyPr/>
-          <a:lstStyle/>
-          <a:p>
-            <a:fld id="{EE0E3171-9A0A-4A41-945B-7EB4829E3A1D}" type="datetime1">
-              <a:rPr lang="en-US" smtClean="0"/>
-              <a:pPr/>
-              <a:t>16-07-05</a:t>
-            </a:fld>
-            <a:endParaRPr lang="en-US"/>
-          </a:p>
-        </p:txBody>
-      </p:sp>
-      <p:sp>
-        <p:nvSpPr>
           <p:cNvPr id="4" name="Slide Number Placeholder 3"/>
           <p:cNvSpPr>
             <a:spLocks noGrp="1"/>
@@ -21276,30 +21074,6 @@
       </p:grpSpPr>
       <p:sp>
         <p:nvSpPr>
-          <p:cNvPr id="3" name="Date Placeholder 2"/>
-          <p:cNvSpPr>
-            <a:spLocks noGrp="1"/>
-          </p:cNvSpPr>
-          <p:nvPr>
-            <p:ph type="dt" sz="half" idx="10"/>
-          </p:nvPr>
-        </p:nvSpPr>
-        <p:spPr/>
-        <p:txBody>
-          <a:bodyPr/>
-          <a:lstStyle/>
-          <a:p>
-            <a:fld id="{EE0E3171-9A0A-4A41-945B-7EB4829E3A1D}" type="datetime1">
-              <a:rPr lang="en-US" smtClean="0"/>
-              <a:pPr/>
-              <a:t>16-07-05</a:t>
-            </a:fld>
-            <a:endParaRPr lang="en-US"/>
-          </a:p>
-        </p:txBody>
-      </p:sp>
-      <p:sp>
-        <p:nvSpPr>
           <p:cNvPr id="4" name="Slide Number Placeholder 3"/>
           <p:cNvSpPr>
             <a:spLocks noGrp="1"/>
@@ -22664,30 +22438,6 @@
       </p:grpSpPr>
       <p:sp>
         <p:nvSpPr>
-          <p:cNvPr id="3" name="Date Placeholder 2"/>
-          <p:cNvSpPr>
-            <a:spLocks noGrp="1"/>
-          </p:cNvSpPr>
-          <p:nvPr>
-            <p:ph type="dt" sz="half" idx="10"/>
-          </p:nvPr>
-        </p:nvSpPr>
-        <p:spPr/>
-        <p:txBody>
-          <a:bodyPr/>
-          <a:lstStyle/>
-          <a:p>
-            <a:fld id="{EE0E3171-9A0A-4A41-945B-7EB4829E3A1D}" type="datetime1">
-              <a:rPr lang="en-US" smtClean="0"/>
-              <a:pPr/>
-              <a:t>16-07-05</a:t>
-            </a:fld>
-            <a:endParaRPr lang="en-US"/>
-          </a:p>
-        </p:txBody>
-      </p:sp>
-      <p:sp>
-        <p:nvSpPr>
           <p:cNvPr id="4" name="Slide Number Placeholder 3"/>
           <p:cNvSpPr>
             <a:spLocks noGrp="1"/>
@@ -23935,30 +23685,6 @@
               <a:t>Especially the method result and arguments</a:t>
             </a:r>
             <a:endParaRPr lang="en-CA" sz="2400" dirty="0"/>
-          </a:p>
-        </p:txBody>
-      </p:sp>
-      <p:sp>
-        <p:nvSpPr>
-          <p:cNvPr id="4" name="Date Placeholder 3"/>
-          <p:cNvSpPr>
-            <a:spLocks noGrp="1"/>
-          </p:cNvSpPr>
-          <p:nvPr>
-            <p:ph type="dt" sz="half" idx="10"/>
-          </p:nvPr>
-        </p:nvSpPr>
-        <p:spPr/>
-        <p:txBody>
-          <a:bodyPr/>
-          <a:lstStyle/>
-          <a:p>
-            <a:fld id="{5BABB0BE-4836-1E4F-8361-DDABFE66DBD6}" type="datetime1">
-              <a:rPr lang="en-US" smtClean="0"/>
-              <a:pPr/>
-              <a:t>16-07-05</a:t>
-            </a:fld>
-            <a:endParaRPr lang="en-US"/>
           </a:p>
         </p:txBody>
       </p:sp>
@@ -24126,30 +23852,6 @@
           <a:chExt cx="0" cy="0"/>
         </a:xfrm>
       </p:grpSpPr>
-      <p:sp>
-        <p:nvSpPr>
-          <p:cNvPr id="4" name="Date Placeholder 2"/>
-          <p:cNvSpPr>
-            <a:spLocks noGrp="1"/>
-          </p:cNvSpPr>
-          <p:nvPr>
-            <p:ph type="dt" sz="half" idx="10"/>
-          </p:nvPr>
-        </p:nvSpPr>
-        <p:spPr/>
-        <p:txBody>
-          <a:bodyPr/>
-          <a:lstStyle/>
-          <a:p>
-            <a:fld id="{914B9247-7045-CB4D-B149-A28B025C224D}" type="datetime1">
-              <a:rPr lang="en-US"/>
-              <a:pPr/>
-              <a:t>16-07-05</a:t>
-            </a:fld>
-            <a:endParaRPr lang="en-US"/>
-          </a:p>
-        </p:txBody>
-      </p:sp>
       <p:sp>
         <p:nvSpPr>
           <p:cNvPr id="5" name="Slide Number Placeholder 4"/>
@@ -24861,30 +24563,6 @@
       </p:grpSpPr>
       <p:sp>
         <p:nvSpPr>
-          <p:cNvPr id="3" name="Date Placeholder 2"/>
-          <p:cNvSpPr>
-            <a:spLocks noGrp="1"/>
-          </p:cNvSpPr>
-          <p:nvPr>
-            <p:ph type="dt" sz="half" idx="10"/>
-          </p:nvPr>
-        </p:nvSpPr>
-        <p:spPr/>
-        <p:txBody>
-          <a:bodyPr/>
-          <a:lstStyle/>
-          <a:p>
-            <a:fld id="{C40D5C3A-7CF5-344D-8C6D-E9851483D942}" type="datetime1">
-              <a:rPr lang="en-US" smtClean="0"/>
-              <a:pPr/>
-              <a:t>16-07-05</a:t>
-            </a:fld>
-            <a:endParaRPr lang="en-US"/>
-          </a:p>
-        </p:txBody>
-      </p:sp>
-      <p:sp>
-        <p:nvSpPr>
           <p:cNvPr id="4" name="Slide Number Placeholder 3"/>
           <p:cNvSpPr>
             <a:spLocks noGrp="1"/>
@@ -25221,30 +24899,6 @@
       </p:sp>
       <p:sp>
         <p:nvSpPr>
-          <p:cNvPr id="4" name="Date Placeholder 3"/>
-          <p:cNvSpPr>
-            <a:spLocks noGrp="1"/>
-          </p:cNvSpPr>
-          <p:nvPr>
-            <p:ph type="dt" sz="half" idx="10"/>
-          </p:nvPr>
-        </p:nvSpPr>
-        <p:spPr/>
-        <p:txBody>
-          <a:bodyPr/>
-          <a:lstStyle/>
-          <a:p>
-            <a:fld id="{5BABB0BE-4836-1E4F-8361-DDABFE66DBD6}" type="datetime1">
-              <a:rPr lang="en-US" smtClean="0"/>
-              <a:pPr/>
-              <a:t>16-07-05</a:t>
-            </a:fld>
-            <a:endParaRPr lang="en-US"/>
-          </a:p>
-        </p:txBody>
-      </p:sp>
-      <p:sp>
-        <p:nvSpPr>
           <p:cNvPr id="5" name="Slide Number Placeholder 4"/>
           <p:cNvSpPr>
             <a:spLocks noGrp="1"/>
@@ -25304,30 +24958,6 @@
           <a:chExt cx="0" cy="0"/>
         </a:xfrm>
       </p:grpSpPr>
-      <p:sp>
-        <p:nvSpPr>
-          <p:cNvPr id="3" name="Date Placeholder 1"/>
-          <p:cNvSpPr>
-            <a:spLocks noGrp="1"/>
-          </p:cNvSpPr>
-          <p:nvPr>
-            <p:ph type="dt" sz="half" idx="10"/>
-          </p:nvPr>
-        </p:nvSpPr>
-        <p:spPr/>
-        <p:txBody>
-          <a:bodyPr/>
-          <a:lstStyle/>
-          <a:p>
-            <a:fld id="{5BE8F0E5-52F2-1544-ADC8-A67316438B3A}" type="datetime1">
-              <a:rPr lang="en-US"/>
-              <a:pPr/>
-              <a:t>16-07-05</a:t>
-            </a:fld>
-            <a:endParaRPr lang="en-US"/>
-          </a:p>
-        </p:txBody>
-      </p:sp>
       <p:sp>
         <p:nvSpPr>
           <p:cNvPr id="4" name="Slide Number Placeholder 3"/>
@@ -25810,30 +25440,6 @@
               <a:t>Depending on the language, there may be other statically allocated values</a:t>
             </a:r>
             <a:endParaRPr lang="en-CA" dirty="0"/>
-          </a:p>
-        </p:txBody>
-      </p:sp>
-      <p:sp>
-        <p:nvSpPr>
-          <p:cNvPr id="4" name="Date Placeholder 3"/>
-          <p:cNvSpPr>
-            <a:spLocks noGrp="1"/>
-          </p:cNvSpPr>
-          <p:nvPr>
-            <p:ph type="dt" sz="half" idx="10"/>
-          </p:nvPr>
-        </p:nvSpPr>
-        <p:spPr/>
-        <p:txBody>
-          <a:bodyPr/>
-          <a:lstStyle/>
-          <a:p>
-            <a:fld id="{5BABB0BE-4836-1E4F-8361-DDABFE66DBD6}" type="datetime1">
-              <a:rPr lang="en-US" smtClean="0"/>
-              <a:pPr/>
-              <a:t>16-07-05</a:t>
-            </a:fld>
-            <a:endParaRPr lang="en-US"/>
           </a:p>
         </p:txBody>
       </p:sp>
@@ -26070,30 +25676,6 @@
               <a:t>Memory Organization</a:t>
             </a:r>
             <a:endParaRPr lang="en-CA" dirty="0"/>
-          </a:p>
-        </p:txBody>
-      </p:sp>
-      <p:sp>
-        <p:nvSpPr>
-          <p:cNvPr id="3" name="Date Placeholder 2"/>
-          <p:cNvSpPr>
-            <a:spLocks noGrp="1"/>
-          </p:cNvSpPr>
-          <p:nvPr>
-            <p:ph type="dt" sz="half" idx="10"/>
-          </p:nvPr>
-        </p:nvSpPr>
-        <p:spPr/>
-        <p:txBody>
-          <a:bodyPr/>
-          <a:lstStyle/>
-          <a:p>
-            <a:fld id="{EE0E3171-9A0A-4A41-945B-7EB4829E3A1D}" type="datetime1">
-              <a:rPr lang="en-US" smtClean="0"/>
-              <a:pPr/>
-              <a:t>16-07-05</a:t>
-            </a:fld>
-            <a:endParaRPr lang="en-US"/>
           </a:p>
         </p:txBody>
       </p:sp>
@@ -26911,30 +26493,6 @@
       </p:sp>
       <p:sp>
         <p:nvSpPr>
-          <p:cNvPr id="4" name="Date Placeholder 3"/>
-          <p:cNvSpPr>
-            <a:spLocks noGrp="1"/>
-          </p:cNvSpPr>
-          <p:nvPr>
-            <p:ph type="dt" sz="half" idx="10"/>
-          </p:nvPr>
-        </p:nvSpPr>
-        <p:spPr/>
-        <p:txBody>
-          <a:bodyPr/>
-          <a:lstStyle/>
-          <a:p>
-            <a:fld id="{5BABB0BE-4836-1E4F-8361-DDABFE66DBD6}" type="datetime1">
-              <a:rPr lang="en-US" smtClean="0"/>
-              <a:pPr/>
-              <a:t>16-07-05</a:t>
-            </a:fld>
-            <a:endParaRPr lang="en-US"/>
-          </a:p>
-        </p:txBody>
-      </p:sp>
-      <p:sp>
-        <p:nvSpPr>
           <p:cNvPr id="5" name="Slide Number Placeholder 4"/>
           <p:cNvSpPr>
             <a:spLocks noGrp="1"/>
@@ -27132,30 +26690,6 @@
                 <a:schemeClr val="accent2"/>
               </a:solidFill>
             </a:endParaRPr>
-          </a:p>
-        </p:txBody>
-      </p:sp>
-      <p:sp>
-        <p:nvSpPr>
-          <p:cNvPr id="4" name="Date Placeholder 3"/>
-          <p:cNvSpPr>
-            <a:spLocks noGrp="1"/>
-          </p:cNvSpPr>
-          <p:nvPr>
-            <p:ph type="dt" sz="half" idx="10"/>
-          </p:nvPr>
-        </p:nvSpPr>
-        <p:spPr/>
-        <p:txBody>
-          <a:bodyPr/>
-          <a:lstStyle/>
-          <a:p>
-            <a:fld id="{5BABB0BE-4836-1E4F-8361-DDABFE66DBD6}" type="datetime1">
-              <a:rPr lang="en-US" smtClean="0"/>
-              <a:pPr/>
-              <a:t>16-07-05</a:t>
-            </a:fld>
-            <a:endParaRPr lang="en-US"/>
           </a:p>
         </p:txBody>
       </p:sp>
@@ -27623,30 +27157,6 @@
       </p:sp>
       <p:sp>
         <p:nvSpPr>
-          <p:cNvPr id="4" name="Date Placeholder 3"/>
-          <p:cNvSpPr>
-            <a:spLocks noGrp="1"/>
-          </p:cNvSpPr>
-          <p:nvPr>
-            <p:ph type="dt" sz="half" idx="10"/>
-          </p:nvPr>
-        </p:nvSpPr>
-        <p:spPr/>
-        <p:txBody>
-          <a:bodyPr/>
-          <a:lstStyle/>
-          <a:p>
-            <a:fld id="{5BABB0BE-4836-1E4F-8361-DDABFE66DBD6}" type="datetime1">
-              <a:rPr lang="en-US" smtClean="0"/>
-              <a:pPr/>
-              <a:t>16-07-05</a:t>
-            </a:fld>
-            <a:endParaRPr lang="en-US"/>
-          </a:p>
-        </p:txBody>
-      </p:sp>
-      <p:sp>
-        <p:nvSpPr>
           <p:cNvPr id="5" name="Slide Number Placeholder 4"/>
           <p:cNvSpPr>
             <a:spLocks noGrp="1"/>
@@ -27726,30 +27236,6 @@
               <a:t>Memory Organization</a:t>
             </a:r>
             <a:endParaRPr lang="en-CA" dirty="0"/>
-          </a:p>
-        </p:txBody>
-      </p:sp>
-      <p:sp>
-        <p:nvSpPr>
-          <p:cNvPr id="3" name="Date Placeholder 2"/>
-          <p:cNvSpPr>
-            <a:spLocks noGrp="1"/>
-          </p:cNvSpPr>
-          <p:nvPr>
-            <p:ph type="dt" sz="half" idx="10"/>
-          </p:nvPr>
-        </p:nvSpPr>
-        <p:spPr/>
-        <p:txBody>
-          <a:bodyPr/>
-          <a:lstStyle/>
-          <a:p>
-            <a:fld id="{EE0E3171-9A0A-4A41-945B-7EB4829E3A1D}" type="datetime1">
-              <a:rPr lang="en-US" smtClean="0"/>
-              <a:pPr/>
-              <a:t>16-07-05</a:t>
-            </a:fld>
-            <a:endParaRPr lang="en-US"/>
           </a:p>
         </p:txBody>
       </p:sp>
@@ -29017,30 +28503,6 @@
       </p:sp>
       <p:sp>
         <p:nvSpPr>
-          <p:cNvPr id="4" name="Date Placeholder 3"/>
-          <p:cNvSpPr>
-            <a:spLocks noGrp="1"/>
-          </p:cNvSpPr>
-          <p:nvPr>
-            <p:ph type="dt" sz="half" idx="10"/>
-          </p:nvPr>
-        </p:nvSpPr>
-        <p:spPr/>
-        <p:txBody>
-          <a:bodyPr/>
-          <a:lstStyle/>
-          <a:p>
-            <a:fld id="{5BABB0BE-4836-1E4F-8361-DDABFE66DBD6}" type="datetime1">
-              <a:rPr lang="en-US" smtClean="0"/>
-              <a:pPr/>
-              <a:t>16-07-05</a:t>
-            </a:fld>
-            <a:endParaRPr lang="en-US"/>
-          </a:p>
-        </p:txBody>
-      </p:sp>
-      <p:sp>
-        <p:nvSpPr>
           <p:cNvPr id="5" name="Slide Number Placeholder 4"/>
           <p:cNvSpPr>
             <a:spLocks noGrp="1"/>
@@ -29347,30 +28809,6 @@
               <a:rPr lang="en-CA" dirty="0" smtClean="0"/>
               <a:t>The padding is not part of the string, it’s juts unused memory</a:t>
             </a:r>
-          </a:p>
-        </p:txBody>
-      </p:sp>
-      <p:sp>
-        <p:nvSpPr>
-          <p:cNvPr id="4" name="Date Placeholder 3"/>
-          <p:cNvSpPr>
-            <a:spLocks noGrp="1"/>
-          </p:cNvSpPr>
-          <p:nvPr>
-            <p:ph type="dt" sz="half" idx="10"/>
-          </p:nvPr>
-        </p:nvSpPr>
-        <p:spPr/>
-        <p:txBody>
-          <a:bodyPr/>
-          <a:lstStyle/>
-          <a:p>
-            <a:fld id="{5BABB0BE-4836-1E4F-8361-DDABFE66DBD6}" type="datetime1">
-              <a:rPr lang="en-US" smtClean="0"/>
-              <a:pPr/>
-              <a:t>16-07-05</a:t>
-            </a:fld>
-            <a:endParaRPr lang="en-US"/>
           </a:p>
         </p:txBody>
       </p:sp>
@@ -29996,30 +29434,6 @@
       </p:sp>
       <p:sp>
         <p:nvSpPr>
-          <p:cNvPr id="4" name="Date Placeholder 3"/>
-          <p:cNvSpPr>
-            <a:spLocks noGrp="1"/>
-          </p:cNvSpPr>
-          <p:nvPr>
-            <p:ph type="dt" sz="half" idx="10"/>
-          </p:nvPr>
-        </p:nvSpPr>
-        <p:spPr/>
-        <p:txBody>
-          <a:bodyPr/>
-          <a:lstStyle/>
-          <a:p>
-            <a:fld id="{5BABB0BE-4836-1E4F-8361-DDABFE66DBD6}" type="datetime1">
-              <a:rPr lang="en-US" smtClean="0"/>
-              <a:pPr/>
-              <a:t>16-07-05</a:t>
-            </a:fld>
-            <a:endParaRPr lang="en-US"/>
-          </a:p>
-        </p:txBody>
-      </p:sp>
-      <p:sp>
-        <p:nvSpPr>
           <p:cNvPr id="5" name="Slide Number Placeholder 4"/>
           <p:cNvSpPr>
             <a:spLocks noGrp="1"/>
@@ -30198,30 +29612,6 @@
               <a:rPr lang="en-CA" dirty="0" smtClean="0"/>
               <a:t>Orchestrating use of the data area</a:t>
             </a:r>
-          </a:p>
-        </p:txBody>
-      </p:sp>
-      <p:sp>
-        <p:nvSpPr>
-          <p:cNvPr id="4" name="Date Placeholder 3"/>
-          <p:cNvSpPr>
-            <a:spLocks noGrp="1"/>
-          </p:cNvSpPr>
-          <p:nvPr>
-            <p:ph type="dt" sz="half" idx="10"/>
-          </p:nvPr>
-        </p:nvSpPr>
-        <p:spPr/>
-        <p:txBody>
-          <a:bodyPr/>
-          <a:lstStyle/>
-          <a:p>
-            <a:fld id="{5BABB0BE-4836-1E4F-8361-DDABFE66DBD6}" type="datetime1">
-              <a:rPr lang="en-US" smtClean="0"/>
-              <a:pPr/>
-              <a:t>16-07-05</a:t>
-            </a:fld>
-            <a:endParaRPr lang="en-US"/>
           </a:p>
         </p:txBody>
       </p:sp>
@@ -30792,30 +30182,6 @@
       </p:grpSpPr>
       <p:sp>
         <p:nvSpPr>
-          <p:cNvPr id="4" name="Date Placeholder 3"/>
-          <p:cNvSpPr>
-            <a:spLocks noGrp="1"/>
-          </p:cNvSpPr>
-          <p:nvPr>
-            <p:ph type="dt" sz="half" idx="10"/>
-          </p:nvPr>
-        </p:nvSpPr>
-        <p:spPr/>
-        <p:txBody>
-          <a:bodyPr/>
-          <a:lstStyle/>
-          <a:p>
-            <a:fld id="{F9433B8B-CAB4-8F48-836B-44B2A7AEA489}" type="datetime1">
-              <a:rPr lang="en-US"/>
-              <a:pPr/>
-              <a:t>16-07-05</a:t>
-            </a:fld>
-            <a:endParaRPr lang="en-US"/>
-          </a:p>
-        </p:txBody>
-      </p:sp>
-      <p:sp>
-        <p:nvSpPr>
           <p:cNvPr id="5" name="Slide Number Placeholder 5"/>
           <p:cNvSpPr>
             <a:spLocks noGrp="1"/>
@@ -30951,30 +30317,6 @@
       </p:grpSpPr>
       <p:sp>
         <p:nvSpPr>
-          <p:cNvPr id="3" name="Date Placeholder 2"/>
-          <p:cNvSpPr>
-            <a:spLocks noGrp="1"/>
-          </p:cNvSpPr>
-          <p:nvPr>
-            <p:ph type="dt" sz="half" idx="10"/>
-          </p:nvPr>
-        </p:nvSpPr>
-        <p:spPr/>
-        <p:txBody>
-          <a:bodyPr/>
-          <a:lstStyle/>
-          <a:p>
-            <a:fld id="{0DA33278-F991-B84F-B3F6-F1760489F964}" type="datetime1">
-              <a:rPr lang="en-US"/>
-              <a:pPr/>
-              <a:t>16-07-05</a:t>
-            </a:fld>
-            <a:endParaRPr lang="en-US"/>
-          </a:p>
-        </p:txBody>
-      </p:sp>
-      <p:sp>
-        <p:nvSpPr>
           <p:cNvPr id="4" name="Slide Number Placeholder 4"/>
           <p:cNvSpPr>
             <a:spLocks noGrp="1"/>
@@ -31066,30 +30408,6 @@
           <a:chExt cx="0" cy="0"/>
         </a:xfrm>
       </p:grpSpPr>
-      <p:sp>
-        <p:nvSpPr>
-          <p:cNvPr id="4" name="Date Placeholder 3"/>
-          <p:cNvSpPr>
-            <a:spLocks noGrp="1"/>
-          </p:cNvSpPr>
-          <p:nvPr>
-            <p:ph type="dt" sz="half" idx="10"/>
-          </p:nvPr>
-        </p:nvSpPr>
-        <p:spPr/>
-        <p:txBody>
-          <a:bodyPr/>
-          <a:lstStyle/>
-          <a:p>
-            <a:fld id="{20DA9850-867C-314D-A7D3-18B32248B4CE}" type="datetime1">
-              <a:rPr lang="en-US"/>
-              <a:pPr/>
-              <a:t>16-07-05</a:t>
-            </a:fld>
-            <a:endParaRPr lang="en-US"/>
-          </a:p>
-        </p:txBody>
-      </p:sp>
       <p:sp>
         <p:nvSpPr>
           <p:cNvPr id="5" name="Slide Number Placeholder 5"/>
@@ -31517,30 +30835,6 @@
           <a:chExt cx="0" cy="0"/>
         </a:xfrm>
       </p:grpSpPr>
-      <p:sp>
-        <p:nvSpPr>
-          <p:cNvPr id="4" name="Date Placeholder 3"/>
-          <p:cNvSpPr>
-            <a:spLocks noGrp="1"/>
-          </p:cNvSpPr>
-          <p:nvPr>
-            <p:ph type="dt" sz="half" idx="10"/>
-          </p:nvPr>
-        </p:nvSpPr>
-        <p:spPr/>
-        <p:txBody>
-          <a:bodyPr/>
-          <a:lstStyle/>
-          <a:p>
-            <a:fld id="{808365C5-DD47-8042-B20D-93A0E0EC65BB}" type="datetime1">
-              <a:rPr lang="en-US"/>
-              <a:pPr/>
-              <a:t>16-07-05</a:t>
-            </a:fld>
-            <a:endParaRPr lang="en-US"/>
-          </a:p>
-        </p:txBody>
-      </p:sp>
       <p:sp>
         <p:nvSpPr>
           <p:cNvPr id="5" name="Slide Number Placeholder 5"/>
@@ -32005,30 +31299,6 @@
       </p:grpSpPr>
       <p:sp>
         <p:nvSpPr>
-          <p:cNvPr id="4" name="Date Placeholder 3"/>
-          <p:cNvSpPr>
-            <a:spLocks noGrp="1"/>
-          </p:cNvSpPr>
-          <p:nvPr>
-            <p:ph type="dt" sz="half" idx="10"/>
-          </p:nvPr>
-        </p:nvSpPr>
-        <p:spPr/>
-        <p:txBody>
-          <a:bodyPr/>
-          <a:lstStyle/>
-          <a:p>
-            <a:fld id="{1E1F42C8-1E5A-B245-B817-2A80773D84E3}" type="datetime1">
-              <a:rPr lang="en-US"/>
-              <a:pPr/>
-              <a:t>16-07-05</a:t>
-            </a:fld>
-            <a:endParaRPr lang="en-US"/>
-          </a:p>
-        </p:txBody>
-      </p:sp>
-      <p:sp>
-        <p:nvSpPr>
           <p:cNvPr id="5" name="Slide Number Placeholder 5"/>
           <p:cNvSpPr>
             <a:spLocks noGrp="1"/>
@@ -32449,30 +31719,6 @@
       </p:grpSpPr>
       <p:sp>
         <p:nvSpPr>
-          <p:cNvPr id="4" name="Date Placeholder 3"/>
-          <p:cNvSpPr>
-            <a:spLocks noGrp="1"/>
-          </p:cNvSpPr>
-          <p:nvPr>
-            <p:ph type="dt" sz="half" idx="10"/>
-          </p:nvPr>
-        </p:nvSpPr>
-        <p:spPr/>
-        <p:txBody>
-          <a:bodyPr/>
-          <a:lstStyle/>
-          <a:p>
-            <a:fld id="{E3ED8082-7225-AA4A-BA1D-B21319A286A1}" type="datetime1">
-              <a:rPr lang="en-US"/>
-              <a:pPr/>
-              <a:t>16-07-05</a:t>
-            </a:fld>
-            <a:endParaRPr lang="en-US"/>
-          </a:p>
-        </p:txBody>
-      </p:sp>
-      <p:sp>
-        <p:nvSpPr>
           <p:cNvPr id="5" name="Slide Number Placeholder 5"/>
           <p:cNvSpPr>
             <a:spLocks noGrp="1"/>
@@ -32837,30 +32083,6 @@
           <a:chExt cx="0" cy="0"/>
         </a:xfrm>
       </p:grpSpPr>
-      <p:sp>
-        <p:nvSpPr>
-          <p:cNvPr id="11" name="Date Placeholder 3"/>
-          <p:cNvSpPr>
-            <a:spLocks noGrp="1"/>
-          </p:cNvSpPr>
-          <p:nvPr>
-            <p:ph type="dt" sz="half" idx="10"/>
-          </p:nvPr>
-        </p:nvSpPr>
-        <p:spPr/>
-        <p:txBody>
-          <a:bodyPr/>
-          <a:lstStyle/>
-          <a:p>
-            <a:fld id="{8F7D5050-C10B-FE47-86E2-6D143646520F}" type="datetime1">
-              <a:rPr lang="en-US"/>
-              <a:pPr/>
-              <a:t>16-07-05</a:t>
-            </a:fld>
-            <a:endParaRPr lang="en-US"/>
-          </a:p>
-        </p:txBody>
-      </p:sp>
       <p:sp>
         <p:nvSpPr>
           <p:cNvPr id="12" name="Slide Number Placeholder 5"/>
@@ -33782,30 +33004,6 @@
       </p:grpSpPr>
       <p:sp>
         <p:nvSpPr>
-          <p:cNvPr id="4" name="Date Placeholder 2"/>
-          <p:cNvSpPr>
-            <a:spLocks noGrp="1"/>
-          </p:cNvSpPr>
-          <p:nvPr>
-            <p:ph type="dt" sz="half" idx="10"/>
-          </p:nvPr>
-        </p:nvSpPr>
-        <p:spPr/>
-        <p:txBody>
-          <a:bodyPr/>
-          <a:lstStyle/>
-          <a:p>
-            <a:fld id="{5BDDAB2E-B684-7B4B-8504-AB6320B54D3B}" type="datetime1">
-              <a:rPr lang="en-US"/>
-              <a:pPr/>
-              <a:t>16-07-05</a:t>
-            </a:fld>
-            <a:endParaRPr lang="en-US"/>
-          </a:p>
-        </p:txBody>
-      </p:sp>
-      <p:sp>
-        <p:nvSpPr>
           <p:cNvPr id="5" name="Slide Number Placeholder 4"/>
           <p:cNvSpPr>
             <a:spLocks noGrp="1"/>
@@ -33917,30 +33115,6 @@
       </p:grpSpPr>
       <p:sp>
         <p:nvSpPr>
-          <p:cNvPr id="4" name="Date Placeholder 2"/>
-          <p:cNvSpPr>
-            <a:spLocks noGrp="1"/>
-          </p:cNvSpPr>
-          <p:nvPr>
-            <p:ph type="dt" sz="half" idx="10"/>
-          </p:nvPr>
-        </p:nvSpPr>
-        <p:spPr/>
-        <p:txBody>
-          <a:bodyPr/>
-          <a:lstStyle/>
-          <a:p>
-            <a:fld id="{0081907A-9B20-2E4A-98CB-34661E938D1C}" type="datetime1">
-              <a:rPr lang="en-US"/>
-              <a:pPr/>
-              <a:t>16-07-05</a:t>
-            </a:fld>
-            <a:endParaRPr lang="en-US"/>
-          </a:p>
-        </p:txBody>
-      </p:sp>
-      <p:sp>
-        <p:nvSpPr>
           <p:cNvPr id="5" name="Slide Number Placeholder 4"/>
           <p:cNvSpPr>
             <a:spLocks noGrp="1"/>
@@ -34052,30 +33226,6 @@
       </p:grpSpPr>
       <p:sp>
         <p:nvSpPr>
-          <p:cNvPr id="27" name="Date Placeholder 2"/>
-          <p:cNvSpPr>
-            <a:spLocks noGrp="1"/>
-          </p:cNvSpPr>
-          <p:nvPr>
-            <p:ph type="dt" sz="half" idx="10"/>
-          </p:nvPr>
-        </p:nvSpPr>
-        <p:spPr/>
-        <p:txBody>
-          <a:bodyPr/>
-          <a:lstStyle/>
-          <a:p>
-            <a:fld id="{FFD0FFF3-11B7-3D44-9316-8144AAD9CBE8}" type="datetime1">
-              <a:rPr lang="en-US"/>
-              <a:pPr/>
-              <a:t>16-07-05</a:t>
-            </a:fld>
-            <a:endParaRPr lang="en-US"/>
-          </a:p>
-        </p:txBody>
-      </p:sp>
-      <p:sp>
-        <p:nvSpPr>
           <p:cNvPr id="28" name="Slide Number Placeholder 4"/>
           <p:cNvSpPr>
             <a:spLocks noGrp="1"/>
@@ -35206,32 +34356,21 @@
                   <a:schemeClr val="accent2"/>
                 </a:solidFill>
               </a:rPr>
-              <a:t>Violated in: Programming languages with exception</a:t>
-            </a:r>
-          </a:p>
-        </p:txBody>
-      </p:sp>
-      <p:sp>
-        <p:nvSpPr>
-          <p:cNvPr id="4" name="Date Placeholder 3"/>
-          <p:cNvSpPr>
-            <a:spLocks noGrp="1"/>
-          </p:cNvSpPr>
-          <p:nvPr>
-            <p:ph type="dt" sz="half" idx="10"/>
-          </p:nvPr>
-        </p:nvSpPr>
-        <p:spPr/>
-        <p:txBody>
-          <a:bodyPr/>
-          <a:lstStyle/>
-          <a:p>
-            <a:fld id="{5BABB0BE-4836-1E4F-8361-DDABFE66DBD6}" type="datetime1">
-              <a:rPr lang="en-US" smtClean="0"/>
-              <a:pPr/>
-              <a:t>16-07-05</a:t>
-            </a:fld>
-            <a:endParaRPr lang="en-US"/>
+              <a:t>Violated </a:t>
+            </a:r>
+            <a:r>
+              <a:rPr lang="en-CA" dirty="0" smtClean="0">
+                <a:solidFill>
+                  <a:schemeClr val="accent2"/>
+                </a:solidFill>
+              </a:rPr>
+              <a:t>by exceptions</a:t>
+            </a:r>
+            <a:endParaRPr lang="en-CA" dirty="0" smtClean="0">
+              <a:solidFill>
+                <a:schemeClr val="accent2"/>
+              </a:solidFill>
+            </a:endParaRPr>
           </a:p>
         </p:txBody>
       </p:sp>
@@ -35417,30 +34556,6 @@
           <a:chExt cx="0" cy="0"/>
         </a:xfrm>
       </p:grpSpPr>
-      <p:sp>
-        <p:nvSpPr>
-          <p:cNvPr id="4" name="Date Placeholder 3"/>
-          <p:cNvSpPr>
-            <a:spLocks noGrp="1"/>
-          </p:cNvSpPr>
-          <p:nvPr>
-            <p:ph type="dt" sz="half" idx="10"/>
-          </p:nvPr>
-        </p:nvSpPr>
-        <p:spPr/>
-        <p:txBody>
-          <a:bodyPr/>
-          <a:lstStyle/>
-          <a:p>
-            <a:fld id="{1F4E1F44-DBCB-3B44-9295-20499B0817AF}" type="datetime1">
-              <a:rPr lang="en-US"/>
-              <a:pPr/>
-              <a:t>16-07-05</a:t>
-            </a:fld>
-            <a:endParaRPr lang="en-US"/>
-          </a:p>
-        </p:txBody>
-      </p:sp>
       <p:sp>
         <p:nvSpPr>
           <p:cNvPr id="5" name="Slide Number Placeholder 5"/>
@@ -35901,30 +35016,6 @@
       </p:grpSpPr>
       <p:sp>
         <p:nvSpPr>
-          <p:cNvPr id="4" name="Date Placeholder 3"/>
-          <p:cNvSpPr>
-            <a:spLocks noGrp="1"/>
-          </p:cNvSpPr>
-          <p:nvPr>
-            <p:ph type="dt" sz="half" idx="10"/>
-          </p:nvPr>
-        </p:nvSpPr>
-        <p:spPr/>
-        <p:txBody>
-          <a:bodyPr/>
-          <a:lstStyle/>
-          <a:p>
-            <a:fld id="{C324BCE7-3DB9-3749-BF68-843D4FF1A920}" type="datetime1">
-              <a:rPr lang="en-US"/>
-              <a:pPr/>
-              <a:t>16-07-05</a:t>
-            </a:fld>
-            <a:endParaRPr lang="en-US"/>
-          </a:p>
-        </p:txBody>
-      </p:sp>
-      <p:sp>
-        <p:nvSpPr>
           <p:cNvPr id="5" name="Slide Number Placeholder 5"/>
           <p:cNvSpPr>
             <a:spLocks noGrp="1"/>
@@ -36250,30 +35341,6 @@
           <a:chExt cx="0" cy="0"/>
         </a:xfrm>
       </p:grpSpPr>
-      <p:sp>
-        <p:nvSpPr>
-          <p:cNvPr id="4" name="Date Placeholder 3"/>
-          <p:cNvSpPr>
-            <a:spLocks noGrp="1"/>
-          </p:cNvSpPr>
-          <p:nvPr>
-            <p:ph type="dt" sz="half" idx="10"/>
-          </p:nvPr>
-        </p:nvSpPr>
-        <p:spPr/>
-        <p:txBody>
-          <a:bodyPr/>
-          <a:lstStyle/>
-          <a:p>
-            <a:fld id="{31230EFA-81EB-8848-AF4E-36EBC45CCD36}" type="datetime1">
-              <a:rPr lang="en-US"/>
-              <a:pPr/>
-              <a:t>16-07-05</a:t>
-            </a:fld>
-            <a:endParaRPr lang="en-US"/>
-          </a:p>
-        </p:txBody>
-      </p:sp>
       <p:sp>
         <p:nvSpPr>
           <p:cNvPr id="5" name="Slide Number Placeholder 5"/>
@@ -36726,30 +35793,6 @@
       </p:grpSpPr>
       <p:sp>
         <p:nvSpPr>
-          <p:cNvPr id="4" name="Date Placeholder 3"/>
-          <p:cNvSpPr>
-            <a:spLocks noGrp="1"/>
-          </p:cNvSpPr>
-          <p:nvPr>
-            <p:ph type="dt" sz="half" idx="10"/>
-          </p:nvPr>
-        </p:nvSpPr>
-        <p:spPr/>
-        <p:txBody>
-          <a:bodyPr/>
-          <a:lstStyle/>
-          <a:p>
-            <a:fld id="{6B43BA47-AA82-4542-B22A-19D7CA3FE4D7}" type="datetime1">
-              <a:rPr lang="en-US"/>
-              <a:pPr/>
-              <a:t>16-07-05</a:t>
-            </a:fld>
-            <a:endParaRPr lang="en-US"/>
-          </a:p>
-        </p:txBody>
-      </p:sp>
-      <p:sp>
-        <p:nvSpPr>
           <p:cNvPr id="5" name="Slide Number Placeholder 5"/>
           <p:cNvSpPr>
             <a:spLocks noGrp="1"/>
@@ -37096,30 +36139,6 @@
           <a:chExt cx="0" cy="0"/>
         </a:xfrm>
       </p:grpSpPr>
-      <p:sp>
-        <p:nvSpPr>
-          <p:cNvPr id="4" name="Date Placeholder 3"/>
-          <p:cNvSpPr>
-            <a:spLocks noGrp="1"/>
-          </p:cNvSpPr>
-          <p:nvPr>
-            <p:ph type="dt" sz="half" idx="10"/>
-          </p:nvPr>
-        </p:nvSpPr>
-        <p:spPr/>
-        <p:txBody>
-          <a:bodyPr/>
-          <a:lstStyle/>
-          <a:p>
-            <a:fld id="{9DB3CCAA-6613-8049-9DAF-2A292425FA01}" type="datetime1">
-              <a:rPr lang="en-US"/>
-              <a:pPr/>
-              <a:t>16-07-05</a:t>
-            </a:fld>
-            <a:endParaRPr lang="en-US"/>
-          </a:p>
-        </p:txBody>
-      </p:sp>
       <p:sp>
         <p:nvSpPr>
           <p:cNvPr id="5" name="Slide Number Placeholder 5"/>
@@ -37653,30 +36672,6 @@
       </p:sp>
       <p:sp>
         <p:nvSpPr>
-          <p:cNvPr id="4" name="Date Placeholder 3"/>
-          <p:cNvSpPr>
-            <a:spLocks noGrp="1"/>
-          </p:cNvSpPr>
-          <p:nvPr>
-            <p:ph type="dt" sz="half" idx="10"/>
-          </p:nvPr>
-        </p:nvSpPr>
-        <p:spPr/>
-        <p:txBody>
-          <a:bodyPr/>
-          <a:lstStyle/>
-          <a:p>
-            <a:fld id="{5BABB0BE-4836-1E4F-8361-DDABFE66DBD6}" type="datetime1">
-              <a:rPr lang="en-US" smtClean="0"/>
-              <a:pPr/>
-              <a:t>16-07-05</a:t>
-            </a:fld>
-            <a:endParaRPr lang="en-US"/>
-          </a:p>
-        </p:txBody>
-      </p:sp>
-      <p:sp>
-        <p:nvSpPr>
           <p:cNvPr id="5" name="Slide Number Placeholder 4"/>
           <p:cNvSpPr>
             <a:spLocks noGrp="1"/>
@@ -37840,30 +36835,6 @@
       </p:sp>
       <p:sp>
         <p:nvSpPr>
-          <p:cNvPr id="4" name="Date Placeholder 3"/>
-          <p:cNvSpPr>
-            <a:spLocks noGrp="1"/>
-          </p:cNvSpPr>
-          <p:nvPr>
-            <p:ph type="dt" sz="half" idx="10"/>
-          </p:nvPr>
-        </p:nvSpPr>
-        <p:spPr/>
-        <p:txBody>
-          <a:bodyPr/>
-          <a:lstStyle/>
-          <a:p>
-            <a:fld id="{5BABB0BE-4836-1E4F-8361-DDABFE66DBD6}" type="datetime1">
-              <a:rPr lang="en-US" smtClean="0"/>
-              <a:pPr/>
-              <a:t>16-07-05</a:t>
-            </a:fld>
-            <a:endParaRPr lang="en-US"/>
-          </a:p>
-        </p:txBody>
-      </p:sp>
-      <p:sp>
-        <p:nvSpPr>
           <p:cNvPr id="5" name="Slide Number Placeholder 4"/>
           <p:cNvSpPr>
             <a:spLocks noGrp="1"/>
@@ -38050,30 +37021,6 @@
       </p:sp>
       <p:sp>
         <p:nvSpPr>
-          <p:cNvPr id="4" name="Date Placeholder 3"/>
-          <p:cNvSpPr>
-            <a:spLocks noGrp="1"/>
-          </p:cNvSpPr>
-          <p:nvPr>
-            <p:ph type="dt" sz="half" idx="10"/>
-          </p:nvPr>
-        </p:nvSpPr>
-        <p:spPr/>
-        <p:txBody>
-          <a:bodyPr/>
-          <a:lstStyle/>
-          <a:p>
-            <a:fld id="{5BABB0BE-4836-1E4F-8361-DDABFE66DBD6}" type="datetime1">
-              <a:rPr lang="en-US" smtClean="0"/>
-              <a:pPr/>
-              <a:t>16-07-05</a:t>
-            </a:fld>
-            <a:endParaRPr lang="en-US"/>
-          </a:p>
-        </p:txBody>
-      </p:sp>
-      <p:sp>
-        <p:nvSpPr>
           <p:cNvPr id="5" name="Slide Number Placeholder 4"/>
           <p:cNvSpPr>
             <a:spLocks noGrp="1"/>
@@ -38133,30 +37080,6 @@
           <a:chExt cx="0" cy="0"/>
         </a:xfrm>
       </p:grpSpPr>
-      <p:sp>
-        <p:nvSpPr>
-          <p:cNvPr id="40" name="Date Placeholder 2"/>
-          <p:cNvSpPr>
-            <a:spLocks noGrp="1"/>
-          </p:cNvSpPr>
-          <p:nvPr>
-            <p:ph type="dt" sz="half" idx="10"/>
-          </p:nvPr>
-        </p:nvSpPr>
-        <p:spPr/>
-        <p:txBody>
-          <a:bodyPr/>
-          <a:lstStyle/>
-          <a:p>
-            <a:fld id="{6756AB27-911E-3145-96DA-1C9BB1A9330E}" type="datetime1">
-              <a:rPr lang="en-US"/>
-              <a:pPr/>
-              <a:t>16-07-05</a:t>
-            </a:fld>
-            <a:endParaRPr lang="en-US"/>
-          </a:p>
-        </p:txBody>
-      </p:sp>
       <p:sp>
         <p:nvSpPr>
           <p:cNvPr id="41" name="Slide Number Placeholder 4"/>
@@ -41846,4 +40769,324 @@
   </a:objectDefaults>
   <a:extraClrSchemeLst/>
 </a:theme>
+</file>
+
+<file path=ppt/theme/theme3.xml><?xml version="1.0" encoding="utf-8"?>
+<a:theme xmlns:a="http://schemas.openxmlformats.org/drawingml/2006/main" name="Office Theme">
+  <a:themeElements>
+    <a:clrScheme name="Office">
+      <a:dk1>
+        <a:sysClr val="windowText" lastClr="000000"/>
+      </a:dk1>
+      <a:lt1>
+        <a:sysClr val="window" lastClr="FFFFFF"/>
+      </a:lt1>
+      <a:dk2>
+        <a:srgbClr val="1F497D"/>
+      </a:dk2>
+      <a:lt2>
+        <a:srgbClr val="EEECE1"/>
+      </a:lt2>
+      <a:accent1>
+        <a:srgbClr val="4F81BD"/>
+      </a:accent1>
+      <a:accent2>
+        <a:srgbClr val="C0504D"/>
+      </a:accent2>
+      <a:accent3>
+        <a:srgbClr val="9BBB59"/>
+      </a:accent3>
+      <a:accent4>
+        <a:srgbClr val="8064A2"/>
+      </a:accent4>
+      <a:accent5>
+        <a:srgbClr val="4BACC6"/>
+      </a:accent5>
+      <a:accent6>
+        <a:srgbClr val="F79646"/>
+      </a:accent6>
+      <a:hlink>
+        <a:srgbClr val="0000FF"/>
+      </a:hlink>
+      <a:folHlink>
+        <a:srgbClr val="800080"/>
+      </a:folHlink>
+    </a:clrScheme>
+    <a:fontScheme name="Office">
+      <a:majorFont>
+        <a:latin typeface="Calibri"/>
+        <a:ea typeface=""/>
+        <a:cs typeface=""/>
+        <a:font script="Jpan" typeface="ＭＳ Ｐゴシック"/>
+        <a:font script="Hang" typeface="맑은 고딕"/>
+        <a:font script="Hans" typeface="宋体"/>
+        <a:font script="Hant" typeface="新細明體"/>
+        <a:font script="Arab" typeface="Times New Roman"/>
+        <a:font script="Hebr" typeface="Times New Roman"/>
+        <a:font script="Thai" typeface="Angsana New"/>
+        <a:font script="Ethi" typeface="Nyala"/>
+        <a:font script="Beng" typeface="Vrinda"/>
+        <a:font script="Gujr" typeface="Shruti"/>
+        <a:font script="Khmr" typeface="MoolBoran"/>
+        <a:font script="Knda" typeface="Tunga"/>
+        <a:font script="Guru" typeface="Raavi"/>
+        <a:font script="Cans" typeface="Euphemia"/>
+        <a:font script="Cher" typeface="Plantagenet Cherokee"/>
+        <a:font script="Yiii" typeface="Microsoft Yi Baiti"/>
+        <a:font script="Tibt" typeface="Microsoft Himalaya"/>
+        <a:font script="Thaa" typeface="MV Boli"/>
+        <a:font script="Deva" typeface="Mangal"/>
+        <a:font script="Telu" typeface="Gautami"/>
+        <a:font script="Taml" typeface="Latha"/>
+        <a:font script="Syrc" typeface="Estrangelo Edessa"/>
+        <a:font script="Orya" typeface="Kalinga"/>
+        <a:font script="Mlym" typeface="Kartika"/>
+        <a:font script="Laoo" typeface="DokChampa"/>
+        <a:font script="Sinh" typeface="Iskoola Pota"/>
+        <a:font script="Mong" typeface="Mongolian Baiti"/>
+        <a:font script="Viet" typeface="Times New Roman"/>
+        <a:font script="Uigh" typeface="Microsoft Uighur"/>
+        <a:font script="Geor" typeface="Sylfaen"/>
+      </a:majorFont>
+      <a:minorFont>
+        <a:latin typeface="Calibri"/>
+        <a:ea typeface=""/>
+        <a:cs typeface=""/>
+        <a:font script="Jpan" typeface="ＭＳ Ｐゴシック"/>
+        <a:font script="Hang" typeface="맑은 고딕"/>
+        <a:font script="Hans" typeface="宋体"/>
+        <a:font script="Hant" typeface="新細明體"/>
+        <a:font script="Arab" typeface="Arial"/>
+        <a:font script="Hebr" typeface="Arial"/>
+        <a:font script="Thai" typeface="Cordia New"/>
+        <a:font script="Ethi" typeface="Nyala"/>
+        <a:font script="Beng" typeface="Vrinda"/>
+        <a:font script="Gujr" typeface="Shruti"/>
+        <a:font script="Khmr" typeface="DaunPenh"/>
+        <a:font script="Knda" typeface="Tunga"/>
+        <a:font script="Guru" typeface="Raavi"/>
+        <a:font script="Cans" typeface="Euphemia"/>
+        <a:font script="Cher" typeface="Plantagenet Cherokee"/>
+        <a:font script="Yiii" typeface="Microsoft Yi Baiti"/>
+        <a:font script="Tibt" typeface="Microsoft Himalaya"/>
+        <a:font script="Thaa" typeface="MV Boli"/>
+        <a:font script="Deva" typeface="Mangal"/>
+        <a:font script="Telu" typeface="Gautami"/>
+        <a:font script="Taml" typeface="Latha"/>
+        <a:font script="Syrc" typeface="Estrangelo Edessa"/>
+        <a:font script="Orya" typeface="Kalinga"/>
+        <a:font script="Mlym" typeface="Kartika"/>
+        <a:font script="Laoo" typeface="DokChampa"/>
+        <a:font script="Sinh" typeface="Iskoola Pota"/>
+        <a:font script="Mong" typeface="Mongolian Baiti"/>
+        <a:font script="Viet" typeface="Arial"/>
+        <a:font script="Uigh" typeface="Microsoft Uighur"/>
+        <a:font script="Geor" typeface="Sylfaen"/>
+      </a:minorFont>
+    </a:fontScheme>
+    <a:fmtScheme name="Office">
+      <a:fillStyleLst>
+        <a:solidFill>
+          <a:schemeClr val="phClr"/>
+        </a:solidFill>
+        <a:gradFill rotWithShape="1">
+          <a:gsLst>
+            <a:gs pos="0">
+              <a:schemeClr val="phClr">
+                <a:tint val="50000"/>
+                <a:satMod val="300000"/>
+              </a:schemeClr>
+            </a:gs>
+            <a:gs pos="35000">
+              <a:schemeClr val="phClr">
+                <a:tint val="37000"/>
+                <a:satMod val="300000"/>
+              </a:schemeClr>
+            </a:gs>
+            <a:gs pos="100000">
+              <a:schemeClr val="phClr">
+                <a:tint val="15000"/>
+                <a:satMod val="350000"/>
+              </a:schemeClr>
+            </a:gs>
+          </a:gsLst>
+          <a:lin ang="16200000" scaled="1"/>
+        </a:gradFill>
+        <a:gradFill rotWithShape="1">
+          <a:gsLst>
+            <a:gs pos="0">
+              <a:schemeClr val="phClr">
+                <a:tint val="100000"/>
+                <a:shade val="100000"/>
+                <a:satMod val="130000"/>
+              </a:schemeClr>
+            </a:gs>
+            <a:gs pos="100000">
+              <a:schemeClr val="phClr">
+                <a:tint val="50000"/>
+                <a:shade val="100000"/>
+                <a:satMod val="350000"/>
+              </a:schemeClr>
+            </a:gs>
+          </a:gsLst>
+          <a:lin ang="16200000" scaled="0"/>
+        </a:gradFill>
+      </a:fillStyleLst>
+      <a:lnStyleLst>
+        <a:ln w="9525" cap="flat" cmpd="sng" algn="ctr">
+          <a:solidFill>
+            <a:schemeClr val="phClr">
+              <a:shade val="95000"/>
+              <a:satMod val="105000"/>
+            </a:schemeClr>
+          </a:solidFill>
+          <a:prstDash val="solid"/>
+        </a:ln>
+        <a:ln w="25400" cap="flat" cmpd="sng" algn="ctr">
+          <a:solidFill>
+            <a:schemeClr val="phClr"/>
+          </a:solidFill>
+          <a:prstDash val="solid"/>
+        </a:ln>
+        <a:ln w="38100" cap="flat" cmpd="sng" algn="ctr">
+          <a:solidFill>
+            <a:schemeClr val="phClr"/>
+          </a:solidFill>
+          <a:prstDash val="solid"/>
+        </a:ln>
+      </a:lnStyleLst>
+      <a:effectStyleLst>
+        <a:effectStyle>
+          <a:effectLst>
+            <a:outerShdw blurRad="40000" dist="20000" dir="5400000" rotWithShape="0">
+              <a:srgbClr val="000000">
+                <a:alpha val="38000"/>
+              </a:srgbClr>
+            </a:outerShdw>
+          </a:effectLst>
+        </a:effectStyle>
+        <a:effectStyle>
+          <a:effectLst>
+            <a:outerShdw blurRad="40000" dist="23000" dir="5400000" rotWithShape="0">
+              <a:srgbClr val="000000">
+                <a:alpha val="35000"/>
+              </a:srgbClr>
+            </a:outerShdw>
+          </a:effectLst>
+        </a:effectStyle>
+        <a:effectStyle>
+          <a:effectLst>
+            <a:outerShdw blurRad="40000" dist="23000" dir="5400000" rotWithShape="0">
+              <a:srgbClr val="000000">
+                <a:alpha val="35000"/>
+              </a:srgbClr>
+            </a:outerShdw>
+          </a:effectLst>
+          <a:scene3d>
+            <a:camera prst="orthographicFront">
+              <a:rot lat="0" lon="0" rev="0"/>
+            </a:camera>
+            <a:lightRig rig="threePt" dir="t">
+              <a:rot lat="0" lon="0" rev="1200000"/>
+            </a:lightRig>
+          </a:scene3d>
+          <a:sp3d>
+            <a:bevelT w="63500" h="25400"/>
+          </a:sp3d>
+        </a:effectStyle>
+      </a:effectStyleLst>
+      <a:bgFillStyleLst>
+        <a:solidFill>
+          <a:schemeClr val="phClr"/>
+        </a:solidFill>
+        <a:gradFill rotWithShape="1">
+          <a:gsLst>
+            <a:gs pos="0">
+              <a:schemeClr val="phClr">
+                <a:tint val="40000"/>
+                <a:satMod val="350000"/>
+              </a:schemeClr>
+            </a:gs>
+            <a:gs pos="40000">
+              <a:schemeClr val="phClr">
+                <a:tint val="45000"/>
+                <a:shade val="99000"/>
+                <a:satMod val="350000"/>
+              </a:schemeClr>
+            </a:gs>
+            <a:gs pos="100000">
+              <a:schemeClr val="phClr">
+                <a:shade val="20000"/>
+                <a:satMod val="255000"/>
+              </a:schemeClr>
+            </a:gs>
+          </a:gsLst>
+          <a:path path="circle">
+            <a:fillToRect l="50000" t="-80000" r="50000" b="180000"/>
+          </a:path>
+        </a:gradFill>
+        <a:gradFill rotWithShape="1">
+          <a:gsLst>
+            <a:gs pos="0">
+              <a:schemeClr val="phClr">
+                <a:tint val="80000"/>
+                <a:satMod val="300000"/>
+              </a:schemeClr>
+            </a:gs>
+            <a:gs pos="100000">
+              <a:schemeClr val="phClr">
+                <a:shade val="30000"/>
+                <a:satMod val="200000"/>
+              </a:schemeClr>
+            </a:gs>
+          </a:gsLst>
+          <a:path path="circle">
+            <a:fillToRect l="50000" t="50000" r="50000" b="50000"/>
+          </a:path>
+        </a:gradFill>
+      </a:bgFillStyleLst>
+    </a:fmtScheme>
+  </a:themeElements>
+  <a:objectDefaults>
+    <a:spDef>
+      <a:spPr/>
+      <a:bodyPr/>
+      <a:lstStyle/>
+      <a:style>
+        <a:lnRef idx="1">
+          <a:schemeClr val="accent1"/>
+        </a:lnRef>
+        <a:fillRef idx="3">
+          <a:schemeClr val="accent1"/>
+        </a:fillRef>
+        <a:effectRef idx="2">
+          <a:schemeClr val="accent1"/>
+        </a:effectRef>
+        <a:fontRef idx="minor">
+          <a:schemeClr val="lt1"/>
+        </a:fontRef>
+      </a:style>
+    </a:spDef>
+    <a:lnDef>
+      <a:spPr/>
+      <a:bodyPr/>
+      <a:lstStyle/>
+      <a:style>
+        <a:lnRef idx="2">
+          <a:schemeClr val="accent1"/>
+        </a:lnRef>
+        <a:fillRef idx="0">
+          <a:schemeClr val="accent1"/>
+        </a:fillRef>
+        <a:effectRef idx="1">
+          <a:schemeClr val="accent1"/>
+        </a:effectRef>
+        <a:fontRef idx="minor">
+          <a:schemeClr val="tx1"/>
+        </a:fontRef>
+      </a:style>
+    </a:lnDef>
+  </a:objectDefaults>
+  <a:extraClrSchemeLst/>
+</a:theme>
 </file>
--- a/assets/ppt/codegen/runtime.pptx
+++ b/assets/ppt/codegen/runtime.pptx
@@ -34356,21 +34356,8 @@
                   <a:schemeClr val="accent2"/>
                 </a:solidFill>
               </a:rPr>
-              <a:t>Violated </a:t>
-            </a:r>
-            <a:r>
-              <a:rPr lang="en-CA" dirty="0" smtClean="0">
-                <a:solidFill>
-                  <a:schemeClr val="accent2"/>
-                </a:solidFill>
-              </a:rPr>
-              <a:t>by exceptions</a:t>
-            </a:r>
-            <a:endParaRPr lang="en-CA" dirty="0" smtClean="0">
-              <a:solidFill>
-                <a:schemeClr val="accent2"/>
-              </a:solidFill>
-            </a:endParaRPr>
+              <a:t>Violated by exceptions</a:t>
+            </a:r>
           </a:p>
         </p:txBody>
       </p:sp>
@@ -38313,8 +38300,8 @@
         </p:nvSpPr>
         <p:spPr bwMode="auto">
           <a:xfrm>
-            <a:off x="5682034" y="1556792"/>
-            <a:ext cx="3138438" cy="1920875"/>
+            <a:off x="4427984" y="1556792"/>
+            <a:ext cx="4392488" cy="1938992"/>
           </a:xfrm>
           <a:prstGeom prst="rect">
             <a:avLst/>

--- a/assets/ppt/codegen/runtime.pptx
+++ b/assets/ppt/codegen/runtime.pptx
@@ -5,10 +5,10 @@
     <p:sldMasterId id="2147483648" r:id="rId1"/>
   </p:sldMasterIdLst>
   <p:notesMasterIdLst>
-    <p:notesMasterId r:id="rId56"/>
+    <p:notesMasterId r:id="rId57"/>
   </p:notesMasterIdLst>
   <p:handoutMasterIdLst>
-    <p:handoutMasterId r:id="rId57"/>
+    <p:handoutMasterId r:id="rId58"/>
   </p:handoutMasterIdLst>
   <p:sldIdLst>
     <p:sldId id="323" r:id="rId2"/>
@@ -37,34 +37,35 @@
     <p:sldId id="318" r:id="rId25"/>
     <p:sldId id="319" r:id="rId26"/>
     <p:sldId id="301" r:id="rId27"/>
-    <p:sldId id="303" r:id="rId28"/>
-    <p:sldId id="312" r:id="rId29"/>
-    <p:sldId id="320" r:id="rId30"/>
-    <p:sldId id="321" r:id="rId31"/>
-    <p:sldId id="302" r:id="rId32"/>
-    <p:sldId id="305" r:id="rId33"/>
-    <p:sldId id="304" r:id="rId34"/>
-    <p:sldId id="306" r:id="rId35"/>
-    <p:sldId id="307" r:id="rId36"/>
-    <p:sldId id="308" r:id="rId37"/>
-    <p:sldId id="309" r:id="rId38"/>
-    <p:sldId id="310" r:id="rId39"/>
-    <p:sldId id="313" r:id="rId40"/>
-    <p:sldId id="311" r:id="rId41"/>
-    <p:sldId id="322" r:id="rId42"/>
-    <p:sldId id="265" r:id="rId43"/>
-    <p:sldId id="266" r:id="rId44"/>
-    <p:sldId id="268" r:id="rId45"/>
-    <p:sldId id="276" r:id="rId46"/>
-    <p:sldId id="277" r:id="rId47"/>
-    <p:sldId id="263" r:id="rId48"/>
-    <p:sldId id="270" r:id="rId49"/>
-    <p:sldId id="271" r:id="rId50"/>
-    <p:sldId id="272" r:id="rId51"/>
-    <p:sldId id="274" r:id="rId52"/>
-    <p:sldId id="273" r:id="rId53"/>
-    <p:sldId id="279" r:id="rId54"/>
-    <p:sldId id="280" r:id="rId55"/>
+    <p:sldId id="324" r:id="rId28"/>
+    <p:sldId id="303" r:id="rId29"/>
+    <p:sldId id="312" r:id="rId30"/>
+    <p:sldId id="320" r:id="rId31"/>
+    <p:sldId id="321" r:id="rId32"/>
+    <p:sldId id="302" r:id="rId33"/>
+    <p:sldId id="305" r:id="rId34"/>
+    <p:sldId id="304" r:id="rId35"/>
+    <p:sldId id="306" r:id="rId36"/>
+    <p:sldId id="307" r:id="rId37"/>
+    <p:sldId id="308" r:id="rId38"/>
+    <p:sldId id="309" r:id="rId39"/>
+    <p:sldId id="310" r:id="rId40"/>
+    <p:sldId id="313" r:id="rId41"/>
+    <p:sldId id="311" r:id="rId42"/>
+    <p:sldId id="322" r:id="rId43"/>
+    <p:sldId id="265" r:id="rId44"/>
+    <p:sldId id="266" r:id="rId45"/>
+    <p:sldId id="268" r:id="rId46"/>
+    <p:sldId id="276" r:id="rId47"/>
+    <p:sldId id="277" r:id="rId48"/>
+    <p:sldId id="263" r:id="rId49"/>
+    <p:sldId id="270" r:id="rId50"/>
+    <p:sldId id="271" r:id="rId51"/>
+    <p:sldId id="272" r:id="rId52"/>
+    <p:sldId id="274" r:id="rId53"/>
+    <p:sldId id="273" r:id="rId54"/>
+    <p:sldId id="279" r:id="rId55"/>
+    <p:sldId id="280" r:id="rId56"/>
   </p:sldIdLst>
   <p:sldSz cx="9144000" cy="6858000" type="screen4x3"/>
   <p:notesSz cx="6858000" cy="9144000"/>
@@ -278,7 +279,7 @@
           <a:p>
             <a:fld id="{5E76AA8D-35CB-424F-B1D1-70BA14843A7F}" type="datetimeFigureOut">
               <a:rPr lang="en-US" smtClean="0"/>
-              <a:t>16-07-07</a:t>
+              <a:t>16-07-12</a:t>
             </a:fld>
             <a:endParaRPr lang="en-US"/>
           </a:p>
@@ -937,7 +938,7 @@
             <a:fld id="{66B4587A-2E87-154D-A63F-3983C66572FC}" type="slidenum">
               <a:rPr lang="en-US"/>
               <a:pPr/>
-              <a:t>44</a:t>
+              <a:t>45</a:t>
             </a:fld>
             <a:endParaRPr lang="en-US"/>
           </a:p>
@@ -1021,7 +1022,7 @@
             <a:fld id="{4B07BCA8-6537-EE45-8E0C-A25AFA752A5D}" type="slidenum">
               <a:rPr lang="en-US"/>
               <a:pPr/>
-              <a:t>45</a:t>
+              <a:t>46</a:t>
             </a:fld>
             <a:endParaRPr lang="en-US"/>
           </a:p>
@@ -1105,7 +1106,7 @@
             <a:fld id="{8CC7A05C-6192-3E4F-90E2-980AD65153B6}" type="slidenum">
               <a:rPr lang="en-US"/>
               <a:pPr/>
-              <a:t>46</a:t>
+              <a:t>47</a:t>
             </a:fld>
             <a:endParaRPr lang="en-US"/>
           </a:p>
@@ -1189,7 +1190,7 @@
             <a:fld id="{DD03EA75-AF6D-7B45-9F4B-3F7831CD4BF0}" type="slidenum">
               <a:rPr lang="en-US"/>
               <a:pPr/>
-              <a:t>47</a:t>
+              <a:t>48</a:t>
             </a:fld>
             <a:endParaRPr lang="en-US"/>
           </a:p>
@@ -1273,7 +1274,7 @@
             <a:fld id="{318F668D-3747-E641-AC7D-DB54C6584C77}" type="slidenum">
               <a:rPr lang="en-US"/>
               <a:pPr/>
-              <a:t>48</a:t>
+              <a:t>49</a:t>
             </a:fld>
             <a:endParaRPr lang="en-US"/>
           </a:p>
@@ -1357,7 +1358,7 @@
             <a:fld id="{18E621EB-E48E-B44A-B245-76C15535A481}" type="slidenum">
               <a:rPr lang="en-US"/>
               <a:pPr/>
-              <a:t>49</a:t>
+              <a:t>50</a:t>
             </a:fld>
             <a:endParaRPr lang="en-US"/>
           </a:p>
@@ -1441,7 +1442,7 @@
             <a:fld id="{0BA033EE-9F2D-3F40-A239-35664A4C6A7B}" type="slidenum">
               <a:rPr lang="en-US"/>
               <a:pPr/>
-              <a:t>50</a:t>
+              <a:t>51</a:t>
             </a:fld>
             <a:endParaRPr lang="en-US"/>
           </a:p>
@@ -1525,7 +1526,7 @@
             <a:fld id="{8FD1C243-268C-6D42-885F-F2F9B969D257}" type="slidenum">
               <a:rPr lang="en-US"/>
               <a:pPr/>
-              <a:t>51</a:t>
+              <a:t>52</a:t>
             </a:fld>
             <a:endParaRPr lang="en-US"/>
           </a:p>
@@ -1609,7 +1610,7 @@
             <a:fld id="{5E085DEC-16EB-594F-8502-22726ECFC4BE}" type="slidenum">
               <a:rPr lang="en-US"/>
               <a:pPr/>
-              <a:t>52</a:t>
+              <a:t>53</a:t>
             </a:fld>
             <a:endParaRPr lang="en-US"/>
           </a:p>
@@ -1693,7 +1694,7 @@
             <a:fld id="{CBC236C4-94BC-AE4C-98B5-B9F195ED2186}" type="slidenum">
               <a:rPr lang="en-US"/>
               <a:pPr/>
-              <a:t>53</a:t>
+              <a:t>54</a:t>
             </a:fld>
             <a:endParaRPr lang="en-US"/>
           </a:p>
@@ -1861,7 +1862,7 @@
             <a:fld id="{6E58D38C-0B57-B244-8A2C-64E27D014027}" type="slidenum">
               <a:rPr lang="en-US"/>
               <a:pPr/>
-              <a:t>54</a:t>
+              <a:t>55</a:t>
             </a:fld>
             <a:endParaRPr lang="en-US"/>
           </a:p>
@@ -2029,7 +2030,7 @@
             <a:fld id="{75152E34-9F71-A24A-A63B-F745045A75A3}" type="slidenum">
               <a:rPr lang="en-US"/>
               <a:pPr/>
-              <a:t>28</a:t>
+              <a:t>29</a:t>
             </a:fld>
             <a:endParaRPr lang="en-US"/>
           </a:p>
@@ -2113,7 +2114,7 @@
             <a:fld id="{01653D2B-06D8-964B-AB70-9B86198CE375}" type="slidenum">
               <a:rPr lang="en-US"/>
               <a:pPr/>
-              <a:t>30</a:t>
+              <a:t>31</a:t>
             </a:fld>
             <a:endParaRPr lang="en-US"/>
           </a:p>
@@ -2197,7 +2198,7 @@
             <a:fld id="{67B9E9D3-DEB6-084D-9C05-9773C434B998}" type="slidenum">
               <a:rPr lang="en-US"/>
               <a:pPr/>
-              <a:t>40</a:t>
+              <a:t>41</a:t>
             </a:fld>
             <a:endParaRPr lang="en-US"/>
           </a:p>
@@ -2281,7 +2282,7 @@
             <a:fld id="{5C39B993-6468-4940-BD5C-588AE441FE1F}" type="slidenum">
               <a:rPr lang="en-US"/>
               <a:pPr/>
-              <a:t>41</a:t>
+              <a:t>42</a:t>
             </a:fld>
             <a:endParaRPr lang="en-US"/>
           </a:p>
@@ -2405,7 +2406,7 @@
             <a:fld id="{0CABE95A-2AF8-1740-987F-6CCF40512845}" type="slidenum">
               <a:rPr lang="en-US"/>
               <a:pPr/>
-              <a:t>42</a:t>
+              <a:t>43</a:t>
             </a:fld>
             <a:endParaRPr lang="en-US"/>
           </a:p>
@@ -2489,7 +2490,7 @@
             <a:fld id="{37856DA2-26F4-5E46-88ED-4E3BA7DBF346}" type="slidenum">
               <a:rPr lang="en-US"/>
               <a:pPr/>
-              <a:t>43</a:t>
+              <a:t>44</a:t>
             </a:fld>
             <a:endParaRPr lang="en-US"/>
           </a:p>
@@ -2667,7 +2668,7 @@
           <a:p>
             <a:fld id="{733C5728-672F-7047-A224-752C8B25746F}" type="datetime1">
               <a:rPr lang="en-CA" smtClean="0"/>
-              <a:t>16-07-07</a:t>
+              <a:t>16-07-12</a:t>
             </a:fld>
             <a:endParaRPr lang="en-US"/>
           </a:p>
@@ -2845,7 +2846,7 @@
           <a:p>
             <a:fld id="{4C20B341-C45D-E942-B7AE-5938ABC199F1}" type="datetime1">
               <a:rPr lang="en-CA" smtClean="0"/>
-              <a:t>16-07-07</a:t>
+              <a:t>16-07-12</a:t>
             </a:fld>
             <a:endParaRPr lang="en-US"/>
           </a:p>
@@ -3033,7 +3034,7 @@
           <a:p>
             <a:fld id="{883FAE5D-9DBE-5C47-A519-B687A05237EA}" type="datetime1">
               <a:rPr lang="en-CA" smtClean="0"/>
-              <a:t>16-07-07</a:t>
+              <a:t>16-07-12</a:t>
             </a:fld>
             <a:endParaRPr lang="en-US"/>
           </a:p>
@@ -3211,7 +3212,7 @@
           <a:p>
             <a:fld id="{32D57635-B6E1-E445-A9ED-856D0A3A205A}" type="datetime1">
               <a:rPr lang="en-CA" smtClean="0"/>
-              <a:t>16-07-07</a:t>
+              <a:t>16-07-12</a:t>
             </a:fld>
             <a:endParaRPr lang="en-US"/>
           </a:p>
@@ -3411,7 +3412,7 @@
           <a:p>
             <a:fld id="{3D054386-23DE-F343-8671-294F00B9E172}" type="datetime1">
               <a:rPr lang="en-CA" smtClean="0"/>
-              <a:t>16-07-07</a:t>
+              <a:t>16-07-12</a:t>
             </a:fld>
             <a:endParaRPr lang="en-US"/>
           </a:p>
@@ -3707,7 +3708,7 @@
           <a:p>
             <a:fld id="{11C85651-6F7A-214D-AFCB-1737430624C4}" type="datetime1">
               <a:rPr lang="en-CA" smtClean="0"/>
-              <a:t>16-07-07</a:t>
+              <a:t>16-07-12</a:t>
             </a:fld>
             <a:endParaRPr lang="en-US"/>
           </a:p>
@@ -4142,7 +4143,7 @@
           <a:p>
             <a:fld id="{9B810EE1-C814-804A-86C6-2E3FFA79B09A}" type="datetime1">
               <a:rPr lang="en-CA" smtClean="0"/>
-              <a:t>16-07-07</a:t>
+              <a:t>16-07-12</a:t>
             </a:fld>
             <a:endParaRPr lang="en-US"/>
           </a:p>
@@ -4268,7 +4269,7 @@
           <a:p>
             <a:fld id="{E73C42ED-E168-184A-9FBA-E4CC9ECDF6AF}" type="datetime1">
               <a:rPr lang="en-CA" smtClean="0"/>
-              <a:t>16-07-07</a:t>
+              <a:t>16-07-12</a:t>
             </a:fld>
             <a:endParaRPr lang="en-US"/>
           </a:p>
@@ -4371,7 +4372,7 @@
           <a:p>
             <a:fld id="{DD4818A6-32A7-5F49-8533-FA6158D0E9A0}" type="datetime1">
               <a:rPr lang="en-CA" smtClean="0"/>
-              <a:t>16-07-07</a:t>
+              <a:t>16-07-12</a:t>
             </a:fld>
             <a:endParaRPr lang="en-US"/>
           </a:p>
@@ -4656,7 +4657,7 @@
           <a:p>
             <a:fld id="{DC61ECEF-8DE8-7F4F-A392-1133A0FB31FB}" type="datetime1">
               <a:rPr lang="en-CA" smtClean="0"/>
-              <a:t>16-07-07</a:t>
+              <a:t>16-07-12</a:t>
             </a:fld>
             <a:endParaRPr lang="en-US"/>
           </a:p>
@@ -4917,7 +4918,7 @@
           <a:p>
             <a:fld id="{8E432F6E-385F-C84A-A6D8-24557CF262FC}" type="datetime1">
               <a:rPr lang="en-CA" smtClean="0"/>
-              <a:t>16-07-07</a:t>
+              <a:t>16-07-12</a:t>
             </a:fld>
             <a:endParaRPr lang="en-US"/>
           </a:p>
@@ -5165,7 +5166,7 @@
           <a:p>
             <a:fld id="{B37CB990-3D08-CA47-9376-D92211F603DA}" type="datetime1">
               <a:rPr lang="en-CA" smtClean="0"/>
-              <a:t>16-07-07</a:t>
+              <a:t>16-07-12</a:t>
             </a:fld>
             <a:endParaRPr lang="en-US" dirty="0"/>
           </a:p>
@@ -23597,6 +23598,841 @@
       </p:grpSpPr>
       <p:sp>
         <p:nvSpPr>
+          <p:cNvPr id="4" name="Slide Number Placeholder 3"/>
+          <p:cNvSpPr>
+            <a:spLocks noGrp="1"/>
+          </p:cNvSpPr>
+          <p:nvPr>
+            <p:ph type="sldNum" sz="quarter" idx="12"/>
+          </p:nvPr>
+        </p:nvSpPr>
+        <p:spPr/>
+        <p:txBody>
+          <a:bodyPr/>
+          <a:lstStyle/>
+          <a:p>
+            <a:fld id="{3156C34B-FA17-A04E-B62C-CDBE808FCFDF}" type="slidenum">
+              <a:rPr lang="en-US" smtClean="0"/>
+              <a:pPr/>
+              <a:t>27</a:t>
+            </a:fld>
+            <a:endParaRPr lang="en-US"/>
+          </a:p>
+        </p:txBody>
+      </p:sp>
+      <p:sp>
+        <p:nvSpPr>
+          <p:cNvPr id="5" name="Rectangle 4"/>
+          <p:cNvSpPr/>
+          <p:nvPr/>
+        </p:nvSpPr>
+        <p:spPr bwMode="auto">
+          <a:xfrm>
+            <a:off x="2627784" y="332656"/>
+            <a:ext cx="2592288" cy="6408712"/>
+          </a:xfrm>
+          <a:prstGeom prst="rect">
+            <a:avLst/>
+          </a:prstGeom>
+          <a:solidFill>
+            <a:schemeClr val="accent1"/>
+          </a:solidFill>
+          <a:ln w="9525" cap="flat" cmpd="sng" algn="ctr">
+            <a:solidFill>
+              <a:schemeClr val="tx1"/>
+            </a:solidFill>
+            <a:prstDash val="solid"/>
+            <a:round/>
+            <a:headEnd type="none" w="med" len="med"/>
+            <a:tailEnd type="none" w="med" len="med"/>
+          </a:ln>
+          <a:effectLst/>
+        </p:spPr>
+        <p:txBody>
+          <a:bodyPr vert="horz" wrap="square" lIns="91440" tIns="45720" rIns="91440" bIns="45720" numCol="1" rtlCol="0" anchor="t" anchorCtr="0" compatLnSpc="1">
+            <a:prstTxWarp prst="textNoShape">
+              <a:avLst/>
+            </a:prstTxWarp>
+          </a:bodyPr>
+          <a:lstStyle/>
+          <a:p>
+            <a:pPr marL="0" marR="0" indent="0" algn="l" defTabSz="914400" rtl="0" eaLnBrk="0" fontAlgn="base" latinLnBrk="0" hangingPunct="0">
+              <a:lnSpc>
+                <a:spcPct val="100000"/>
+              </a:lnSpc>
+              <a:spcBef>
+                <a:spcPct val="0"/>
+              </a:spcBef>
+              <a:spcAft>
+                <a:spcPct val="0"/>
+              </a:spcAft>
+              <a:buClrTx/>
+              <a:buSzTx/>
+              <a:buFontTx/>
+              <a:buNone/>
+              <a:tabLst/>
+            </a:pPr>
+            <a:endParaRPr kumimoji="0" lang="en-CA" sz="2400" b="0" i="0" u="none" strike="noStrike" cap="none" normalizeH="0" baseline="0">
+              <a:ln>
+                <a:noFill/>
+              </a:ln>
+              <a:solidFill>
+                <a:schemeClr val="tx1"/>
+              </a:solidFill>
+              <a:effectLst/>
+              <a:latin typeface="Times" charset="0"/>
+            </a:endParaRPr>
+          </a:p>
+        </p:txBody>
+      </p:sp>
+      <p:sp>
+        <p:nvSpPr>
+          <p:cNvPr id="7" name="TextBox 6"/>
+          <p:cNvSpPr txBox="1"/>
+          <p:nvPr/>
+        </p:nvSpPr>
+        <p:spPr>
+          <a:xfrm>
+            <a:off x="5220072" y="116632"/>
+            <a:ext cx="1800200" cy="461665"/>
+          </a:xfrm>
+          <a:prstGeom prst="rect">
+            <a:avLst/>
+          </a:prstGeom>
+          <a:noFill/>
+        </p:spPr>
+        <p:txBody>
+          <a:bodyPr wrap="square" rtlCol="0">
+            <a:spAutoFit/>
+          </a:bodyPr>
+          <a:lstStyle/>
+          <a:p>
+            <a:r>
+              <a:rPr lang="en-CA" dirty="0"/>
+              <a:t>H</a:t>
+            </a:r>
+            <a:r>
+              <a:rPr lang="en-CA" dirty="0" smtClean="0"/>
+              <a:t>igh address</a:t>
+            </a:r>
+            <a:endParaRPr lang="en-CA" dirty="0"/>
+          </a:p>
+        </p:txBody>
+      </p:sp>
+      <p:sp>
+        <p:nvSpPr>
+          <p:cNvPr id="8" name="TextBox 7"/>
+          <p:cNvSpPr txBox="1"/>
+          <p:nvPr/>
+        </p:nvSpPr>
+        <p:spPr>
+          <a:xfrm>
+            <a:off x="5220072" y="6237312"/>
+            <a:ext cx="1800200" cy="461665"/>
+          </a:xfrm>
+          <a:prstGeom prst="rect">
+            <a:avLst/>
+          </a:prstGeom>
+          <a:noFill/>
+        </p:spPr>
+        <p:txBody>
+          <a:bodyPr wrap="square" rtlCol="0">
+            <a:spAutoFit/>
+          </a:bodyPr>
+          <a:lstStyle/>
+          <a:p>
+            <a:r>
+              <a:rPr lang="en-CA" dirty="0" smtClean="0"/>
+              <a:t>Low address</a:t>
+            </a:r>
+            <a:endParaRPr lang="en-CA" dirty="0"/>
+          </a:p>
+        </p:txBody>
+      </p:sp>
+      <p:sp>
+        <p:nvSpPr>
+          <p:cNvPr id="9" name="TextBox 8"/>
+          <p:cNvSpPr txBox="1"/>
+          <p:nvPr/>
+        </p:nvSpPr>
+        <p:spPr>
+          <a:xfrm>
+            <a:off x="2929535" y="260648"/>
+            <a:ext cx="2362545" cy="461665"/>
+          </a:xfrm>
+          <a:prstGeom prst="rect">
+            <a:avLst/>
+          </a:prstGeom>
+          <a:noFill/>
+        </p:spPr>
+        <p:txBody>
+          <a:bodyPr wrap="square" rtlCol="0">
+            <a:spAutoFit/>
+          </a:bodyPr>
+          <a:lstStyle/>
+          <a:p>
+            <a:r>
+              <a:rPr lang="en-CA" dirty="0" smtClean="0"/>
+              <a:t>Result of f(…)</a:t>
+            </a:r>
+            <a:endParaRPr lang="en-CA" dirty="0"/>
+          </a:p>
+        </p:txBody>
+      </p:sp>
+      <p:cxnSp>
+        <p:nvCxnSpPr>
+          <p:cNvPr id="11" name="Straight Connector 10"/>
+          <p:cNvCxnSpPr/>
+          <p:nvPr/>
+        </p:nvCxnSpPr>
+        <p:spPr bwMode="auto">
+          <a:xfrm>
+            <a:off x="2627784" y="735560"/>
+            <a:ext cx="2592288" cy="0"/>
+          </a:xfrm>
+          <a:prstGeom prst="line">
+            <a:avLst/>
+          </a:prstGeom>
+          <a:solidFill>
+            <a:schemeClr val="accent1"/>
+          </a:solidFill>
+          <a:ln w="9525" cap="flat" cmpd="sng" algn="ctr">
+            <a:solidFill>
+              <a:schemeClr val="tx1"/>
+            </a:solidFill>
+            <a:prstDash val="solid"/>
+            <a:round/>
+            <a:headEnd type="none" w="med" len="med"/>
+            <a:tailEnd type="none" w="med" len="med"/>
+          </a:ln>
+          <a:effectLst/>
+        </p:spPr>
+      </p:cxnSp>
+      <p:cxnSp>
+        <p:nvCxnSpPr>
+          <p:cNvPr id="14" name="Straight Connector 13"/>
+          <p:cNvCxnSpPr/>
+          <p:nvPr/>
+        </p:nvCxnSpPr>
+        <p:spPr bwMode="auto">
+          <a:xfrm>
+            <a:off x="2627784" y="1383632"/>
+            <a:ext cx="2592288" cy="0"/>
+          </a:xfrm>
+          <a:prstGeom prst="line">
+            <a:avLst/>
+          </a:prstGeom>
+          <a:solidFill>
+            <a:schemeClr val="accent1"/>
+          </a:solidFill>
+          <a:ln w="9525" cap="flat" cmpd="sng" algn="ctr">
+            <a:solidFill>
+              <a:schemeClr val="tx1"/>
+            </a:solidFill>
+            <a:prstDash val="solid"/>
+            <a:round/>
+            <a:headEnd type="none" w="med" len="med"/>
+            <a:tailEnd type="none" w="med" len="med"/>
+          </a:ln>
+          <a:effectLst/>
+        </p:spPr>
+      </p:cxnSp>
+      <p:sp>
+        <p:nvSpPr>
+          <p:cNvPr id="15" name="TextBox 14"/>
+          <p:cNvSpPr txBox="1"/>
+          <p:nvPr/>
+        </p:nvSpPr>
+        <p:spPr>
+          <a:xfrm>
+            <a:off x="3131840" y="634976"/>
+            <a:ext cx="1512168" cy="769441"/>
+          </a:xfrm>
+          <a:prstGeom prst="rect">
+            <a:avLst/>
+          </a:prstGeom>
+          <a:noFill/>
+        </p:spPr>
+        <p:txBody>
+          <a:bodyPr wrap="square" rtlCol="0">
+            <a:spAutoFit/>
+          </a:bodyPr>
+          <a:lstStyle/>
+          <a:p>
+            <a:r>
+              <a:rPr lang="en-CA" sz="2200" dirty="0"/>
+              <a:t>A</a:t>
+            </a:r>
+            <a:r>
+              <a:rPr lang="en-CA" sz="2200" dirty="0" smtClean="0"/>
+              <a:t>rguments(a</a:t>
+            </a:r>
+            <a:r>
+              <a:rPr lang="en-CA" sz="2200" baseline="-25000" dirty="0" smtClean="0"/>
+              <a:t>1</a:t>
+            </a:r>
+            <a:r>
+              <a:rPr lang="en-CA" sz="2200" dirty="0"/>
+              <a:t>,…</a:t>
+            </a:r>
+            <a:r>
+              <a:rPr lang="en-CA" sz="2200" dirty="0" err="1" smtClean="0"/>
+              <a:t>a</a:t>
+            </a:r>
+            <a:r>
+              <a:rPr lang="en-CA" sz="2200" baseline="-25000" dirty="0" err="1"/>
+              <a:t>N</a:t>
+            </a:r>
+            <a:r>
+              <a:rPr lang="en-CA" sz="2200" dirty="0" smtClean="0"/>
+              <a:t>)</a:t>
+            </a:r>
+            <a:endParaRPr lang="en-CA" sz="2200" dirty="0"/>
+          </a:p>
+        </p:txBody>
+      </p:sp>
+      <p:sp>
+        <p:nvSpPr>
+          <p:cNvPr id="16" name="TextBox 15"/>
+          <p:cNvSpPr txBox="1"/>
+          <p:nvPr/>
+        </p:nvSpPr>
+        <p:spPr>
+          <a:xfrm>
+            <a:off x="2728936" y="1383632"/>
+            <a:ext cx="2448272" cy="830997"/>
+          </a:xfrm>
+          <a:prstGeom prst="rect">
+            <a:avLst/>
+          </a:prstGeom>
+          <a:noFill/>
+        </p:spPr>
+        <p:txBody>
+          <a:bodyPr wrap="square" rtlCol="0">
+            <a:spAutoFit/>
+          </a:bodyPr>
+          <a:lstStyle/>
+          <a:p>
+            <a:pPr algn="ctr"/>
+            <a:r>
+              <a:rPr lang="en-CA" dirty="0" smtClean="0"/>
+              <a:t>Local and temporary data</a:t>
+            </a:r>
+            <a:endParaRPr lang="en-CA" dirty="0"/>
+          </a:p>
+        </p:txBody>
+      </p:sp>
+      <p:sp>
+        <p:nvSpPr>
+          <p:cNvPr id="17" name="TextBox 16"/>
+          <p:cNvSpPr txBox="1"/>
+          <p:nvPr/>
+        </p:nvSpPr>
+        <p:spPr>
+          <a:xfrm>
+            <a:off x="3174704" y="2175720"/>
+            <a:ext cx="1584176" cy="461665"/>
+          </a:xfrm>
+          <a:prstGeom prst="rect">
+            <a:avLst/>
+          </a:prstGeom>
+          <a:noFill/>
+        </p:spPr>
+        <p:txBody>
+          <a:bodyPr wrap="square" rtlCol="0">
+            <a:spAutoFit/>
+          </a:bodyPr>
+          <a:lstStyle/>
+          <a:p>
+            <a:r>
+              <a:rPr lang="en-CA" dirty="0" smtClean="0"/>
+              <a:t>Caller FP</a:t>
+            </a:r>
+            <a:endParaRPr lang="en-CA" dirty="0"/>
+          </a:p>
+        </p:txBody>
+      </p:sp>
+      <p:sp>
+        <p:nvSpPr>
+          <p:cNvPr id="18" name="TextBox 17"/>
+          <p:cNvSpPr txBox="1"/>
+          <p:nvPr/>
+        </p:nvSpPr>
+        <p:spPr>
+          <a:xfrm>
+            <a:off x="2987824" y="2535760"/>
+            <a:ext cx="2016224" cy="461665"/>
+          </a:xfrm>
+          <a:prstGeom prst="rect">
+            <a:avLst/>
+          </a:prstGeom>
+          <a:noFill/>
+        </p:spPr>
+        <p:txBody>
+          <a:bodyPr wrap="square" rtlCol="0">
+            <a:spAutoFit/>
+          </a:bodyPr>
+          <a:lstStyle/>
+          <a:p>
+            <a:r>
+              <a:rPr lang="en-CA" dirty="0" smtClean="0"/>
+              <a:t>Return address</a:t>
+            </a:r>
+            <a:endParaRPr lang="en-CA" dirty="0"/>
+          </a:p>
+        </p:txBody>
+      </p:sp>
+      <p:cxnSp>
+        <p:nvCxnSpPr>
+          <p:cNvPr id="19" name="Straight Connector 18"/>
+          <p:cNvCxnSpPr/>
+          <p:nvPr/>
+        </p:nvCxnSpPr>
+        <p:spPr bwMode="auto">
+          <a:xfrm>
+            <a:off x="2627784" y="2247728"/>
+            <a:ext cx="2592288" cy="0"/>
+          </a:xfrm>
+          <a:prstGeom prst="line">
+            <a:avLst/>
+          </a:prstGeom>
+          <a:solidFill>
+            <a:schemeClr val="accent1"/>
+          </a:solidFill>
+          <a:ln w="9525" cap="flat" cmpd="sng" algn="ctr">
+            <a:solidFill>
+              <a:schemeClr val="tx1"/>
+            </a:solidFill>
+            <a:prstDash val="solid"/>
+            <a:round/>
+            <a:headEnd type="none" w="med" len="med"/>
+            <a:tailEnd type="none" w="med" len="med"/>
+          </a:ln>
+          <a:effectLst/>
+        </p:spPr>
+      </p:cxnSp>
+      <p:cxnSp>
+        <p:nvCxnSpPr>
+          <p:cNvPr id="20" name="Straight Connector 19"/>
+          <p:cNvCxnSpPr/>
+          <p:nvPr/>
+        </p:nvCxnSpPr>
+        <p:spPr bwMode="auto">
+          <a:xfrm>
+            <a:off x="2627784" y="2607768"/>
+            <a:ext cx="2592288" cy="0"/>
+          </a:xfrm>
+          <a:prstGeom prst="line">
+            <a:avLst/>
+          </a:prstGeom>
+          <a:solidFill>
+            <a:schemeClr val="accent1"/>
+          </a:solidFill>
+          <a:ln w="9525" cap="flat" cmpd="sng" algn="ctr">
+            <a:solidFill>
+              <a:schemeClr val="tx1"/>
+            </a:solidFill>
+            <a:prstDash val="solid"/>
+            <a:round/>
+            <a:headEnd type="none" w="med" len="med"/>
+            <a:tailEnd type="none" w="med" len="med"/>
+          </a:ln>
+          <a:effectLst/>
+        </p:spPr>
+      </p:cxnSp>
+      <p:cxnSp>
+        <p:nvCxnSpPr>
+          <p:cNvPr id="22" name="Straight Connector 21"/>
+          <p:cNvCxnSpPr/>
+          <p:nvPr/>
+        </p:nvCxnSpPr>
+        <p:spPr bwMode="auto">
+          <a:xfrm>
+            <a:off x="2627784" y="332656"/>
+            <a:ext cx="2592288" cy="0"/>
+          </a:xfrm>
+          <a:prstGeom prst="line">
+            <a:avLst/>
+          </a:prstGeom>
+          <a:solidFill>
+            <a:schemeClr val="accent1"/>
+          </a:solidFill>
+          <a:ln w="9525" cap="flat" cmpd="sng" algn="ctr">
+            <a:solidFill>
+              <a:schemeClr val="tx1"/>
+            </a:solidFill>
+            <a:prstDash val="solid"/>
+            <a:round/>
+            <a:headEnd type="none" w="med" len="med"/>
+            <a:tailEnd type="none" w="med" len="med"/>
+          </a:ln>
+          <a:effectLst/>
+        </p:spPr>
+      </p:cxnSp>
+      <p:sp>
+        <p:nvSpPr>
+          <p:cNvPr id="24" name="Rectangle 23"/>
+          <p:cNvSpPr/>
+          <p:nvPr/>
+        </p:nvSpPr>
+        <p:spPr>
+          <a:xfrm>
+            <a:off x="611560" y="916156"/>
+            <a:ext cx="1781944" cy="1200329"/>
+          </a:xfrm>
+          <a:prstGeom prst="rect">
+            <a:avLst/>
+          </a:prstGeom>
+        </p:spPr>
+        <p:txBody>
+          <a:bodyPr wrap="square">
+            <a:spAutoFit/>
+          </a:bodyPr>
+          <a:lstStyle/>
+          <a:p>
+            <a:r>
+              <a:rPr lang="en-US" dirty="0" smtClean="0"/>
+              <a:t>Stack frame for function f(a</a:t>
+            </a:r>
+            <a:r>
+              <a:rPr lang="en-US" baseline="-25000" dirty="0" smtClean="0"/>
+              <a:t>1</a:t>
+            </a:r>
+            <a:r>
+              <a:rPr lang="en-US" dirty="0" smtClean="0"/>
+              <a:t>,…</a:t>
+            </a:r>
+            <a:r>
+              <a:rPr lang="en-US" dirty="0" err="1" smtClean="0"/>
+              <a:t>a</a:t>
+            </a:r>
+            <a:r>
+              <a:rPr lang="en-US" baseline="-25000" dirty="0" err="1" smtClean="0"/>
+              <a:t>N</a:t>
+            </a:r>
+            <a:r>
+              <a:rPr lang="en-US" dirty="0"/>
+              <a:t>)</a:t>
+            </a:r>
+            <a:endParaRPr lang="en-CA" dirty="0"/>
+          </a:p>
+        </p:txBody>
+      </p:sp>
+      <p:cxnSp>
+        <p:nvCxnSpPr>
+          <p:cNvPr id="37" name="Straight Connector 36"/>
+          <p:cNvCxnSpPr/>
+          <p:nvPr/>
+        </p:nvCxnSpPr>
+        <p:spPr bwMode="auto">
+          <a:xfrm>
+            <a:off x="2627784" y="3023979"/>
+            <a:ext cx="2592288" cy="0"/>
+          </a:xfrm>
+          <a:prstGeom prst="line">
+            <a:avLst/>
+          </a:prstGeom>
+          <a:solidFill>
+            <a:schemeClr val="accent1"/>
+          </a:solidFill>
+          <a:ln w="9525" cap="flat" cmpd="sng" algn="ctr">
+            <a:solidFill>
+              <a:schemeClr val="tx1"/>
+            </a:solidFill>
+            <a:prstDash val="solid"/>
+            <a:round/>
+            <a:headEnd type="none" w="med" len="med"/>
+            <a:tailEnd type="none" w="med" len="med"/>
+          </a:ln>
+          <a:effectLst/>
+        </p:spPr>
+      </p:cxnSp>
+      <p:sp>
+        <p:nvSpPr>
+          <p:cNvPr id="42" name="TextBox 41"/>
+          <p:cNvSpPr txBox="1"/>
+          <p:nvPr/>
+        </p:nvSpPr>
+        <p:spPr>
+          <a:xfrm>
+            <a:off x="5580112" y="2492896"/>
+            <a:ext cx="1008112" cy="461665"/>
+          </a:xfrm>
+          <a:prstGeom prst="rect">
+            <a:avLst/>
+          </a:prstGeom>
+          <a:noFill/>
+        </p:spPr>
+        <p:txBody>
+          <a:bodyPr wrap="square" rtlCol="0">
+            <a:spAutoFit/>
+          </a:bodyPr>
+          <a:lstStyle/>
+          <a:p>
+            <a:r>
+              <a:rPr lang="en-CA" dirty="0" smtClean="0"/>
+              <a:t>code</a:t>
+            </a:r>
+            <a:endParaRPr lang="en-CA" dirty="0"/>
+          </a:p>
+        </p:txBody>
+      </p:sp>
+      <p:cxnSp>
+        <p:nvCxnSpPr>
+          <p:cNvPr id="43" name="Straight Arrow Connector 42"/>
+          <p:cNvCxnSpPr/>
+          <p:nvPr/>
+        </p:nvCxnSpPr>
+        <p:spPr bwMode="auto">
+          <a:xfrm flipV="1">
+            <a:off x="4932040" y="2766592"/>
+            <a:ext cx="706674" cy="1"/>
+          </a:xfrm>
+          <a:prstGeom prst="straightConnector1">
+            <a:avLst/>
+          </a:prstGeom>
+          <a:solidFill>
+            <a:schemeClr val="accent1"/>
+          </a:solidFill>
+          <a:ln w="9525" cap="flat" cmpd="sng" algn="ctr">
+            <a:solidFill>
+              <a:schemeClr val="tx1"/>
+            </a:solidFill>
+            <a:prstDash val="solid"/>
+            <a:round/>
+            <a:headEnd type="none" w="med" len="med"/>
+            <a:tailEnd type="arrow"/>
+          </a:ln>
+          <a:effectLst/>
+        </p:spPr>
+      </p:cxnSp>
+      <p:sp>
+        <p:nvSpPr>
+          <p:cNvPr id="39" name="Left Brace 38"/>
+          <p:cNvSpPr/>
+          <p:nvPr/>
+        </p:nvSpPr>
+        <p:spPr bwMode="auto">
+          <a:xfrm>
+            <a:off x="2350865" y="332656"/>
+            <a:ext cx="258663" cy="2691323"/>
+          </a:xfrm>
+          <a:prstGeom prst="leftBrace">
+            <a:avLst>
+              <a:gd name="adj1" fmla="val 66284"/>
+              <a:gd name="adj2" fmla="val 50000"/>
+            </a:avLst>
+          </a:prstGeom>
+          <a:noFill/>
+          <a:ln w="9525" cap="flat" cmpd="sng" algn="ctr">
+            <a:solidFill>
+              <a:schemeClr val="tx1"/>
+            </a:solidFill>
+            <a:prstDash val="solid"/>
+            <a:round/>
+            <a:headEnd type="none" w="med" len="med"/>
+            <a:tailEnd type="none" w="med" len="med"/>
+          </a:ln>
+          <a:effectLst/>
+        </p:spPr>
+        <p:txBody>
+          <a:bodyPr vert="horz" wrap="square" lIns="91440" tIns="45720" rIns="91440" bIns="45720" numCol="1" rtlCol="0" anchor="t" anchorCtr="0" compatLnSpc="1">
+            <a:prstTxWarp prst="textNoShape">
+              <a:avLst/>
+            </a:prstTxWarp>
+          </a:bodyPr>
+          <a:lstStyle/>
+          <a:p>
+            <a:pPr marL="0" marR="0" indent="0" algn="l" defTabSz="914400" rtl="0" eaLnBrk="0" fontAlgn="base" latinLnBrk="0" hangingPunct="0">
+              <a:lnSpc>
+                <a:spcPct val="100000"/>
+              </a:lnSpc>
+              <a:spcBef>
+                <a:spcPct val="0"/>
+              </a:spcBef>
+              <a:spcAft>
+                <a:spcPct val="0"/>
+              </a:spcAft>
+              <a:buClrTx/>
+              <a:buSzTx/>
+              <a:buFontTx/>
+              <a:buNone/>
+              <a:tabLst/>
+            </a:pPr>
+            <a:endParaRPr kumimoji="0" lang="en-CA" sz="2400" b="0" i="0" u="none" strike="noStrike" cap="none" normalizeH="0" baseline="0">
+              <a:ln>
+                <a:noFill/>
+              </a:ln>
+              <a:solidFill>
+                <a:schemeClr val="tx1"/>
+              </a:solidFill>
+              <a:effectLst/>
+              <a:latin typeface="Times" charset="0"/>
+            </a:endParaRPr>
+          </a:p>
+        </p:txBody>
+      </p:sp>
+      <p:cxnSp>
+        <p:nvCxnSpPr>
+          <p:cNvPr id="40" name="Straight Arrow Connector 39"/>
+          <p:cNvCxnSpPr/>
+          <p:nvPr/>
+        </p:nvCxnSpPr>
+        <p:spPr bwMode="auto">
+          <a:xfrm flipH="1">
+            <a:off x="5220072" y="1398961"/>
+            <a:ext cx="1512168" cy="0"/>
+          </a:xfrm>
+          <a:prstGeom prst="straightConnector1">
+            <a:avLst/>
+          </a:prstGeom>
+          <a:solidFill>
+            <a:schemeClr val="accent1"/>
+          </a:solidFill>
+          <a:ln w="38100" cap="flat" cmpd="sng" algn="ctr">
+            <a:solidFill>
+              <a:schemeClr val="tx1"/>
+            </a:solidFill>
+            <a:prstDash val="solid"/>
+            <a:round/>
+            <a:headEnd type="none" w="med" len="med"/>
+            <a:tailEnd type="arrow"/>
+          </a:ln>
+          <a:effectLst/>
+        </p:spPr>
+      </p:cxnSp>
+      <p:sp>
+        <p:nvSpPr>
+          <p:cNvPr id="44" name="TextBox 43"/>
+          <p:cNvSpPr txBox="1"/>
+          <p:nvPr/>
+        </p:nvSpPr>
+        <p:spPr>
+          <a:xfrm>
+            <a:off x="6660232" y="1124744"/>
+            <a:ext cx="2116808" cy="461665"/>
+          </a:xfrm>
+          <a:prstGeom prst="rect">
+            <a:avLst/>
+          </a:prstGeom>
+          <a:noFill/>
+        </p:spPr>
+        <p:txBody>
+          <a:bodyPr wrap="square" rtlCol="0">
+            <a:spAutoFit/>
+          </a:bodyPr>
+          <a:lstStyle/>
+          <a:p>
+            <a:r>
+              <a:rPr lang="en-CA" b="1" dirty="0" smtClean="0"/>
+              <a:t>Frame Pointer</a:t>
+            </a:r>
+            <a:endParaRPr lang="en-CA" b="1" dirty="0"/>
+          </a:p>
+        </p:txBody>
+      </p:sp>
+      <p:cxnSp>
+        <p:nvCxnSpPr>
+          <p:cNvPr id="47" name="Straight Arrow Connector 46"/>
+          <p:cNvCxnSpPr/>
+          <p:nvPr/>
+        </p:nvCxnSpPr>
+        <p:spPr bwMode="auto">
+          <a:xfrm flipH="1">
+            <a:off x="5220072" y="3026569"/>
+            <a:ext cx="1512168" cy="0"/>
+          </a:xfrm>
+          <a:prstGeom prst="straightConnector1">
+            <a:avLst/>
+          </a:prstGeom>
+          <a:solidFill>
+            <a:schemeClr val="accent1"/>
+          </a:solidFill>
+          <a:ln w="38100" cap="flat" cmpd="sng" algn="ctr">
+            <a:solidFill>
+              <a:schemeClr val="tx1"/>
+            </a:solidFill>
+            <a:prstDash val="solid"/>
+            <a:round/>
+            <a:headEnd type="none" w="med" len="med"/>
+            <a:tailEnd type="arrow"/>
+          </a:ln>
+          <a:effectLst/>
+        </p:spPr>
+      </p:cxnSp>
+      <p:sp>
+        <p:nvSpPr>
+          <p:cNvPr id="50" name="TextBox 49"/>
+          <p:cNvSpPr txBox="1"/>
+          <p:nvPr/>
+        </p:nvSpPr>
+        <p:spPr>
+          <a:xfrm>
+            <a:off x="6660232" y="2780928"/>
+            <a:ext cx="2188816" cy="461665"/>
+          </a:xfrm>
+          <a:prstGeom prst="rect">
+            <a:avLst/>
+          </a:prstGeom>
+          <a:noFill/>
+        </p:spPr>
+        <p:txBody>
+          <a:bodyPr wrap="square" rtlCol="0">
+            <a:spAutoFit/>
+          </a:bodyPr>
+          <a:lstStyle/>
+          <a:p>
+            <a:r>
+              <a:rPr lang="en-CA" b="1" dirty="0"/>
+              <a:t>S</a:t>
+            </a:r>
+            <a:r>
+              <a:rPr lang="en-CA" b="1" dirty="0" smtClean="0"/>
+              <a:t>tack Pointer</a:t>
+            </a:r>
+            <a:endParaRPr lang="en-CA" b="1" dirty="0"/>
+          </a:p>
+        </p:txBody>
+      </p:sp>
+    </p:spTree>
+    <p:extLst>
+      <p:ext uri="{BB962C8B-B14F-4D97-AF65-F5344CB8AC3E}">
+        <p14:creationId xmlns:p14="http://schemas.microsoft.com/office/powerpoint/2010/main" val="1306719181"/>
+      </p:ext>
+    </p:extLst>
+  </p:cSld>
+  <p:clrMapOvr>
+    <a:masterClrMapping/>
+  </p:clrMapOvr>
+  <p:timing>
+    <p:tnLst>
+      <p:par>
+        <p:cTn xmlns:p14="http://schemas.microsoft.com/office/powerpoint/2010/main" id="1" dur="indefinite" restart="never" nodeType="tmRoot"/>
+      </p:par>
+    </p:tnLst>
+  </p:timing>
+</p:sld>
+</file>
+
+<file path=ppt/slides/slide28.xml><?xml version="1.0" encoding="utf-8"?>
+<p:sld xmlns:a="http://schemas.openxmlformats.org/drawingml/2006/main" xmlns:r="http://schemas.openxmlformats.org/officeDocument/2006/relationships" xmlns:p="http://schemas.openxmlformats.org/presentationml/2006/main">
+  <p:cSld>
+    <p:spTree>
+      <p:nvGrpSpPr>
+        <p:cNvPr id="1" name=""/>
+        <p:cNvGrpSpPr/>
+        <p:nvPr/>
+      </p:nvGrpSpPr>
+      <p:grpSpPr>
+        <a:xfrm>
+          <a:off x="0" y="0"/>
+          <a:ext cx="0" cy="0"/>
+          <a:chOff x="0" y="0"/>
+          <a:chExt cx="0" cy="0"/>
+        </a:xfrm>
+      </p:grpSpPr>
+      <p:sp>
+        <p:nvSpPr>
           <p:cNvPr id="2" name="Title 1"/>
           <p:cNvSpPr>
             <a:spLocks noGrp="1"/>
@@ -23706,7 +24542,7 @@
             <a:fld id="{EFA508D8-6740-FE46-95CC-F1012A7A27C5}" type="slidenum">
               <a:rPr lang="en-US" smtClean="0"/>
               <a:pPr/>
-              <a:t>27</a:t>
+              <a:t>28</a:t>
             </a:fld>
             <a:endParaRPr lang="en-US"/>
           </a:p>
@@ -23835,7 +24671,7 @@
 </p:sld>
 </file>
 
-<file path=ppt/slides/slide28.xml><?xml version="1.0" encoding="utf-8"?>
+<file path=ppt/slides/slide29.xml><?xml version="1.0" encoding="utf-8"?>
 <p:sld xmlns:a="http://schemas.openxmlformats.org/drawingml/2006/main" xmlns:r="http://schemas.openxmlformats.org/officeDocument/2006/relationships" xmlns:p="http://schemas.openxmlformats.org/presentationml/2006/main">
   <p:cSld>
     <p:spTree>
@@ -23870,7 +24706,7 @@
             <a:fld id="{8A393549-EAF5-6541-9573-246DD75762A5}" type="slidenum">
               <a:rPr lang="en-US"/>
               <a:pPr/>
-              <a:t>28</a:t>
+              <a:t>29</a:t>
             </a:fld>
             <a:endParaRPr lang="en-US"/>
           </a:p>
@@ -24544,269 +25380,6 @@
 </p:sld>
 </file>
 
-<file path=ppt/slides/slide29.xml><?xml version="1.0" encoding="utf-8"?>
-<p:sld xmlns:a="http://schemas.openxmlformats.org/drawingml/2006/main" xmlns:r="http://schemas.openxmlformats.org/officeDocument/2006/relationships" xmlns:p="http://schemas.openxmlformats.org/presentationml/2006/main">
-  <p:cSld>
-    <p:spTree>
-      <p:nvGrpSpPr>
-        <p:cNvPr id="1" name=""/>
-        <p:cNvGrpSpPr/>
-        <p:nvPr/>
-      </p:nvGrpSpPr>
-      <p:grpSpPr>
-        <a:xfrm>
-          <a:off x="0" y="0"/>
-          <a:ext cx="0" cy="0"/>
-          <a:chOff x="0" y="0"/>
-          <a:chExt cx="0" cy="0"/>
-        </a:xfrm>
-      </p:grpSpPr>
-      <p:sp>
-        <p:nvSpPr>
-          <p:cNvPr id="4" name="Slide Number Placeholder 3"/>
-          <p:cNvSpPr>
-            <a:spLocks noGrp="1"/>
-          </p:cNvSpPr>
-          <p:nvPr>
-            <p:ph type="sldNum" sz="quarter" idx="12"/>
-          </p:nvPr>
-        </p:nvSpPr>
-        <p:spPr/>
-        <p:txBody>
-          <a:bodyPr/>
-          <a:lstStyle/>
-          <a:p>
-            <a:fld id="{60E1BFF4-DB76-D940-A65B-72E1BC4F90EC}" type="slidenum">
-              <a:rPr lang="en-US" smtClean="0"/>
-              <a:pPr/>
-              <a:t>29</a:t>
-            </a:fld>
-            <a:endParaRPr lang="en-US"/>
-          </a:p>
-        </p:txBody>
-      </p:sp>
-      <p:sp>
-        <p:nvSpPr>
-          <p:cNvPr id="6" name="TextBox 5"/>
-          <p:cNvSpPr txBox="1"/>
-          <p:nvPr/>
-        </p:nvSpPr>
-        <p:spPr>
-          <a:xfrm>
-            <a:off x="685800" y="381000"/>
-            <a:ext cx="7467600" cy="5632310"/>
-          </a:xfrm>
-          <a:prstGeom prst="rect">
-            <a:avLst/>
-          </a:prstGeom>
-          <a:noFill/>
-        </p:spPr>
-        <p:txBody>
-          <a:bodyPr wrap="square" rtlCol="0">
-            <a:spAutoFit/>
-          </a:bodyPr>
-          <a:lstStyle/>
-          <a:p>
-            <a:r>
-              <a:rPr lang="en-US" dirty="0" smtClean="0"/>
-              <a:t>#include &lt;</a:t>
-            </a:r>
-            <a:r>
-              <a:rPr lang="en-US" dirty="0" err="1" smtClean="0"/>
-              <a:t>stdio.h</a:t>
-            </a:r>
-            <a:r>
-              <a:rPr lang="en-US" dirty="0" smtClean="0"/>
-              <a:t>&gt;</a:t>
-            </a:r>
-          </a:p>
-          <a:p>
-            <a:endParaRPr lang="en-US" dirty="0" smtClean="0"/>
-          </a:p>
-          <a:p>
-            <a:r>
-              <a:rPr lang="en-US" dirty="0" smtClean="0"/>
-              <a:t>main () </a:t>
-            </a:r>
-          </a:p>
-          <a:p>
-            <a:r>
-              <a:rPr lang="en-US" dirty="0" smtClean="0"/>
-              <a:t>{ </a:t>
-            </a:r>
-          </a:p>
-          <a:p>
-            <a:r>
-              <a:rPr lang="en-US" dirty="0" smtClean="0"/>
-              <a:t>      </a:t>
-            </a:r>
-            <a:r>
-              <a:rPr lang="en-US" dirty="0" err="1" smtClean="0"/>
-              <a:t>int</a:t>
-            </a:r>
-            <a:r>
-              <a:rPr lang="en-US" dirty="0" smtClean="0"/>
-              <a:t> </a:t>
-            </a:r>
-            <a:r>
-              <a:rPr lang="en-US" dirty="0" err="1" smtClean="0"/>
-              <a:t>n</a:t>
-            </a:r>
-            <a:r>
-              <a:rPr lang="en-US" dirty="0" smtClean="0"/>
-              <a:t> = 10;</a:t>
-            </a:r>
-          </a:p>
-          <a:p>
-            <a:r>
-              <a:rPr lang="en-US" dirty="0" smtClean="0"/>
-              <a:t>      </a:t>
-            </a:r>
-            <a:r>
-              <a:rPr lang="en-US" dirty="0" err="1" smtClean="0"/>
-              <a:t>printf("The</a:t>
-            </a:r>
-            <a:r>
-              <a:rPr lang="en-US" dirty="0" smtClean="0"/>
-              <a:t> factorial of 10 is %</a:t>
-            </a:r>
-            <a:r>
-              <a:rPr lang="en-US" dirty="0" err="1" smtClean="0"/>
-              <a:t>d\n</a:t>
-            </a:r>
-            <a:r>
-              <a:rPr lang="en-US" dirty="0" smtClean="0"/>
-              <a:t>", </a:t>
-            </a:r>
-            <a:r>
-              <a:rPr lang="en-US" dirty="0" err="1" smtClean="0"/>
-              <a:t>fact(n</a:t>
-            </a:r>
-            <a:r>
-              <a:rPr lang="en-US" dirty="0" smtClean="0"/>
-              <a:t>)); </a:t>
-            </a:r>
-          </a:p>
-          <a:p>
-            <a:r>
-              <a:rPr lang="en-US" dirty="0" smtClean="0"/>
-              <a:t>} </a:t>
-            </a:r>
-          </a:p>
-          <a:p>
-            <a:endParaRPr lang="en-US" dirty="0" smtClean="0"/>
-          </a:p>
-          <a:p>
-            <a:r>
-              <a:rPr lang="en-US" dirty="0" err="1" smtClean="0"/>
-              <a:t>int</a:t>
-            </a:r>
-            <a:r>
-              <a:rPr lang="en-US" dirty="0" smtClean="0"/>
-              <a:t> fact (</a:t>
-            </a:r>
-            <a:r>
-              <a:rPr lang="en-US" dirty="0" err="1" smtClean="0"/>
-              <a:t>int</a:t>
-            </a:r>
-            <a:r>
-              <a:rPr lang="en-US" dirty="0" smtClean="0"/>
-              <a:t> </a:t>
-            </a:r>
-            <a:r>
-              <a:rPr lang="en-US" dirty="0" err="1" smtClean="0"/>
-              <a:t>n</a:t>
-            </a:r>
-            <a:r>
-              <a:rPr lang="en-US" dirty="0" smtClean="0"/>
-              <a:t>) </a:t>
-            </a:r>
-          </a:p>
-          <a:p>
-            <a:r>
-              <a:rPr lang="en-US" dirty="0" smtClean="0"/>
-              <a:t>{ </a:t>
-            </a:r>
-          </a:p>
-          <a:p>
-            <a:r>
-              <a:rPr lang="en-US" dirty="0" smtClean="0"/>
-              <a:t>      if (</a:t>
-            </a:r>
-            <a:r>
-              <a:rPr lang="en-US" dirty="0" err="1" smtClean="0"/>
-              <a:t>n</a:t>
-            </a:r>
-            <a:r>
-              <a:rPr lang="en-US" dirty="0" smtClean="0"/>
-              <a:t> &lt; 1) </a:t>
-            </a:r>
-          </a:p>
-          <a:p>
-            <a:r>
-              <a:rPr lang="en-US" dirty="0" smtClean="0"/>
-              <a:t>            return(1); </a:t>
-            </a:r>
-          </a:p>
-          <a:p>
-            <a:r>
-              <a:rPr lang="en-US" dirty="0" smtClean="0"/>
-              <a:t>      else </a:t>
-            </a:r>
-          </a:p>
-          <a:p>
-            <a:r>
-              <a:rPr lang="en-US" dirty="0" smtClean="0"/>
-              <a:t>            </a:t>
-            </a:r>
-            <a:r>
-              <a:rPr lang="en-US" dirty="0" err="1" smtClean="0"/>
-              <a:t>return(n</a:t>
-            </a:r>
-            <a:r>
-              <a:rPr lang="en-US" dirty="0" smtClean="0"/>
-              <a:t> * </a:t>
-            </a:r>
-            <a:r>
-              <a:rPr lang="en-US" dirty="0" err="1" smtClean="0"/>
-              <a:t>fact(n</a:t>
-            </a:r>
-            <a:r>
-              <a:rPr lang="en-US" dirty="0" smtClean="0"/>
-              <a:t> - 1)); </a:t>
-            </a:r>
-          </a:p>
-          <a:p>
-            <a:r>
-              <a:rPr lang="en-US" dirty="0" smtClean="0"/>
-              <a:t>} </a:t>
-            </a:r>
-          </a:p>
-          <a:p>
-            <a:endParaRPr lang="en-US" dirty="0" err="1" smtClean="0"/>
-          </a:p>
-        </p:txBody>
-      </p:sp>
-    </p:spTree>
-    <p:extLst>
-      <p:ext uri="{BB962C8B-B14F-4D97-AF65-F5344CB8AC3E}">
-        <p14:creationId xmlns:p14="http://schemas.microsoft.com/office/powerpoint/2010/main" val="1716995604"/>
-      </p:ext>
-    </p:extLst>
-  </p:cSld>
-  <p:clrMapOvr>
-    <a:masterClrMapping/>
-  </p:clrMapOvr>
-  <p:timing>
-    <p:tnLst>
-      <p:par>
-        <p:cTn xmlns:p14="http://schemas.microsoft.com/office/powerpoint/2010/main" id="1" dur="indefinite" restart="never" nodeType="tmRoot"/>
-      </p:par>
-    </p:tnLst>
-  </p:timing>
-</p:sld>
-</file>
-
 <file path=ppt/slides/slide3.xml><?xml version="1.0" encoding="utf-8"?>
 <p:sld xmlns:a="http://schemas.openxmlformats.org/drawingml/2006/main" xmlns:r="http://schemas.openxmlformats.org/officeDocument/2006/relationships" xmlns:p="http://schemas.openxmlformats.org/presentationml/2006/main">
   <p:cSld>
@@ -24973,10 +25546,273 @@
           <a:bodyPr/>
           <a:lstStyle/>
           <a:p>
+            <a:fld id="{60E1BFF4-DB76-D940-A65B-72E1BC4F90EC}" type="slidenum">
+              <a:rPr lang="en-US" smtClean="0"/>
+              <a:pPr/>
+              <a:t>30</a:t>
+            </a:fld>
+            <a:endParaRPr lang="en-US"/>
+          </a:p>
+        </p:txBody>
+      </p:sp>
+      <p:sp>
+        <p:nvSpPr>
+          <p:cNvPr id="6" name="TextBox 5"/>
+          <p:cNvSpPr txBox="1"/>
+          <p:nvPr/>
+        </p:nvSpPr>
+        <p:spPr>
+          <a:xfrm>
+            <a:off x="685800" y="381000"/>
+            <a:ext cx="7467600" cy="5632310"/>
+          </a:xfrm>
+          <a:prstGeom prst="rect">
+            <a:avLst/>
+          </a:prstGeom>
+          <a:noFill/>
+        </p:spPr>
+        <p:txBody>
+          <a:bodyPr wrap="square" rtlCol="0">
+            <a:spAutoFit/>
+          </a:bodyPr>
+          <a:lstStyle/>
+          <a:p>
+            <a:r>
+              <a:rPr lang="en-US" dirty="0" smtClean="0"/>
+              <a:t>#include &lt;</a:t>
+            </a:r>
+            <a:r>
+              <a:rPr lang="en-US" dirty="0" err="1" smtClean="0"/>
+              <a:t>stdio.h</a:t>
+            </a:r>
+            <a:r>
+              <a:rPr lang="en-US" dirty="0" smtClean="0"/>
+              <a:t>&gt;</a:t>
+            </a:r>
+          </a:p>
+          <a:p>
+            <a:endParaRPr lang="en-US" dirty="0" smtClean="0"/>
+          </a:p>
+          <a:p>
+            <a:r>
+              <a:rPr lang="en-US" dirty="0" smtClean="0"/>
+              <a:t>main () </a:t>
+            </a:r>
+          </a:p>
+          <a:p>
+            <a:r>
+              <a:rPr lang="en-US" dirty="0" smtClean="0"/>
+              <a:t>{ </a:t>
+            </a:r>
+          </a:p>
+          <a:p>
+            <a:r>
+              <a:rPr lang="en-US" dirty="0" smtClean="0"/>
+              <a:t>      </a:t>
+            </a:r>
+            <a:r>
+              <a:rPr lang="en-US" dirty="0" err="1" smtClean="0"/>
+              <a:t>int</a:t>
+            </a:r>
+            <a:r>
+              <a:rPr lang="en-US" dirty="0" smtClean="0"/>
+              <a:t> </a:t>
+            </a:r>
+            <a:r>
+              <a:rPr lang="en-US" dirty="0" err="1" smtClean="0"/>
+              <a:t>n</a:t>
+            </a:r>
+            <a:r>
+              <a:rPr lang="en-US" dirty="0" smtClean="0"/>
+              <a:t> = 10;</a:t>
+            </a:r>
+          </a:p>
+          <a:p>
+            <a:r>
+              <a:rPr lang="en-US" dirty="0" smtClean="0"/>
+              <a:t>      </a:t>
+            </a:r>
+            <a:r>
+              <a:rPr lang="en-US" dirty="0" err="1" smtClean="0"/>
+              <a:t>printf("The</a:t>
+            </a:r>
+            <a:r>
+              <a:rPr lang="en-US" dirty="0" smtClean="0"/>
+              <a:t> factorial of 10 is %</a:t>
+            </a:r>
+            <a:r>
+              <a:rPr lang="en-US" dirty="0" err="1" smtClean="0"/>
+              <a:t>d\n</a:t>
+            </a:r>
+            <a:r>
+              <a:rPr lang="en-US" dirty="0" smtClean="0"/>
+              <a:t>", </a:t>
+            </a:r>
+            <a:r>
+              <a:rPr lang="en-US" dirty="0" err="1" smtClean="0"/>
+              <a:t>fact(n</a:t>
+            </a:r>
+            <a:r>
+              <a:rPr lang="en-US" dirty="0" smtClean="0"/>
+              <a:t>)); </a:t>
+            </a:r>
+          </a:p>
+          <a:p>
+            <a:r>
+              <a:rPr lang="en-US" dirty="0" smtClean="0"/>
+              <a:t>} </a:t>
+            </a:r>
+          </a:p>
+          <a:p>
+            <a:endParaRPr lang="en-US" dirty="0" smtClean="0"/>
+          </a:p>
+          <a:p>
+            <a:r>
+              <a:rPr lang="en-US" dirty="0" err="1" smtClean="0"/>
+              <a:t>int</a:t>
+            </a:r>
+            <a:r>
+              <a:rPr lang="en-US" dirty="0" smtClean="0"/>
+              <a:t> fact (</a:t>
+            </a:r>
+            <a:r>
+              <a:rPr lang="en-US" dirty="0" err="1" smtClean="0"/>
+              <a:t>int</a:t>
+            </a:r>
+            <a:r>
+              <a:rPr lang="en-US" dirty="0" smtClean="0"/>
+              <a:t> </a:t>
+            </a:r>
+            <a:r>
+              <a:rPr lang="en-US" dirty="0" err="1" smtClean="0"/>
+              <a:t>n</a:t>
+            </a:r>
+            <a:r>
+              <a:rPr lang="en-US" dirty="0" smtClean="0"/>
+              <a:t>) </a:t>
+            </a:r>
+          </a:p>
+          <a:p>
+            <a:r>
+              <a:rPr lang="en-US" dirty="0" smtClean="0"/>
+              <a:t>{ </a:t>
+            </a:r>
+          </a:p>
+          <a:p>
+            <a:r>
+              <a:rPr lang="en-US" dirty="0" smtClean="0"/>
+              <a:t>      if (</a:t>
+            </a:r>
+            <a:r>
+              <a:rPr lang="en-US" dirty="0" err="1" smtClean="0"/>
+              <a:t>n</a:t>
+            </a:r>
+            <a:r>
+              <a:rPr lang="en-US" dirty="0" smtClean="0"/>
+              <a:t> &lt; 1) </a:t>
+            </a:r>
+          </a:p>
+          <a:p>
+            <a:r>
+              <a:rPr lang="en-US" dirty="0" smtClean="0"/>
+              <a:t>            return(1); </a:t>
+            </a:r>
+          </a:p>
+          <a:p>
+            <a:r>
+              <a:rPr lang="en-US" dirty="0" smtClean="0"/>
+              <a:t>      else </a:t>
+            </a:r>
+          </a:p>
+          <a:p>
+            <a:r>
+              <a:rPr lang="en-US" dirty="0" smtClean="0"/>
+              <a:t>            </a:t>
+            </a:r>
+            <a:r>
+              <a:rPr lang="en-US" dirty="0" err="1" smtClean="0"/>
+              <a:t>return(n</a:t>
+            </a:r>
+            <a:r>
+              <a:rPr lang="en-US" dirty="0" smtClean="0"/>
+              <a:t> * </a:t>
+            </a:r>
+            <a:r>
+              <a:rPr lang="en-US" dirty="0" err="1" smtClean="0"/>
+              <a:t>fact(n</a:t>
+            </a:r>
+            <a:r>
+              <a:rPr lang="en-US" dirty="0" smtClean="0"/>
+              <a:t> - 1)); </a:t>
+            </a:r>
+          </a:p>
+          <a:p>
+            <a:r>
+              <a:rPr lang="en-US" dirty="0" smtClean="0"/>
+              <a:t>} </a:t>
+            </a:r>
+          </a:p>
+          <a:p>
+            <a:endParaRPr lang="en-US" dirty="0" err="1" smtClean="0"/>
+          </a:p>
+        </p:txBody>
+      </p:sp>
+    </p:spTree>
+    <p:extLst>
+      <p:ext uri="{BB962C8B-B14F-4D97-AF65-F5344CB8AC3E}">
+        <p14:creationId xmlns:p14="http://schemas.microsoft.com/office/powerpoint/2010/main" val="1716995604"/>
+      </p:ext>
+    </p:extLst>
+  </p:cSld>
+  <p:clrMapOvr>
+    <a:masterClrMapping/>
+  </p:clrMapOvr>
+  <p:timing>
+    <p:tnLst>
+      <p:par>
+        <p:cTn xmlns:p14="http://schemas.microsoft.com/office/powerpoint/2010/main" id="1" dur="indefinite" restart="never" nodeType="tmRoot"/>
+      </p:par>
+    </p:tnLst>
+  </p:timing>
+</p:sld>
+</file>
+
+<file path=ppt/slides/slide31.xml><?xml version="1.0" encoding="utf-8"?>
+<p:sld xmlns:a="http://schemas.openxmlformats.org/drawingml/2006/main" xmlns:r="http://schemas.openxmlformats.org/officeDocument/2006/relationships" xmlns:p="http://schemas.openxmlformats.org/presentationml/2006/main">
+  <p:cSld>
+    <p:spTree>
+      <p:nvGrpSpPr>
+        <p:cNvPr id="1" name=""/>
+        <p:cNvGrpSpPr/>
+        <p:nvPr/>
+      </p:nvGrpSpPr>
+      <p:grpSpPr>
+        <a:xfrm>
+          <a:off x="0" y="0"/>
+          <a:ext cx="0" cy="0"/>
+          <a:chOff x="0" y="0"/>
+          <a:chExt cx="0" cy="0"/>
+        </a:xfrm>
+      </p:grpSpPr>
+      <p:sp>
+        <p:nvSpPr>
+          <p:cNvPr id="4" name="Slide Number Placeholder 3"/>
+          <p:cNvSpPr>
+            <a:spLocks noGrp="1"/>
+          </p:cNvSpPr>
+          <p:nvPr>
+            <p:ph type="sldNum" sz="quarter" idx="12"/>
+          </p:nvPr>
+        </p:nvSpPr>
+        <p:spPr/>
+        <p:txBody>
+          <a:bodyPr/>
+          <a:lstStyle/>
+          <a:p>
             <a:fld id="{9AC591AD-4D89-CD47-B3D5-BB1C3EB73C69}" type="slidenum">
               <a:rPr lang="en-US"/>
               <a:pPr/>
-              <a:t>30</a:t>
+              <a:t>31</a:t>
             </a:fld>
             <a:endParaRPr lang="en-US"/>
           </a:p>
@@ -25342,7 +26178,7 @@
 </p:sld>
 </file>
 
-<file path=ppt/slides/slide31.xml><?xml version="1.0" encoding="utf-8"?>
+<file path=ppt/slides/slide32.xml><?xml version="1.0" encoding="utf-8"?>
 <p:sld xmlns:a="http://schemas.openxmlformats.org/drawingml/2006/main" xmlns:r="http://schemas.openxmlformats.org/officeDocument/2006/relationships" xmlns:p="http://schemas.openxmlformats.org/presentationml/2006/main">
   <p:cSld>
     <p:spTree>
@@ -25461,7 +26297,7 @@
             <a:fld id="{EFA508D8-6740-FE46-95CC-F1012A7A27C5}" type="slidenum">
               <a:rPr lang="en-US" smtClean="0"/>
               <a:pPr/>
-              <a:t>31</a:t>
+              <a:t>32</a:t>
             </a:fld>
             <a:endParaRPr lang="en-US"/>
           </a:p>
@@ -25639,7 +26475,7 @@
 </p:sld>
 </file>
 
-<file path=ppt/slides/slide32.xml><?xml version="1.0" encoding="utf-8"?>
+<file path=ppt/slides/slide33.xml><?xml version="1.0" encoding="utf-8"?>
 <p:sld xmlns:a="http://schemas.openxmlformats.org/drawingml/2006/main" xmlns:r="http://schemas.openxmlformats.org/officeDocument/2006/relationships" xmlns:p="http://schemas.openxmlformats.org/presentationml/2006/main">
   <p:cSld>
     <p:spTree>
@@ -25697,7 +26533,7 @@
             <a:fld id="{3156C34B-FA17-A04E-B62C-CDBE808FCFDF}" type="slidenum">
               <a:rPr lang="en-US" smtClean="0"/>
               <a:pPr/>
-              <a:t>32</a:t>
+              <a:t>33</a:t>
             </a:fld>
             <a:endParaRPr lang="en-US"/>
           </a:p>
@@ -26323,7 +27159,7 @@
 </p:sld>
 </file>
 
-<file path=ppt/slides/slide33.xml><?xml version="1.0" encoding="utf-8"?>
+<file path=ppt/slides/slide34.xml><?xml version="1.0" encoding="utf-8"?>
 <p:sld xmlns:a="http://schemas.openxmlformats.org/drawingml/2006/main" xmlns:r="http://schemas.openxmlformats.org/officeDocument/2006/relationships" xmlns:p="http://schemas.openxmlformats.org/presentationml/2006/main">
   <p:cSld>
     <p:spTree>
@@ -26509,7 +27345,7 @@
             <a:fld id="{EFA508D8-6740-FE46-95CC-F1012A7A27C5}" type="slidenum">
               <a:rPr lang="en-US" smtClean="0"/>
               <a:pPr/>
-              <a:t>33</a:t>
+              <a:t>34</a:t>
             </a:fld>
             <a:endParaRPr lang="en-US"/>
           </a:p>
@@ -26535,7 +27371,7 @@
 </p:sld>
 </file>
 
-<file path=ppt/slides/slide34.xml><?xml version="1.0" encoding="utf-8"?>
+<file path=ppt/slides/slide35.xml><?xml version="1.0" encoding="utf-8"?>
 <p:sld xmlns:a="http://schemas.openxmlformats.org/drawingml/2006/main" xmlns:r="http://schemas.openxmlformats.org/officeDocument/2006/relationships" xmlns:p="http://schemas.openxmlformats.org/presentationml/2006/main">
   <p:cSld>
     <p:spTree>
@@ -26711,7 +27547,7 @@
             <a:fld id="{EFA508D8-6740-FE46-95CC-F1012A7A27C5}" type="slidenum">
               <a:rPr lang="en-US" smtClean="0"/>
               <a:pPr/>
-              <a:t>34</a:t>
+              <a:t>35</a:t>
             </a:fld>
             <a:endParaRPr lang="en-US"/>
           </a:p>
@@ -27080,7 +27916,7 @@
 </p:sld>
 </file>
 
-<file path=ppt/slides/slide35.xml><?xml version="1.0" encoding="utf-8"?>
+<file path=ppt/slides/slide36.xml><?xml version="1.0" encoding="utf-8"?>
 <p:sld xmlns:a="http://schemas.openxmlformats.org/drawingml/2006/main" xmlns:r="http://schemas.openxmlformats.org/officeDocument/2006/relationships" xmlns:p="http://schemas.openxmlformats.org/presentationml/2006/main">
   <p:cSld>
     <p:spTree>
@@ -27173,7 +28009,7 @@
             <a:fld id="{EFA508D8-6740-FE46-95CC-F1012A7A27C5}" type="slidenum">
               <a:rPr lang="en-US" smtClean="0"/>
               <a:pPr/>
-              <a:t>35</a:t>
+              <a:t>36</a:t>
             </a:fld>
             <a:endParaRPr lang="en-US"/>
           </a:p>
@@ -27199,7 +28035,7 @@
 </p:sld>
 </file>
 
-<file path=ppt/slides/slide36.xml><?xml version="1.0" encoding="utf-8"?>
+<file path=ppt/slides/slide37.xml><?xml version="1.0" encoding="utf-8"?>
 <p:sld xmlns:a="http://schemas.openxmlformats.org/drawingml/2006/main" xmlns:r="http://schemas.openxmlformats.org/officeDocument/2006/relationships" xmlns:p="http://schemas.openxmlformats.org/presentationml/2006/main">
   <p:cSld>
     <p:spTree>
@@ -27257,7 +28093,7 @@
             <a:fld id="{3156C34B-FA17-A04E-B62C-CDBE808FCFDF}" type="slidenum">
               <a:rPr lang="en-US" smtClean="0"/>
               <a:pPr/>
-              <a:t>36</a:t>
+              <a:t>37</a:t>
             </a:fld>
             <a:endParaRPr lang="en-US"/>
           </a:p>
@@ -28381,7 +29217,7 @@
 </p:sld>
 </file>
 
-<file path=ppt/slides/slide37.xml><?xml version="1.0" encoding="utf-8"?>
+<file path=ppt/slides/slide38.xml><?xml version="1.0" encoding="utf-8"?>
 <p:sld xmlns:a="http://schemas.openxmlformats.org/drawingml/2006/main" xmlns:r="http://schemas.openxmlformats.org/officeDocument/2006/relationships" xmlns:p="http://schemas.openxmlformats.org/presentationml/2006/main">
   <p:cSld>
     <p:spTree>
@@ -28519,7 +29355,7 @@
             <a:fld id="{EFA508D8-6740-FE46-95CC-F1012A7A27C5}" type="slidenum">
               <a:rPr lang="en-US" smtClean="0"/>
               <a:pPr/>
-              <a:t>37</a:t>
+              <a:t>38</a:t>
             </a:fld>
             <a:endParaRPr lang="en-US"/>
           </a:p>
@@ -28697,7 +29533,7 @@
 </p:sld>
 </file>
 
-<file path=ppt/slides/slide38.xml><?xml version="1.0" encoding="utf-8"?>
+<file path=ppt/slides/slide39.xml><?xml version="1.0" encoding="utf-8"?>
 <p:sld xmlns:a="http://schemas.openxmlformats.org/drawingml/2006/main" xmlns:r="http://schemas.openxmlformats.org/officeDocument/2006/relationships" xmlns:p="http://schemas.openxmlformats.org/presentationml/2006/main">
   <p:cSld>
     <p:spTree>
@@ -28830,7 +29666,7 @@
             <a:fld id="{EFA508D8-6740-FE46-95CC-F1012A7A27C5}" type="slidenum">
               <a:rPr lang="en-US" smtClean="0"/>
               <a:pPr/>
-              <a:t>38</a:t>
+              <a:t>39</a:t>
             </a:fld>
             <a:endParaRPr lang="en-US"/>
           </a:p>
@@ -29295,241 +30131,6 @@
       <p:bldP spid="8" grpId="0" animBg="1"/>
       <p:bldP spid="9" grpId="0" animBg="1"/>
     </p:bldLst>
-  </p:timing>
-</p:sld>
-</file>
-
-<file path=ppt/slides/slide39.xml><?xml version="1.0" encoding="utf-8"?>
-<p:sld xmlns:a="http://schemas.openxmlformats.org/drawingml/2006/main" xmlns:r="http://schemas.openxmlformats.org/officeDocument/2006/relationships" xmlns:p="http://schemas.openxmlformats.org/presentationml/2006/main">
-  <p:cSld>
-    <p:spTree>
-      <p:nvGrpSpPr>
-        <p:cNvPr id="1" name=""/>
-        <p:cNvGrpSpPr/>
-        <p:nvPr/>
-      </p:nvGrpSpPr>
-      <p:grpSpPr>
-        <a:xfrm>
-          <a:off x="0" y="0"/>
-          <a:ext cx="0" cy="0"/>
-          <a:chOff x="0" y="0"/>
-          <a:chExt cx="0" cy="0"/>
-        </a:xfrm>
-      </p:grpSpPr>
-      <p:sp>
-        <p:nvSpPr>
-          <p:cNvPr id="2" name="Title 1"/>
-          <p:cNvSpPr>
-            <a:spLocks noGrp="1"/>
-          </p:cNvSpPr>
-          <p:nvPr>
-            <p:ph type="title"/>
-          </p:nvPr>
-        </p:nvSpPr>
-        <p:spPr/>
-        <p:txBody>
-          <a:bodyPr/>
-          <a:lstStyle/>
-          <a:p>
-            <a:r>
-              <a:rPr lang="en-CA" dirty="0" smtClean="0"/>
-              <a:t>Padding</a:t>
-            </a:r>
-            <a:endParaRPr lang="en-CA" dirty="0"/>
-          </a:p>
-        </p:txBody>
-      </p:sp>
-      <p:sp>
-        <p:nvSpPr>
-          <p:cNvPr id="3" name="Content Placeholder 2"/>
-          <p:cNvSpPr>
-            <a:spLocks noGrp="1"/>
-          </p:cNvSpPr>
-          <p:nvPr>
-            <p:ph idx="1"/>
-          </p:nvPr>
-        </p:nvSpPr>
-        <p:spPr/>
-        <p:txBody>
-          <a:bodyPr/>
-          <a:lstStyle/>
-          <a:p>
-            <a:r>
-              <a:rPr lang="en-CA" dirty="0" smtClean="0"/>
-              <a:t>Compilers </a:t>
-            </a:r>
-            <a:r>
-              <a:rPr lang="en-CA" dirty="0"/>
-              <a:t>may insert unused bytes called "padding bytes" after structure members to ensure that each member is appropriately </a:t>
-            </a:r>
-            <a:r>
-              <a:rPr lang="en-CA" dirty="0" smtClean="0"/>
-              <a:t>aligned.</a:t>
-            </a:r>
-          </a:p>
-          <a:p>
-            <a:pPr marL="914400" lvl="2" indent="0">
-              <a:buNone/>
-            </a:pPr>
-            <a:r>
-              <a:rPr lang="en-CA" dirty="0" err="1" smtClean="0"/>
-              <a:t>struct</a:t>
-            </a:r>
-            <a:r>
-              <a:rPr lang="en-CA" dirty="0" smtClean="0"/>
-              <a:t> widget {</a:t>
-            </a:r>
-          </a:p>
-          <a:p>
-            <a:pPr marL="914400" lvl="2" indent="0">
-              <a:buNone/>
-            </a:pPr>
-            <a:r>
-              <a:rPr lang="en-CA" dirty="0"/>
-              <a:t>    char m1;</a:t>
-            </a:r>
-          </a:p>
-          <a:p>
-            <a:pPr marL="914400" lvl="2" indent="0">
-              <a:buNone/>
-            </a:pPr>
-            <a:r>
-              <a:rPr lang="en-CA" dirty="0"/>
-              <a:t>    </a:t>
-            </a:r>
-            <a:r>
-              <a:rPr lang="en-CA" dirty="0" err="1"/>
-              <a:t>int</a:t>
-            </a:r>
-            <a:r>
-              <a:rPr lang="en-CA" dirty="0"/>
-              <a:t> m2;</a:t>
-            </a:r>
-          </a:p>
-          <a:p>
-            <a:pPr marL="914400" lvl="2" indent="0">
-              <a:buNone/>
-            </a:pPr>
-            <a:r>
-              <a:rPr lang="en-CA" dirty="0"/>
-              <a:t>    char m3;</a:t>
-            </a:r>
-          </a:p>
-          <a:p>
-            <a:pPr marL="914400" lvl="2" indent="0">
-              <a:buNone/>
-            </a:pPr>
-            <a:r>
-              <a:rPr lang="en-CA" dirty="0"/>
-              <a:t>};</a:t>
-            </a:r>
-          </a:p>
-          <a:p>
-            <a:pPr marL="457200" lvl="1" indent="0">
-              <a:buNone/>
-            </a:pPr>
-            <a:endParaRPr lang="en-CA" dirty="0"/>
-          </a:p>
-        </p:txBody>
-      </p:sp>
-      <p:sp>
-        <p:nvSpPr>
-          <p:cNvPr id="5" name="Slide Number Placeholder 4"/>
-          <p:cNvSpPr>
-            <a:spLocks noGrp="1"/>
-          </p:cNvSpPr>
-          <p:nvPr>
-            <p:ph type="sldNum" sz="quarter" idx="12"/>
-          </p:nvPr>
-        </p:nvSpPr>
-        <p:spPr/>
-        <p:txBody>
-          <a:bodyPr/>
-          <a:lstStyle/>
-          <a:p>
-            <a:fld id="{EFA508D8-6740-FE46-95CC-F1012A7A27C5}" type="slidenum">
-              <a:rPr lang="en-US" smtClean="0"/>
-              <a:pPr/>
-              <a:t>39</a:t>
-            </a:fld>
-            <a:endParaRPr lang="en-US"/>
-          </a:p>
-        </p:txBody>
-      </p:sp>
-      <p:sp>
-        <p:nvSpPr>
-          <p:cNvPr id="6" name="TextBox 5"/>
-          <p:cNvSpPr txBox="1"/>
-          <p:nvPr/>
-        </p:nvSpPr>
-        <p:spPr>
-          <a:xfrm>
-            <a:off x="4211960" y="4388911"/>
-            <a:ext cx="4032448" cy="1200329"/>
-          </a:xfrm>
-          <a:prstGeom prst="rect">
-            <a:avLst/>
-          </a:prstGeom>
-          <a:noFill/>
-        </p:spPr>
-        <p:txBody>
-          <a:bodyPr wrap="square" rtlCol="0">
-            <a:spAutoFit/>
-          </a:bodyPr>
-          <a:lstStyle/>
-          <a:p>
-            <a:r>
-              <a:rPr lang="en-CA" b="1" dirty="0" smtClean="0">
-                <a:solidFill>
-                  <a:schemeClr val="accent2"/>
-                </a:solidFill>
-              </a:rPr>
-              <a:t>On a word aligned machine:</a:t>
-            </a:r>
-          </a:p>
-          <a:p>
-            <a:r>
-              <a:rPr lang="en-CA" b="1" dirty="0" smtClean="0">
-                <a:solidFill>
-                  <a:schemeClr val="accent2"/>
-                </a:solidFill>
-              </a:rPr>
-              <a:t>add 3 bytes of padding </a:t>
-            </a:r>
-          </a:p>
-          <a:p>
-            <a:r>
-              <a:rPr lang="en-CA" b="1" dirty="0" smtClean="0">
-                <a:solidFill>
-                  <a:schemeClr val="accent2"/>
-                </a:solidFill>
-              </a:rPr>
-              <a:t>after m1 and m3</a:t>
-            </a:r>
-            <a:endParaRPr lang="en-CA" b="1" dirty="0">
-              <a:solidFill>
-                <a:schemeClr val="accent2"/>
-              </a:solidFill>
-            </a:endParaRPr>
-          </a:p>
-        </p:txBody>
-      </p:sp>
-    </p:spTree>
-    <p:extLst>
-      <p:ext uri="{BB962C8B-B14F-4D97-AF65-F5344CB8AC3E}">
-        <p14:creationId xmlns:p14="http://schemas.microsoft.com/office/powerpoint/2010/main" val="2312361512"/>
-      </p:ext>
-    </p:extLst>
-  </p:cSld>
-  <p:clrMapOvr>
-    <a:masterClrMapping/>
-  </p:clrMapOvr>
-  <p:timing>
-    <p:tnLst>
-      <p:par>
-        <p:cTn xmlns:p14="http://schemas.microsoft.com/office/powerpoint/2010/main" id="1" dur="indefinite" restart="never" nodeType="tmRoot"/>
-      </p:par>
-    </p:tnLst>
   </p:timing>
 </p:sld>
 </file>
@@ -30182,7 +30783,123 @@
       </p:grpSpPr>
       <p:sp>
         <p:nvSpPr>
-          <p:cNvPr id="5" name="Slide Number Placeholder 5"/>
+          <p:cNvPr id="2" name="Title 1"/>
+          <p:cNvSpPr>
+            <a:spLocks noGrp="1"/>
+          </p:cNvSpPr>
+          <p:nvPr>
+            <p:ph type="title"/>
+          </p:nvPr>
+        </p:nvSpPr>
+        <p:spPr/>
+        <p:txBody>
+          <a:bodyPr/>
+          <a:lstStyle/>
+          <a:p>
+            <a:r>
+              <a:rPr lang="en-CA" dirty="0" smtClean="0"/>
+              <a:t>Padding</a:t>
+            </a:r>
+            <a:endParaRPr lang="en-CA" dirty="0"/>
+          </a:p>
+        </p:txBody>
+      </p:sp>
+      <p:sp>
+        <p:nvSpPr>
+          <p:cNvPr id="3" name="Content Placeholder 2"/>
+          <p:cNvSpPr>
+            <a:spLocks noGrp="1"/>
+          </p:cNvSpPr>
+          <p:nvPr>
+            <p:ph idx="1"/>
+          </p:nvPr>
+        </p:nvSpPr>
+        <p:spPr/>
+        <p:txBody>
+          <a:bodyPr/>
+          <a:lstStyle/>
+          <a:p>
+            <a:r>
+              <a:rPr lang="en-CA" dirty="0" smtClean="0"/>
+              <a:t>Compilers </a:t>
+            </a:r>
+            <a:r>
+              <a:rPr lang="en-CA" dirty="0"/>
+              <a:t>may insert unused bytes called "padding bytes" after structure members to ensure that each member is appropriately </a:t>
+            </a:r>
+            <a:r>
+              <a:rPr lang="en-CA" dirty="0" smtClean="0"/>
+              <a:t>aligned.</a:t>
+            </a:r>
+          </a:p>
+          <a:p>
+            <a:pPr marL="914400" lvl="2" indent="0">
+              <a:buNone/>
+            </a:pPr>
+            <a:r>
+              <a:rPr lang="en-CA" dirty="0" err="1" smtClean="0"/>
+              <a:t>struct</a:t>
+            </a:r>
+            <a:r>
+              <a:rPr lang="en-CA" dirty="0" smtClean="0"/>
+              <a:t> widget {</a:t>
+            </a:r>
+          </a:p>
+          <a:p>
+            <a:pPr marL="914400" lvl="2" indent="0">
+              <a:buNone/>
+            </a:pPr>
+            <a:r>
+              <a:rPr lang="en-CA" dirty="0"/>
+              <a:t>    char m1;</a:t>
+            </a:r>
+          </a:p>
+          <a:p>
+            <a:pPr marL="914400" lvl="2" indent="0">
+              <a:buNone/>
+            </a:pPr>
+            <a:r>
+              <a:rPr lang="en-CA" dirty="0"/>
+              <a:t>    </a:t>
+            </a:r>
+            <a:r>
+              <a:rPr lang="en-CA" dirty="0" err="1"/>
+              <a:t>int</a:t>
+            </a:r>
+            <a:r>
+              <a:rPr lang="en-CA" dirty="0"/>
+              <a:t> m2;</a:t>
+            </a:r>
+          </a:p>
+          <a:p>
+            <a:pPr marL="914400" lvl="2" indent="0">
+              <a:buNone/>
+            </a:pPr>
+            <a:r>
+              <a:rPr lang="en-CA" dirty="0"/>
+              <a:t>    char m3;</a:t>
+            </a:r>
+          </a:p>
+          <a:p>
+            <a:pPr marL="914400" lvl="2" indent="0">
+              <a:buNone/>
+            </a:pPr>
+            <a:r>
+              <a:rPr lang="en-CA" dirty="0"/>
+              <a:t>};</a:t>
+            </a:r>
+          </a:p>
+          <a:p>
+            <a:pPr marL="457200" lvl="1" indent="0">
+              <a:buNone/>
+            </a:pPr>
+            <a:endParaRPr lang="en-CA" dirty="0"/>
+          </a:p>
+        </p:txBody>
+      </p:sp>
+      <p:sp>
+        <p:nvSpPr>
+          <p:cNvPr id="5" name="Slide Number Placeholder 4"/>
           <p:cNvSpPr>
             <a:spLocks noGrp="1"/>
           </p:cNvSpPr>
@@ -30195,8 +30912,8 @@
           <a:bodyPr/>
           <a:lstStyle/>
           <a:p>
-            <a:fld id="{57F2DFEC-14F2-6543-828C-982591103638}" type="slidenum">
-              <a:rPr lang="en-US"/>
+            <a:fld id="{EFA508D8-6740-FE46-95CC-F1012A7A27C5}" type="slidenum">
+              <a:rPr lang="en-US" smtClean="0"/>
               <a:pPr/>
               <a:t>40</a:t>
             </a:fld>
@@ -30206,82 +30923,66 @@
       </p:sp>
       <p:sp>
         <p:nvSpPr>
-          <p:cNvPr id="99330" name="Rectangle 2"/>
-          <p:cNvSpPr>
-            <a:spLocks noGrp="1" noChangeArrowheads="1"/>
-          </p:cNvSpPr>
-          <p:nvPr>
-            <p:ph type="title"/>
-          </p:nvPr>
-        </p:nvSpPr>
-        <p:spPr/>
-        <p:txBody>
-          <a:bodyPr/>
-          <a:lstStyle/>
-          <a:p>
-            <a:r>
-              <a:rPr lang="en-US"/>
-              <a:t>Summary</a:t>
-            </a:r>
-          </a:p>
-        </p:txBody>
-      </p:sp>
-      <p:sp>
-        <p:nvSpPr>
-          <p:cNvPr id="99331" name="Rectangle 3"/>
-          <p:cNvSpPr>
-            <a:spLocks noGrp="1" noChangeArrowheads="1"/>
-          </p:cNvSpPr>
-          <p:nvPr>
-            <p:ph type="body" idx="1"/>
-          </p:nvPr>
-        </p:nvSpPr>
-        <p:spPr/>
-        <p:txBody>
-          <a:bodyPr/>
-          <a:lstStyle/>
-          <a:p>
-            <a:r>
-              <a:rPr lang="en-US" sz="2800" dirty="0"/>
-              <a:t>Run-time support for functions</a:t>
-            </a:r>
-          </a:p>
-          <a:p>
-            <a:r>
-              <a:rPr lang="en-US" sz="2800" dirty="0"/>
-              <a:t>Dealing with (potentially infinite) recursion</a:t>
-            </a:r>
-          </a:p>
-          <a:p>
-            <a:r>
-              <a:rPr lang="en-US" sz="2800" dirty="0"/>
-              <a:t>Activation records for each function invocation</a:t>
-            </a:r>
-          </a:p>
-          <a:p>
-            <a:r>
-              <a:rPr lang="en-US" sz="2800" dirty="0"/>
-              <a:t>Storage allocation for activation records in recursive function calls</a:t>
-            </a:r>
-          </a:p>
-          <a:p>
-            <a:r>
-              <a:rPr lang="en-US" sz="2800" dirty="0"/>
-              <a:t>Stack allocation is easiest to implement while retaining recursion</a:t>
-            </a:r>
-          </a:p>
-          <a:p>
-            <a:r>
-              <a:rPr lang="en-US" sz="2800" dirty="0"/>
-              <a:t>Functional PLs use heap allocation</a:t>
-            </a:r>
+          <p:cNvPr id="6" name="TextBox 5"/>
+          <p:cNvSpPr txBox="1"/>
+          <p:nvPr/>
+        </p:nvSpPr>
+        <p:spPr>
+          <a:xfrm>
+            <a:off x="4211960" y="4388911"/>
+            <a:ext cx="4032448" cy="1200329"/>
+          </a:xfrm>
+          <a:prstGeom prst="rect">
+            <a:avLst/>
+          </a:prstGeom>
+          <a:noFill/>
+        </p:spPr>
+        <p:txBody>
+          <a:bodyPr wrap="square" rtlCol="0">
+            <a:spAutoFit/>
+          </a:bodyPr>
+          <a:lstStyle/>
+          <a:p>
+            <a:r>
+              <a:rPr lang="en-CA" b="1" dirty="0" smtClean="0">
+                <a:solidFill>
+                  <a:schemeClr val="accent2"/>
+                </a:solidFill>
+              </a:rPr>
+              <a:t>On a word aligned machine:</a:t>
+            </a:r>
+          </a:p>
+          <a:p>
+            <a:r>
+              <a:rPr lang="en-CA" b="1" dirty="0" smtClean="0">
+                <a:solidFill>
+                  <a:schemeClr val="accent2"/>
+                </a:solidFill>
+              </a:rPr>
+              <a:t>add 3 bytes of padding </a:t>
+            </a:r>
+          </a:p>
+          <a:p>
+            <a:r>
+              <a:rPr lang="en-CA" b="1" dirty="0" smtClean="0">
+                <a:solidFill>
+                  <a:schemeClr val="accent2"/>
+                </a:solidFill>
+              </a:rPr>
+              <a:t>after m1 and m3</a:t>
+            </a:r>
+            <a:endParaRPr lang="en-CA" b="1" dirty="0">
+              <a:solidFill>
+                <a:schemeClr val="accent2"/>
+              </a:solidFill>
+            </a:endParaRPr>
           </a:p>
         </p:txBody>
       </p:sp>
     </p:spTree>
     <p:extLst>
       <p:ext uri="{BB962C8B-B14F-4D97-AF65-F5344CB8AC3E}">
-        <p14:creationId xmlns:p14="http://schemas.microsoft.com/office/powerpoint/2010/main" val="781215852"/>
+        <p14:creationId xmlns:p14="http://schemas.microsoft.com/office/powerpoint/2010/main" val="2312361512"/>
       </p:ext>
     </p:extLst>
   </p:cSld>
@@ -30317,6 +31018,141 @@
       </p:grpSpPr>
       <p:sp>
         <p:nvSpPr>
+          <p:cNvPr id="5" name="Slide Number Placeholder 5"/>
+          <p:cNvSpPr>
+            <a:spLocks noGrp="1"/>
+          </p:cNvSpPr>
+          <p:nvPr>
+            <p:ph type="sldNum" sz="quarter" idx="12"/>
+          </p:nvPr>
+        </p:nvSpPr>
+        <p:spPr/>
+        <p:txBody>
+          <a:bodyPr/>
+          <a:lstStyle/>
+          <a:p>
+            <a:fld id="{57F2DFEC-14F2-6543-828C-982591103638}" type="slidenum">
+              <a:rPr lang="en-US"/>
+              <a:pPr/>
+              <a:t>41</a:t>
+            </a:fld>
+            <a:endParaRPr lang="en-US"/>
+          </a:p>
+        </p:txBody>
+      </p:sp>
+      <p:sp>
+        <p:nvSpPr>
+          <p:cNvPr id="99330" name="Rectangle 2"/>
+          <p:cNvSpPr>
+            <a:spLocks noGrp="1" noChangeArrowheads="1"/>
+          </p:cNvSpPr>
+          <p:nvPr>
+            <p:ph type="title"/>
+          </p:nvPr>
+        </p:nvSpPr>
+        <p:spPr/>
+        <p:txBody>
+          <a:bodyPr/>
+          <a:lstStyle/>
+          <a:p>
+            <a:r>
+              <a:rPr lang="en-US"/>
+              <a:t>Summary</a:t>
+            </a:r>
+          </a:p>
+        </p:txBody>
+      </p:sp>
+      <p:sp>
+        <p:nvSpPr>
+          <p:cNvPr id="99331" name="Rectangle 3"/>
+          <p:cNvSpPr>
+            <a:spLocks noGrp="1" noChangeArrowheads="1"/>
+          </p:cNvSpPr>
+          <p:nvPr>
+            <p:ph type="body" idx="1"/>
+          </p:nvPr>
+        </p:nvSpPr>
+        <p:spPr/>
+        <p:txBody>
+          <a:bodyPr/>
+          <a:lstStyle/>
+          <a:p>
+            <a:r>
+              <a:rPr lang="en-US" sz="2800" dirty="0"/>
+              <a:t>Run-time support for functions</a:t>
+            </a:r>
+          </a:p>
+          <a:p>
+            <a:r>
+              <a:rPr lang="en-US" sz="2800" dirty="0"/>
+              <a:t>Dealing with (potentially infinite) recursion</a:t>
+            </a:r>
+          </a:p>
+          <a:p>
+            <a:r>
+              <a:rPr lang="en-US" sz="2800" dirty="0"/>
+              <a:t>Activation records for each function invocation</a:t>
+            </a:r>
+          </a:p>
+          <a:p>
+            <a:r>
+              <a:rPr lang="en-US" sz="2800" dirty="0"/>
+              <a:t>Storage allocation for activation records in recursive function calls</a:t>
+            </a:r>
+          </a:p>
+          <a:p>
+            <a:r>
+              <a:rPr lang="en-US" sz="2800" dirty="0"/>
+              <a:t>Stack allocation is easiest to implement while retaining recursion</a:t>
+            </a:r>
+          </a:p>
+          <a:p>
+            <a:r>
+              <a:rPr lang="en-US" sz="2800" dirty="0"/>
+              <a:t>Functional PLs use heap allocation</a:t>
+            </a:r>
+          </a:p>
+        </p:txBody>
+      </p:sp>
+    </p:spTree>
+    <p:extLst>
+      <p:ext uri="{BB962C8B-B14F-4D97-AF65-F5344CB8AC3E}">
+        <p14:creationId xmlns:p14="http://schemas.microsoft.com/office/powerpoint/2010/main" val="781215852"/>
+      </p:ext>
+    </p:extLst>
+  </p:cSld>
+  <p:clrMapOvr>
+    <a:masterClrMapping/>
+  </p:clrMapOvr>
+  <p:timing>
+    <p:tnLst>
+      <p:par>
+        <p:cTn xmlns:p14="http://schemas.microsoft.com/office/powerpoint/2010/main" id="1" dur="indefinite" restart="never" nodeType="tmRoot"/>
+      </p:par>
+    </p:tnLst>
+  </p:timing>
+</p:sld>
+</file>
+
+<file path=ppt/slides/slide42.xml><?xml version="1.0" encoding="utf-8"?>
+<p:sld xmlns:a="http://schemas.openxmlformats.org/drawingml/2006/main" xmlns:r="http://schemas.openxmlformats.org/officeDocument/2006/relationships" xmlns:p="http://schemas.openxmlformats.org/presentationml/2006/main">
+  <p:cSld>
+    <p:spTree>
+      <p:nvGrpSpPr>
+        <p:cNvPr id="1" name=""/>
+        <p:cNvGrpSpPr/>
+        <p:nvPr/>
+      </p:nvGrpSpPr>
+      <p:grpSpPr>
+        <a:xfrm>
+          <a:off x="0" y="0"/>
+          <a:ext cx="0" cy="0"/>
+          <a:chOff x="0" y="0"/>
+          <a:chExt cx="0" cy="0"/>
+        </a:xfrm>
+      </p:grpSpPr>
+      <p:sp>
+        <p:nvSpPr>
           <p:cNvPr id="4" name="Slide Number Placeholder 4"/>
           <p:cNvSpPr>
             <a:spLocks noGrp="1"/>
@@ -30333,7 +31169,7 @@
             <a:fld id="{03480539-9C1E-EC49-9D41-6EDD58F3639D}" type="slidenum">
               <a:rPr lang="en-US"/>
               <a:pPr/>
-              <a:t>41</a:t>
+              <a:t>42</a:t>
             </a:fld>
             <a:endParaRPr lang="en-US"/>
           </a:p>
@@ -30391,7 +31227,7 @@
 </p:sld>
 </file>
 
-<file path=ppt/slides/slide42.xml><?xml version="1.0" encoding="utf-8"?>
+<file path=ppt/slides/slide43.xml><?xml version="1.0" encoding="utf-8"?>
 <p:sld xmlns:a="http://schemas.openxmlformats.org/drawingml/2006/main" xmlns:r="http://schemas.openxmlformats.org/officeDocument/2006/relationships" xmlns:p="http://schemas.openxmlformats.org/presentationml/2006/main" showMasterPhAnim="0">
   <p:cSld>
     <p:spTree>
@@ -30426,7 +31262,7 @@
             <a:fld id="{7325C795-7DAB-B442-B639-80218F73E84D}" type="slidenum">
               <a:rPr lang="en-US"/>
               <a:pPr/>
-              <a:t>42</a:t>
+              <a:t>43</a:t>
             </a:fld>
             <a:endParaRPr lang="en-US"/>
           </a:p>
@@ -30818,7 +31654,7 @@
 </p:sld>
 </file>
 
-<file path=ppt/slides/slide43.xml><?xml version="1.0" encoding="utf-8"?>
+<file path=ppt/slides/slide44.xml><?xml version="1.0" encoding="utf-8"?>
 <p:sld xmlns:a="http://schemas.openxmlformats.org/drawingml/2006/main" xmlns:r="http://schemas.openxmlformats.org/officeDocument/2006/relationships" xmlns:p="http://schemas.openxmlformats.org/presentationml/2006/main" showMasterPhAnim="0">
   <p:cSld>
     <p:spTree>
@@ -30853,7 +31689,7 @@
             <a:fld id="{FA10C18A-94F5-2042-80F6-19625B7C0DC1}" type="slidenum">
               <a:rPr lang="en-US"/>
               <a:pPr/>
-              <a:t>43</a:t>
+              <a:t>44</a:t>
             </a:fld>
             <a:endParaRPr lang="en-US"/>
           </a:p>
@@ -31280,7 +32116,7 @@
 </p:sld>
 </file>
 
-<file path=ppt/slides/slide44.xml><?xml version="1.0" encoding="utf-8"?>
+<file path=ppt/slides/slide45.xml><?xml version="1.0" encoding="utf-8"?>
 <p:sld xmlns:a="http://schemas.openxmlformats.org/drawingml/2006/main" xmlns:r="http://schemas.openxmlformats.org/officeDocument/2006/relationships" xmlns:p="http://schemas.openxmlformats.org/presentationml/2006/main" showMasterPhAnim="0">
   <p:cSld>
     <p:spTree>
@@ -31315,7 +32151,7 @@
             <a:fld id="{981EF993-54B0-C34A-8C1A-2BD3CF04B331}" type="slidenum">
               <a:rPr lang="en-US"/>
               <a:pPr/>
-              <a:t>44</a:t>
+              <a:t>45</a:t>
             </a:fld>
             <a:endParaRPr lang="en-US"/>
           </a:p>
@@ -31700,7 +32536,7 @@
 </p:sld>
 </file>
 
-<file path=ppt/slides/slide45.xml><?xml version="1.0" encoding="utf-8"?>
+<file path=ppt/slides/slide46.xml><?xml version="1.0" encoding="utf-8"?>
 <p:sld xmlns:a="http://schemas.openxmlformats.org/drawingml/2006/main" xmlns:r="http://schemas.openxmlformats.org/officeDocument/2006/relationships" xmlns:p="http://schemas.openxmlformats.org/presentationml/2006/main">
   <p:cSld>
     <p:spTree>
@@ -31735,7 +32571,7 @@
             <a:fld id="{065D022C-57C6-3245-B0A5-C2956BEBABCC}" type="slidenum">
               <a:rPr lang="en-US"/>
               <a:pPr/>
-              <a:t>45</a:t>
+              <a:t>46</a:t>
             </a:fld>
             <a:endParaRPr lang="en-US"/>
           </a:p>
@@ -32066,7 +32902,7 @@
 </p:sld>
 </file>
 
-<file path=ppt/slides/slide46.xml><?xml version="1.0" encoding="utf-8"?>
+<file path=ppt/slides/slide47.xml><?xml version="1.0" encoding="utf-8"?>
 <p:sld xmlns:a="http://schemas.openxmlformats.org/drawingml/2006/main" xmlns:r="http://schemas.openxmlformats.org/officeDocument/2006/relationships" xmlns:p="http://schemas.openxmlformats.org/presentationml/2006/main" showMasterPhAnim="0">
   <p:cSld>
     <p:spTree>
@@ -32101,7 +32937,7 @@
             <a:fld id="{1FF25E63-21E9-EF4B-9E1D-2B243800535E}" type="slidenum">
               <a:rPr lang="en-US"/>
               <a:pPr/>
-              <a:t>46</a:t>
+              <a:t>47</a:t>
             </a:fld>
             <a:endParaRPr lang="en-US"/>
           </a:p>
@@ -32985,117 +33821,6 @@
 </p:sld>
 </file>
 
-<file path=ppt/slides/slide47.xml><?xml version="1.0" encoding="utf-8"?>
-<p:sld xmlns:a="http://schemas.openxmlformats.org/drawingml/2006/main" xmlns:r="http://schemas.openxmlformats.org/officeDocument/2006/relationships" xmlns:p="http://schemas.openxmlformats.org/presentationml/2006/main">
-  <p:cSld>
-    <p:spTree>
-      <p:nvGrpSpPr>
-        <p:cNvPr id="1" name=""/>
-        <p:cNvGrpSpPr/>
-        <p:nvPr/>
-      </p:nvGrpSpPr>
-      <p:grpSpPr>
-        <a:xfrm>
-          <a:off x="0" y="0"/>
-          <a:ext cx="0" cy="0"/>
-          <a:chOff x="0" y="0"/>
-          <a:chExt cx="0" cy="0"/>
-        </a:xfrm>
-      </p:grpSpPr>
-      <p:sp>
-        <p:nvSpPr>
-          <p:cNvPr id="5" name="Slide Number Placeholder 4"/>
-          <p:cNvSpPr>
-            <a:spLocks noGrp="1"/>
-          </p:cNvSpPr>
-          <p:nvPr>
-            <p:ph type="sldNum" sz="quarter" idx="12"/>
-          </p:nvPr>
-        </p:nvSpPr>
-        <p:spPr/>
-        <p:txBody>
-          <a:bodyPr/>
-          <a:lstStyle/>
-          <a:p>
-            <a:fld id="{71903BA4-E09C-2746-B9E6-E50334536A49}" type="slidenum">
-              <a:rPr lang="en-US"/>
-              <a:pPr/>
-              <a:t>47</a:t>
-            </a:fld>
-            <a:endParaRPr lang="en-US"/>
-          </a:p>
-        </p:txBody>
-      </p:sp>
-      <p:sp>
-        <p:nvSpPr>
-          <p:cNvPr id="79874" name="Rectangle 2"/>
-          <p:cNvSpPr>
-            <a:spLocks noGrp="1" noChangeArrowheads="1"/>
-          </p:cNvSpPr>
-          <p:nvPr>
-            <p:ph type="title"/>
-          </p:nvPr>
-        </p:nvSpPr>
-        <p:spPr/>
-        <p:txBody>
-          <a:bodyPr/>
-          <a:lstStyle/>
-          <a:p>
-            <a:r>
-              <a:rPr lang="en-US"/>
-              <a:t>Run-time Memory</a:t>
-            </a:r>
-          </a:p>
-        </p:txBody>
-      </p:sp>
-      <p:pic>
-        <p:nvPicPr>
-          <p:cNvPr id="79876" name="Picture 4"/>
-          <p:cNvPicPr>
-            <a:picLocks noChangeAspect="1" noChangeArrowheads="1"/>
-          </p:cNvPicPr>
-          <p:nvPr/>
-        </p:nvPicPr>
-        <p:blipFill>
-          <a:blip r:embed="rId3"/>
-          <a:srcRect/>
-          <a:stretch>
-            <a:fillRect/>
-          </a:stretch>
-        </p:blipFill>
-        <p:spPr bwMode="auto">
-          <a:xfrm>
-            <a:off x="1219200" y="1600200"/>
-            <a:ext cx="6591300" cy="5067300"/>
-          </a:xfrm>
-          <a:prstGeom prst="rect">
-            <a:avLst/>
-          </a:prstGeom>
-          <a:noFill/>
-          <a:ln w="9525">
-            <a:noFill/>
-            <a:miter lim="800000"/>
-            <a:headEnd/>
-            <a:tailEnd/>
-          </a:ln>
-          <a:effectLst/>
-        </p:spPr>
-      </p:pic>
-    </p:spTree>
-  </p:cSld>
-  <p:clrMapOvr>
-    <a:masterClrMapping/>
-  </p:clrMapOvr>
-  <p:timing>
-    <p:tnLst>
-      <p:par>
-        <p:cTn xmlns:p14="http://schemas.microsoft.com/office/powerpoint/2010/main" id="1" dur="indefinite" restart="never" nodeType="tmRoot"/>
-      </p:par>
-    </p:tnLst>
-  </p:timing>
-</p:sld>
-</file>
-
 <file path=ppt/slides/slide48.xml><?xml version="1.0" encoding="utf-8"?>
 <p:sld xmlns:a="http://schemas.openxmlformats.org/drawingml/2006/main" xmlns:r="http://schemas.openxmlformats.org/officeDocument/2006/relationships" xmlns:p="http://schemas.openxmlformats.org/presentationml/2006/main">
   <p:cSld>
@@ -33128,7 +33853,7 @@
           <a:bodyPr/>
           <a:lstStyle/>
           <a:p>
-            <a:fld id="{4A840815-5F89-AB4A-A122-454C6D281BED}" type="slidenum">
+            <a:fld id="{71903BA4-E09C-2746-B9E6-E50334536A49}" type="slidenum">
               <a:rPr lang="en-US"/>
               <a:pPr/>
               <a:t>48</a:t>
@@ -33139,7 +33864,7 @@
       </p:sp>
       <p:sp>
         <p:nvSpPr>
-          <p:cNvPr id="87042" name="Rectangle 2"/>
+          <p:cNvPr id="79874" name="Rectangle 2"/>
           <p:cNvSpPr>
             <a:spLocks noGrp="1" noChangeArrowheads="1"/>
           </p:cNvSpPr>
@@ -33154,14 +33879,14 @@
           <a:p>
             <a:r>
               <a:rPr lang="en-US"/>
-              <a:t>Stack frame</a:t>
+              <a:t>Run-time Memory</a:t>
             </a:r>
           </a:p>
         </p:txBody>
       </p:sp>
       <p:pic>
         <p:nvPicPr>
-          <p:cNvPr id="87044" name="Picture 4"/>
+          <p:cNvPr id="79876" name="Picture 4"/>
           <p:cNvPicPr>
             <a:picLocks noChangeAspect="1" noChangeArrowheads="1"/>
           </p:cNvPicPr>
@@ -33176,8 +33901,8 @@
         </p:blipFill>
         <p:spPr bwMode="auto">
           <a:xfrm>
-            <a:off x="1371600" y="1524000"/>
-            <a:ext cx="6629400" cy="5164138"/>
+            <a:off x="1219200" y="1600200"/>
+            <a:ext cx="6591300" cy="5067300"/>
           </a:xfrm>
           <a:prstGeom prst="rect">
             <a:avLst/>
@@ -33226,7 +33951,7 @@
       </p:grpSpPr>
       <p:sp>
         <p:nvSpPr>
-          <p:cNvPr id="28" name="Slide Number Placeholder 4"/>
+          <p:cNvPr id="5" name="Slide Number Placeholder 4"/>
           <p:cNvSpPr>
             <a:spLocks noGrp="1"/>
           </p:cNvSpPr>
@@ -33239,7 +33964,7 @@
           <a:bodyPr/>
           <a:lstStyle/>
           <a:p>
-            <a:fld id="{F333222E-2707-074F-977D-2524EF7CE2BB}" type="slidenum">
+            <a:fld id="{4A840815-5F89-AB4A-A122-454C6D281BED}" type="slidenum">
               <a:rPr lang="en-US"/>
               <a:pPr/>
               <a:t>49</a:t>
@@ -33250,7 +33975,7 @@
       </p:sp>
       <p:sp>
         <p:nvSpPr>
-          <p:cNvPr id="88066" name="Rectangle 2"/>
+          <p:cNvPr id="87042" name="Rectangle 2"/>
           <p:cNvSpPr>
             <a:spLocks noGrp="1" noChangeArrowheads="1"/>
           </p:cNvSpPr>
@@ -33265,259 +33990,30 @@
           <a:p>
             <a:r>
               <a:rPr lang="en-US"/>
-              <a:t>Example: MIPS stack frame</a:t>
-            </a:r>
-          </a:p>
-        </p:txBody>
-      </p:sp>
-      <p:sp>
-        <p:nvSpPr>
-          <p:cNvPr id="88067" name="Rectangle 3"/>
-          <p:cNvSpPr>
-            <a:spLocks noChangeArrowheads="1"/>
-          </p:cNvSpPr>
-          <p:nvPr/>
-        </p:nvSpPr>
+              <a:t>Stack frame</a:t>
+            </a:r>
+          </a:p>
+        </p:txBody>
+      </p:sp>
+      <p:pic>
+        <p:nvPicPr>
+          <p:cNvPr id="87044" name="Picture 4"/>
+          <p:cNvPicPr>
+            <a:picLocks noChangeAspect="1" noChangeArrowheads="1"/>
+          </p:cNvPicPr>
+          <p:nvPr/>
+        </p:nvPicPr>
+        <p:blipFill>
+          <a:blip r:embed="rId3"/>
+          <a:srcRect/>
+          <a:stretch>
+            <a:fillRect/>
+          </a:stretch>
+        </p:blipFill>
         <p:spPr bwMode="auto">
           <a:xfrm>
-            <a:off x="2209800" y="1905000"/>
-            <a:ext cx="4648200" cy="4343400"/>
-          </a:xfrm>
-          <a:prstGeom prst="rect">
-            <a:avLst/>
-          </a:prstGeom>
-          <a:solidFill>
-            <a:schemeClr val="accent1"/>
-          </a:solidFill>
-          <a:ln w="9525">
-            <a:solidFill>
-              <a:schemeClr val="tx1"/>
-            </a:solidFill>
-            <a:miter lim="800000"/>
-            <a:headEnd/>
-            <a:tailEnd/>
-          </a:ln>
-          <a:effectLst/>
-        </p:spPr>
-        <p:txBody>
-          <a:bodyPr wrap="none" anchor="ctr">
-            <a:prstTxWarp prst="textNoShape">
-              <a:avLst/>
-            </a:prstTxWarp>
-          </a:bodyPr>
-          <a:lstStyle/>
-          <a:p>
-            <a:endParaRPr lang="en-US"/>
-          </a:p>
-        </p:txBody>
-      </p:sp>
-      <p:sp>
-        <p:nvSpPr>
-          <p:cNvPr id="88070" name="Line 6"/>
-          <p:cNvSpPr>
-            <a:spLocks noChangeShapeType="1"/>
-          </p:cNvSpPr>
-          <p:nvPr/>
-        </p:nvSpPr>
-        <p:spPr bwMode="auto">
-          <a:xfrm>
-            <a:off x="2209800" y="3429000"/>
-            <a:ext cx="4648200" cy="0"/>
-          </a:xfrm>
-          <a:prstGeom prst="line">
-            <a:avLst/>
-          </a:prstGeom>
-          <a:noFill/>
-          <a:ln w="9525">
-            <a:solidFill>
-              <a:schemeClr val="tx1"/>
-            </a:solidFill>
-            <a:round/>
-            <a:headEnd/>
-            <a:tailEnd/>
-          </a:ln>
-          <a:effectLst/>
-        </p:spPr>
-        <p:txBody>
-          <a:bodyPr wrap="none" anchor="ctr">
-            <a:prstTxWarp prst="textNoShape">
-              <a:avLst/>
-            </a:prstTxWarp>
-          </a:bodyPr>
-          <a:lstStyle/>
-          <a:p>
-            <a:endParaRPr lang="en-US"/>
-          </a:p>
-        </p:txBody>
-      </p:sp>
-      <p:sp>
-        <p:nvSpPr>
-          <p:cNvPr id="88071" name="Line 7"/>
-          <p:cNvSpPr>
-            <a:spLocks noChangeShapeType="1"/>
-          </p:cNvSpPr>
-          <p:nvPr/>
-        </p:nvSpPr>
-        <p:spPr bwMode="auto">
-          <a:xfrm>
-            <a:off x="2209800" y="3810000"/>
-            <a:ext cx="4648200" cy="0"/>
-          </a:xfrm>
-          <a:prstGeom prst="line">
-            <a:avLst/>
-          </a:prstGeom>
-          <a:noFill/>
-          <a:ln w="9525">
-            <a:solidFill>
-              <a:schemeClr val="tx1"/>
-            </a:solidFill>
-            <a:round/>
-            <a:headEnd/>
-            <a:tailEnd/>
-          </a:ln>
-          <a:effectLst/>
-        </p:spPr>
-        <p:txBody>
-          <a:bodyPr wrap="none" anchor="ctr">
-            <a:prstTxWarp prst="textNoShape">
-              <a:avLst/>
-            </a:prstTxWarp>
-          </a:bodyPr>
-          <a:lstStyle/>
-          <a:p>
-            <a:endParaRPr lang="en-US"/>
-          </a:p>
-        </p:txBody>
-      </p:sp>
-      <p:sp>
-        <p:nvSpPr>
-          <p:cNvPr id="88072" name="Line 8"/>
-          <p:cNvSpPr>
-            <a:spLocks noChangeShapeType="1"/>
-          </p:cNvSpPr>
-          <p:nvPr/>
-        </p:nvSpPr>
-        <p:spPr bwMode="auto">
-          <a:xfrm>
-            <a:off x="2209800" y="4191000"/>
-            <a:ext cx="4648200" cy="0"/>
-          </a:xfrm>
-          <a:prstGeom prst="line">
-            <a:avLst/>
-          </a:prstGeom>
-          <a:noFill/>
-          <a:ln w="9525">
-            <a:solidFill>
-              <a:schemeClr val="tx1"/>
-            </a:solidFill>
-            <a:round/>
-            <a:headEnd/>
-            <a:tailEnd/>
-          </a:ln>
-          <a:effectLst/>
-        </p:spPr>
-        <p:txBody>
-          <a:bodyPr wrap="none" anchor="ctr">
-            <a:prstTxWarp prst="textNoShape">
-              <a:avLst/>
-            </a:prstTxWarp>
-          </a:bodyPr>
-          <a:lstStyle/>
-          <a:p>
-            <a:endParaRPr lang="en-US"/>
-          </a:p>
-        </p:txBody>
-      </p:sp>
-      <p:sp>
-        <p:nvSpPr>
-          <p:cNvPr id="88073" name="Line 9"/>
-          <p:cNvSpPr>
-            <a:spLocks noChangeShapeType="1"/>
-          </p:cNvSpPr>
-          <p:nvPr/>
-        </p:nvSpPr>
-        <p:spPr bwMode="auto">
-          <a:xfrm>
-            <a:off x="2209800" y="3048000"/>
-            <a:ext cx="4648200" cy="0"/>
-          </a:xfrm>
-          <a:prstGeom prst="line">
-            <a:avLst/>
-          </a:prstGeom>
-          <a:noFill/>
-          <a:ln w="9525">
-            <a:solidFill>
-              <a:schemeClr val="tx1"/>
-            </a:solidFill>
-            <a:round/>
-            <a:headEnd/>
-            <a:tailEnd/>
-          </a:ln>
-          <a:effectLst/>
-        </p:spPr>
-        <p:txBody>
-          <a:bodyPr wrap="none" anchor="ctr">
-            <a:prstTxWarp prst="textNoShape">
-              <a:avLst/>
-            </a:prstTxWarp>
-          </a:bodyPr>
-          <a:lstStyle/>
-          <a:p>
-            <a:endParaRPr lang="en-US"/>
-          </a:p>
-        </p:txBody>
-      </p:sp>
-      <p:sp>
-        <p:nvSpPr>
-          <p:cNvPr id="88074" name="Line 10"/>
-          <p:cNvSpPr>
-            <a:spLocks noChangeShapeType="1"/>
-          </p:cNvSpPr>
-          <p:nvPr/>
-        </p:nvSpPr>
-        <p:spPr bwMode="auto">
-          <a:xfrm>
-            <a:off x="2209800" y="2667000"/>
-            <a:ext cx="4648200" cy="0"/>
-          </a:xfrm>
-          <a:prstGeom prst="line">
-            <a:avLst/>
-          </a:prstGeom>
-          <a:noFill/>
-          <a:ln w="9525">
-            <a:solidFill>
-              <a:schemeClr val="tx1"/>
-            </a:solidFill>
-            <a:round/>
-            <a:headEnd/>
-            <a:tailEnd/>
-          </a:ln>
-          <a:effectLst/>
-        </p:spPr>
-        <p:txBody>
-          <a:bodyPr wrap="none" anchor="ctr">
-            <a:prstTxWarp prst="textNoShape">
-              <a:avLst/>
-            </a:prstTxWarp>
-          </a:bodyPr>
-          <a:lstStyle/>
-          <a:p>
-            <a:endParaRPr lang="en-US"/>
-          </a:p>
-        </p:txBody>
-      </p:sp>
-      <p:sp>
-        <p:nvSpPr>
-          <p:cNvPr id="88075" name="Text Box 11"/>
-          <p:cNvSpPr txBox="1">
-            <a:spLocks noChangeArrowheads="1"/>
-          </p:cNvSpPr>
-          <p:nvPr/>
-        </p:nvSpPr>
-        <p:spPr bwMode="auto">
-          <a:xfrm>
-            <a:off x="1371600" y="3810000"/>
-            <a:ext cx="733425" cy="457200"/>
+            <a:off x="1371600" y="1524000"/>
+            <a:ext cx="6629400" cy="5164138"/>
           </a:xfrm>
           <a:prstGeom prst="rect">
             <a:avLst/>
@@ -33531,713 +34027,7 @@
           </a:ln>
           <a:effectLst/>
         </p:spPr>
-        <p:txBody>
-          <a:bodyPr wrap="none">
-            <a:prstTxWarp prst="textNoShape">
-              <a:avLst/>
-            </a:prstTxWarp>
-            <a:spAutoFit/>
-          </a:bodyPr>
-          <a:lstStyle/>
-          <a:p>
-            <a:r>
-              <a:rPr lang="en-US">
-                <a:latin typeface="Courier" charset="0"/>
-              </a:rPr>
-              <a:t>$a3</a:t>
-            </a:r>
-          </a:p>
-        </p:txBody>
-      </p:sp>
-      <p:sp>
-        <p:nvSpPr>
-          <p:cNvPr id="88076" name="Text Box 12"/>
-          <p:cNvSpPr txBox="1">
-            <a:spLocks noChangeArrowheads="1"/>
-          </p:cNvSpPr>
-          <p:nvPr/>
-        </p:nvSpPr>
-        <p:spPr bwMode="auto">
-          <a:xfrm>
-            <a:off x="1371600" y="3429000"/>
-            <a:ext cx="733425" cy="457200"/>
-          </a:xfrm>
-          <a:prstGeom prst="rect">
-            <a:avLst/>
-          </a:prstGeom>
-          <a:noFill/>
-          <a:ln w="9525">
-            <a:noFill/>
-            <a:miter lim="800000"/>
-            <a:headEnd/>
-            <a:tailEnd/>
-          </a:ln>
-          <a:effectLst/>
-        </p:spPr>
-        <p:txBody>
-          <a:bodyPr wrap="none">
-            <a:prstTxWarp prst="textNoShape">
-              <a:avLst/>
-            </a:prstTxWarp>
-            <a:spAutoFit/>
-          </a:bodyPr>
-          <a:lstStyle/>
-          <a:p>
-            <a:r>
-              <a:rPr lang="en-US">
-                <a:latin typeface="Courier" charset="0"/>
-              </a:rPr>
-              <a:t>$a2</a:t>
-            </a:r>
-          </a:p>
-        </p:txBody>
-      </p:sp>
-      <p:sp>
-        <p:nvSpPr>
-          <p:cNvPr id="88077" name="Text Box 13"/>
-          <p:cNvSpPr txBox="1">
-            <a:spLocks noChangeArrowheads="1"/>
-          </p:cNvSpPr>
-          <p:nvPr/>
-        </p:nvSpPr>
-        <p:spPr bwMode="auto">
-          <a:xfrm>
-            <a:off x="1371600" y="3048000"/>
-            <a:ext cx="733425" cy="457200"/>
-          </a:xfrm>
-          <a:prstGeom prst="rect">
-            <a:avLst/>
-          </a:prstGeom>
-          <a:noFill/>
-          <a:ln w="9525">
-            <a:noFill/>
-            <a:miter lim="800000"/>
-            <a:headEnd/>
-            <a:tailEnd/>
-          </a:ln>
-          <a:effectLst/>
-        </p:spPr>
-        <p:txBody>
-          <a:bodyPr wrap="none">
-            <a:prstTxWarp prst="textNoShape">
-              <a:avLst/>
-            </a:prstTxWarp>
-            <a:spAutoFit/>
-          </a:bodyPr>
-          <a:lstStyle/>
-          <a:p>
-            <a:r>
-              <a:rPr lang="en-US">
-                <a:latin typeface="Courier" charset="0"/>
-              </a:rPr>
-              <a:t>$a1</a:t>
-            </a:r>
-          </a:p>
-        </p:txBody>
-      </p:sp>
-      <p:sp>
-        <p:nvSpPr>
-          <p:cNvPr id="88078" name="Text Box 14"/>
-          <p:cNvSpPr txBox="1">
-            <a:spLocks noChangeArrowheads="1"/>
-          </p:cNvSpPr>
-          <p:nvPr/>
-        </p:nvSpPr>
-        <p:spPr bwMode="auto">
-          <a:xfrm>
-            <a:off x="1371600" y="2667000"/>
-            <a:ext cx="733425" cy="457200"/>
-          </a:xfrm>
-          <a:prstGeom prst="rect">
-            <a:avLst/>
-          </a:prstGeom>
-          <a:noFill/>
-          <a:ln w="9525">
-            <a:noFill/>
-            <a:miter lim="800000"/>
-            <a:headEnd/>
-            <a:tailEnd/>
-          </a:ln>
-          <a:effectLst/>
-        </p:spPr>
-        <p:txBody>
-          <a:bodyPr wrap="none">
-            <a:prstTxWarp prst="textNoShape">
-              <a:avLst/>
-            </a:prstTxWarp>
-            <a:spAutoFit/>
-          </a:bodyPr>
-          <a:lstStyle/>
-          <a:p>
-            <a:r>
-              <a:rPr lang="en-US">
-                <a:latin typeface="Courier" charset="0"/>
-              </a:rPr>
-              <a:t>$a0</a:t>
-            </a:r>
-          </a:p>
-        </p:txBody>
-      </p:sp>
-      <p:sp>
-        <p:nvSpPr>
-          <p:cNvPr id="88079" name="Text Box 15"/>
-          <p:cNvSpPr txBox="1">
-            <a:spLocks noChangeArrowheads="1"/>
-          </p:cNvSpPr>
-          <p:nvPr/>
-        </p:nvSpPr>
-        <p:spPr bwMode="auto">
-          <a:xfrm>
-            <a:off x="6934200" y="2514600"/>
-            <a:ext cx="336550" cy="457200"/>
-          </a:xfrm>
-          <a:prstGeom prst="rect">
-            <a:avLst/>
-          </a:prstGeom>
-          <a:noFill/>
-          <a:ln w="9525">
-            <a:noFill/>
-            <a:miter lim="800000"/>
-            <a:headEnd/>
-            <a:tailEnd/>
-          </a:ln>
-          <a:effectLst/>
-        </p:spPr>
-        <p:txBody>
-          <a:bodyPr wrap="none">
-            <a:prstTxWarp prst="textNoShape">
-              <a:avLst/>
-            </a:prstTxWarp>
-            <a:spAutoFit/>
-          </a:bodyPr>
-          <a:lstStyle/>
-          <a:p>
-            <a:r>
-              <a:rPr lang="en-US"/>
-              <a:t>4</a:t>
-            </a:r>
-          </a:p>
-        </p:txBody>
-      </p:sp>
-      <p:sp>
-        <p:nvSpPr>
-          <p:cNvPr id="88080" name="Text Box 16"/>
-          <p:cNvSpPr txBox="1">
-            <a:spLocks noChangeArrowheads="1"/>
-          </p:cNvSpPr>
-          <p:nvPr/>
-        </p:nvSpPr>
-        <p:spPr bwMode="auto">
-          <a:xfrm>
-            <a:off x="6934200" y="2971800"/>
-            <a:ext cx="336550" cy="457200"/>
-          </a:xfrm>
-          <a:prstGeom prst="rect">
-            <a:avLst/>
-          </a:prstGeom>
-          <a:noFill/>
-          <a:ln w="9525">
-            <a:noFill/>
-            <a:miter lim="800000"/>
-            <a:headEnd/>
-            <a:tailEnd/>
-          </a:ln>
-          <a:effectLst/>
-        </p:spPr>
-        <p:txBody>
-          <a:bodyPr wrap="none">
-            <a:prstTxWarp prst="textNoShape">
-              <a:avLst/>
-            </a:prstTxWarp>
-            <a:spAutoFit/>
-          </a:bodyPr>
-          <a:lstStyle/>
-          <a:p>
-            <a:r>
-              <a:rPr lang="en-US"/>
-              <a:t>4</a:t>
-            </a:r>
-          </a:p>
-        </p:txBody>
-      </p:sp>
-      <p:sp>
-        <p:nvSpPr>
-          <p:cNvPr id="88081" name="Text Box 17"/>
-          <p:cNvSpPr txBox="1">
-            <a:spLocks noChangeArrowheads="1"/>
-          </p:cNvSpPr>
-          <p:nvPr/>
-        </p:nvSpPr>
-        <p:spPr bwMode="auto">
-          <a:xfrm>
-            <a:off x="6934200" y="3429000"/>
-            <a:ext cx="336550" cy="457200"/>
-          </a:xfrm>
-          <a:prstGeom prst="rect">
-            <a:avLst/>
-          </a:prstGeom>
-          <a:noFill/>
-          <a:ln w="9525">
-            <a:noFill/>
-            <a:miter lim="800000"/>
-            <a:headEnd/>
-            <a:tailEnd/>
-          </a:ln>
-          <a:effectLst/>
-        </p:spPr>
-        <p:txBody>
-          <a:bodyPr wrap="none">
-            <a:prstTxWarp prst="textNoShape">
-              <a:avLst/>
-            </a:prstTxWarp>
-            <a:spAutoFit/>
-          </a:bodyPr>
-          <a:lstStyle/>
-          <a:p>
-            <a:r>
-              <a:rPr lang="en-US"/>
-              <a:t>4</a:t>
-            </a:r>
-          </a:p>
-        </p:txBody>
-      </p:sp>
-      <p:sp>
-        <p:nvSpPr>
-          <p:cNvPr id="88082" name="Text Box 18"/>
-          <p:cNvSpPr txBox="1">
-            <a:spLocks noChangeArrowheads="1"/>
-          </p:cNvSpPr>
-          <p:nvPr/>
-        </p:nvSpPr>
-        <p:spPr bwMode="auto">
-          <a:xfrm>
-            <a:off x="6934200" y="3886200"/>
-            <a:ext cx="336550" cy="457200"/>
-          </a:xfrm>
-          <a:prstGeom prst="rect">
-            <a:avLst/>
-          </a:prstGeom>
-          <a:noFill/>
-          <a:ln w="9525">
-            <a:noFill/>
-            <a:miter lim="800000"/>
-            <a:headEnd/>
-            <a:tailEnd/>
-          </a:ln>
-          <a:effectLst/>
-        </p:spPr>
-        <p:txBody>
-          <a:bodyPr wrap="none">
-            <a:prstTxWarp prst="textNoShape">
-              <a:avLst/>
-            </a:prstTxWarp>
-            <a:spAutoFit/>
-          </a:bodyPr>
-          <a:lstStyle/>
-          <a:p>
-            <a:r>
-              <a:rPr lang="en-US"/>
-              <a:t>4</a:t>
-            </a:r>
-          </a:p>
-        </p:txBody>
-      </p:sp>
-      <p:sp>
-        <p:nvSpPr>
-          <p:cNvPr id="88083" name="Text Box 19"/>
-          <p:cNvSpPr txBox="1">
-            <a:spLocks noChangeArrowheads="1"/>
-          </p:cNvSpPr>
-          <p:nvPr/>
-        </p:nvSpPr>
-        <p:spPr bwMode="auto">
-          <a:xfrm>
-            <a:off x="7543800" y="3200400"/>
-            <a:ext cx="488950" cy="457200"/>
-          </a:xfrm>
-          <a:prstGeom prst="rect">
-            <a:avLst/>
-          </a:prstGeom>
-          <a:noFill/>
-          <a:ln w="9525">
-            <a:noFill/>
-            <a:miter lim="800000"/>
-            <a:headEnd/>
-            <a:tailEnd/>
-          </a:ln>
-          <a:effectLst/>
-        </p:spPr>
-        <p:txBody>
-          <a:bodyPr wrap="none">
-            <a:prstTxWarp prst="textNoShape">
-              <a:avLst/>
-            </a:prstTxWarp>
-            <a:spAutoFit/>
-          </a:bodyPr>
-          <a:lstStyle/>
-          <a:p>
-            <a:r>
-              <a:rPr lang="en-US"/>
-              <a:t>16</a:t>
-            </a:r>
-          </a:p>
-        </p:txBody>
-      </p:sp>
-      <p:sp>
-        <p:nvSpPr>
-          <p:cNvPr id="88084" name="Text Box 20"/>
-          <p:cNvSpPr txBox="1">
-            <a:spLocks noChangeArrowheads="1"/>
-          </p:cNvSpPr>
-          <p:nvPr/>
-        </p:nvSpPr>
-        <p:spPr bwMode="auto">
-          <a:xfrm>
-            <a:off x="7010400" y="4648200"/>
-            <a:ext cx="1606550" cy="822325"/>
-          </a:xfrm>
-          <a:prstGeom prst="rect">
-            <a:avLst/>
-          </a:prstGeom>
-          <a:noFill/>
-          <a:ln w="9525">
-            <a:noFill/>
-            <a:miter lim="800000"/>
-            <a:headEnd/>
-            <a:tailEnd/>
-          </a:ln>
-          <a:effectLst/>
-        </p:spPr>
-        <p:txBody>
-          <a:bodyPr wrap="none">
-            <a:prstTxWarp prst="textNoShape">
-              <a:avLst/>
-            </a:prstTxWarp>
-            <a:spAutoFit/>
-          </a:bodyPr>
-          <a:lstStyle/>
-          <a:p>
-            <a:r>
-              <a:rPr lang="en-US"/>
-              <a:t>(n*4)($fp)</a:t>
-            </a:r>
-          </a:p>
-          <a:p>
-            <a:r>
-              <a:rPr lang="en-US"/>
-              <a:t>for param n</a:t>
-            </a:r>
-          </a:p>
-        </p:txBody>
-      </p:sp>
-      <p:sp>
-        <p:nvSpPr>
-          <p:cNvPr id="88085" name="Text Box 21"/>
-          <p:cNvSpPr txBox="1">
-            <a:spLocks noChangeArrowheads="1"/>
-          </p:cNvSpPr>
-          <p:nvPr/>
-        </p:nvSpPr>
-        <p:spPr bwMode="auto">
-          <a:xfrm>
-            <a:off x="457200" y="4572000"/>
-            <a:ext cx="590550" cy="457200"/>
-          </a:xfrm>
-          <a:prstGeom prst="rect">
-            <a:avLst/>
-          </a:prstGeom>
-          <a:noFill/>
-          <a:ln w="9525">
-            <a:noFill/>
-            <a:miter lim="800000"/>
-            <a:headEnd/>
-            <a:tailEnd/>
-          </a:ln>
-          <a:effectLst/>
-        </p:spPr>
-        <p:txBody>
-          <a:bodyPr wrap="none">
-            <a:prstTxWarp prst="textNoShape">
-              <a:avLst/>
-            </a:prstTxWarp>
-            <a:spAutoFit/>
-          </a:bodyPr>
-          <a:lstStyle/>
-          <a:p>
-            <a:r>
-              <a:rPr lang="en-US"/>
-              <a:t>$fp</a:t>
-            </a:r>
-          </a:p>
-        </p:txBody>
-      </p:sp>
-      <p:sp>
-        <p:nvSpPr>
-          <p:cNvPr id="88086" name="Text Box 22"/>
-          <p:cNvSpPr txBox="1">
-            <a:spLocks noChangeArrowheads="1"/>
-          </p:cNvSpPr>
-          <p:nvPr/>
-        </p:nvSpPr>
-        <p:spPr bwMode="auto">
-          <a:xfrm>
-            <a:off x="457200" y="5715000"/>
-            <a:ext cx="608013" cy="457200"/>
-          </a:xfrm>
-          <a:prstGeom prst="rect">
-            <a:avLst/>
-          </a:prstGeom>
-          <a:noFill/>
-          <a:ln w="9525">
-            <a:noFill/>
-            <a:miter lim="800000"/>
-            <a:headEnd/>
-            <a:tailEnd/>
-          </a:ln>
-          <a:effectLst/>
-        </p:spPr>
-        <p:txBody>
-          <a:bodyPr wrap="none">
-            <a:prstTxWarp prst="textNoShape">
-              <a:avLst/>
-            </a:prstTxWarp>
-            <a:spAutoFit/>
-          </a:bodyPr>
-          <a:lstStyle/>
-          <a:p>
-            <a:r>
-              <a:rPr lang="en-US"/>
-              <a:t>$sp</a:t>
-            </a:r>
-          </a:p>
-        </p:txBody>
-      </p:sp>
-      <p:cxnSp>
-        <p:nvCxnSpPr>
-          <p:cNvPr id="88087" name="AutoShape 23"/>
-          <p:cNvCxnSpPr>
-            <a:cxnSpLocks noChangeShapeType="1"/>
-            <a:stCxn id="88085" idx="3"/>
-            <a:endCxn id="88072" idx="0"/>
-          </p:cNvCxnSpPr>
-          <p:nvPr/>
-        </p:nvCxnSpPr>
-        <p:spPr bwMode="auto">
-          <a:xfrm flipV="1">
-            <a:off x="1047750" y="4191000"/>
-            <a:ext cx="1162050" cy="609600"/>
-          </a:xfrm>
-          <a:prstGeom prst="curvedConnector4">
-            <a:avLst>
-              <a:gd name="adj1" fmla="val 50000"/>
-              <a:gd name="adj2" fmla="val 50259"/>
-            </a:avLst>
-          </a:prstGeom>
-          <a:noFill/>
-          <a:ln w="9525">
-            <a:solidFill>
-              <a:schemeClr val="tx1"/>
-            </a:solidFill>
-            <a:round/>
-            <a:headEnd/>
-            <a:tailEnd type="triangle" w="med" len="med"/>
-          </a:ln>
-          <a:effectLst/>
-        </p:spPr>
-      </p:cxnSp>
-      <p:cxnSp>
-        <p:nvCxnSpPr>
-          <p:cNvPr id="88088" name="AutoShape 24"/>
-          <p:cNvCxnSpPr>
-            <a:cxnSpLocks noChangeShapeType="1"/>
-            <a:stCxn id="88086" idx="3"/>
-            <a:endCxn id="88089" idx="0"/>
-          </p:cNvCxnSpPr>
-          <p:nvPr/>
-        </p:nvCxnSpPr>
-        <p:spPr bwMode="auto">
-          <a:xfrm flipV="1">
-            <a:off x="1065213" y="5257800"/>
-            <a:ext cx="1144587" cy="685800"/>
-          </a:xfrm>
-          <a:prstGeom prst="curvedConnector4">
-            <a:avLst>
-              <a:gd name="adj1" fmla="val 49931"/>
-              <a:gd name="adj2" fmla="val 44907"/>
-            </a:avLst>
-          </a:prstGeom>
-          <a:noFill/>
-          <a:ln w="9525">
-            <a:solidFill>
-              <a:schemeClr val="tx1"/>
-            </a:solidFill>
-            <a:round/>
-            <a:headEnd/>
-            <a:tailEnd type="triangle" w="med" len="med"/>
-          </a:ln>
-          <a:effectLst/>
-        </p:spPr>
-      </p:cxnSp>
-      <p:sp>
-        <p:nvSpPr>
-          <p:cNvPr id="88089" name="Line 25"/>
-          <p:cNvSpPr>
-            <a:spLocks noChangeShapeType="1"/>
-          </p:cNvSpPr>
-          <p:nvPr/>
-        </p:nvSpPr>
-        <p:spPr bwMode="auto">
-          <a:xfrm>
-            <a:off x="2209800" y="5257800"/>
-            <a:ext cx="4648200" cy="0"/>
-          </a:xfrm>
-          <a:prstGeom prst="line">
-            <a:avLst/>
-          </a:prstGeom>
-          <a:noFill/>
-          <a:ln w="9525">
-            <a:solidFill>
-              <a:schemeClr val="tx1"/>
-            </a:solidFill>
-            <a:round/>
-            <a:headEnd/>
-            <a:tailEnd/>
-          </a:ln>
-          <a:effectLst/>
-        </p:spPr>
-        <p:txBody>
-          <a:bodyPr wrap="none" anchor="ctr">
-            <a:prstTxWarp prst="textNoShape">
-              <a:avLst/>
-            </a:prstTxWarp>
-          </a:bodyPr>
-          <a:lstStyle/>
-          <a:p>
-            <a:endParaRPr lang="en-US"/>
-          </a:p>
-        </p:txBody>
-      </p:sp>
-      <p:sp>
-        <p:nvSpPr>
-          <p:cNvPr id="88091" name="Line 27"/>
-          <p:cNvSpPr>
-            <a:spLocks noChangeShapeType="1"/>
-          </p:cNvSpPr>
-          <p:nvPr/>
-        </p:nvSpPr>
-        <p:spPr bwMode="auto">
-          <a:xfrm>
-            <a:off x="4572000" y="4343400"/>
-            <a:ext cx="0" cy="685800"/>
-          </a:xfrm>
-          <a:prstGeom prst="line">
-            <a:avLst/>
-          </a:prstGeom>
-          <a:noFill/>
-          <a:ln w="9525">
-            <a:solidFill>
-              <a:schemeClr val="tx1"/>
-            </a:solidFill>
-            <a:round/>
-            <a:headEnd/>
-            <a:tailEnd type="triangle" w="med" len="med"/>
-          </a:ln>
-          <a:effectLst/>
-        </p:spPr>
-        <p:txBody>
-          <a:bodyPr wrap="none" anchor="ctr">
-            <a:prstTxWarp prst="textNoShape">
-              <a:avLst/>
-            </a:prstTxWarp>
-          </a:bodyPr>
-          <a:lstStyle/>
-          <a:p>
-            <a:endParaRPr lang="en-US"/>
-          </a:p>
-        </p:txBody>
-      </p:sp>
-      <p:sp>
-        <p:nvSpPr>
-          <p:cNvPr id="88092" name="Text Box 28"/>
-          <p:cNvSpPr txBox="1">
-            <a:spLocks noChangeArrowheads="1"/>
-          </p:cNvSpPr>
-          <p:nvPr/>
-        </p:nvSpPr>
-        <p:spPr bwMode="auto">
-          <a:xfrm>
-            <a:off x="2514600" y="4267200"/>
-            <a:ext cx="573088" cy="457200"/>
-          </a:xfrm>
-          <a:prstGeom prst="rect">
-            <a:avLst/>
-          </a:prstGeom>
-          <a:noFill/>
-          <a:ln w="9525">
-            <a:noFill/>
-            <a:miter lim="800000"/>
-            <a:headEnd/>
-            <a:tailEnd/>
-          </a:ln>
-          <a:effectLst/>
-        </p:spPr>
-        <p:txBody>
-          <a:bodyPr wrap="none">
-            <a:prstTxWarp prst="textNoShape">
-              <a:avLst/>
-            </a:prstTxWarp>
-            <a:spAutoFit/>
-          </a:bodyPr>
-          <a:lstStyle/>
-          <a:p>
-            <a:r>
-              <a:rPr lang="en-US"/>
-              <a:t>$ra</a:t>
-            </a:r>
-          </a:p>
-        </p:txBody>
-      </p:sp>
-      <p:sp>
-        <p:nvSpPr>
-          <p:cNvPr id="88093" name="Text Box 29"/>
-          <p:cNvSpPr txBox="1">
-            <a:spLocks noChangeArrowheads="1"/>
-          </p:cNvSpPr>
-          <p:nvPr/>
-        </p:nvSpPr>
-        <p:spPr bwMode="auto">
-          <a:xfrm>
-            <a:off x="2514600" y="4724400"/>
-            <a:ext cx="590550" cy="457200"/>
-          </a:xfrm>
-          <a:prstGeom prst="rect">
-            <a:avLst/>
-          </a:prstGeom>
-          <a:noFill/>
-          <a:ln w="9525">
-            <a:noFill/>
-            <a:miter lim="800000"/>
-            <a:headEnd/>
-            <a:tailEnd/>
-          </a:ln>
-          <a:effectLst/>
-        </p:spPr>
-        <p:txBody>
-          <a:bodyPr wrap="none">
-            <a:prstTxWarp prst="textNoShape">
-              <a:avLst/>
-            </a:prstTxWarp>
-            <a:spAutoFit/>
-          </a:bodyPr>
-          <a:lstStyle/>
-          <a:p>
-            <a:r>
-              <a:rPr lang="en-US"/>
-              <a:t>$fp</a:t>
-            </a:r>
-          </a:p>
-        </p:txBody>
-      </p:sp>
+      </p:pic>
     </p:spTree>
   </p:cSld>
   <p:clrMapOvr>
@@ -34527,6 +34317,1052 @@
 </file>
 
 <file path=ppt/slides/slide50.xml><?xml version="1.0" encoding="utf-8"?>
+<p:sld xmlns:a="http://schemas.openxmlformats.org/drawingml/2006/main" xmlns:r="http://schemas.openxmlformats.org/officeDocument/2006/relationships" xmlns:p="http://schemas.openxmlformats.org/presentationml/2006/main">
+  <p:cSld>
+    <p:spTree>
+      <p:nvGrpSpPr>
+        <p:cNvPr id="1" name=""/>
+        <p:cNvGrpSpPr/>
+        <p:nvPr/>
+      </p:nvGrpSpPr>
+      <p:grpSpPr>
+        <a:xfrm>
+          <a:off x="0" y="0"/>
+          <a:ext cx="0" cy="0"/>
+          <a:chOff x="0" y="0"/>
+          <a:chExt cx="0" cy="0"/>
+        </a:xfrm>
+      </p:grpSpPr>
+      <p:sp>
+        <p:nvSpPr>
+          <p:cNvPr id="28" name="Slide Number Placeholder 4"/>
+          <p:cNvSpPr>
+            <a:spLocks noGrp="1"/>
+          </p:cNvSpPr>
+          <p:nvPr>
+            <p:ph type="sldNum" sz="quarter" idx="12"/>
+          </p:nvPr>
+        </p:nvSpPr>
+        <p:spPr/>
+        <p:txBody>
+          <a:bodyPr/>
+          <a:lstStyle/>
+          <a:p>
+            <a:fld id="{F333222E-2707-074F-977D-2524EF7CE2BB}" type="slidenum">
+              <a:rPr lang="en-US"/>
+              <a:pPr/>
+              <a:t>50</a:t>
+            </a:fld>
+            <a:endParaRPr lang="en-US"/>
+          </a:p>
+        </p:txBody>
+      </p:sp>
+      <p:sp>
+        <p:nvSpPr>
+          <p:cNvPr id="88066" name="Rectangle 2"/>
+          <p:cNvSpPr>
+            <a:spLocks noGrp="1" noChangeArrowheads="1"/>
+          </p:cNvSpPr>
+          <p:nvPr>
+            <p:ph type="title"/>
+          </p:nvPr>
+        </p:nvSpPr>
+        <p:spPr/>
+        <p:txBody>
+          <a:bodyPr/>
+          <a:lstStyle/>
+          <a:p>
+            <a:r>
+              <a:rPr lang="en-US"/>
+              <a:t>Example: MIPS stack frame</a:t>
+            </a:r>
+          </a:p>
+        </p:txBody>
+      </p:sp>
+      <p:sp>
+        <p:nvSpPr>
+          <p:cNvPr id="88067" name="Rectangle 3"/>
+          <p:cNvSpPr>
+            <a:spLocks noChangeArrowheads="1"/>
+          </p:cNvSpPr>
+          <p:nvPr/>
+        </p:nvSpPr>
+        <p:spPr bwMode="auto">
+          <a:xfrm>
+            <a:off x="2209800" y="1905000"/>
+            <a:ext cx="4648200" cy="4343400"/>
+          </a:xfrm>
+          <a:prstGeom prst="rect">
+            <a:avLst/>
+          </a:prstGeom>
+          <a:solidFill>
+            <a:schemeClr val="accent1"/>
+          </a:solidFill>
+          <a:ln w="9525">
+            <a:solidFill>
+              <a:schemeClr val="tx1"/>
+            </a:solidFill>
+            <a:miter lim="800000"/>
+            <a:headEnd/>
+            <a:tailEnd/>
+          </a:ln>
+          <a:effectLst/>
+        </p:spPr>
+        <p:txBody>
+          <a:bodyPr wrap="none" anchor="ctr">
+            <a:prstTxWarp prst="textNoShape">
+              <a:avLst/>
+            </a:prstTxWarp>
+          </a:bodyPr>
+          <a:lstStyle/>
+          <a:p>
+            <a:endParaRPr lang="en-US"/>
+          </a:p>
+        </p:txBody>
+      </p:sp>
+      <p:sp>
+        <p:nvSpPr>
+          <p:cNvPr id="88070" name="Line 6"/>
+          <p:cNvSpPr>
+            <a:spLocks noChangeShapeType="1"/>
+          </p:cNvSpPr>
+          <p:nvPr/>
+        </p:nvSpPr>
+        <p:spPr bwMode="auto">
+          <a:xfrm>
+            <a:off x="2209800" y="3429000"/>
+            <a:ext cx="4648200" cy="0"/>
+          </a:xfrm>
+          <a:prstGeom prst="line">
+            <a:avLst/>
+          </a:prstGeom>
+          <a:noFill/>
+          <a:ln w="9525">
+            <a:solidFill>
+              <a:schemeClr val="tx1"/>
+            </a:solidFill>
+            <a:round/>
+            <a:headEnd/>
+            <a:tailEnd/>
+          </a:ln>
+          <a:effectLst/>
+        </p:spPr>
+        <p:txBody>
+          <a:bodyPr wrap="none" anchor="ctr">
+            <a:prstTxWarp prst="textNoShape">
+              <a:avLst/>
+            </a:prstTxWarp>
+          </a:bodyPr>
+          <a:lstStyle/>
+          <a:p>
+            <a:endParaRPr lang="en-US"/>
+          </a:p>
+        </p:txBody>
+      </p:sp>
+      <p:sp>
+        <p:nvSpPr>
+          <p:cNvPr id="88071" name="Line 7"/>
+          <p:cNvSpPr>
+            <a:spLocks noChangeShapeType="1"/>
+          </p:cNvSpPr>
+          <p:nvPr/>
+        </p:nvSpPr>
+        <p:spPr bwMode="auto">
+          <a:xfrm>
+            <a:off x="2209800" y="3810000"/>
+            <a:ext cx="4648200" cy="0"/>
+          </a:xfrm>
+          <a:prstGeom prst="line">
+            <a:avLst/>
+          </a:prstGeom>
+          <a:noFill/>
+          <a:ln w="9525">
+            <a:solidFill>
+              <a:schemeClr val="tx1"/>
+            </a:solidFill>
+            <a:round/>
+            <a:headEnd/>
+            <a:tailEnd/>
+          </a:ln>
+          <a:effectLst/>
+        </p:spPr>
+        <p:txBody>
+          <a:bodyPr wrap="none" anchor="ctr">
+            <a:prstTxWarp prst="textNoShape">
+              <a:avLst/>
+            </a:prstTxWarp>
+          </a:bodyPr>
+          <a:lstStyle/>
+          <a:p>
+            <a:endParaRPr lang="en-US"/>
+          </a:p>
+        </p:txBody>
+      </p:sp>
+      <p:sp>
+        <p:nvSpPr>
+          <p:cNvPr id="88072" name="Line 8"/>
+          <p:cNvSpPr>
+            <a:spLocks noChangeShapeType="1"/>
+          </p:cNvSpPr>
+          <p:nvPr/>
+        </p:nvSpPr>
+        <p:spPr bwMode="auto">
+          <a:xfrm>
+            <a:off x="2209800" y="4191000"/>
+            <a:ext cx="4648200" cy="0"/>
+          </a:xfrm>
+          <a:prstGeom prst="line">
+            <a:avLst/>
+          </a:prstGeom>
+          <a:noFill/>
+          <a:ln w="9525">
+            <a:solidFill>
+              <a:schemeClr val="tx1"/>
+            </a:solidFill>
+            <a:round/>
+            <a:headEnd/>
+            <a:tailEnd/>
+          </a:ln>
+          <a:effectLst/>
+        </p:spPr>
+        <p:txBody>
+          <a:bodyPr wrap="none" anchor="ctr">
+            <a:prstTxWarp prst="textNoShape">
+              <a:avLst/>
+            </a:prstTxWarp>
+          </a:bodyPr>
+          <a:lstStyle/>
+          <a:p>
+            <a:endParaRPr lang="en-US"/>
+          </a:p>
+        </p:txBody>
+      </p:sp>
+      <p:sp>
+        <p:nvSpPr>
+          <p:cNvPr id="88073" name="Line 9"/>
+          <p:cNvSpPr>
+            <a:spLocks noChangeShapeType="1"/>
+          </p:cNvSpPr>
+          <p:nvPr/>
+        </p:nvSpPr>
+        <p:spPr bwMode="auto">
+          <a:xfrm>
+            <a:off x="2209800" y="3048000"/>
+            <a:ext cx="4648200" cy="0"/>
+          </a:xfrm>
+          <a:prstGeom prst="line">
+            <a:avLst/>
+          </a:prstGeom>
+          <a:noFill/>
+          <a:ln w="9525">
+            <a:solidFill>
+              <a:schemeClr val="tx1"/>
+            </a:solidFill>
+            <a:round/>
+            <a:headEnd/>
+            <a:tailEnd/>
+          </a:ln>
+          <a:effectLst/>
+        </p:spPr>
+        <p:txBody>
+          <a:bodyPr wrap="none" anchor="ctr">
+            <a:prstTxWarp prst="textNoShape">
+              <a:avLst/>
+            </a:prstTxWarp>
+          </a:bodyPr>
+          <a:lstStyle/>
+          <a:p>
+            <a:endParaRPr lang="en-US"/>
+          </a:p>
+        </p:txBody>
+      </p:sp>
+      <p:sp>
+        <p:nvSpPr>
+          <p:cNvPr id="88074" name="Line 10"/>
+          <p:cNvSpPr>
+            <a:spLocks noChangeShapeType="1"/>
+          </p:cNvSpPr>
+          <p:nvPr/>
+        </p:nvSpPr>
+        <p:spPr bwMode="auto">
+          <a:xfrm>
+            <a:off x="2209800" y="2667000"/>
+            <a:ext cx="4648200" cy="0"/>
+          </a:xfrm>
+          <a:prstGeom prst="line">
+            <a:avLst/>
+          </a:prstGeom>
+          <a:noFill/>
+          <a:ln w="9525">
+            <a:solidFill>
+              <a:schemeClr val="tx1"/>
+            </a:solidFill>
+            <a:round/>
+            <a:headEnd/>
+            <a:tailEnd/>
+          </a:ln>
+          <a:effectLst/>
+        </p:spPr>
+        <p:txBody>
+          <a:bodyPr wrap="none" anchor="ctr">
+            <a:prstTxWarp prst="textNoShape">
+              <a:avLst/>
+            </a:prstTxWarp>
+          </a:bodyPr>
+          <a:lstStyle/>
+          <a:p>
+            <a:endParaRPr lang="en-US"/>
+          </a:p>
+        </p:txBody>
+      </p:sp>
+      <p:sp>
+        <p:nvSpPr>
+          <p:cNvPr id="88075" name="Text Box 11"/>
+          <p:cNvSpPr txBox="1">
+            <a:spLocks noChangeArrowheads="1"/>
+          </p:cNvSpPr>
+          <p:nvPr/>
+        </p:nvSpPr>
+        <p:spPr bwMode="auto">
+          <a:xfrm>
+            <a:off x="1371600" y="3810000"/>
+            <a:ext cx="733425" cy="457200"/>
+          </a:xfrm>
+          <a:prstGeom prst="rect">
+            <a:avLst/>
+          </a:prstGeom>
+          <a:noFill/>
+          <a:ln w="9525">
+            <a:noFill/>
+            <a:miter lim="800000"/>
+            <a:headEnd/>
+            <a:tailEnd/>
+          </a:ln>
+          <a:effectLst/>
+        </p:spPr>
+        <p:txBody>
+          <a:bodyPr wrap="none">
+            <a:prstTxWarp prst="textNoShape">
+              <a:avLst/>
+            </a:prstTxWarp>
+            <a:spAutoFit/>
+          </a:bodyPr>
+          <a:lstStyle/>
+          <a:p>
+            <a:r>
+              <a:rPr lang="en-US">
+                <a:latin typeface="Courier" charset="0"/>
+              </a:rPr>
+              <a:t>$a3</a:t>
+            </a:r>
+          </a:p>
+        </p:txBody>
+      </p:sp>
+      <p:sp>
+        <p:nvSpPr>
+          <p:cNvPr id="88076" name="Text Box 12"/>
+          <p:cNvSpPr txBox="1">
+            <a:spLocks noChangeArrowheads="1"/>
+          </p:cNvSpPr>
+          <p:nvPr/>
+        </p:nvSpPr>
+        <p:spPr bwMode="auto">
+          <a:xfrm>
+            <a:off x="1371600" y="3429000"/>
+            <a:ext cx="733425" cy="457200"/>
+          </a:xfrm>
+          <a:prstGeom prst="rect">
+            <a:avLst/>
+          </a:prstGeom>
+          <a:noFill/>
+          <a:ln w="9525">
+            <a:noFill/>
+            <a:miter lim="800000"/>
+            <a:headEnd/>
+            <a:tailEnd/>
+          </a:ln>
+          <a:effectLst/>
+        </p:spPr>
+        <p:txBody>
+          <a:bodyPr wrap="none">
+            <a:prstTxWarp prst="textNoShape">
+              <a:avLst/>
+            </a:prstTxWarp>
+            <a:spAutoFit/>
+          </a:bodyPr>
+          <a:lstStyle/>
+          <a:p>
+            <a:r>
+              <a:rPr lang="en-US">
+                <a:latin typeface="Courier" charset="0"/>
+              </a:rPr>
+              <a:t>$a2</a:t>
+            </a:r>
+          </a:p>
+        </p:txBody>
+      </p:sp>
+      <p:sp>
+        <p:nvSpPr>
+          <p:cNvPr id="88077" name="Text Box 13"/>
+          <p:cNvSpPr txBox="1">
+            <a:spLocks noChangeArrowheads="1"/>
+          </p:cNvSpPr>
+          <p:nvPr/>
+        </p:nvSpPr>
+        <p:spPr bwMode="auto">
+          <a:xfrm>
+            <a:off x="1371600" y="3048000"/>
+            <a:ext cx="733425" cy="457200"/>
+          </a:xfrm>
+          <a:prstGeom prst="rect">
+            <a:avLst/>
+          </a:prstGeom>
+          <a:noFill/>
+          <a:ln w="9525">
+            <a:noFill/>
+            <a:miter lim="800000"/>
+            <a:headEnd/>
+            <a:tailEnd/>
+          </a:ln>
+          <a:effectLst/>
+        </p:spPr>
+        <p:txBody>
+          <a:bodyPr wrap="none">
+            <a:prstTxWarp prst="textNoShape">
+              <a:avLst/>
+            </a:prstTxWarp>
+            <a:spAutoFit/>
+          </a:bodyPr>
+          <a:lstStyle/>
+          <a:p>
+            <a:r>
+              <a:rPr lang="en-US">
+                <a:latin typeface="Courier" charset="0"/>
+              </a:rPr>
+              <a:t>$a1</a:t>
+            </a:r>
+          </a:p>
+        </p:txBody>
+      </p:sp>
+      <p:sp>
+        <p:nvSpPr>
+          <p:cNvPr id="88078" name="Text Box 14"/>
+          <p:cNvSpPr txBox="1">
+            <a:spLocks noChangeArrowheads="1"/>
+          </p:cNvSpPr>
+          <p:nvPr/>
+        </p:nvSpPr>
+        <p:spPr bwMode="auto">
+          <a:xfrm>
+            <a:off x="1371600" y="2667000"/>
+            <a:ext cx="733425" cy="457200"/>
+          </a:xfrm>
+          <a:prstGeom prst="rect">
+            <a:avLst/>
+          </a:prstGeom>
+          <a:noFill/>
+          <a:ln w="9525">
+            <a:noFill/>
+            <a:miter lim="800000"/>
+            <a:headEnd/>
+            <a:tailEnd/>
+          </a:ln>
+          <a:effectLst/>
+        </p:spPr>
+        <p:txBody>
+          <a:bodyPr wrap="none">
+            <a:prstTxWarp prst="textNoShape">
+              <a:avLst/>
+            </a:prstTxWarp>
+            <a:spAutoFit/>
+          </a:bodyPr>
+          <a:lstStyle/>
+          <a:p>
+            <a:r>
+              <a:rPr lang="en-US">
+                <a:latin typeface="Courier" charset="0"/>
+              </a:rPr>
+              <a:t>$a0</a:t>
+            </a:r>
+          </a:p>
+        </p:txBody>
+      </p:sp>
+      <p:sp>
+        <p:nvSpPr>
+          <p:cNvPr id="88079" name="Text Box 15"/>
+          <p:cNvSpPr txBox="1">
+            <a:spLocks noChangeArrowheads="1"/>
+          </p:cNvSpPr>
+          <p:nvPr/>
+        </p:nvSpPr>
+        <p:spPr bwMode="auto">
+          <a:xfrm>
+            <a:off x="6934200" y="2514600"/>
+            <a:ext cx="336550" cy="457200"/>
+          </a:xfrm>
+          <a:prstGeom prst="rect">
+            <a:avLst/>
+          </a:prstGeom>
+          <a:noFill/>
+          <a:ln w="9525">
+            <a:noFill/>
+            <a:miter lim="800000"/>
+            <a:headEnd/>
+            <a:tailEnd/>
+          </a:ln>
+          <a:effectLst/>
+        </p:spPr>
+        <p:txBody>
+          <a:bodyPr wrap="none">
+            <a:prstTxWarp prst="textNoShape">
+              <a:avLst/>
+            </a:prstTxWarp>
+            <a:spAutoFit/>
+          </a:bodyPr>
+          <a:lstStyle/>
+          <a:p>
+            <a:r>
+              <a:rPr lang="en-US"/>
+              <a:t>4</a:t>
+            </a:r>
+          </a:p>
+        </p:txBody>
+      </p:sp>
+      <p:sp>
+        <p:nvSpPr>
+          <p:cNvPr id="88080" name="Text Box 16"/>
+          <p:cNvSpPr txBox="1">
+            <a:spLocks noChangeArrowheads="1"/>
+          </p:cNvSpPr>
+          <p:nvPr/>
+        </p:nvSpPr>
+        <p:spPr bwMode="auto">
+          <a:xfrm>
+            <a:off x="6934200" y="2971800"/>
+            <a:ext cx="336550" cy="457200"/>
+          </a:xfrm>
+          <a:prstGeom prst="rect">
+            <a:avLst/>
+          </a:prstGeom>
+          <a:noFill/>
+          <a:ln w="9525">
+            <a:noFill/>
+            <a:miter lim="800000"/>
+            <a:headEnd/>
+            <a:tailEnd/>
+          </a:ln>
+          <a:effectLst/>
+        </p:spPr>
+        <p:txBody>
+          <a:bodyPr wrap="none">
+            <a:prstTxWarp prst="textNoShape">
+              <a:avLst/>
+            </a:prstTxWarp>
+            <a:spAutoFit/>
+          </a:bodyPr>
+          <a:lstStyle/>
+          <a:p>
+            <a:r>
+              <a:rPr lang="en-US"/>
+              <a:t>4</a:t>
+            </a:r>
+          </a:p>
+        </p:txBody>
+      </p:sp>
+      <p:sp>
+        <p:nvSpPr>
+          <p:cNvPr id="88081" name="Text Box 17"/>
+          <p:cNvSpPr txBox="1">
+            <a:spLocks noChangeArrowheads="1"/>
+          </p:cNvSpPr>
+          <p:nvPr/>
+        </p:nvSpPr>
+        <p:spPr bwMode="auto">
+          <a:xfrm>
+            <a:off x="6934200" y="3429000"/>
+            <a:ext cx="336550" cy="457200"/>
+          </a:xfrm>
+          <a:prstGeom prst="rect">
+            <a:avLst/>
+          </a:prstGeom>
+          <a:noFill/>
+          <a:ln w="9525">
+            <a:noFill/>
+            <a:miter lim="800000"/>
+            <a:headEnd/>
+            <a:tailEnd/>
+          </a:ln>
+          <a:effectLst/>
+        </p:spPr>
+        <p:txBody>
+          <a:bodyPr wrap="none">
+            <a:prstTxWarp prst="textNoShape">
+              <a:avLst/>
+            </a:prstTxWarp>
+            <a:spAutoFit/>
+          </a:bodyPr>
+          <a:lstStyle/>
+          <a:p>
+            <a:r>
+              <a:rPr lang="en-US"/>
+              <a:t>4</a:t>
+            </a:r>
+          </a:p>
+        </p:txBody>
+      </p:sp>
+      <p:sp>
+        <p:nvSpPr>
+          <p:cNvPr id="88082" name="Text Box 18"/>
+          <p:cNvSpPr txBox="1">
+            <a:spLocks noChangeArrowheads="1"/>
+          </p:cNvSpPr>
+          <p:nvPr/>
+        </p:nvSpPr>
+        <p:spPr bwMode="auto">
+          <a:xfrm>
+            <a:off x="6934200" y="3886200"/>
+            <a:ext cx="336550" cy="457200"/>
+          </a:xfrm>
+          <a:prstGeom prst="rect">
+            <a:avLst/>
+          </a:prstGeom>
+          <a:noFill/>
+          <a:ln w="9525">
+            <a:noFill/>
+            <a:miter lim="800000"/>
+            <a:headEnd/>
+            <a:tailEnd/>
+          </a:ln>
+          <a:effectLst/>
+        </p:spPr>
+        <p:txBody>
+          <a:bodyPr wrap="none">
+            <a:prstTxWarp prst="textNoShape">
+              <a:avLst/>
+            </a:prstTxWarp>
+            <a:spAutoFit/>
+          </a:bodyPr>
+          <a:lstStyle/>
+          <a:p>
+            <a:r>
+              <a:rPr lang="en-US"/>
+              <a:t>4</a:t>
+            </a:r>
+          </a:p>
+        </p:txBody>
+      </p:sp>
+      <p:sp>
+        <p:nvSpPr>
+          <p:cNvPr id="88083" name="Text Box 19"/>
+          <p:cNvSpPr txBox="1">
+            <a:spLocks noChangeArrowheads="1"/>
+          </p:cNvSpPr>
+          <p:nvPr/>
+        </p:nvSpPr>
+        <p:spPr bwMode="auto">
+          <a:xfrm>
+            <a:off x="7543800" y="3200400"/>
+            <a:ext cx="488950" cy="457200"/>
+          </a:xfrm>
+          <a:prstGeom prst="rect">
+            <a:avLst/>
+          </a:prstGeom>
+          <a:noFill/>
+          <a:ln w="9525">
+            <a:noFill/>
+            <a:miter lim="800000"/>
+            <a:headEnd/>
+            <a:tailEnd/>
+          </a:ln>
+          <a:effectLst/>
+        </p:spPr>
+        <p:txBody>
+          <a:bodyPr wrap="none">
+            <a:prstTxWarp prst="textNoShape">
+              <a:avLst/>
+            </a:prstTxWarp>
+            <a:spAutoFit/>
+          </a:bodyPr>
+          <a:lstStyle/>
+          <a:p>
+            <a:r>
+              <a:rPr lang="en-US"/>
+              <a:t>16</a:t>
+            </a:r>
+          </a:p>
+        </p:txBody>
+      </p:sp>
+      <p:sp>
+        <p:nvSpPr>
+          <p:cNvPr id="88084" name="Text Box 20"/>
+          <p:cNvSpPr txBox="1">
+            <a:spLocks noChangeArrowheads="1"/>
+          </p:cNvSpPr>
+          <p:nvPr/>
+        </p:nvSpPr>
+        <p:spPr bwMode="auto">
+          <a:xfrm>
+            <a:off x="7010400" y="4648200"/>
+            <a:ext cx="1606550" cy="822325"/>
+          </a:xfrm>
+          <a:prstGeom prst="rect">
+            <a:avLst/>
+          </a:prstGeom>
+          <a:noFill/>
+          <a:ln w="9525">
+            <a:noFill/>
+            <a:miter lim="800000"/>
+            <a:headEnd/>
+            <a:tailEnd/>
+          </a:ln>
+          <a:effectLst/>
+        </p:spPr>
+        <p:txBody>
+          <a:bodyPr wrap="none">
+            <a:prstTxWarp prst="textNoShape">
+              <a:avLst/>
+            </a:prstTxWarp>
+            <a:spAutoFit/>
+          </a:bodyPr>
+          <a:lstStyle/>
+          <a:p>
+            <a:r>
+              <a:rPr lang="en-US"/>
+              <a:t>(n*4)($fp)</a:t>
+            </a:r>
+          </a:p>
+          <a:p>
+            <a:r>
+              <a:rPr lang="en-US"/>
+              <a:t>for param n</a:t>
+            </a:r>
+          </a:p>
+        </p:txBody>
+      </p:sp>
+      <p:sp>
+        <p:nvSpPr>
+          <p:cNvPr id="88085" name="Text Box 21"/>
+          <p:cNvSpPr txBox="1">
+            <a:spLocks noChangeArrowheads="1"/>
+          </p:cNvSpPr>
+          <p:nvPr/>
+        </p:nvSpPr>
+        <p:spPr bwMode="auto">
+          <a:xfrm>
+            <a:off x="457200" y="4572000"/>
+            <a:ext cx="590550" cy="457200"/>
+          </a:xfrm>
+          <a:prstGeom prst="rect">
+            <a:avLst/>
+          </a:prstGeom>
+          <a:noFill/>
+          <a:ln w="9525">
+            <a:noFill/>
+            <a:miter lim="800000"/>
+            <a:headEnd/>
+            <a:tailEnd/>
+          </a:ln>
+          <a:effectLst/>
+        </p:spPr>
+        <p:txBody>
+          <a:bodyPr wrap="none">
+            <a:prstTxWarp prst="textNoShape">
+              <a:avLst/>
+            </a:prstTxWarp>
+            <a:spAutoFit/>
+          </a:bodyPr>
+          <a:lstStyle/>
+          <a:p>
+            <a:r>
+              <a:rPr lang="en-US"/>
+              <a:t>$fp</a:t>
+            </a:r>
+          </a:p>
+        </p:txBody>
+      </p:sp>
+      <p:sp>
+        <p:nvSpPr>
+          <p:cNvPr id="88086" name="Text Box 22"/>
+          <p:cNvSpPr txBox="1">
+            <a:spLocks noChangeArrowheads="1"/>
+          </p:cNvSpPr>
+          <p:nvPr/>
+        </p:nvSpPr>
+        <p:spPr bwMode="auto">
+          <a:xfrm>
+            <a:off x="457200" y="5715000"/>
+            <a:ext cx="608013" cy="457200"/>
+          </a:xfrm>
+          <a:prstGeom prst="rect">
+            <a:avLst/>
+          </a:prstGeom>
+          <a:noFill/>
+          <a:ln w="9525">
+            <a:noFill/>
+            <a:miter lim="800000"/>
+            <a:headEnd/>
+            <a:tailEnd/>
+          </a:ln>
+          <a:effectLst/>
+        </p:spPr>
+        <p:txBody>
+          <a:bodyPr wrap="none">
+            <a:prstTxWarp prst="textNoShape">
+              <a:avLst/>
+            </a:prstTxWarp>
+            <a:spAutoFit/>
+          </a:bodyPr>
+          <a:lstStyle/>
+          <a:p>
+            <a:r>
+              <a:rPr lang="en-US"/>
+              <a:t>$sp</a:t>
+            </a:r>
+          </a:p>
+        </p:txBody>
+      </p:sp>
+      <p:cxnSp>
+        <p:nvCxnSpPr>
+          <p:cNvPr id="88087" name="AutoShape 23"/>
+          <p:cNvCxnSpPr>
+            <a:cxnSpLocks noChangeShapeType="1"/>
+            <a:stCxn id="88085" idx="3"/>
+            <a:endCxn id="88072" idx="0"/>
+          </p:cNvCxnSpPr>
+          <p:nvPr/>
+        </p:nvCxnSpPr>
+        <p:spPr bwMode="auto">
+          <a:xfrm flipV="1">
+            <a:off x="1047750" y="4191000"/>
+            <a:ext cx="1162050" cy="609600"/>
+          </a:xfrm>
+          <a:prstGeom prst="curvedConnector4">
+            <a:avLst>
+              <a:gd name="adj1" fmla="val 50000"/>
+              <a:gd name="adj2" fmla="val 50259"/>
+            </a:avLst>
+          </a:prstGeom>
+          <a:noFill/>
+          <a:ln w="9525">
+            <a:solidFill>
+              <a:schemeClr val="tx1"/>
+            </a:solidFill>
+            <a:round/>
+            <a:headEnd/>
+            <a:tailEnd type="triangle" w="med" len="med"/>
+          </a:ln>
+          <a:effectLst/>
+        </p:spPr>
+      </p:cxnSp>
+      <p:cxnSp>
+        <p:nvCxnSpPr>
+          <p:cNvPr id="88088" name="AutoShape 24"/>
+          <p:cNvCxnSpPr>
+            <a:cxnSpLocks noChangeShapeType="1"/>
+            <a:stCxn id="88086" idx="3"/>
+            <a:endCxn id="88089" idx="0"/>
+          </p:cNvCxnSpPr>
+          <p:nvPr/>
+        </p:nvCxnSpPr>
+        <p:spPr bwMode="auto">
+          <a:xfrm flipV="1">
+            <a:off x="1065213" y="5257800"/>
+            <a:ext cx="1144587" cy="685800"/>
+          </a:xfrm>
+          <a:prstGeom prst="curvedConnector4">
+            <a:avLst>
+              <a:gd name="adj1" fmla="val 49931"/>
+              <a:gd name="adj2" fmla="val 44907"/>
+            </a:avLst>
+          </a:prstGeom>
+          <a:noFill/>
+          <a:ln w="9525">
+            <a:solidFill>
+              <a:schemeClr val="tx1"/>
+            </a:solidFill>
+            <a:round/>
+            <a:headEnd/>
+            <a:tailEnd type="triangle" w="med" len="med"/>
+          </a:ln>
+          <a:effectLst/>
+        </p:spPr>
+      </p:cxnSp>
+      <p:sp>
+        <p:nvSpPr>
+          <p:cNvPr id="88089" name="Line 25"/>
+          <p:cNvSpPr>
+            <a:spLocks noChangeShapeType="1"/>
+          </p:cNvSpPr>
+          <p:nvPr/>
+        </p:nvSpPr>
+        <p:spPr bwMode="auto">
+          <a:xfrm>
+            <a:off x="2209800" y="5257800"/>
+            <a:ext cx="4648200" cy="0"/>
+          </a:xfrm>
+          <a:prstGeom prst="line">
+            <a:avLst/>
+          </a:prstGeom>
+          <a:noFill/>
+          <a:ln w="9525">
+            <a:solidFill>
+              <a:schemeClr val="tx1"/>
+            </a:solidFill>
+            <a:round/>
+            <a:headEnd/>
+            <a:tailEnd/>
+          </a:ln>
+          <a:effectLst/>
+        </p:spPr>
+        <p:txBody>
+          <a:bodyPr wrap="none" anchor="ctr">
+            <a:prstTxWarp prst="textNoShape">
+              <a:avLst/>
+            </a:prstTxWarp>
+          </a:bodyPr>
+          <a:lstStyle/>
+          <a:p>
+            <a:endParaRPr lang="en-US"/>
+          </a:p>
+        </p:txBody>
+      </p:sp>
+      <p:sp>
+        <p:nvSpPr>
+          <p:cNvPr id="88091" name="Line 27"/>
+          <p:cNvSpPr>
+            <a:spLocks noChangeShapeType="1"/>
+          </p:cNvSpPr>
+          <p:nvPr/>
+        </p:nvSpPr>
+        <p:spPr bwMode="auto">
+          <a:xfrm>
+            <a:off x="4572000" y="4343400"/>
+            <a:ext cx="0" cy="685800"/>
+          </a:xfrm>
+          <a:prstGeom prst="line">
+            <a:avLst/>
+          </a:prstGeom>
+          <a:noFill/>
+          <a:ln w="9525">
+            <a:solidFill>
+              <a:schemeClr val="tx1"/>
+            </a:solidFill>
+            <a:round/>
+            <a:headEnd/>
+            <a:tailEnd type="triangle" w="med" len="med"/>
+          </a:ln>
+          <a:effectLst/>
+        </p:spPr>
+        <p:txBody>
+          <a:bodyPr wrap="none" anchor="ctr">
+            <a:prstTxWarp prst="textNoShape">
+              <a:avLst/>
+            </a:prstTxWarp>
+          </a:bodyPr>
+          <a:lstStyle/>
+          <a:p>
+            <a:endParaRPr lang="en-US"/>
+          </a:p>
+        </p:txBody>
+      </p:sp>
+      <p:sp>
+        <p:nvSpPr>
+          <p:cNvPr id="88092" name="Text Box 28"/>
+          <p:cNvSpPr txBox="1">
+            <a:spLocks noChangeArrowheads="1"/>
+          </p:cNvSpPr>
+          <p:nvPr/>
+        </p:nvSpPr>
+        <p:spPr bwMode="auto">
+          <a:xfrm>
+            <a:off x="2514600" y="4267200"/>
+            <a:ext cx="573088" cy="457200"/>
+          </a:xfrm>
+          <a:prstGeom prst="rect">
+            <a:avLst/>
+          </a:prstGeom>
+          <a:noFill/>
+          <a:ln w="9525">
+            <a:noFill/>
+            <a:miter lim="800000"/>
+            <a:headEnd/>
+            <a:tailEnd/>
+          </a:ln>
+          <a:effectLst/>
+        </p:spPr>
+        <p:txBody>
+          <a:bodyPr wrap="none">
+            <a:prstTxWarp prst="textNoShape">
+              <a:avLst/>
+            </a:prstTxWarp>
+            <a:spAutoFit/>
+          </a:bodyPr>
+          <a:lstStyle/>
+          <a:p>
+            <a:r>
+              <a:rPr lang="en-US"/>
+              <a:t>$ra</a:t>
+            </a:r>
+          </a:p>
+        </p:txBody>
+      </p:sp>
+      <p:sp>
+        <p:nvSpPr>
+          <p:cNvPr id="88093" name="Text Box 29"/>
+          <p:cNvSpPr txBox="1">
+            <a:spLocks noChangeArrowheads="1"/>
+          </p:cNvSpPr>
+          <p:nvPr/>
+        </p:nvSpPr>
+        <p:spPr bwMode="auto">
+          <a:xfrm>
+            <a:off x="2514600" y="4724400"/>
+            <a:ext cx="590550" cy="457200"/>
+          </a:xfrm>
+          <a:prstGeom prst="rect">
+            <a:avLst/>
+          </a:prstGeom>
+          <a:noFill/>
+          <a:ln w="9525">
+            <a:noFill/>
+            <a:miter lim="800000"/>
+            <a:headEnd/>
+            <a:tailEnd/>
+          </a:ln>
+          <a:effectLst/>
+        </p:spPr>
+        <p:txBody>
+          <a:bodyPr wrap="none">
+            <a:prstTxWarp prst="textNoShape">
+              <a:avLst/>
+            </a:prstTxWarp>
+            <a:spAutoFit/>
+          </a:bodyPr>
+          <a:lstStyle/>
+          <a:p>
+            <a:r>
+              <a:rPr lang="en-US"/>
+              <a:t>$fp</a:t>
+            </a:r>
+          </a:p>
+        </p:txBody>
+      </p:sp>
+    </p:spTree>
+  </p:cSld>
+  <p:clrMapOvr>
+    <a:masterClrMapping/>
+  </p:clrMapOvr>
+  <p:timing>
+    <p:tnLst>
+      <p:par>
+        <p:cTn xmlns:p14="http://schemas.microsoft.com/office/powerpoint/2010/main" id="1" dur="indefinite" restart="never" nodeType="tmRoot"/>
+      </p:par>
+    </p:tnLst>
+  </p:timing>
+</p:sld>
+</file>
+
+<file path=ppt/slides/slide51.xml><?xml version="1.0" encoding="utf-8"?>
 <p:sld xmlns:a="http://schemas.openxmlformats.org/drawingml/2006/main" xmlns:r="http://schemas.openxmlformats.org/officeDocument/2006/relationships" xmlns:p="http://schemas.openxmlformats.org/presentationml/2006/main" showMasterPhAnim="0">
   <p:cSld>
     <p:spTree>
@@ -34561,7 +35397,7 @@
             <a:fld id="{9D2CF4A1-FB05-5846-A21E-FA82B68F2AFA}" type="slidenum">
               <a:rPr lang="en-US"/>
               <a:pPr/>
-              <a:t>50</a:t>
+              <a:t>51</a:t>
             </a:fld>
             <a:endParaRPr lang="en-US"/>
           </a:p>
@@ -34984,7 +35820,7 @@
 </p:sld>
 </file>
 
-<file path=ppt/slides/slide51.xml><?xml version="1.0" encoding="utf-8"?>
+<file path=ppt/slides/slide52.xml><?xml version="1.0" encoding="utf-8"?>
 <p:sld xmlns:a="http://schemas.openxmlformats.org/drawingml/2006/main" xmlns:r="http://schemas.openxmlformats.org/officeDocument/2006/relationships" xmlns:p="http://schemas.openxmlformats.org/presentationml/2006/main" showMasterPhAnim="0">
   <p:cSld>
     <p:spTree>
@@ -35019,7 +35855,7 @@
             <a:fld id="{5F053B20-8B9A-FD4A-9B9E-1BBF5097635C}" type="slidenum">
               <a:rPr lang="en-US"/>
               <a:pPr/>
-              <a:t>51</a:t>
+              <a:t>52</a:t>
             </a:fld>
             <a:endParaRPr lang="en-US"/>
           </a:p>
@@ -35311,7 +36147,7 @@
 </p:sld>
 </file>
 
-<file path=ppt/slides/slide52.xml><?xml version="1.0" encoding="utf-8"?>
+<file path=ppt/slides/slide53.xml><?xml version="1.0" encoding="utf-8"?>
 <p:sld xmlns:a="http://schemas.openxmlformats.org/drawingml/2006/main" xmlns:r="http://schemas.openxmlformats.org/officeDocument/2006/relationships" xmlns:p="http://schemas.openxmlformats.org/presentationml/2006/main" showMasterPhAnim="0">
   <p:cSld>
     <p:spTree>
@@ -35346,7 +36182,7 @@
             <a:fld id="{E1BE0204-D1B6-5948-928B-D46F76848CAF}" type="slidenum">
               <a:rPr lang="en-US"/>
               <a:pPr/>
-              <a:t>52</a:t>
+              <a:t>53</a:t>
             </a:fld>
             <a:endParaRPr lang="en-US"/>
           </a:p>
@@ -35761,7 +36597,7 @@
 </p:sld>
 </file>
 
-<file path=ppt/slides/slide53.xml><?xml version="1.0" encoding="utf-8"?>
+<file path=ppt/slides/slide54.xml><?xml version="1.0" encoding="utf-8"?>
 <p:sld xmlns:a="http://schemas.openxmlformats.org/drawingml/2006/main" xmlns:r="http://schemas.openxmlformats.org/officeDocument/2006/relationships" xmlns:p="http://schemas.openxmlformats.org/presentationml/2006/main" showMasterPhAnim="0">
   <p:cSld>
     <p:spTree>
@@ -35796,7 +36632,7 @@
             <a:fld id="{9F90C499-4E16-1045-8E7A-8CCC16CD33EC}" type="slidenum">
               <a:rPr lang="en-US"/>
               <a:pPr/>
-              <a:t>53</a:t>
+              <a:t>54</a:t>
             </a:fld>
             <a:endParaRPr lang="en-US"/>
           </a:p>
@@ -36109,7 +36945,7 @@
 </p:sld>
 </file>
 
-<file path=ppt/slides/slide54.xml><?xml version="1.0" encoding="utf-8"?>
+<file path=ppt/slides/slide55.xml><?xml version="1.0" encoding="utf-8"?>
 <p:sld xmlns:a="http://schemas.openxmlformats.org/drawingml/2006/main" xmlns:r="http://schemas.openxmlformats.org/officeDocument/2006/relationships" xmlns:p="http://schemas.openxmlformats.org/presentationml/2006/main" showMasterPhAnim="0">
   <p:cSld>
     <p:spTree>
@@ -36144,7 +36980,7 @@
             <a:fld id="{A3371724-E91A-7442-A29E-FAB2B77F2D60}" type="slidenum">
               <a:rPr lang="en-US"/>
               <a:pPr/>
-              <a:t>54</a:t>
+              <a:t>55</a:t>
             </a:fld>
             <a:endParaRPr lang="en-US"/>
           </a:p>

--- a/assets/ppt/codegen/runtime.pptx
+++ b/assets/ppt/codegen/runtime.pptx
@@ -39,25 +39,25 @@
     <p:sldId id="301" r:id="rId27"/>
     <p:sldId id="324" r:id="rId28"/>
     <p:sldId id="303" r:id="rId29"/>
-    <p:sldId id="312" r:id="rId30"/>
-    <p:sldId id="320" r:id="rId31"/>
-    <p:sldId id="321" r:id="rId32"/>
-    <p:sldId id="302" r:id="rId33"/>
-    <p:sldId id="305" r:id="rId34"/>
-    <p:sldId id="304" r:id="rId35"/>
-    <p:sldId id="306" r:id="rId36"/>
-    <p:sldId id="307" r:id="rId37"/>
-    <p:sldId id="308" r:id="rId38"/>
-    <p:sldId id="309" r:id="rId39"/>
-    <p:sldId id="310" r:id="rId40"/>
-    <p:sldId id="313" r:id="rId41"/>
-    <p:sldId id="311" r:id="rId42"/>
-    <p:sldId id="325" r:id="rId43"/>
-    <p:sldId id="265" r:id="rId44"/>
-    <p:sldId id="266" r:id="rId45"/>
-    <p:sldId id="268" r:id="rId46"/>
-    <p:sldId id="276" r:id="rId47"/>
-    <p:sldId id="277" r:id="rId48"/>
+    <p:sldId id="302" r:id="rId30"/>
+    <p:sldId id="305" r:id="rId31"/>
+    <p:sldId id="304" r:id="rId32"/>
+    <p:sldId id="306" r:id="rId33"/>
+    <p:sldId id="307" r:id="rId34"/>
+    <p:sldId id="308" r:id="rId35"/>
+    <p:sldId id="309" r:id="rId36"/>
+    <p:sldId id="310" r:id="rId37"/>
+    <p:sldId id="313" r:id="rId38"/>
+    <p:sldId id="311" r:id="rId39"/>
+    <p:sldId id="325" r:id="rId40"/>
+    <p:sldId id="265" r:id="rId41"/>
+    <p:sldId id="266" r:id="rId42"/>
+    <p:sldId id="268" r:id="rId43"/>
+    <p:sldId id="276" r:id="rId44"/>
+    <p:sldId id="277" r:id="rId45"/>
+    <p:sldId id="312" r:id="rId46"/>
+    <p:sldId id="320" r:id="rId47"/>
+    <p:sldId id="321" r:id="rId48"/>
     <p:sldId id="263" r:id="rId49"/>
     <p:sldId id="270" r:id="rId50"/>
     <p:sldId id="271" r:id="rId51"/>
@@ -867,10 +867,10 @@
           <a:bodyPr/>
           <a:lstStyle/>
           <a:p>
-            <a:fld id="{4B07BCA8-6537-EE45-8E0C-A25AFA752A5D}" type="slidenum">
+            <a:fld id="{75152E34-9F71-A24A-A63B-F745045A75A3}" type="slidenum">
               <a:rPr lang="en-US"/>
               <a:pPr/>
-              <a:t>46</a:t>
+              <a:t>45</a:t>
             </a:fld>
             <a:endParaRPr lang="en-US"/>
           </a:p>
@@ -878,7 +878,7 @@
       </p:sp>
       <p:sp>
         <p:nvSpPr>
-          <p:cNvPr id="113666" name="Rectangle 1026"/>
+          <p:cNvPr id="116738" name="Rectangle 2"/>
           <p:cNvSpPr>
             <a:spLocks noGrp="1" noRot="1" noChangeAspect="1" noChangeArrowheads="1" noTextEdit="1"/>
           </p:cNvSpPr>
@@ -896,7 +896,7 @@
       </p:sp>
       <p:sp>
         <p:nvSpPr>
-          <p:cNvPr id="113667" name="Rectangle 1027"/>
+          <p:cNvPr id="116739" name="Rectangle 3"/>
           <p:cNvSpPr>
             <a:spLocks noGrp="1" noChangeArrowheads="1"/>
           </p:cNvSpPr>
@@ -914,6 +914,11 @@
         </p:txBody>
       </p:sp>
     </p:spTree>
+    <p:extLst>
+      <p:ext uri="{BB962C8B-B14F-4D97-AF65-F5344CB8AC3E}">
+        <p14:creationId xmlns:p14="http://schemas.microsoft.com/office/powerpoint/2010/main" val="3674786799"/>
+      </p:ext>
+    </p:extLst>
   </p:cSld>
   <p:clrMapOvr>
     <a:masterClrMapping/>
@@ -955,7 +960,7 @@
           <a:bodyPr/>
           <a:lstStyle/>
           <a:p>
-            <a:fld id="{8CC7A05C-6192-3E4F-90E2-980AD65153B6}" type="slidenum">
+            <a:fld id="{01653D2B-06D8-964B-AB70-9B86198CE375}" type="slidenum">
               <a:rPr lang="en-US"/>
               <a:pPr/>
               <a:t>47</a:t>
@@ -966,7 +971,7 @@
       </p:sp>
       <p:sp>
         <p:nvSpPr>
-          <p:cNvPr id="114690" name="Rectangle 2"/>
+          <p:cNvPr id="118786" name="Rectangle 2"/>
           <p:cNvSpPr>
             <a:spLocks noGrp="1" noRot="1" noChangeAspect="1" noChangeArrowheads="1" noTextEdit="1"/>
           </p:cNvSpPr>
@@ -984,7 +989,7 @@
       </p:sp>
       <p:sp>
         <p:nvSpPr>
-          <p:cNvPr id="114691" name="Rectangle 3"/>
+          <p:cNvPr id="118787" name="Rectangle 3"/>
           <p:cNvSpPr>
             <a:spLocks noGrp="1" noChangeArrowheads="1"/>
           </p:cNvSpPr>
@@ -1002,6 +1007,11 @@
         </p:txBody>
       </p:sp>
     </p:spTree>
+    <p:extLst>
+      <p:ext uri="{BB962C8B-B14F-4D97-AF65-F5344CB8AC3E}">
+        <p14:creationId xmlns:p14="http://schemas.microsoft.com/office/powerpoint/2010/main" val="762925367"/>
+      </p:ext>
+    </p:extLst>
   </p:cSld>
   <p:clrMapOvr>
     <a:masterClrMapping/>
@@ -1923,10 +1933,10 @@
           <a:bodyPr/>
           <a:lstStyle/>
           <a:p>
-            <a:fld id="{75152E34-9F71-A24A-A63B-F745045A75A3}" type="slidenum">
+            <a:fld id="{67B9E9D3-DEB6-084D-9C05-9773C434B998}" type="slidenum">
               <a:rPr lang="en-US"/>
               <a:pPr/>
-              <a:t>29</a:t>
+              <a:t>38</a:t>
             </a:fld>
             <a:endParaRPr lang="en-US"/>
           </a:p>
@@ -1934,7 +1944,7 @@
       </p:sp>
       <p:sp>
         <p:nvSpPr>
-          <p:cNvPr id="116738" name="Rectangle 2"/>
+          <p:cNvPr id="124930" name="Rectangle 2"/>
           <p:cNvSpPr>
             <a:spLocks noGrp="1" noRot="1" noChangeAspect="1" noChangeArrowheads="1" noTextEdit="1"/>
           </p:cNvSpPr>
@@ -1952,7 +1962,7 @@
       </p:sp>
       <p:sp>
         <p:nvSpPr>
-          <p:cNvPr id="116739" name="Rectangle 3"/>
+          <p:cNvPr id="124931" name="Rectangle 3"/>
           <p:cNvSpPr>
             <a:spLocks noGrp="1" noChangeArrowheads="1"/>
           </p:cNvSpPr>
@@ -2011,10 +2021,10 @@
           <a:bodyPr/>
           <a:lstStyle/>
           <a:p>
-            <a:fld id="{01653D2B-06D8-964B-AB70-9B86198CE375}" type="slidenum">
+            <a:fld id="{0CABE95A-2AF8-1740-987F-6CCF40512845}" type="slidenum">
               <a:rPr lang="en-US"/>
               <a:pPr/>
-              <a:t>31</a:t>
+              <a:t>40</a:t>
             </a:fld>
             <a:endParaRPr lang="en-US"/>
           </a:p>
@@ -2022,7 +2032,7 @@
       </p:sp>
       <p:sp>
         <p:nvSpPr>
-          <p:cNvPr id="118786" name="Rectangle 2"/>
+          <p:cNvPr id="109570" name="Rectangle 2"/>
           <p:cNvSpPr>
             <a:spLocks noGrp="1" noRot="1" noChangeAspect="1" noChangeArrowheads="1" noTextEdit="1"/>
           </p:cNvSpPr>
@@ -2040,7 +2050,7 @@
       </p:sp>
       <p:sp>
         <p:nvSpPr>
-          <p:cNvPr id="118787" name="Rectangle 3"/>
+          <p:cNvPr id="109571" name="Rectangle 3"/>
           <p:cNvSpPr>
             <a:spLocks noGrp="1" noChangeArrowheads="1"/>
           </p:cNvSpPr>
@@ -2099,7 +2109,7 @@
           <a:bodyPr/>
           <a:lstStyle/>
           <a:p>
-            <a:fld id="{67B9E9D3-DEB6-084D-9C05-9773C434B998}" type="slidenum">
+            <a:fld id="{37856DA2-26F4-5E46-88ED-4E3BA7DBF346}" type="slidenum">
               <a:rPr lang="en-US"/>
               <a:pPr/>
               <a:t>41</a:t>
@@ -2110,7 +2120,7 @@
       </p:sp>
       <p:sp>
         <p:nvSpPr>
-          <p:cNvPr id="124930" name="Rectangle 2"/>
+          <p:cNvPr id="110594" name="Rectangle 1026"/>
           <p:cNvSpPr>
             <a:spLocks noGrp="1" noRot="1" noChangeAspect="1" noChangeArrowheads="1" noTextEdit="1"/>
           </p:cNvSpPr>
@@ -2128,7 +2138,7 @@
       </p:sp>
       <p:sp>
         <p:nvSpPr>
-          <p:cNvPr id="124931" name="Rectangle 3"/>
+          <p:cNvPr id="110595" name="Rectangle 1027"/>
           <p:cNvSpPr>
             <a:spLocks noGrp="1" noChangeArrowheads="1"/>
           </p:cNvSpPr>
@@ -2187,10 +2197,10 @@
           <a:bodyPr/>
           <a:lstStyle/>
           <a:p>
-            <a:fld id="{0CABE95A-2AF8-1740-987F-6CCF40512845}" type="slidenum">
+            <a:fld id="{66B4587A-2E87-154D-A63F-3983C66572FC}" type="slidenum">
               <a:rPr lang="en-US"/>
               <a:pPr/>
-              <a:t>43</a:t>
+              <a:t>42</a:t>
             </a:fld>
             <a:endParaRPr lang="en-US"/>
           </a:p>
@@ -2198,7 +2208,7 @@
       </p:sp>
       <p:sp>
         <p:nvSpPr>
-          <p:cNvPr id="109570" name="Rectangle 2"/>
+          <p:cNvPr id="111618" name="Rectangle 2"/>
           <p:cNvSpPr>
             <a:spLocks noGrp="1" noRot="1" noChangeAspect="1" noChangeArrowheads="1" noTextEdit="1"/>
           </p:cNvSpPr>
@@ -2216,7 +2226,7 @@
       </p:sp>
       <p:sp>
         <p:nvSpPr>
-          <p:cNvPr id="109571" name="Rectangle 3"/>
+          <p:cNvPr id="111619" name="Rectangle 3"/>
           <p:cNvSpPr>
             <a:spLocks noGrp="1" noChangeArrowheads="1"/>
           </p:cNvSpPr>
@@ -2275,10 +2285,10 @@
           <a:bodyPr/>
           <a:lstStyle/>
           <a:p>
-            <a:fld id="{37856DA2-26F4-5E46-88ED-4E3BA7DBF346}" type="slidenum">
+            <a:fld id="{4B07BCA8-6537-EE45-8E0C-A25AFA752A5D}" type="slidenum">
               <a:rPr lang="en-US"/>
               <a:pPr/>
-              <a:t>44</a:t>
+              <a:t>43</a:t>
             </a:fld>
             <a:endParaRPr lang="en-US"/>
           </a:p>
@@ -2286,7 +2296,7 @@
       </p:sp>
       <p:sp>
         <p:nvSpPr>
-          <p:cNvPr id="110594" name="Rectangle 1026"/>
+          <p:cNvPr id="113666" name="Rectangle 1026"/>
           <p:cNvSpPr>
             <a:spLocks noGrp="1" noRot="1" noChangeAspect="1" noChangeArrowheads="1" noTextEdit="1"/>
           </p:cNvSpPr>
@@ -2304,7 +2314,7 @@
       </p:sp>
       <p:sp>
         <p:nvSpPr>
-          <p:cNvPr id="110595" name="Rectangle 1027"/>
+          <p:cNvPr id="113667" name="Rectangle 1027"/>
           <p:cNvSpPr>
             <a:spLocks noGrp="1" noChangeArrowheads="1"/>
           </p:cNvSpPr>
@@ -2363,10 +2373,10 @@
           <a:bodyPr/>
           <a:lstStyle/>
           <a:p>
-            <a:fld id="{66B4587A-2E87-154D-A63F-3983C66572FC}" type="slidenum">
+            <a:fld id="{8CC7A05C-6192-3E4F-90E2-980AD65153B6}" type="slidenum">
               <a:rPr lang="en-US"/>
               <a:pPr/>
-              <a:t>45</a:t>
+              <a:t>44</a:t>
             </a:fld>
             <a:endParaRPr lang="en-US"/>
           </a:p>
@@ -2374,7 +2384,7 @@
       </p:sp>
       <p:sp>
         <p:nvSpPr>
-          <p:cNvPr id="111618" name="Rectangle 2"/>
+          <p:cNvPr id="114690" name="Rectangle 2"/>
           <p:cNvSpPr>
             <a:spLocks noGrp="1" noRot="1" noChangeAspect="1" noChangeArrowheads="1" noTextEdit="1"/>
           </p:cNvSpPr>
@@ -2392,7 +2402,7 @@
       </p:sp>
       <p:sp>
         <p:nvSpPr>
-          <p:cNvPr id="111619" name="Rectangle 3"/>
+          <p:cNvPr id="114691" name="Rectangle 3"/>
           <p:cNvSpPr>
             <a:spLocks noGrp="1" noChangeArrowheads="1"/>
           </p:cNvSpPr>
@@ -25252,15 +25262,7 @@
           <a:p>
             <a:r>
               <a:rPr lang="en-CA" sz="2100" dirty="0"/>
-              <a:t>There is </a:t>
-            </a:r>
-            <a:r>
-              <a:rPr lang="en-CA" sz="2100"/>
-              <a:t>nothing special </a:t>
-            </a:r>
-            <a:r>
-              <a:rPr lang="en-CA" sz="2100" dirty="0"/>
-              <a:t>about this organization</a:t>
+              <a:t>There is nothing special about this organization</a:t>
             </a:r>
           </a:p>
           <a:p>
@@ -25473,9 +25475,9 @@
       </p:grpSpPr>
       <p:sp>
         <p:nvSpPr>
-          <p:cNvPr id="87042" name="Rectangle 2"/>
+          <p:cNvPr id="2" name="Title 1"/>
           <p:cNvSpPr>
-            <a:spLocks noGrp="1" noChangeArrowheads="1"/>
+            <a:spLocks noGrp="1"/>
           </p:cNvSpPr>
           <p:nvPr>
             <p:ph type="title"/>
@@ -25487,8 +25489,68 @@
           <a:lstStyle/>
           <a:p>
             <a:r>
-              <a:rPr lang="en-US" dirty="0"/>
-              <a:t>MIPS Stack frame</a:t>
+              <a:rPr lang="en-CA" dirty="0"/>
+              <a:t>Global Variables</a:t>
+            </a:r>
+          </a:p>
+        </p:txBody>
+      </p:sp>
+      <p:sp>
+        <p:nvSpPr>
+          <p:cNvPr id="3" name="Content Placeholder 2"/>
+          <p:cNvSpPr>
+            <a:spLocks noGrp="1"/>
+          </p:cNvSpPr>
+          <p:nvPr>
+            <p:ph idx="1"/>
+          </p:nvPr>
+        </p:nvSpPr>
+        <p:spPr/>
+        <p:txBody>
+          <a:bodyPr/>
+          <a:lstStyle/>
+          <a:p>
+            <a:r>
+              <a:rPr lang="en-CA" dirty="0"/>
+              <a:t>All references to a global variable point to the same object</a:t>
+            </a:r>
+          </a:p>
+          <a:p>
+            <a:pPr lvl="1"/>
+            <a:r>
+              <a:rPr lang="en-CA" dirty="0">
+                <a:solidFill>
+                  <a:schemeClr val="accent2"/>
+                </a:solidFill>
+              </a:rPr>
+              <a:t>Cannot store a global in an activation record</a:t>
+            </a:r>
+          </a:p>
+          <a:p>
+            <a:r>
+              <a:rPr lang="en-CA" dirty="0" err="1"/>
+              <a:t>Globals</a:t>
+            </a:r>
+            <a:r>
+              <a:rPr lang="en-CA" dirty="0"/>
+              <a:t> are assigned a fixed address once </a:t>
+            </a:r>
+          </a:p>
+          <a:p>
+            <a:pPr lvl="1"/>
+            <a:r>
+              <a:rPr lang="en-CA" dirty="0">
+                <a:solidFill>
+                  <a:schemeClr val="accent2"/>
+                </a:solidFill>
+              </a:rPr>
+              <a:t>Variables with fixed address are “statically allocated”</a:t>
+            </a:r>
+          </a:p>
+          <a:p>
+            <a:r>
+              <a:rPr lang="en-CA" dirty="0"/>
+              <a:t>Depending on the language, there may be other statically allocated values</a:t>
             </a:r>
           </a:p>
         </p:txBody>
@@ -25508,1435 +25570,10 @@
           <a:bodyPr/>
           <a:lstStyle/>
           <a:p>
-            <a:fld id="{8A393549-EAF5-6541-9573-246DD75762A5}" type="slidenum">
-              <a:rPr lang="en-US"/>
-              <a:pPr/>
-              <a:t>29</a:t>
-            </a:fld>
-            <a:endParaRPr lang="en-US"/>
-          </a:p>
-        </p:txBody>
-      </p:sp>
-      <p:pic>
-        <p:nvPicPr>
-          <p:cNvPr id="87044" name="Picture 4"/>
-          <p:cNvPicPr>
-            <a:picLocks noChangeAspect="1" noChangeArrowheads="1"/>
-          </p:cNvPicPr>
-          <p:nvPr/>
-        </p:nvPicPr>
-        <p:blipFill>
-          <a:blip r:embed="rId3"/>
-          <a:srcRect/>
-          <a:stretch>
-            <a:fillRect/>
-          </a:stretch>
-        </p:blipFill>
-        <p:spPr bwMode="auto">
-          <a:xfrm>
-            <a:off x="2171700" y="1143000"/>
-            <a:ext cx="4972050" cy="3873104"/>
-          </a:xfrm>
-          <a:prstGeom prst="rect">
-            <a:avLst/>
-          </a:prstGeom>
-          <a:noFill/>
-          <a:ln w="9525">
-            <a:noFill/>
-            <a:miter lim="800000"/>
-            <a:headEnd/>
-            <a:tailEnd/>
-          </a:ln>
-          <a:effectLst/>
-        </p:spPr>
-      </p:pic>
-      <p:sp>
-        <p:nvSpPr>
-          <p:cNvPr id="6" name="Rounded Rectangular Callout 5"/>
-          <p:cNvSpPr/>
-          <p:nvPr/>
-        </p:nvSpPr>
-        <p:spPr bwMode="auto">
-          <a:xfrm>
-            <a:off x="1314450" y="1657350"/>
-            <a:ext cx="1485900" cy="457200"/>
-          </a:xfrm>
-          <a:prstGeom prst="wedgeRoundRectCallout">
-            <a:avLst>
-              <a:gd name="adj1" fmla="val 28965"/>
-              <a:gd name="adj2" fmla="val 69220"/>
-              <a:gd name="adj3" fmla="val 16667"/>
-            </a:avLst>
-          </a:prstGeom>
-          <a:solidFill>
-            <a:schemeClr val="accent5">
-              <a:lumMod val="40000"/>
-              <a:lumOff val="60000"/>
-            </a:schemeClr>
-          </a:solidFill>
-          <a:ln w="9525" cap="flat" cmpd="sng" algn="ctr">
-            <a:solidFill>
-              <a:schemeClr val="tx1"/>
-            </a:solidFill>
-            <a:prstDash val="solid"/>
-            <a:round/>
-            <a:headEnd type="none" w="med" len="med"/>
-            <a:tailEnd type="none" w="med" len="med"/>
-          </a:ln>
-          <a:effectLst/>
-        </p:spPr>
-        <p:txBody>
-          <a:bodyPr vert="horz" wrap="square" lIns="68580" tIns="34290" rIns="68580" bIns="34290" numCol="1" rtlCol="0" anchor="t" anchorCtr="0" compatLnSpc="1">
-            <a:prstTxWarp prst="textNoShape">
-              <a:avLst/>
-            </a:prstTxWarp>
-            <a:normAutofit fontScale="92500"/>
-          </a:bodyPr>
-          <a:lstStyle/>
-          <a:p>
-            <a:pPr defTabSz="685800"/>
-            <a:r>
-              <a:rPr lang="en-US" sz="1800" dirty="0">
-                <a:latin typeface="Calibri" panose="020F0502020204030204" pitchFamily="34" charset="0"/>
-              </a:rPr>
-              <a:t>Frame pointer</a:t>
-            </a:r>
-          </a:p>
-        </p:txBody>
-      </p:sp>
-      <p:sp>
-        <p:nvSpPr>
-          <p:cNvPr id="7" name="Rounded Rectangular Callout 6"/>
-          <p:cNvSpPr/>
-          <p:nvPr/>
-        </p:nvSpPr>
-        <p:spPr bwMode="auto">
-          <a:xfrm>
-            <a:off x="1314450" y="4114800"/>
-            <a:ext cx="1485900" cy="457200"/>
-          </a:xfrm>
-          <a:prstGeom prst="wedgeRoundRectCallout">
-            <a:avLst>
-              <a:gd name="adj1" fmla="val 28965"/>
-              <a:gd name="adj2" fmla="val 69220"/>
-              <a:gd name="adj3" fmla="val 16667"/>
-            </a:avLst>
-          </a:prstGeom>
-          <a:solidFill>
-            <a:schemeClr val="accent5">
-              <a:lumMod val="40000"/>
-              <a:lumOff val="60000"/>
-            </a:schemeClr>
-          </a:solidFill>
-          <a:ln w="9525" cap="flat" cmpd="sng" algn="ctr">
-            <a:solidFill>
-              <a:schemeClr val="tx1"/>
-            </a:solidFill>
-            <a:prstDash val="solid"/>
-            <a:round/>
-            <a:headEnd type="none" w="med" len="med"/>
-            <a:tailEnd type="none" w="med" len="med"/>
-          </a:ln>
-          <a:effectLst/>
-        </p:spPr>
-        <p:txBody>
-          <a:bodyPr vert="horz" wrap="square" lIns="68580" tIns="34290" rIns="68580" bIns="34290" numCol="1" rtlCol="0" anchor="t" anchorCtr="0" compatLnSpc="1">
-            <a:prstTxWarp prst="textNoShape">
-              <a:avLst/>
-            </a:prstTxWarp>
-            <a:normAutofit/>
-          </a:bodyPr>
-          <a:lstStyle/>
-          <a:p>
-            <a:pPr defTabSz="685800"/>
-            <a:r>
-              <a:rPr lang="en-US" sz="1800" dirty="0">
-                <a:latin typeface="Calibri" panose="020F0502020204030204" pitchFamily="34" charset="0"/>
-              </a:rPr>
-              <a:t>Stack pointer</a:t>
-            </a:r>
-          </a:p>
-        </p:txBody>
-      </p:sp>
-      <p:sp>
-        <p:nvSpPr>
-          <p:cNvPr id="8" name="Rounded Rectangular Callout 7"/>
-          <p:cNvSpPr/>
-          <p:nvPr/>
-        </p:nvSpPr>
-        <p:spPr bwMode="auto">
-          <a:xfrm>
-            <a:off x="5143500" y="1761660"/>
-            <a:ext cx="2514600" cy="1314450"/>
-          </a:xfrm>
-          <a:prstGeom prst="wedgeRoundRectCallout">
-            <a:avLst>
-              <a:gd name="adj1" fmla="val -61567"/>
-              <a:gd name="adj2" fmla="val -20174"/>
-              <a:gd name="adj3" fmla="val 16667"/>
-            </a:avLst>
-          </a:prstGeom>
-          <a:solidFill>
-            <a:schemeClr val="accent5">
-              <a:lumMod val="40000"/>
-              <a:lumOff val="60000"/>
-            </a:schemeClr>
-          </a:solidFill>
-          <a:ln w="9525" cap="flat" cmpd="sng" algn="ctr">
-            <a:solidFill>
-              <a:schemeClr val="tx1"/>
-            </a:solidFill>
-            <a:prstDash val="solid"/>
-            <a:round/>
-            <a:headEnd type="none" w="med" len="med"/>
-            <a:tailEnd type="none" w="med" len="med"/>
-          </a:ln>
-          <a:effectLst/>
-        </p:spPr>
-        <p:txBody>
-          <a:bodyPr vert="horz" wrap="square" lIns="68580" tIns="34290" rIns="68580" bIns="34290" numCol="1" rtlCol="0" anchor="t" anchorCtr="0" compatLnSpc="1">
-            <a:prstTxWarp prst="textNoShape">
-              <a:avLst/>
-            </a:prstTxWarp>
-            <a:normAutofit/>
-          </a:bodyPr>
-          <a:lstStyle/>
-          <a:p>
-            <a:pPr defTabSz="685800"/>
-            <a:r>
-              <a:rPr lang="en-US" sz="1800" dirty="0">
-                <a:latin typeface="Calibri" panose="020F0502020204030204" pitchFamily="34" charset="0"/>
-              </a:rPr>
-              <a:t>In MIPS, Argument 1-4 are provided to the function in registers $a0-$a3</a:t>
-            </a:r>
-          </a:p>
-        </p:txBody>
-      </p:sp>
-      <p:sp>
-        <p:nvSpPr>
-          <p:cNvPr id="9" name="Rounded Rectangular Callout 8"/>
-          <p:cNvSpPr/>
-          <p:nvPr/>
-        </p:nvSpPr>
-        <p:spPr bwMode="auto">
-          <a:xfrm>
-            <a:off x="5926956" y="3597865"/>
-            <a:ext cx="1615375" cy="594065"/>
-          </a:xfrm>
-          <a:prstGeom prst="wedgeRoundRectCallout">
-            <a:avLst>
-              <a:gd name="adj1" fmla="val -62230"/>
-              <a:gd name="adj2" fmla="val -56250"/>
-              <a:gd name="adj3" fmla="val 16667"/>
-            </a:avLst>
-          </a:prstGeom>
-          <a:solidFill>
-            <a:schemeClr val="accent5">
-              <a:lumMod val="40000"/>
-              <a:lumOff val="60000"/>
-            </a:schemeClr>
-          </a:solidFill>
-          <a:ln w="9525" cap="flat" cmpd="sng" algn="ctr">
-            <a:solidFill>
-              <a:schemeClr val="tx1"/>
-            </a:solidFill>
-            <a:prstDash val="solid"/>
-            <a:round/>
-            <a:headEnd type="none" w="med" len="med"/>
-            <a:tailEnd type="none" w="med" len="med"/>
-          </a:ln>
-          <a:effectLst/>
-        </p:spPr>
-        <p:txBody>
-          <a:bodyPr vert="horz" wrap="square" lIns="68580" tIns="34290" rIns="68580" bIns="34290" numCol="1" rtlCol="0" anchor="t" anchorCtr="0" compatLnSpc="1">
-            <a:prstTxWarp prst="textNoShape">
-              <a:avLst/>
-            </a:prstTxWarp>
-            <a:normAutofit fontScale="92500" lnSpcReduction="10000"/>
-          </a:bodyPr>
-          <a:lstStyle/>
-          <a:p>
-            <a:pPr defTabSz="685800"/>
-            <a:r>
-              <a:rPr lang="en-US" sz="1800" dirty="0">
-                <a:latin typeface="Calibri" panose="020F0502020204030204" pitchFamily="34" charset="0"/>
-              </a:rPr>
-              <a:t>Return address in $</a:t>
-            </a:r>
-            <a:r>
-              <a:rPr lang="en-US" sz="1800" dirty="0" err="1">
-                <a:latin typeface="Calibri" panose="020F0502020204030204" pitchFamily="34" charset="0"/>
-              </a:rPr>
-              <a:t>ra</a:t>
-            </a:r>
-            <a:endParaRPr lang="en-US" sz="1800" dirty="0">
-              <a:latin typeface="Calibri" panose="020F0502020204030204" pitchFamily="34" charset="0"/>
-            </a:endParaRPr>
-          </a:p>
-        </p:txBody>
-      </p:sp>
-    </p:spTree>
-    <p:extLst>
-      <p:ext uri="{BB962C8B-B14F-4D97-AF65-F5344CB8AC3E}">
-        <p14:creationId xmlns:p14="http://schemas.microsoft.com/office/powerpoint/2010/main" val="109741862"/>
-      </p:ext>
-    </p:extLst>
-  </p:cSld>
-  <p:clrMapOvr>
-    <a:masterClrMapping/>
-  </p:clrMapOvr>
-  <p:timing>
-    <p:tnLst>
-      <p:par>
-        <p:cTn id="1" dur="indefinite" restart="never" nodeType="tmRoot">
-          <p:childTnLst>
-            <p:seq concurrent="1" nextAc="seek">
-              <p:cTn id="2" dur="indefinite" nodeType="mainSeq">
-                <p:childTnLst>
-                  <p:par>
-                    <p:cTn id="3" fill="hold">
-                      <p:stCondLst>
-                        <p:cond delay="indefinite"/>
-                      </p:stCondLst>
-                      <p:childTnLst>
-                        <p:par>
-                          <p:cTn id="4" fill="hold">
-                            <p:stCondLst>
-                              <p:cond delay="0"/>
-                            </p:stCondLst>
-                            <p:childTnLst>
-                              <p:par>
-                                <p:cTn id="5" presetID="1" presetClass="entr" presetSubtype="0" fill="hold" grpId="0" nodeType="clickEffect">
-                                  <p:stCondLst>
-                                    <p:cond delay="0"/>
-                                  </p:stCondLst>
-                                  <p:childTnLst>
-                                    <p:set>
-                                      <p:cBhvr>
-                                        <p:cTn id="6" dur="1" fill="hold">
-                                          <p:stCondLst>
-                                            <p:cond delay="0"/>
-                                          </p:stCondLst>
-                                        </p:cTn>
-                                        <p:tgtEl>
-                                          <p:spTgt spid="6"/>
-                                        </p:tgtEl>
-                                        <p:attrNameLst>
-                                          <p:attrName>style.visibility</p:attrName>
-                                        </p:attrNameLst>
-                                      </p:cBhvr>
-                                      <p:to>
-                                        <p:strVal val="visible"/>
-                                      </p:to>
-                                    </p:set>
-                                  </p:childTnLst>
-                                </p:cTn>
-                              </p:par>
-                            </p:childTnLst>
-                          </p:cTn>
-                        </p:par>
-                      </p:childTnLst>
-                    </p:cTn>
-                  </p:par>
-                  <p:par>
-                    <p:cTn id="7" fill="hold">
-                      <p:stCondLst>
-                        <p:cond delay="indefinite"/>
-                      </p:stCondLst>
-                      <p:childTnLst>
-                        <p:par>
-                          <p:cTn id="8" fill="hold">
-                            <p:stCondLst>
-                              <p:cond delay="0"/>
-                            </p:stCondLst>
-                            <p:childTnLst>
-                              <p:par>
-                                <p:cTn id="9" presetID="1" presetClass="entr" presetSubtype="0" fill="hold" grpId="0" nodeType="clickEffect">
-                                  <p:stCondLst>
-                                    <p:cond delay="0"/>
-                                  </p:stCondLst>
-                                  <p:childTnLst>
-                                    <p:set>
-                                      <p:cBhvr>
-                                        <p:cTn id="10" dur="1" fill="hold">
-                                          <p:stCondLst>
-                                            <p:cond delay="0"/>
-                                          </p:stCondLst>
-                                        </p:cTn>
-                                        <p:tgtEl>
-                                          <p:spTgt spid="7"/>
-                                        </p:tgtEl>
-                                        <p:attrNameLst>
-                                          <p:attrName>style.visibility</p:attrName>
-                                        </p:attrNameLst>
-                                      </p:cBhvr>
-                                      <p:to>
-                                        <p:strVal val="visible"/>
-                                      </p:to>
-                                    </p:set>
-                                  </p:childTnLst>
-                                </p:cTn>
-                              </p:par>
-                            </p:childTnLst>
-                          </p:cTn>
-                        </p:par>
-                      </p:childTnLst>
-                    </p:cTn>
-                  </p:par>
-                  <p:par>
-                    <p:cTn id="11" fill="hold">
-                      <p:stCondLst>
-                        <p:cond delay="indefinite"/>
-                      </p:stCondLst>
-                      <p:childTnLst>
-                        <p:par>
-                          <p:cTn id="12" fill="hold">
-                            <p:stCondLst>
-                              <p:cond delay="0"/>
-                            </p:stCondLst>
-                            <p:childTnLst>
-                              <p:par>
-                                <p:cTn id="13" presetID="1" presetClass="entr" presetSubtype="0" fill="hold" grpId="0" nodeType="clickEffect">
-                                  <p:stCondLst>
-                                    <p:cond delay="0"/>
-                                  </p:stCondLst>
-                                  <p:childTnLst>
-                                    <p:set>
-                                      <p:cBhvr>
-                                        <p:cTn id="14" dur="1" fill="hold">
-                                          <p:stCondLst>
-                                            <p:cond delay="0"/>
-                                          </p:stCondLst>
-                                        </p:cTn>
-                                        <p:tgtEl>
-                                          <p:spTgt spid="8"/>
-                                        </p:tgtEl>
-                                        <p:attrNameLst>
-                                          <p:attrName>style.visibility</p:attrName>
-                                        </p:attrNameLst>
-                                      </p:cBhvr>
-                                      <p:to>
-                                        <p:strVal val="visible"/>
-                                      </p:to>
-                                    </p:set>
-                                  </p:childTnLst>
-                                </p:cTn>
-                              </p:par>
-                            </p:childTnLst>
-                          </p:cTn>
-                        </p:par>
-                      </p:childTnLst>
-                    </p:cTn>
-                  </p:par>
-                  <p:par>
-                    <p:cTn id="15" fill="hold">
-                      <p:stCondLst>
-                        <p:cond delay="indefinite"/>
-                      </p:stCondLst>
-                      <p:childTnLst>
-                        <p:par>
-                          <p:cTn id="16" fill="hold">
-                            <p:stCondLst>
-                              <p:cond delay="0"/>
-                            </p:stCondLst>
-                            <p:childTnLst>
-                              <p:par>
-                                <p:cTn id="17" presetID="1" presetClass="entr" presetSubtype="0" fill="hold" grpId="0" nodeType="clickEffect">
-                                  <p:stCondLst>
-                                    <p:cond delay="0"/>
-                                  </p:stCondLst>
-                                  <p:childTnLst>
-                                    <p:set>
-                                      <p:cBhvr>
-                                        <p:cTn id="18" dur="1" fill="hold">
-                                          <p:stCondLst>
-                                            <p:cond delay="0"/>
-                                          </p:stCondLst>
-                                        </p:cTn>
-                                        <p:tgtEl>
-                                          <p:spTgt spid="9"/>
-                                        </p:tgtEl>
-                                        <p:attrNameLst>
-                                          <p:attrName>style.visibility</p:attrName>
-                                        </p:attrNameLst>
-                                      </p:cBhvr>
-                                      <p:to>
-                                        <p:strVal val="visible"/>
-                                      </p:to>
-                                    </p:set>
-                                  </p:childTnLst>
-                                </p:cTn>
-                              </p:par>
-                            </p:childTnLst>
-                          </p:cTn>
-                        </p:par>
-                      </p:childTnLst>
-                    </p:cTn>
-                  </p:par>
-                </p:childTnLst>
-              </p:cTn>
-              <p:prevCondLst>
-                <p:cond evt="onPrev" delay="0">
-                  <p:tgtEl>
-                    <p:sldTgt/>
-                  </p:tgtEl>
-                </p:cond>
-              </p:prevCondLst>
-              <p:nextCondLst>
-                <p:cond evt="onNext" delay="0">
-                  <p:tgtEl>
-                    <p:sldTgt/>
-                  </p:tgtEl>
-                </p:cond>
-              </p:nextCondLst>
-            </p:seq>
-          </p:childTnLst>
-        </p:cTn>
-      </p:par>
-    </p:tnLst>
-    <p:bldLst>
-      <p:bldP spid="6" grpId="0" animBg="1"/>
-      <p:bldP spid="7" grpId="0" animBg="1"/>
-      <p:bldP spid="8" grpId="0" animBg="1"/>
-      <p:bldP spid="9" grpId="0" animBg="1"/>
-    </p:bldLst>
-  </p:timing>
-</p:sld>
-</file>
-
-<file path=ppt/slides/slide3.xml><?xml version="1.0" encoding="utf-8"?>
-<p:sld xmlns:a="http://schemas.openxmlformats.org/drawingml/2006/main" xmlns:r="http://schemas.openxmlformats.org/officeDocument/2006/relationships" xmlns:p="http://schemas.openxmlformats.org/presentationml/2006/main">
-  <p:cSld>
-    <p:spTree>
-      <p:nvGrpSpPr>
-        <p:cNvPr id="1" name=""/>
-        <p:cNvGrpSpPr/>
-        <p:nvPr/>
-      </p:nvGrpSpPr>
-      <p:grpSpPr>
-        <a:xfrm>
-          <a:off x="0" y="0"/>
-          <a:ext cx="0" cy="0"/>
-          <a:chOff x="0" y="0"/>
-          <a:chExt cx="0" cy="0"/>
-        </a:xfrm>
-      </p:grpSpPr>
-      <p:sp>
-        <p:nvSpPr>
-          <p:cNvPr id="2" name="Title 1"/>
-          <p:cNvSpPr>
-            <a:spLocks noGrp="1"/>
-          </p:cNvSpPr>
-          <p:nvPr>
-            <p:ph type="title"/>
-          </p:nvPr>
-        </p:nvSpPr>
-        <p:spPr/>
-        <p:txBody>
-          <a:bodyPr/>
-          <a:lstStyle/>
-          <a:p>
-            <a:r>
-              <a:rPr lang="en-CA" dirty="0"/>
-              <a:t>Invoke the Program</a:t>
-            </a:r>
-          </a:p>
-        </p:txBody>
-      </p:sp>
-      <p:sp>
-        <p:nvSpPr>
-          <p:cNvPr id="3" name="Content Placeholder 2"/>
-          <p:cNvSpPr>
-            <a:spLocks noGrp="1"/>
-          </p:cNvSpPr>
-          <p:nvPr>
-            <p:ph idx="1"/>
-          </p:nvPr>
-        </p:nvSpPr>
-        <p:spPr/>
-        <p:txBody>
-          <a:bodyPr/>
-          <a:lstStyle/>
-          <a:p>
-            <a:r>
-              <a:rPr lang="en-CA" dirty="0"/>
-              <a:t>Execution of the program is initially under the control of the operating system</a:t>
-            </a:r>
-          </a:p>
-          <a:p>
-            <a:r>
-              <a:rPr lang="en-CA" dirty="0"/>
-              <a:t>When program is invoked:</a:t>
-            </a:r>
-          </a:p>
-          <a:p>
-            <a:pPr lvl="1"/>
-            <a:r>
-              <a:rPr lang="en-CA" dirty="0"/>
-              <a:t>The OS allocates space for the program</a:t>
-            </a:r>
-          </a:p>
-          <a:p>
-            <a:pPr lvl="1"/>
-            <a:r>
-              <a:rPr lang="en-CA" dirty="0"/>
-              <a:t>The code is loaded into part of the memory</a:t>
-            </a:r>
-          </a:p>
-          <a:p>
-            <a:pPr lvl="1"/>
-            <a:r>
-              <a:rPr lang="en-CA" dirty="0"/>
-              <a:t>The OS jumps to the entry point (i.e., main)</a:t>
-            </a:r>
-          </a:p>
-        </p:txBody>
-      </p:sp>
-      <p:sp>
-        <p:nvSpPr>
-          <p:cNvPr id="5" name="Slide Number Placeholder 4"/>
-          <p:cNvSpPr>
-            <a:spLocks noGrp="1"/>
-          </p:cNvSpPr>
-          <p:nvPr>
-            <p:ph type="sldNum" sz="quarter" idx="12"/>
-          </p:nvPr>
-        </p:nvSpPr>
-        <p:spPr/>
-        <p:txBody>
-          <a:bodyPr/>
-          <a:lstStyle/>
-          <a:p>
             <a:fld id="{EFA508D8-6740-FE46-95CC-F1012A7A27C5}" type="slidenum">
               <a:rPr lang="en-US" smtClean="0"/>
               <a:pPr/>
-              <a:t>3</a:t>
-            </a:fld>
-            <a:endParaRPr lang="en-US"/>
-          </a:p>
-        </p:txBody>
-      </p:sp>
-    </p:spTree>
-    <p:extLst>
-      <p:ext uri="{BB962C8B-B14F-4D97-AF65-F5344CB8AC3E}">
-        <p14:creationId xmlns:p14="http://schemas.microsoft.com/office/powerpoint/2010/main" val="3676250933"/>
-      </p:ext>
-    </p:extLst>
-  </p:cSld>
-  <p:clrMapOvr>
-    <a:masterClrMapping/>
-  </p:clrMapOvr>
-</p:sld>
-</file>
-
-<file path=ppt/slides/slide30.xml><?xml version="1.0" encoding="utf-8"?>
-<p:sld xmlns:a="http://schemas.openxmlformats.org/drawingml/2006/main" xmlns:r="http://schemas.openxmlformats.org/officeDocument/2006/relationships" xmlns:p="http://schemas.openxmlformats.org/presentationml/2006/main">
-  <p:cSld>
-    <p:spTree>
-      <p:nvGrpSpPr>
-        <p:cNvPr id="1" name=""/>
-        <p:cNvGrpSpPr/>
-        <p:nvPr/>
-      </p:nvGrpSpPr>
-      <p:grpSpPr>
-        <a:xfrm>
-          <a:off x="0" y="0"/>
-          <a:ext cx="0" cy="0"/>
-          <a:chOff x="0" y="0"/>
-          <a:chExt cx="0" cy="0"/>
-        </a:xfrm>
-      </p:grpSpPr>
-      <p:sp>
-        <p:nvSpPr>
-          <p:cNvPr id="4" name="Slide Number Placeholder 3"/>
-          <p:cNvSpPr>
-            <a:spLocks noGrp="1"/>
-          </p:cNvSpPr>
-          <p:nvPr>
-            <p:ph type="sldNum" sz="quarter" idx="12"/>
-          </p:nvPr>
-        </p:nvSpPr>
-        <p:spPr/>
-        <p:txBody>
-          <a:bodyPr/>
-          <a:lstStyle/>
-          <a:p>
-            <a:fld id="{60E1BFF4-DB76-D940-A65B-72E1BC4F90EC}" type="slidenum">
-              <a:rPr lang="en-US" smtClean="0"/>
-              <a:pPr/>
-              <a:t>30</a:t>
-            </a:fld>
-            <a:endParaRPr lang="en-US"/>
-          </a:p>
-        </p:txBody>
-      </p:sp>
-      <p:sp>
-        <p:nvSpPr>
-          <p:cNvPr id="6" name="TextBox 5"/>
-          <p:cNvSpPr txBox="1"/>
-          <p:nvPr/>
-        </p:nvSpPr>
-        <p:spPr>
-          <a:xfrm>
-            <a:off x="791580" y="309592"/>
-            <a:ext cx="7560840" cy="4524315"/>
-          </a:xfrm>
-          <a:prstGeom prst="rect">
-            <a:avLst/>
-          </a:prstGeom>
-          <a:noFill/>
-        </p:spPr>
-        <p:txBody>
-          <a:bodyPr wrap="square" rtlCol="0">
-            <a:spAutoFit/>
-          </a:bodyPr>
-          <a:lstStyle/>
-          <a:p>
-            <a:r>
-              <a:rPr lang="en-US" sz="1800" dirty="0">
-                <a:latin typeface="Consolas" panose="020B0609020204030204" pitchFamily="49" charset="0"/>
-                <a:cs typeface="Consolas" panose="020B0609020204030204" pitchFamily="49" charset="0"/>
-              </a:rPr>
-              <a:t>#include &lt;</a:t>
-            </a:r>
-            <a:r>
-              <a:rPr lang="en-US" sz="1800" dirty="0" err="1">
-                <a:latin typeface="Consolas" panose="020B0609020204030204" pitchFamily="49" charset="0"/>
-                <a:cs typeface="Consolas" panose="020B0609020204030204" pitchFamily="49" charset="0"/>
-              </a:rPr>
-              <a:t>stdio.h</a:t>
-            </a:r>
-            <a:r>
-              <a:rPr lang="en-US" sz="1800" dirty="0">
-                <a:latin typeface="Consolas" panose="020B0609020204030204" pitchFamily="49" charset="0"/>
-                <a:cs typeface="Consolas" panose="020B0609020204030204" pitchFamily="49" charset="0"/>
-              </a:rPr>
-              <a:t>&gt;</a:t>
-            </a:r>
-          </a:p>
-          <a:p>
-            <a:endParaRPr lang="en-US" sz="1800" dirty="0">
-              <a:latin typeface="Consolas" panose="020B0609020204030204" pitchFamily="49" charset="0"/>
-              <a:cs typeface="Consolas" panose="020B0609020204030204" pitchFamily="49" charset="0"/>
-            </a:endParaRPr>
-          </a:p>
-          <a:p>
-            <a:r>
-              <a:rPr lang="en-US" sz="1800" dirty="0">
-                <a:latin typeface="Consolas" panose="020B0609020204030204" pitchFamily="49" charset="0"/>
-                <a:cs typeface="Consolas" panose="020B0609020204030204" pitchFamily="49" charset="0"/>
-              </a:rPr>
-              <a:t>main () </a:t>
-            </a:r>
-          </a:p>
-          <a:p>
-            <a:r>
-              <a:rPr lang="en-US" sz="1800" dirty="0">
-                <a:latin typeface="Consolas" panose="020B0609020204030204" pitchFamily="49" charset="0"/>
-                <a:cs typeface="Consolas" panose="020B0609020204030204" pitchFamily="49" charset="0"/>
-              </a:rPr>
-              <a:t>{ </a:t>
-            </a:r>
-          </a:p>
-          <a:p>
-            <a:r>
-              <a:rPr lang="en-US" sz="1800" dirty="0">
-                <a:latin typeface="Consolas" panose="020B0609020204030204" pitchFamily="49" charset="0"/>
-                <a:cs typeface="Consolas" panose="020B0609020204030204" pitchFamily="49" charset="0"/>
-              </a:rPr>
-              <a:t>      </a:t>
-            </a:r>
-            <a:r>
-              <a:rPr lang="en-US" sz="1800" dirty="0" err="1">
-                <a:latin typeface="Consolas" panose="020B0609020204030204" pitchFamily="49" charset="0"/>
-                <a:cs typeface="Consolas" panose="020B0609020204030204" pitchFamily="49" charset="0"/>
-              </a:rPr>
-              <a:t>int</a:t>
-            </a:r>
-            <a:r>
-              <a:rPr lang="en-US" sz="1800" dirty="0">
-                <a:latin typeface="Consolas" panose="020B0609020204030204" pitchFamily="49" charset="0"/>
-                <a:cs typeface="Consolas" panose="020B0609020204030204" pitchFamily="49" charset="0"/>
-              </a:rPr>
-              <a:t> </a:t>
-            </a:r>
-            <a:r>
-              <a:rPr lang="en-US" sz="1800" dirty="0" err="1">
-                <a:latin typeface="Consolas" panose="020B0609020204030204" pitchFamily="49" charset="0"/>
-                <a:cs typeface="Consolas" panose="020B0609020204030204" pitchFamily="49" charset="0"/>
-              </a:rPr>
-              <a:t>n</a:t>
-            </a:r>
-            <a:r>
-              <a:rPr lang="en-US" sz="1800" dirty="0">
-                <a:latin typeface="Consolas" panose="020B0609020204030204" pitchFamily="49" charset="0"/>
-                <a:cs typeface="Consolas" panose="020B0609020204030204" pitchFamily="49" charset="0"/>
-              </a:rPr>
-              <a:t> = 10;</a:t>
-            </a:r>
-          </a:p>
-          <a:p>
-            <a:r>
-              <a:rPr lang="en-US" sz="1800" dirty="0">
-                <a:latin typeface="Consolas" panose="020B0609020204030204" pitchFamily="49" charset="0"/>
-                <a:cs typeface="Consolas" panose="020B0609020204030204" pitchFamily="49" charset="0"/>
-              </a:rPr>
-              <a:t>      </a:t>
-            </a:r>
-            <a:r>
-              <a:rPr lang="en-US" sz="1800" dirty="0" err="1">
-                <a:latin typeface="Consolas" panose="020B0609020204030204" pitchFamily="49" charset="0"/>
-                <a:cs typeface="Consolas" panose="020B0609020204030204" pitchFamily="49" charset="0"/>
-              </a:rPr>
-              <a:t>printf("The</a:t>
-            </a:r>
-            <a:r>
-              <a:rPr lang="en-US" sz="1800" dirty="0">
-                <a:latin typeface="Consolas" panose="020B0609020204030204" pitchFamily="49" charset="0"/>
-                <a:cs typeface="Consolas" panose="020B0609020204030204" pitchFamily="49" charset="0"/>
-              </a:rPr>
-              <a:t> factorial of 10 is %</a:t>
-            </a:r>
-            <a:r>
-              <a:rPr lang="en-US" sz="1800" dirty="0" err="1">
-                <a:latin typeface="Consolas" panose="020B0609020204030204" pitchFamily="49" charset="0"/>
-                <a:cs typeface="Consolas" panose="020B0609020204030204" pitchFamily="49" charset="0"/>
-              </a:rPr>
-              <a:t>d\n</a:t>
-            </a:r>
-            <a:r>
-              <a:rPr lang="en-US" sz="1800" dirty="0">
-                <a:latin typeface="Consolas" panose="020B0609020204030204" pitchFamily="49" charset="0"/>
-                <a:cs typeface="Consolas" panose="020B0609020204030204" pitchFamily="49" charset="0"/>
-              </a:rPr>
-              <a:t>", </a:t>
-            </a:r>
-            <a:r>
-              <a:rPr lang="en-US" sz="1800" dirty="0" err="1">
-                <a:latin typeface="Consolas" panose="020B0609020204030204" pitchFamily="49" charset="0"/>
-                <a:cs typeface="Consolas" panose="020B0609020204030204" pitchFamily="49" charset="0"/>
-              </a:rPr>
-              <a:t>fact(n</a:t>
-            </a:r>
-            <a:r>
-              <a:rPr lang="en-US" sz="1800" dirty="0">
-                <a:latin typeface="Consolas" panose="020B0609020204030204" pitchFamily="49" charset="0"/>
-                <a:cs typeface="Consolas" panose="020B0609020204030204" pitchFamily="49" charset="0"/>
-              </a:rPr>
-              <a:t>)); </a:t>
-            </a:r>
-          </a:p>
-          <a:p>
-            <a:r>
-              <a:rPr lang="en-US" sz="1800" dirty="0">
-                <a:latin typeface="Consolas" panose="020B0609020204030204" pitchFamily="49" charset="0"/>
-                <a:cs typeface="Consolas" panose="020B0609020204030204" pitchFamily="49" charset="0"/>
-              </a:rPr>
-              <a:t>} </a:t>
-            </a:r>
-          </a:p>
-          <a:p>
-            <a:endParaRPr lang="en-US" sz="1800" dirty="0">
-              <a:latin typeface="Consolas" panose="020B0609020204030204" pitchFamily="49" charset="0"/>
-              <a:cs typeface="Consolas" panose="020B0609020204030204" pitchFamily="49" charset="0"/>
-            </a:endParaRPr>
-          </a:p>
-          <a:p>
-            <a:r>
-              <a:rPr lang="en-US" sz="1800" dirty="0" err="1">
-                <a:latin typeface="Consolas" panose="020B0609020204030204" pitchFamily="49" charset="0"/>
-                <a:cs typeface="Consolas" panose="020B0609020204030204" pitchFamily="49" charset="0"/>
-              </a:rPr>
-              <a:t>int</a:t>
-            </a:r>
-            <a:r>
-              <a:rPr lang="en-US" sz="1800" dirty="0">
-                <a:latin typeface="Consolas" panose="020B0609020204030204" pitchFamily="49" charset="0"/>
-                <a:cs typeface="Consolas" panose="020B0609020204030204" pitchFamily="49" charset="0"/>
-              </a:rPr>
-              <a:t> fact (</a:t>
-            </a:r>
-            <a:r>
-              <a:rPr lang="en-US" sz="1800" dirty="0" err="1">
-                <a:latin typeface="Consolas" panose="020B0609020204030204" pitchFamily="49" charset="0"/>
-                <a:cs typeface="Consolas" panose="020B0609020204030204" pitchFamily="49" charset="0"/>
-              </a:rPr>
-              <a:t>int</a:t>
-            </a:r>
-            <a:r>
-              <a:rPr lang="en-US" sz="1800" dirty="0">
-                <a:latin typeface="Consolas" panose="020B0609020204030204" pitchFamily="49" charset="0"/>
-                <a:cs typeface="Consolas" panose="020B0609020204030204" pitchFamily="49" charset="0"/>
-              </a:rPr>
-              <a:t> </a:t>
-            </a:r>
-            <a:r>
-              <a:rPr lang="en-US" sz="1800" dirty="0" err="1">
-                <a:latin typeface="Consolas" panose="020B0609020204030204" pitchFamily="49" charset="0"/>
-                <a:cs typeface="Consolas" panose="020B0609020204030204" pitchFamily="49" charset="0"/>
-              </a:rPr>
-              <a:t>n</a:t>
-            </a:r>
-            <a:r>
-              <a:rPr lang="en-US" sz="1800" dirty="0">
-                <a:latin typeface="Consolas" panose="020B0609020204030204" pitchFamily="49" charset="0"/>
-                <a:cs typeface="Consolas" panose="020B0609020204030204" pitchFamily="49" charset="0"/>
-              </a:rPr>
-              <a:t>) </a:t>
-            </a:r>
-          </a:p>
-          <a:p>
-            <a:r>
-              <a:rPr lang="en-US" sz="1800" dirty="0">
-                <a:latin typeface="Consolas" panose="020B0609020204030204" pitchFamily="49" charset="0"/>
-                <a:cs typeface="Consolas" panose="020B0609020204030204" pitchFamily="49" charset="0"/>
-              </a:rPr>
-              <a:t>{ </a:t>
-            </a:r>
-          </a:p>
-          <a:p>
-            <a:r>
-              <a:rPr lang="en-US" sz="1800" dirty="0">
-                <a:latin typeface="Consolas" panose="020B0609020204030204" pitchFamily="49" charset="0"/>
-                <a:cs typeface="Consolas" panose="020B0609020204030204" pitchFamily="49" charset="0"/>
-              </a:rPr>
-              <a:t>      if (</a:t>
-            </a:r>
-            <a:r>
-              <a:rPr lang="en-US" sz="1800" dirty="0" err="1">
-                <a:latin typeface="Consolas" panose="020B0609020204030204" pitchFamily="49" charset="0"/>
-                <a:cs typeface="Consolas" panose="020B0609020204030204" pitchFamily="49" charset="0"/>
-              </a:rPr>
-              <a:t>n</a:t>
-            </a:r>
-            <a:r>
-              <a:rPr lang="en-US" sz="1800" dirty="0">
-                <a:latin typeface="Consolas" panose="020B0609020204030204" pitchFamily="49" charset="0"/>
-                <a:cs typeface="Consolas" panose="020B0609020204030204" pitchFamily="49" charset="0"/>
-              </a:rPr>
-              <a:t> &lt; 1) </a:t>
-            </a:r>
-          </a:p>
-          <a:p>
-            <a:r>
-              <a:rPr lang="en-US" sz="1800" dirty="0">
-                <a:latin typeface="Consolas" panose="020B0609020204030204" pitchFamily="49" charset="0"/>
-                <a:cs typeface="Consolas" panose="020B0609020204030204" pitchFamily="49" charset="0"/>
-              </a:rPr>
-              <a:t>            return(1); </a:t>
-            </a:r>
-          </a:p>
-          <a:p>
-            <a:r>
-              <a:rPr lang="en-US" sz="1800" dirty="0">
-                <a:latin typeface="Consolas" panose="020B0609020204030204" pitchFamily="49" charset="0"/>
-                <a:cs typeface="Consolas" panose="020B0609020204030204" pitchFamily="49" charset="0"/>
-              </a:rPr>
-              <a:t>      else </a:t>
-            </a:r>
-          </a:p>
-          <a:p>
-            <a:r>
-              <a:rPr lang="en-US" sz="1800" dirty="0">
-                <a:latin typeface="Consolas" panose="020B0609020204030204" pitchFamily="49" charset="0"/>
-                <a:cs typeface="Consolas" panose="020B0609020204030204" pitchFamily="49" charset="0"/>
-              </a:rPr>
-              <a:t>            </a:t>
-            </a:r>
-            <a:r>
-              <a:rPr lang="en-US" sz="1800" dirty="0" err="1">
-                <a:latin typeface="Consolas" panose="020B0609020204030204" pitchFamily="49" charset="0"/>
-                <a:cs typeface="Consolas" panose="020B0609020204030204" pitchFamily="49" charset="0"/>
-              </a:rPr>
-              <a:t>return(n</a:t>
-            </a:r>
-            <a:r>
-              <a:rPr lang="en-US" sz="1800" dirty="0">
-                <a:latin typeface="Consolas" panose="020B0609020204030204" pitchFamily="49" charset="0"/>
-                <a:cs typeface="Consolas" panose="020B0609020204030204" pitchFamily="49" charset="0"/>
-              </a:rPr>
-              <a:t> * </a:t>
-            </a:r>
-            <a:r>
-              <a:rPr lang="en-US" sz="1800" dirty="0" err="1">
-                <a:latin typeface="Consolas" panose="020B0609020204030204" pitchFamily="49" charset="0"/>
-                <a:cs typeface="Consolas" panose="020B0609020204030204" pitchFamily="49" charset="0"/>
-              </a:rPr>
-              <a:t>fact(n</a:t>
-            </a:r>
-            <a:r>
-              <a:rPr lang="en-US" sz="1800" dirty="0">
-                <a:latin typeface="Consolas" panose="020B0609020204030204" pitchFamily="49" charset="0"/>
-                <a:cs typeface="Consolas" panose="020B0609020204030204" pitchFamily="49" charset="0"/>
-              </a:rPr>
-              <a:t> - 1)); </a:t>
-            </a:r>
-          </a:p>
-          <a:p>
-            <a:r>
-              <a:rPr lang="en-US" sz="1800" dirty="0">
-                <a:latin typeface="Consolas" panose="020B0609020204030204" pitchFamily="49" charset="0"/>
-                <a:cs typeface="Consolas" panose="020B0609020204030204" pitchFamily="49" charset="0"/>
-              </a:rPr>
-              <a:t>} </a:t>
-            </a:r>
-          </a:p>
-          <a:p>
-            <a:endParaRPr lang="en-US" sz="1800" dirty="0" err="1">
-              <a:latin typeface="Consolas" panose="020B0609020204030204" pitchFamily="49" charset="0"/>
-              <a:cs typeface="Consolas" panose="020B0609020204030204" pitchFamily="49" charset="0"/>
-            </a:endParaRPr>
-          </a:p>
-        </p:txBody>
-      </p:sp>
-    </p:spTree>
-    <p:extLst>
-      <p:ext uri="{BB962C8B-B14F-4D97-AF65-F5344CB8AC3E}">
-        <p14:creationId xmlns:p14="http://schemas.microsoft.com/office/powerpoint/2010/main" val="1716995604"/>
-      </p:ext>
-    </p:extLst>
-  </p:cSld>
-  <p:clrMapOvr>
-    <a:masterClrMapping/>
-  </p:clrMapOvr>
-</p:sld>
-</file>
-
-<file path=ppt/slides/slide31.xml><?xml version="1.0" encoding="utf-8"?>
-<p:sld xmlns:a="http://schemas.openxmlformats.org/drawingml/2006/main" xmlns:r="http://schemas.openxmlformats.org/officeDocument/2006/relationships" xmlns:p="http://schemas.openxmlformats.org/presentationml/2006/main">
-  <p:cSld>
-    <p:spTree>
-      <p:nvGrpSpPr>
-        <p:cNvPr id="1" name=""/>
-        <p:cNvGrpSpPr/>
-        <p:nvPr/>
-      </p:nvGrpSpPr>
-      <p:grpSpPr>
-        <a:xfrm>
-          <a:off x="0" y="0"/>
-          <a:ext cx="0" cy="0"/>
-          <a:chOff x="0" y="0"/>
-          <a:chExt cx="0" cy="0"/>
-        </a:xfrm>
-      </p:grpSpPr>
-      <p:sp>
-        <p:nvSpPr>
-          <p:cNvPr id="4" name="Slide Number Placeholder 3"/>
-          <p:cNvSpPr>
-            <a:spLocks noGrp="1"/>
-          </p:cNvSpPr>
-          <p:nvPr>
-            <p:ph type="sldNum" sz="quarter" idx="12"/>
-          </p:nvPr>
-        </p:nvSpPr>
-        <p:spPr/>
-        <p:txBody>
-          <a:bodyPr/>
-          <a:lstStyle/>
-          <a:p>
-            <a:fld id="{9AC591AD-4D89-CD47-B3D5-BB1C3EB73C69}" type="slidenum">
-              <a:rPr lang="en-US"/>
-              <a:pPr/>
-              <a:t>31</a:t>
-            </a:fld>
-            <a:endParaRPr lang="en-US"/>
-          </a:p>
-        </p:txBody>
-      </p:sp>
-      <p:pic>
-        <p:nvPicPr>
-          <p:cNvPr id="95236" name="Picture 4"/>
-          <p:cNvPicPr>
-            <a:picLocks noChangeAspect="1" noChangeArrowheads="1"/>
-          </p:cNvPicPr>
-          <p:nvPr/>
-        </p:nvPicPr>
-        <p:blipFill>
-          <a:blip r:embed="rId3"/>
-          <a:srcRect/>
-          <a:stretch>
-            <a:fillRect/>
-          </a:stretch>
-        </p:blipFill>
-        <p:spPr bwMode="auto">
-          <a:xfrm>
-            <a:off x="3674994" y="0"/>
-            <a:ext cx="3543300" cy="5143500"/>
-          </a:xfrm>
-          <a:prstGeom prst="rect">
-            <a:avLst/>
-          </a:prstGeom>
-          <a:noFill/>
-          <a:ln w="9525">
-            <a:noFill/>
-            <a:miter lim="800000"/>
-            <a:headEnd/>
-            <a:tailEnd/>
-          </a:ln>
-          <a:effectLst/>
-        </p:spPr>
-      </p:pic>
-      <p:sp>
-        <p:nvSpPr>
-          <p:cNvPr id="2" name="Rounded Rectangular Callout 1"/>
-          <p:cNvSpPr/>
-          <p:nvPr/>
-        </p:nvSpPr>
-        <p:spPr bwMode="auto">
-          <a:xfrm>
-            <a:off x="1385647" y="1851670"/>
-            <a:ext cx="2135345" cy="486906"/>
-          </a:xfrm>
-          <a:prstGeom prst="wedgeRoundRectCallout">
-            <a:avLst>
-              <a:gd name="adj1" fmla="val 64075"/>
-              <a:gd name="adj2" fmla="val -31361"/>
-              <a:gd name="adj3" fmla="val 16667"/>
-            </a:avLst>
-          </a:prstGeom>
-          <a:solidFill>
-            <a:schemeClr val="accent5">
-              <a:lumMod val="40000"/>
-              <a:lumOff val="60000"/>
-            </a:schemeClr>
-          </a:solidFill>
-          <a:ln w="9525" cap="flat" cmpd="sng" algn="ctr">
-            <a:solidFill>
-              <a:schemeClr val="tx1"/>
-            </a:solidFill>
-            <a:prstDash val="solid"/>
-            <a:round/>
-            <a:headEnd type="none" w="med" len="med"/>
-            <a:tailEnd type="none" w="med" len="med"/>
-          </a:ln>
-          <a:effectLst/>
-        </p:spPr>
-        <p:txBody>
-          <a:bodyPr vert="horz" wrap="square" lIns="68580" tIns="34290" rIns="68580" bIns="34290" numCol="1" rtlCol="0" anchor="t" anchorCtr="0" compatLnSpc="1">
-            <a:prstTxWarp prst="textNoShape">
-              <a:avLst/>
-            </a:prstTxWarp>
-          </a:bodyPr>
-          <a:lstStyle/>
-          <a:p>
-            <a:pPr defTabSz="685800"/>
-            <a:r>
-              <a:rPr lang="en-CA" sz="1500" dirty="0">
-                <a:latin typeface="Calibri" panose="020F0502020204030204" pitchFamily="34" charset="0"/>
-              </a:rPr>
-              <a:t>return address in main</a:t>
-            </a:r>
-          </a:p>
-        </p:txBody>
-      </p:sp>
-      <p:sp>
-        <p:nvSpPr>
-          <p:cNvPr id="6" name="Rounded Rectangular Callout 5"/>
-          <p:cNvSpPr/>
-          <p:nvPr/>
-        </p:nvSpPr>
-        <p:spPr bwMode="auto">
-          <a:xfrm>
-            <a:off x="1385647" y="1167594"/>
-            <a:ext cx="2135345" cy="486906"/>
-          </a:xfrm>
-          <a:prstGeom prst="wedgeRoundRectCallout">
-            <a:avLst>
-              <a:gd name="adj1" fmla="val 67086"/>
-              <a:gd name="adj2" fmla="val 45665"/>
-              <a:gd name="adj3" fmla="val 16667"/>
-            </a:avLst>
-          </a:prstGeom>
-          <a:solidFill>
-            <a:schemeClr val="accent5">
-              <a:lumMod val="40000"/>
-              <a:lumOff val="60000"/>
-            </a:schemeClr>
-          </a:solidFill>
-          <a:ln w="9525" cap="flat" cmpd="sng" algn="ctr">
-            <a:solidFill>
-              <a:schemeClr val="tx1"/>
-            </a:solidFill>
-            <a:prstDash val="solid"/>
-            <a:round/>
-            <a:headEnd type="none" w="med" len="med"/>
-            <a:tailEnd type="none" w="med" len="med"/>
-          </a:ln>
-          <a:effectLst/>
-        </p:spPr>
-        <p:txBody>
-          <a:bodyPr vert="horz" wrap="square" lIns="68580" tIns="34290" rIns="68580" bIns="34290" numCol="1" rtlCol="0" anchor="t" anchorCtr="0" compatLnSpc="1">
-            <a:prstTxWarp prst="textNoShape">
-              <a:avLst/>
-            </a:prstTxWarp>
-          </a:bodyPr>
-          <a:lstStyle/>
-          <a:p>
-            <a:pPr defTabSz="685800"/>
-            <a:r>
-              <a:rPr lang="en-CA" sz="1500" dirty="0">
-                <a:latin typeface="Calibri" panose="020F0502020204030204" pitchFamily="34" charset="0"/>
-              </a:rPr>
-              <a:t>$a0(=10) saved in stack</a:t>
-            </a:r>
-          </a:p>
-        </p:txBody>
-      </p:sp>
-    </p:spTree>
-    <p:extLst>
-      <p:ext uri="{BB962C8B-B14F-4D97-AF65-F5344CB8AC3E}">
-        <p14:creationId xmlns:p14="http://schemas.microsoft.com/office/powerpoint/2010/main" val="1753052689"/>
-      </p:ext>
-    </p:extLst>
-  </p:cSld>
-  <p:clrMapOvr>
-    <a:masterClrMapping/>
-  </p:clrMapOvr>
-  <p:timing>
-    <p:tnLst>
-      <p:par>
-        <p:cTn id="1" dur="indefinite" restart="never" nodeType="tmRoot">
-          <p:childTnLst>
-            <p:seq concurrent="1" nextAc="seek">
-              <p:cTn id="2" dur="indefinite" nodeType="mainSeq">
-                <p:childTnLst>
-                  <p:par>
-                    <p:cTn id="3" fill="hold">
-                      <p:stCondLst>
-                        <p:cond delay="indefinite"/>
-                      </p:stCondLst>
-                      <p:childTnLst>
-                        <p:par>
-                          <p:cTn id="4" fill="hold">
-                            <p:stCondLst>
-                              <p:cond delay="0"/>
-                            </p:stCondLst>
-                            <p:childTnLst>
-                              <p:par>
-                                <p:cTn id="5" presetID="1" presetClass="entr" presetSubtype="0" fill="hold" grpId="0" nodeType="clickEffect">
-                                  <p:stCondLst>
-                                    <p:cond delay="0"/>
-                                  </p:stCondLst>
-                                  <p:childTnLst>
-                                    <p:set>
-                                      <p:cBhvr>
-                                        <p:cTn id="6" dur="1" fill="hold">
-                                          <p:stCondLst>
-                                            <p:cond delay="0"/>
-                                          </p:stCondLst>
-                                        </p:cTn>
-                                        <p:tgtEl>
-                                          <p:spTgt spid="2"/>
-                                        </p:tgtEl>
-                                        <p:attrNameLst>
-                                          <p:attrName>style.visibility</p:attrName>
-                                        </p:attrNameLst>
-                                      </p:cBhvr>
-                                      <p:to>
-                                        <p:strVal val="visible"/>
-                                      </p:to>
-                                    </p:set>
-                                  </p:childTnLst>
-                                </p:cTn>
-                              </p:par>
-                            </p:childTnLst>
-                          </p:cTn>
-                        </p:par>
-                      </p:childTnLst>
-                    </p:cTn>
-                  </p:par>
-                  <p:par>
-                    <p:cTn id="7" fill="hold">
-                      <p:stCondLst>
-                        <p:cond delay="indefinite"/>
-                      </p:stCondLst>
-                      <p:childTnLst>
-                        <p:par>
-                          <p:cTn id="8" fill="hold">
-                            <p:stCondLst>
-                              <p:cond delay="0"/>
-                            </p:stCondLst>
-                            <p:childTnLst>
-                              <p:par>
-                                <p:cTn id="9" presetID="1" presetClass="entr" presetSubtype="0" fill="hold" grpId="0" nodeType="clickEffect">
-                                  <p:stCondLst>
-                                    <p:cond delay="0"/>
-                                  </p:stCondLst>
-                                  <p:childTnLst>
-                                    <p:set>
-                                      <p:cBhvr>
-                                        <p:cTn id="10" dur="1" fill="hold">
-                                          <p:stCondLst>
-                                            <p:cond delay="0"/>
-                                          </p:stCondLst>
-                                        </p:cTn>
-                                        <p:tgtEl>
-                                          <p:spTgt spid="6"/>
-                                        </p:tgtEl>
-                                        <p:attrNameLst>
-                                          <p:attrName>style.visibility</p:attrName>
-                                        </p:attrNameLst>
-                                      </p:cBhvr>
-                                      <p:to>
-                                        <p:strVal val="visible"/>
-                                      </p:to>
-                                    </p:set>
-                                  </p:childTnLst>
-                                </p:cTn>
-                              </p:par>
-                            </p:childTnLst>
-                          </p:cTn>
-                        </p:par>
-                      </p:childTnLst>
-                    </p:cTn>
-                  </p:par>
-                </p:childTnLst>
-              </p:cTn>
-              <p:prevCondLst>
-                <p:cond evt="onPrev" delay="0">
-                  <p:tgtEl>
-                    <p:sldTgt/>
-                  </p:tgtEl>
-                </p:cond>
-              </p:prevCondLst>
-              <p:nextCondLst>
-                <p:cond evt="onNext" delay="0">
-                  <p:tgtEl>
-                    <p:sldTgt/>
-                  </p:tgtEl>
-                </p:cond>
-              </p:nextCondLst>
-            </p:seq>
-          </p:childTnLst>
-        </p:cTn>
-      </p:par>
-    </p:tnLst>
-    <p:bldLst>
-      <p:bldP spid="2" grpId="0" animBg="1"/>
-      <p:bldP spid="6" grpId="0" animBg="1"/>
-    </p:bldLst>
-  </p:timing>
-</p:sld>
-</file>
-
-<file path=ppt/slides/slide32.xml><?xml version="1.0" encoding="utf-8"?>
-<p:sld xmlns:a="http://schemas.openxmlformats.org/drawingml/2006/main" xmlns:r="http://schemas.openxmlformats.org/officeDocument/2006/relationships" xmlns:p="http://schemas.openxmlformats.org/presentationml/2006/main">
-  <p:cSld>
-    <p:spTree>
-      <p:nvGrpSpPr>
-        <p:cNvPr id="1" name=""/>
-        <p:cNvGrpSpPr/>
-        <p:nvPr/>
-      </p:nvGrpSpPr>
-      <p:grpSpPr>
-        <a:xfrm>
-          <a:off x="0" y="0"/>
-          <a:ext cx="0" cy="0"/>
-          <a:chOff x="0" y="0"/>
-          <a:chExt cx="0" cy="0"/>
-        </a:xfrm>
-      </p:grpSpPr>
-      <p:sp>
-        <p:nvSpPr>
-          <p:cNvPr id="2" name="Title 1"/>
-          <p:cNvSpPr>
-            <a:spLocks noGrp="1"/>
-          </p:cNvSpPr>
-          <p:nvPr>
-            <p:ph type="title"/>
-          </p:nvPr>
-        </p:nvSpPr>
-        <p:spPr/>
-        <p:txBody>
-          <a:bodyPr/>
-          <a:lstStyle/>
-          <a:p>
-            <a:r>
-              <a:rPr lang="en-CA" dirty="0"/>
-              <a:t>Global Variables</a:t>
-            </a:r>
-          </a:p>
-        </p:txBody>
-      </p:sp>
-      <p:sp>
-        <p:nvSpPr>
-          <p:cNvPr id="3" name="Content Placeholder 2"/>
-          <p:cNvSpPr>
-            <a:spLocks noGrp="1"/>
-          </p:cNvSpPr>
-          <p:nvPr>
-            <p:ph idx="1"/>
-          </p:nvPr>
-        </p:nvSpPr>
-        <p:spPr/>
-        <p:txBody>
-          <a:bodyPr/>
-          <a:lstStyle/>
-          <a:p>
-            <a:r>
-              <a:rPr lang="en-CA" dirty="0"/>
-              <a:t>All references to a global variable point to the same object</a:t>
-            </a:r>
-          </a:p>
-          <a:p>
-            <a:pPr lvl="1"/>
-            <a:r>
-              <a:rPr lang="en-CA" dirty="0">
-                <a:solidFill>
-                  <a:schemeClr val="accent2"/>
-                </a:solidFill>
-              </a:rPr>
-              <a:t>Cannot store a global in an activation record</a:t>
-            </a:r>
-          </a:p>
-          <a:p>
-            <a:r>
-              <a:rPr lang="en-CA" dirty="0" err="1"/>
-              <a:t>Globals</a:t>
-            </a:r>
-            <a:r>
-              <a:rPr lang="en-CA" dirty="0"/>
-              <a:t> are assigned a fixed address once </a:t>
-            </a:r>
-          </a:p>
-          <a:p>
-            <a:pPr lvl="1"/>
-            <a:r>
-              <a:rPr lang="en-CA" dirty="0">
-                <a:solidFill>
-                  <a:schemeClr val="accent2"/>
-                </a:solidFill>
-              </a:rPr>
-              <a:t>Variables with fixed address are “statically allocated”</a:t>
-            </a:r>
-          </a:p>
-          <a:p>
-            <a:r>
-              <a:rPr lang="en-CA" dirty="0"/>
-              <a:t>Depending on the language, there may be other statically allocated values</a:t>
-            </a:r>
-          </a:p>
-        </p:txBody>
-      </p:sp>
-      <p:sp>
-        <p:nvSpPr>
-          <p:cNvPr id="5" name="Slide Number Placeholder 4"/>
-          <p:cNvSpPr>
-            <a:spLocks noGrp="1"/>
-          </p:cNvSpPr>
-          <p:nvPr>
-            <p:ph type="sldNum" sz="quarter" idx="12"/>
-          </p:nvPr>
-        </p:nvSpPr>
-        <p:spPr/>
-        <p:txBody>
-          <a:bodyPr/>
-          <a:lstStyle/>
-          <a:p>
-            <a:fld id="{EFA508D8-6740-FE46-95CC-F1012A7A27C5}" type="slidenum">
-              <a:rPr lang="en-US" smtClean="0"/>
-              <a:pPr/>
-              <a:t>32</a:t>
+              <a:t>29</a:t>
             </a:fld>
             <a:endParaRPr lang="en-US"/>
           </a:p>
@@ -27114,7 +25751,7 @@
 </p:sld>
 </file>
 
-<file path=ppt/slides/slide33.xml><?xml version="1.0" encoding="utf-8"?>
+<file path=ppt/slides/slide3.xml><?xml version="1.0" encoding="utf-8"?>
 <p:sld xmlns:a="http://schemas.openxmlformats.org/drawingml/2006/main" xmlns:r="http://schemas.openxmlformats.org/officeDocument/2006/relationships" xmlns:p="http://schemas.openxmlformats.org/presentationml/2006/main">
   <p:cSld>
     <p:spTree>
@@ -27148,6 +25785,131 @@
           <a:p>
             <a:r>
               <a:rPr lang="en-CA" dirty="0"/>
+              <a:t>Invoke the Program</a:t>
+            </a:r>
+          </a:p>
+        </p:txBody>
+      </p:sp>
+      <p:sp>
+        <p:nvSpPr>
+          <p:cNvPr id="3" name="Content Placeholder 2"/>
+          <p:cNvSpPr>
+            <a:spLocks noGrp="1"/>
+          </p:cNvSpPr>
+          <p:nvPr>
+            <p:ph idx="1"/>
+          </p:nvPr>
+        </p:nvSpPr>
+        <p:spPr/>
+        <p:txBody>
+          <a:bodyPr/>
+          <a:lstStyle/>
+          <a:p>
+            <a:r>
+              <a:rPr lang="en-CA" dirty="0"/>
+              <a:t>Execution of the program is initially under the control of the operating system</a:t>
+            </a:r>
+          </a:p>
+          <a:p>
+            <a:r>
+              <a:rPr lang="en-CA" dirty="0"/>
+              <a:t>When program is invoked:</a:t>
+            </a:r>
+          </a:p>
+          <a:p>
+            <a:pPr lvl="1"/>
+            <a:r>
+              <a:rPr lang="en-CA" dirty="0"/>
+              <a:t>The OS allocates space for the program</a:t>
+            </a:r>
+          </a:p>
+          <a:p>
+            <a:pPr lvl="1"/>
+            <a:r>
+              <a:rPr lang="en-CA" dirty="0"/>
+              <a:t>The code is loaded into part of the memory</a:t>
+            </a:r>
+          </a:p>
+          <a:p>
+            <a:pPr lvl="1"/>
+            <a:r>
+              <a:rPr lang="en-CA" dirty="0"/>
+              <a:t>The OS jumps to the entry point (i.e., main)</a:t>
+            </a:r>
+          </a:p>
+        </p:txBody>
+      </p:sp>
+      <p:sp>
+        <p:nvSpPr>
+          <p:cNvPr id="5" name="Slide Number Placeholder 4"/>
+          <p:cNvSpPr>
+            <a:spLocks noGrp="1"/>
+          </p:cNvSpPr>
+          <p:nvPr>
+            <p:ph type="sldNum" sz="quarter" idx="12"/>
+          </p:nvPr>
+        </p:nvSpPr>
+        <p:spPr/>
+        <p:txBody>
+          <a:bodyPr/>
+          <a:lstStyle/>
+          <a:p>
+            <a:fld id="{EFA508D8-6740-FE46-95CC-F1012A7A27C5}" type="slidenum">
+              <a:rPr lang="en-US" smtClean="0"/>
+              <a:pPr/>
+              <a:t>3</a:t>
+            </a:fld>
+            <a:endParaRPr lang="en-US"/>
+          </a:p>
+        </p:txBody>
+      </p:sp>
+    </p:spTree>
+    <p:extLst>
+      <p:ext uri="{BB962C8B-B14F-4D97-AF65-F5344CB8AC3E}">
+        <p14:creationId xmlns:p14="http://schemas.microsoft.com/office/powerpoint/2010/main" val="3676250933"/>
+      </p:ext>
+    </p:extLst>
+  </p:cSld>
+  <p:clrMapOvr>
+    <a:masterClrMapping/>
+  </p:clrMapOvr>
+</p:sld>
+</file>
+
+<file path=ppt/slides/slide30.xml><?xml version="1.0" encoding="utf-8"?>
+<p:sld xmlns:a="http://schemas.openxmlformats.org/drawingml/2006/main" xmlns:r="http://schemas.openxmlformats.org/officeDocument/2006/relationships" xmlns:p="http://schemas.openxmlformats.org/presentationml/2006/main">
+  <p:cSld>
+    <p:spTree>
+      <p:nvGrpSpPr>
+        <p:cNvPr id="1" name=""/>
+        <p:cNvGrpSpPr/>
+        <p:nvPr/>
+      </p:nvGrpSpPr>
+      <p:grpSpPr>
+        <a:xfrm>
+          <a:off x="0" y="0"/>
+          <a:ext cx="0" cy="0"/>
+          <a:chOff x="0" y="0"/>
+          <a:chExt cx="0" cy="0"/>
+        </a:xfrm>
+      </p:grpSpPr>
+      <p:sp>
+        <p:nvSpPr>
+          <p:cNvPr id="2" name="Title 1"/>
+          <p:cNvSpPr>
+            <a:spLocks noGrp="1"/>
+          </p:cNvSpPr>
+          <p:nvPr>
+            <p:ph type="title"/>
+          </p:nvPr>
+        </p:nvSpPr>
+        <p:spPr/>
+        <p:txBody>
+          <a:bodyPr/>
+          <a:lstStyle/>
+          <a:p>
+            <a:r>
+              <a:rPr lang="en-CA" dirty="0"/>
               <a:t>Memory Organization</a:t>
             </a:r>
           </a:p>
@@ -27171,7 +25933,7 @@
             <a:fld id="{3156C34B-FA17-A04E-B62C-CDBE808FCFDF}" type="slidenum">
               <a:rPr lang="en-US" smtClean="0"/>
               <a:pPr/>
-              <a:t>33</a:t>
+              <a:t>30</a:t>
             </a:fld>
             <a:endParaRPr lang="en-US"/>
           </a:p>
@@ -27758,7 +26520,7 @@
 </p:sld>
 </file>
 
-<file path=ppt/slides/slide34.xml><?xml version="1.0" encoding="utf-8"?>
+<file path=ppt/slides/slide31.xml><?xml version="1.0" encoding="utf-8"?>
 <p:sld xmlns:a="http://schemas.openxmlformats.org/drawingml/2006/main" xmlns:r="http://schemas.openxmlformats.org/officeDocument/2006/relationships" xmlns:p="http://schemas.openxmlformats.org/presentationml/2006/main">
   <p:cSld>
     <p:spTree>
@@ -27922,7 +26684,7 @@
             <a:fld id="{EFA508D8-6740-FE46-95CC-F1012A7A27C5}" type="slidenum">
               <a:rPr lang="en-US" smtClean="0"/>
               <a:pPr/>
-              <a:t>34</a:t>
+              <a:t>31</a:t>
             </a:fld>
             <a:endParaRPr lang="en-US"/>
           </a:p>
@@ -27941,7 +26703,7 @@
 </p:sld>
 </file>
 
-<file path=ppt/slides/slide35.xml><?xml version="1.0" encoding="utf-8"?>
+<file path=ppt/slides/slide32.xml><?xml version="1.0" encoding="utf-8"?>
 <p:sld xmlns:a="http://schemas.openxmlformats.org/drawingml/2006/main" xmlns:r="http://schemas.openxmlformats.org/officeDocument/2006/relationships" xmlns:p="http://schemas.openxmlformats.org/presentationml/2006/main">
   <p:cSld>
     <p:spTree>
@@ -28108,7 +26870,7 @@
             <a:fld id="{EFA508D8-6740-FE46-95CC-F1012A7A27C5}" type="slidenum">
               <a:rPr lang="en-US" smtClean="0"/>
               <a:pPr/>
-              <a:t>35</a:t>
+              <a:t>32</a:t>
             </a:fld>
             <a:endParaRPr lang="en-US"/>
           </a:p>
@@ -28477,7 +27239,7 @@
 </p:sld>
 </file>
 
-<file path=ppt/slides/slide36.xml><?xml version="1.0" encoding="utf-8"?>
+<file path=ppt/slides/slide33.xml><?xml version="1.0" encoding="utf-8"?>
 <p:sld xmlns:a="http://schemas.openxmlformats.org/drawingml/2006/main" xmlns:r="http://schemas.openxmlformats.org/officeDocument/2006/relationships" xmlns:p="http://schemas.openxmlformats.org/presentationml/2006/main">
   <p:cSld>
     <p:spTree>
@@ -28568,7 +27330,7 @@
             <a:fld id="{EFA508D8-6740-FE46-95CC-F1012A7A27C5}" type="slidenum">
               <a:rPr lang="en-US" smtClean="0"/>
               <a:pPr/>
-              <a:t>36</a:t>
+              <a:t>33</a:t>
             </a:fld>
             <a:endParaRPr lang="en-US"/>
           </a:p>
@@ -28587,7 +27349,7 @@
 </p:sld>
 </file>
 
-<file path=ppt/slides/slide37.xml><?xml version="1.0" encoding="utf-8"?>
+<file path=ppt/slides/slide34.xml><?xml version="1.0" encoding="utf-8"?>
 <p:sld xmlns:a="http://schemas.openxmlformats.org/drawingml/2006/main" xmlns:r="http://schemas.openxmlformats.org/officeDocument/2006/relationships" xmlns:p="http://schemas.openxmlformats.org/presentationml/2006/main">
   <p:cSld>
     <p:spTree>
@@ -28644,7 +27406,7 @@
             <a:fld id="{3156C34B-FA17-A04E-B62C-CDBE808FCFDF}" type="slidenum">
               <a:rPr lang="en-US" smtClean="0"/>
               <a:pPr/>
-              <a:t>37</a:t>
+              <a:t>34</a:t>
             </a:fld>
             <a:endParaRPr lang="en-US"/>
           </a:p>
@@ -29658,7 +28420,7 @@
 </p:sld>
 </file>
 
-<file path=ppt/slides/slide38.xml><?xml version="1.0" encoding="utf-8"?>
+<file path=ppt/slides/slide35.xml><?xml version="1.0" encoding="utf-8"?>
 <p:sld xmlns:a="http://schemas.openxmlformats.org/drawingml/2006/main" xmlns:r="http://schemas.openxmlformats.org/officeDocument/2006/relationships" xmlns:p="http://schemas.openxmlformats.org/presentationml/2006/main">
   <p:cSld>
     <p:spTree>
@@ -29789,7 +28551,7 @@
             <a:fld id="{EFA508D8-6740-FE46-95CC-F1012A7A27C5}" type="slidenum">
               <a:rPr lang="en-US" smtClean="0"/>
               <a:pPr/>
-              <a:t>38</a:t>
+              <a:t>35</a:t>
             </a:fld>
             <a:endParaRPr lang="en-US"/>
           </a:p>
@@ -29967,7 +28729,7 @@
 </p:sld>
 </file>
 
-<file path=ppt/slides/slide39.xml><?xml version="1.0" encoding="utf-8"?>
+<file path=ppt/slides/slide36.xml><?xml version="1.0" encoding="utf-8"?>
 <p:sld xmlns:a="http://schemas.openxmlformats.org/drawingml/2006/main" xmlns:r="http://schemas.openxmlformats.org/officeDocument/2006/relationships" xmlns:p="http://schemas.openxmlformats.org/presentationml/2006/main">
   <p:cSld>
     <p:spTree>
@@ -30100,7 +28862,7 @@
             <a:fld id="{EFA508D8-6740-FE46-95CC-F1012A7A27C5}" type="slidenum">
               <a:rPr lang="en-US" smtClean="0"/>
               <a:pPr/>
-              <a:t>39</a:t>
+              <a:t>36</a:t>
             </a:fld>
             <a:endParaRPr lang="en-US"/>
           </a:p>
@@ -30569,6 +29331,433 @@
       <p:bldP spid="9" grpId="0" animBg="1"/>
     </p:bldLst>
   </p:timing>
+</p:sld>
+</file>
+
+<file path=ppt/slides/slide37.xml><?xml version="1.0" encoding="utf-8"?>
+<p:sld xmlns:a="http://schemas.openxmlformats.org/drawingml/2006/main" xmlns:r="http://schemas.openxmlformats.org/officeDocument/2006/relationships" xmlns:p="http://schemas.openxmlformats.org/presentationml/2006/main">
+  <p:cSld>
+    <p:spTree>
+      <p:nvGrpSpPr>
+        <p:cNvPr id="1" name=""/>
+        <p:cNvGrpSpPr/>
+        <p:nvPr/>
+      </p:nvGrpSpPr>
+      <p:grpSpPr>
+        <a:xfrm>
+          <a:off x="0" y="0"/>
+          <a:ext cx="0" cy="0"/>
+          <a:chOff x="0" y="0"/>
+          <a:chExt cx="0" cy="0"/>
+        </a:xfrm>
+      </p:grpSpPr>
+      <p:sp>
+        <p:nvSpPr>
+          <p:cNvPr id="2" name="Title 1"/>
+          <p:cNvSpPr>
+            <a:spLocks noGrp="1"/>
+          </p:cNvSpPr>
+          <p:nvPr>
+            <p:ph type="title"/>
+          </p:nvPr>
+        </p:nvSpPr>
+        <p:spPr/>
+        <p:txBody>
+          <a:bodyPr/>
+          <a:lstStyle/>
+          <a:p>
+            <a:r>
+              <a:rPr lang="en-CA" dirty="0"/>
+              <a:t>Padding</a:t>
+            </a:r>
+          </a:p>
+        </p:txBody>
+      </p:sp>
+      <p:sp>
+        <p:nvSpPr>
+          <p:cNvPr id="3" name="Content Placeholder 2"/>
+          <p:cNvSpPr>
+            <a:spLocks noGrp="1"/>
+          </p:cNvSpPr>
+          <p:nvPr>
+            <p:ph idx="1"/>
+          </p:nvPr>
+        </p:nvSpPr>
+        <p:spPr/>
+        <p:txBody>
+          <a:bodyPr/>
+          <a:lstStyle/>
+          <a:p>
+            <a:r>
+              <a:rPr lang="en-CA" dirty="0"/>
+              <a:t>Compilers may insert unused bytes called "padding bytes" after structure members to ensure that each member is appropriately aligned.</a:t>
+            </a:r>
+          </a:p>
+          <a:p>
+            <a:pPr marL="685800" lvl="2" indent="0">
+              <a:buNone/>
+            </a:pPr>
+            <a:r>
+              <a:rPr lang="en-CA" dirty="0" err="1">
+                <a:latin typeface="Consolas" panose="020B0609020204030204" pitchFamily="49" charset="0"/>
+                <a:cs typeface="Consolas" panose="020B0609020204030204" pitchFamily="49" charset="0"/>
+              </a:rPr>
+              <a:t>struct</a:t>
+            </a:r>
+            <a:r>
+              <a:rPr lang="en-CA" dirty="0">
+                <a:latin typeface="Consolas" panose="020B0609020204030204" pitchFamily="49" charset="0"/>
+                <a:cs typeface="Consolas" panose="020B0609020204030204" pitchFamily="49" charset="0"/>
+              </a:rPr>
+              <a:t> widget {</a:t>
+            </a:r>
+          </a:p>
+          <a:p>
+            <a:pPr marL="685800" lvl="2" indent="0">
+              <a:buNone/>
+            </a:pPr>
+            <a:r>
+              <a:rPr lang="en-CA" dirty="0">
+                <a:latin typeface="Consolas" panose="020B0609020204030204" pitchFamily="49" charset="0"/>
+                <a:cs typeface="Consolas" panose="020B0609020204030204" pitchFamily="49" charset="0"/>
+              </a:rPr>
+              <a:t>    char m1;</a:t>
+            </a:r>
+          </a:p>
+          <a:p>
+            <a:pPr marL="685800" lvl="2" indent="0">
+              <a:buNone/>
+            </a:pPr>
+            <a:r>
+              <a:rPr lang="en-CA" dirty="0">
+                <a:latin typeface="Consolas" panose="020B0609020204030204" pitchFamily="49" charset="0"/>
+                <a:cs typeface="Consolas" panose="020B0609020204030204" pitchFamily="49" charset="0"/>
+              </a:rPr>
+              <a:t>    </a:t>
+            </a:r>
+            <a:r>
+              <a:rPr lang="en-CA" dirty="0" err="1">
+                <a:latin typeface="Consolas" panose="020B0609020204030204" pitchFamily="49" charset="0"/>
+                <a:cs typeface="Consolas" panose="020B0609020204030204" pitchFamily="49" charset="0"/>
+              </a:rPr>
+              <a:t>int</a:t>
+            </a:r>
+            <a:r>
+              <a:rPr lang="en-CA" dirty="0">
+                <a:latin typeface="Consolas" panose="020B0609020204030204" pitchFamily="49" charset="0"/>
+                <a:cs typeface="Consolas" panose="020B0609020204030204" pitchFamily="49" charset="0"/>
+              </a:rPr>
+              <a:t> m2;</a:t>
+            </a:r>
+          </a:p>
+          <a:p>
+            <a:pPr marL="685800" lvl="2" indent="0">
+              <a:buNone/>
+            </a:pPr>
+            <a:r>
+              <a:rPr lang="en-CA" dirty="0">
+                <a:latin typeface="Consolas" panose="020B0609020204030204" pitchFamily="49" charset="0"/>
+                <a:cs typeface="Consolas" panose="020B0609020204030204" pitchFamily="49" charset="0"/>
+              </a:rPr>
+              <a:t>    char m3;</a:t>
+            </a:r>
+          </a:p>
+          <a:p>
+            <a:pPr marL="685800" lvl="2" indent="0">
+              <a:buNone/>
+            </a:pPr>
+            <a:r>
+              <a:rPr lang="en-CA" dirty="0">
+                <a:latin typeface="Consolas" panose="020B0609020204030204" pitchFamily="49" charset="0"/>
+                <a:cs typeface="Consolas" panose="020B0609020204030204" pitchFamily="49" charset="0"/>
+              </a:rPr>
+              <a:t>};</a:t>
+            </a:r>
+          </a:p>
+          <a:p>
+            <a:pPr marL="342900" lvl="1" indent="0">
+              <a:buNone/>
+            </a:pPr>
+            <a:endParaRPr lang="en-CA" dirty="0"/>
+          </a:p>
+        </p:txBody>
+      </p:sp>
+      <p:sp>
+        <p:nvSpPr>
+          <p:cNvPr id="5" name="Slide Number Placeholder 4"/>
+          <p:cNvSpPr>
+            <a:spLocks noGrp="1"/>
+          </p:cNvSpPr>
+          <p:nvPr>
+            <p:ph type="sldNum" sz="quarter" idx="12"/>
+          </p:nvPr>
+        </p:nvSpPr>
+        <p:spPr/>
+        <p:txBody>
+          <a:bodyPr/>
+          <a:lstStyle/>
+          <a:p>
+            <a:fld id="{EFA508D8-6740-FE46-95CC-F1012A7A27C5}" type="slidenum">
+              <a:rPr lang="en-US" smtClean="0"/>
+              <a:pPr/>
+              <a:t>37</a:t>
+            </a:fld>
+            <a:endParaRPr lang="en-US"/>
+          </a:p>
+        </p:txBody>
+      </p:sp>
+      <p:sp>
+        <p:nvSpPr>
+          <p:cNvPr id="6" name="TextBox 5"/>
+          <p:cNvSpPr txBox="1"/>
+          <p:nvPr/>
+        </p:nvSpPr>
+        <p:spPr>
+          <a:xfrm>
+            <a:off x="4301970" y="3291683"/>
+            <a:ext cx="3024336" cy="923330"/>
+          </a:xfrm>
+          <a:prstGeom prst="rect">
+            <a:avLst/>
+          </a:prstGeom>
+          <a:noFill/>
+        </p:spPr>
+        <p:txBody>
+          <a:bodyPr wrap="square" rtlCol="0">
+            <a:spAutoFit/>
+          </a:bodyPr>
+          <a:lstStyle/>
+          <a:p>
+            <a:r>
+              <a:rPr lang="en-CA" sz="1800" dirty="0">
+                <a:solidFill>
+                  <a:schemeClr val="accent2"/>
+                </a:solidFill>
+                <a:latin typeface="Calibri" panose="020F0502020204030204" pitchFamily="34" charset="0"/>
+              </a:rPr>
+              <a:t>On a word aligned machine:</a:t>
+            </a:r>
+          </a:p>
+          <a:p>
+            <a:r>
+              <a:rPr lang="en-CA" sz="1800" dirty="0">
+                <a:solidFill>
+                  <a:schemeClr val="accent2"/>
+                </a:solidFill>
+                <a:latin typeface="Calibri" panose="020F0502020204030204" pitchFamily="34" charset="0"/>
+              </a:rPr>
+              <a:t>add 3 bytes of padding </a:t>
+            </a:r>
+          </a:p>
+          <a:p>
+            <a:r>
+              <a:rPr lang="en-CA" sz="1800" dirty="0">
+                <a:solidFill>
+                  <a:schemeClr val="accent2"/>
+                </a:solidFill>
+                <a:latin typeface="Calibri" panose="020F0502020204030204" pitchFamily="34" charset="0"/>
+              </a:rPr>
+              <a:t>after m1 and m3</a:t>
+            </a:r>
+          </a:p>
+        </p:txBody>
+      </p:sp>
+    </p:spTree>
+    <p:extLst>
+      <p:ext uri="{BB962C8B-B14F-4D97-AF65-F5344CB8AC3E}">
+        <p14:creationId xmlns:p14="http://schemas.microsoft.com/office/powerpoint/2010/main" val="2312361512"/>
+      </p:ext>
+    </p:extLst>
+  </p:cSld>
+  <p:clrMapOvr>
+    <a:masterClrMapping/>
+  </p:clrMapOvr>
+</p:sld>
+</file>
+
+<file path=ppt/slides/slide38.xml><?xml version="1.0" encoding="utf-8"?>
+<p:sld xmlns:a="http://schemas.openxmlformats.org/drawingml/2006/main" xmlns:r="http://schemas.openxmlformats.org/officeDocument/2006/relationships" xmlns:p="http://schemas.openxmlformats.org/presentationml/2006/main">
+  <p:cSld>
+    <p:spTree>
+      <p:nvGrpSpPr>
+        <p:cNvPr id="1" name=""/>
+        <p:cNvGrpSpPr/>
+        <p:nvPr/>
+      </p:nvGrpSpPr>
+      <p:grpSpPr>
+        <a:xfrm>
+          <a:off x="0" y="0"/>
+          <a:ext cx="0" cy="0"/>
+          <a:chOff x="0" y="0"/>
+          <a:chExt cx="0" cy="0"/>
+        </a:xfrm>
+      </p:grpSpPr>
+      <p:sp>
+        <p:nvSpPr>
+          <p:cNvPr id="99330" name="Rectangle 2"/>
+          <p:cNvSpPr>
+            <a:spLocks noGrp="1" noChangeArrowheads="1"/>
+          </p:cNvSpPr>
+          <p:nvPr>
+            <p:ph type="title"/>
+          </p:nvPr>
+        </p:nvSpPr>
+        <p:spPr/>
+        <p:txBody>
+          <a:bodyPr/>
+          <a:lstStyle/>
+          <a:p>
+            <a:r>
+              <a:rPr lang="en-US"/>
+              <a:t>Summary</a:t>
+            </a:r>
+          </a:p>
+        </p:txBody>
+      </p:sp>
+      <p:sp>
+        <p:nvSpPr>
+          <p:cNvPr id="99331" name="Rectangle 3"/>
+          <p:cNvSpPr>
+            <a:spLocks noGrp="1" noChangeArrowheads="1"/>
+          </p:cNvSpPr>
+          <p:nvPr>
+            <p:ph idx="1"/>
+          </p:nvPr>
+        </p:nvSpPr>
+        <p:spPr/>
+        <p:txBody>
+          <a:bodyPr/>
+          <a:lstStyle/>
+          <a:p>
+            <a:r>
+              <a:rPr lang="en-US" sz="2100" dirty="0"/>
+              <a:t>Run-time support for functions</a:t>
+            </a:r>
+          </a:p>
+          <a:p>
+            <a:r>
+              <a:rPr lang="en-US" sz="2100" dirty="0"/>
+              <a:t>Dealing with (potentially infinite) recursion</a:t>
+            </a:r>
+          </a:p>
+          <a:p>
+            <a:r>
+              <a:rPr lang="en-US" sz="2100" dirty="0"/>
+              <a:t>Activation records for each function invocation</a:t>
+            </a:r>
+          </a:p>
+          <a:p>
+            <a:r>
+              <a:rPr lang="en-US" sz="2100" dirty="0"/>
+              <a:t>Storage allocation for activation records in recursive function calls</a:t>
+            </a:r>
+          </a:p>
+          <a:p>
+            <a:r>
+              <a:rPr lang="en-US" sz="2100" dirty="0"/>
+              <a:t>Stack allocation is easiest to implement while retaining recursion</a:t>
+            </a:r>
+          </a:p>
+          <a:p>
+            <a:r>
+              <a:rPr lang="en-US" sz="2100" dirty="0"/>
+              <a:t>Functional PLs use heap allocation</a:t>
+            </a:r>
+          </a:p>
+        </p:txBody>
+      </p:sp>
+      <p:sp>
+        <p:nvSpPr>
+          <p:cNvPr id="5" name="Slide Number Placeholder 5"/>
+          <p:cNvSpPr>
+            <a:spLocks noGrp="1"/>
+          </p:cNvSpPr>
+          <p:nvPr>
+            <p:ph type="sldNum" sz="quarter" idx="12"/>
+          </p:nvPr>
+        </p:nvSpPr>
+        <p:spPr/>
+        <p:txBody>
+          <a:bodyPr/>
+          <a:lstStyle/>
+          <a:p>
+            <a:fld id="{57F2DFEC-14F2-6543-828C-982591103638}" type="slidenum">
+              <a:rPr lang="en-US"/>
+              <a:pPr/>
+              <a:t>38</a:t>
+            </a:fld>
+            <a:endParaRPr lang="en-US"/>
+          </a:p>
+        </p:txBody>
+      </p:sp>
+    </p:spTree>
+    <p:extLst>
+      <p:ext uri="{BB962C8B-B14F-4D97-AF65-F5344CB8AC3E}">
+        <p14:creationId xmlns:p14="http://schemas.microsoft.com/office/powerpoint/2010/main" val="781215852"/>
+      </p:ext>
+    </p:extLst>
+  </p:cSld>
+  <p:clrMapOvr>
+    <a:masterClrMapping/>
+  </p:clrMapOvr>
+</p:sld>
+</file>
+
+<file path=ppt/slides/slide39.xml><?xml version="1.0" encoding="utf-8"?>
+<p:sld xmlns:a="http://schemas.openxmlformats.org/drawingml/2006/main" xmlns:r="http://schemas.openxmlformats.org/officeDocument/2006/relationships" xmlns:p="http://schemas.openxmlformats.org/presentationml/2006/main">
+  <p:cSld>
+    <p:spTree>
+      <p:nvGrpSpPr>
+        <p:cNvPr id="1" name=""/>
+        <p:cNvGrpSpPr/>
+        <p:nvPr/>
+      </p:nvGrpSpPr>
+      <p:grpSpPr>
+        <a:xfrm>
+          <a:off x="0" y="0"/>
+          <a:ext cx="0" cy="0"/>
+          <a:chOff x="0" y="0"/>
+          <a:chExt cx="0" cy="0"/>
+        </a:xfrm>
+      </p:grpSpPr>
+      <p:sp>
+        <p:nvSpPr>
+          <p:cNvPr id="2" name="Title 1">
+            <a:extLst>
+              <a:ext uri="{FF2B5EF4-FFF2-40B4-BE49-F238E27FC236}">
+                <a16:creationId xmlns:a16="http://schemas.microsoft.com/office/drawing/2014/main" id="{A9C0F391-9B97-344E-BEBE-477BB5835328}"/>
+              </a:ext>
+            </a:extLst>
+          </p:cNvPr>
+          <p:cNvSpPr>
+            <a:spLocks noGrp="1"/>
+          </p:cNvSpPr>
+          <p:nvPr>
+            <p:ph type="title"/>
+          </p:nvPr>
+        </p:nvSpPr>
+        <p:spPr/>
+        <p:txBody>
+          <a:bodyPr/>
+          <a:lstStyle/>
+          <a:p>
+            <a:r>
+              <a:rPr lang="en-US" dirty="0"/>
+              <a:t>Extra Slides</a:t>
+            </a:r>
+          </a:p>
+        </p:txBody>
+      </p:sp>
+    </p:spTree>
+    <p:extLst>
+      <p:ext uri="{BB962C8B-B14F-4D97-AF65-F5344CB8AC3E}">
+        <p14:creationId xmlns:p14="http://schemas.microsoft.com/office/powerpoint/2010/main" val="4243513599"/>
+      </p:ext>
+    </p:extLst>
+  </p:cSld>
+  <p:clrMapOvr>
+    <a:masterClrMapping/>
+  </p:clrMapOvr>
 </p:sld>
 </file>
 
@@ -31082,433 +30271,6 @@
 </file>
 
 <file path=ppt/slides/slide40.xml><?xml version="1.0" encoding="utf-8"?>
-<p:sld xmlns:a="http://schemas.openxmlformats.org/drawingml/2006/main" xmlns:r="http://schemas.openxmlformats.org/officeDocument/2006/relationships" xmlns:p="http://schemas.openxmlformats.org/presentationml/2006/main">
-  <p:cSld>
-    <p:spTree>
-      <p:nvGrpSpPr>
-        <p:cNvPr id="1" name=""/>
-        <p:cNvGrpSpPr/>
-        <p:nvPr/>
-      </p:nvGrpSpPr>
-      <p:grpSpPr>
-        <a:xfrm>
-          <a:off x="0" y="0"/>
-          <a:ext cx="0" cy="0"/>
-          <a:chOff x="0" y="0"/>
-          <a:chExt cx="0" cy="0"/>
-        </a:xfrm>
-      </p:grpSpPr>
-      <p:sp>
-        <p:nvSpPr>
-          <p:cNvPr id="2" name="Title 1"/>
-          <p:cNvSpPr>
-            <a:spLocks noGrp="1"/>
-          </p:cNvSpPr>
-          <p:nvPr>
-            <p:ph type="title"/>
-          </p:nvPr>
-        </p:nvSpPr>
-        <p:spPr/>
-        <p:txBody>
-          <a:bodyPr/>
-          <a:lstStyle/>
-          <a:p>
-            <a:r>
-              <a:rPr lang="en-CA" dirty="0"/>
-              <a:t>Padding</a:t>
-            </a:r>
-          </a:p>
-        </p:txBody>
-      </p:sp>
-      <p:sp>
-        <p:nvSpPr>
-          <p:cNvPr id="3" name="Content Placeholder 2"/>
-          <p:cNvSpPr>
-            <a:spLocks noGrp="1"/>
-          </p:cNvSpPr>
-          <p:nvPr>
-            <p:ph idx="1"/>
-          </p:nvPr>
-        </p:nvSpPr>
-        <p:spPr/>
-        <p:txBody>
-          <a:bodyPr/>
-          <a:lstStyle/>
-          <a:p>
-            <a:r>
-              <a:rPr lang="en-CA" dirty="0"/>
-              <a:t>Compilers may insert unused bytes called "padding bytes" after structure members to ensure that each member is appropriately aligned.</a:t>
-            </a:r>
-          </a:p>
-          <a:p>
-            <a:pPr marL="685800" lvl="2" indent="0">
-              <a:buNone/>
-            </a:pPr>
-            <a:r>
-              <a:rPr lang="en-CA" dirty="0" err="1">
-                <a:latin typeface="Consolas" panose="020B0609020204030204" pitchFamily="49" charset="0"/>
-                <a:cs typeface="Consolas" panose="020B0609020204030204" pitchFamily="49" charset="0"/>
-              </a:rPr>
-              <a:t>struct</a:t>
-            </a:r>
-            <a:r>
-              <a:rPr lang="en-CA" dirty="0">
-                <a:latin typeface="Consolas" panose="020B0609020204030204" pitchFamily="49" charset="0"/>
-                <a:cs typeface="Consolas" panose="020B0609020204030204" pitchFamily="49" charset="0"/>
-              </a:rPr>
-              <a:t> widget {</a:t>
-            </a:r>
-          </a:p>
-          <a:p>
-            <a:pPr marL="685800" lvl="2" indent="0">
-              <a:buNone/>
-            </a:pPr>
-            <a:r>
-              <a:rPr lang="en-CA" dirty="0">
-                <a:latin typeface="Consolas" panose="020B0609020204030204" pitchFamily="49" charset="0"/>
-                <a:cs typeface="Consolas" panose="020B0609020204030204" pitchFamily="49" charset="0"/>
-              </a:rPr>
-              <a:t>    char m1;</a:t>
-            </a:r>
-          </a:p>
-          <a:p>
-            <a:pPr marL="685800" lvl="2" indent="0">
-              <a:buNone/>
-            </a:pPr>
-            <a:r>
-              <a:rPr lang="en-CA" dirty="0">
-                <a:latin typeface="Consolas" panose="020B0609020204030204" pitchFamily="49" charset="0"/>
-                <a:cs typeface="Consolas" panose="020B0609020204030204" pitchFamily="49" charset="0"/>
-              </a:rPr>
-              <a:t>    </a:t>
-            </a:r>
-            <a:r>
-              <a:rPr lang="en-CA" dirty="0" err="1">
-                <a:latin typeface="Consolas" panose="020B0609020204030204" pitchFamily="49" charset="0"/>
-                <a:cs typeface="Consolas" panose="020B0609020204030204" pitchFamily="49" charset="0"/>
-              </a:rPr>
-              <a:t>int</a:t>
-            </a:r>
-            <a:r>
-              <a:rPr lang="en-CA" dirty="0">
-                <a:latin typeface="Consolas" panose="020B0609020204030204" pitchFamily="49" charset="0"/>
-                <a:cs typeface="Consolas" panose="020B0609020204030204" pitchFamily="49" charset="0"/>
-              </a:rPr>
-              <a:t> m2;</a:t>
-            </a:r>
-          </a:p>
-          <a:p>
-            <a:pPr marL="685800" lvl="2" indent="0">
-              <a:buNone/>
-            </a:pPr>
-            <a:r>
-              <a:rPr lang="en-CA" dirty="0">
-                <a:latin typeface="Consolas" panose="020B0609020204030204" pitchFamily="49" charset="0"/>
-                <a:cs typeface="Consolas" panose="020B0609020204030204" pitchFamily="49" charset="0"/>
-              </a:rPr>
-              <a:t>    char m3;</a:t>
-            </a:r>
-          </a:p>
-          <a:p>
-            <a:pPr marL="685800" lvl="2" indent="0">
-              <a:buNone/>
-            </a:pPr>
-            <a:r>
-              <a:rPr lang="en-CA" dirty="0">
-                <a:latin typeface="Consolas" panose="020B0609020204030204" pitchFamily="49" charset="0"/>
-                <a:cs typeface="Consolas" panose="020B0609020204030204" pitchFamily="49" charset="0"/>
-              </a:rPr>
-              <a:t>};</a:t>
-            </a:r>
-          </a:p>
-          <a:p>
-            <a:pPr marL="342900" lvl="1" indent="0">
-              <a:buNone/>
-            </a:pPr>
-            <a:endParaRPr lang="en-CA" dirty="0"/>
-          </a:p>
-        </p:txBody>
-      </p:sp>
-      <p:sp>
-        <p:nvSpPr>
-          <p:cNvPr id="5" name="Slide Number Placeholder 4"/>
-          <p:cNvSpPr>
-            <a:spLocks noGrp="1"/>
-          </p:cNvSpPr>
-          <p:nvPr>
-            <p:ph type="sldNum" sz="quarter" idx="12"/>
-          </p:nvPr>
-        </p:nvSpPr>
-        <p:spPr/>
-        <p:txBody>
-          <a:bodyPr/>
-          <a:lstStyle/>
-          <a:p>
-            <a:fld id="{EFA508D8-6740-FE46-95CC-F1012A7A27C5}" type="slidenum">
-              <a:rPr lang="en-US" smtClean="0"/>
-              <a:pPr/>
-              <a:t>40</a:t>
-            </a:fld>
-            <a:endParaRPr lang="en-US"/>
-          </a:p>
-        </p:txBody>
-      </p:sp>
-      <p:sp>
-        <p:nvSpPr>
-          <p:cNvPr id="6" name="TextBox 5"/>
-          <p:cNvSpPr txBox="1"/>
-          <p:nvPr/>
-        </p:nvSpPr>
-        <p:spPr>
-          <a:xfrm>
-            <a:off x="4301970" y="3291683"/>
-            <a:ext cx="3024336" cy="923330"/>
-          </a:xfrm>
-          <a:prstGeom prst="rect">
-            <a:avLst/>
-          </a:prstGeom>
-          <a:noFill/>
-        </p:spPr>
-        <p:txBody>
-          <a:bodyPr wrap="square" rtlCol="0">
-            <a:spAutoFit/>
-          </a:bodyPr>
-          <a:lstStyle/>
-          <a:p>
-            <a:r>
-              <a:rPr lang="en-CA" sz="1800" dirty="0">
-                <a:solidFill>
-                  <a:schemeClr val="accent2"/>
-                </a:solidFill>
-                <a:latin typeface="Calibri" panose="020F0502020204030204" pitchFamily="34" charset="0"/>
-              </a:rPr>
-              <a:t>On a word aligned machine:</a:t>
-            </a:r>
-          </a:p>
-          <a:p>
-            <a:r>
-              <a:rPr lang="en-CA" sz="1800" dirty="0">
-                <a:solidFill>
-                  <a:schemeClr val="accent2"/>
-                </a:solidFill>
-                <a:latin typeface="Calibri" panose="020F0502020204030204" pitchFamily="34" charset="0"/>
-              </a:rPr>
-              <a:t>add 3 bytes of padding </a:t>
-            </a:r>
-          </a:p>
-          <a:p>
-            <a:r>
-              <a:rPr lang="en-CA" sz="1800" dirty="0">
-                <a:solidFill>
-                  <a:schemeClr val="accent2"/>
-                </a:solidFill>
-                <a:latin typeface="Calibri" panose="020F0502020204030204" pitchFamily="34" charset="0"/>
-              </a:rPr>
-              <a:t>after m1 and m3</a:t>
-            </a:r>
-          </a:p>
-        </p:txBody>
-      </p:sp>
-    </p:spTree>
-    <p:extLst>
-      <p:ext uri="{BB962C8B-B14F-4D97-AF65-F5344CB8AC3E}">
-        <p14:creationId xmlns:p14="http://schemas.microsoft.com/office/powerpoint/2010/main" val="2312361512"/>
-      </p:ext>
-    </p:extLst>
-  </p:cSld>
-  <p:clrMapOvr>
-    <a:masterClrMapping/>
-  </p:clrMapOvr>
-</p:sld>
-</file>
-
-<file path=ppt/slides/slide41.xml><?xml version="1.0" encoding="utf-8"?>
-<p:sld xmlns:a="http://schemas.openxmlformats.org/drawingml/2006/main" xmlns:r="http://schemas.openxmlformats.org/officeDocument/2006/relationships" xmlns:p="http://schemas.openxmlformats.org/presentationml/2006/main">
-  <p:cSld>
-    <p:spTree>
-      <p:nvGrpSpPr>
-        <p:cNvPr id="1" name=""/>
-        <p:cNvGrpSpPr/>
-        <p:nvPr/>
-      </p:nvGrpSpPr>
-      <p:grpSpPr>
-        <a:xfrm>
-          <a:off x="0" y="0"/>
-          <a:ext cx="0" cy="0"/>
-          <a:chOff x="0" y="0"/>
-          <a:chExt cx="0" cy="0"/>
-        </a:xfrm>
-      </p:grpSpPr>
-      <p:sp>
-        <p:nvSpPr>
-          <p:cNvPr id="99330" name="Rectangle 2"/>
-          <p:cNvSpPr>
-            <a:spLocks noGrp="1" noChangeArrowheads="1"/>
-          </p:cNvSpPr>
-          <p:nvPr>
-            <p:ph type="title"/>
-          </p:nvPr>
-        </p:nvSpPr>
-        <p:spPr/>
-        <p:txBody>
-          <a:bodyPr/>
-          <a:lstStyle/>
-          <a:p>
-            <a:r>
-              <a:rPr lang="en-US"/>
-              <a:t>Summary</a:t>
-            </a:r>
-          </a:p>
-        </p:txBody>
-      </p:sp>
-      <p:sp>
-        <p:nvSpPr>
-          <p:cNvPr id="99331" name="Rectangle 3"/>
-          <p:cNvSpPr>
-            <a:spLocks noGrp="1" noChangeArrowheads="1"/>
-          </p:cNvSpPr>
-          <p:nvPr>
-            <p:ph idx="1"/>
-          </p:nvPr>
-        </p:nvSpPr>
-        <p:spPr/>
-        <p:txBody>
-          <a:bodyPr/>
-          <a:lstStyle/>
-          <a:p>
-            <a:r>
-              <a:rPr lang="en-US" sz="2100" dirty="0"/>
-              <a:t>Run-time support for functions</a:t>
-            </a:r>
-          </a:p>
-          <a:p>
-            <a:r>
-              <a:rPr lang="en-US" sz="2100" dirty="0"/>
-              <a:t>Dealing with (potentially infinite) recursion</a:t>
-            </a:r>
-          </a:p>
-          <a:p>
-            <a:r>
-              <a:rPr lang="en-US" sz="2100" dirty="0"/>
-              <a:t>Activation records for each function invocation</a:t>
-            </a:r>
-          </a:p>
-          <a:p>
-            <a:r>
-              <a:rPr lang="en-US" sz="2100" dirty="0"/>
-              <a:t>Storage allocation for activation records in recursive function calls</a:t>
-            </a:r>
-          </a:p>
-          <a:p>
-            <a:r>
-              <a:rPr lang="en-US" sz="2100" dirty="0"/>
-              <a:t>Stack allocation is easiest to implement while retaining recursion</a:t>
-            </a:r>
-          </a:p>
-          <a:p>
-            <a:r>
-              <a:rPr lang="en-US" sz="2100" dirty="0"/>
-              <a:t>Functional PLs use heap allocation</a:t>
-            </a:r>
-          </a:p>
-        </p:txBody>
-      </p:sp>
-      <p:sp>
-        <p:nvSpPr>
-          <p:cNvPr id="5" name="Slide Number Placeholder 5"/>
-          <p:cNvSpPr>
-            <a:spLocks noGrp="1"/>
-          </p:cNvSpPr>
-          <p:nvPr>
-            <p:ph type="sldNum" sz="quarter" idx="12"/>
-          </p:nvPr>
-        </p:nvSpPr>
-        <p:spPr/>
-        <p:txBody>
-          <a:bodyPr/>
-          <a:lstStyle/>
-          <a:p>
-            <a:fld id="{57F2DFEC-14F2-6543-828C-982591103638}" type="slidenum">
-              <a:rPr lang="en-US"/>
-              <a:pPr/>
-              <a:t>41</a:t>
-            </a:fld>
-            <a:endParaRPr lang="en-US"/>
-          </a:p>
-        </p:txBody>
-      </p:sp>
-    </p:spTree>
-    <p:extLst>
-      <p:ext uri="{BB962C8B-B14F-4D97-AF65-F5344CB8AC3E}">
-        <p14:creationId xmlns:p14="http://schemas.microsoft.com/office/powerpoint/2010/main" val="781215852"/>
-      </p:ext>
-    </p:extLst>
-  </p:cSld>
-  <p:clrMapOvr>
-    <a:masterClrMapping/>
-  </p:clrMapOvr>
-</p:sld>
-</file>
-
-<file path=ppt/slides/slide42.xml><?xml version="1.0" encoding="utf-8"?>
-<p:sld xmlns:a="http://schemas.openxmlformats.org/drawingml/2006/main" xmlns:r="http://schemas.openxmlformats.org/officeDocument/2006/relationships" xmlns:p="http://schemas.openxmlformats.org/presentationml/2006/main">
-  <p:cSld>
-    <p:spTree>
-      <p:nvGrpSpPr>
-        <p:cNvPr id="1" name=""/>
-        <p:cNvGrpSpPr/>
-        <p:nvPr/>
-      </p:nvGrpSpPr>
-      <p:grpSpPr>
-        <a:xfrm>
-          <a:off x="0" y="0"/>
-          <a:ext cx="0" cy="0"/>
-          <a:chOff x="0" y="0"/>
-          <a:chExt cx="0" cy="0"/>
-        </a:xfrm>
-      </p:grpSpPr>
-      <p:sp>
-        <p:nvSpPr>
-          <p:cNvPr id="2" name="Title 1">
-            <a:extLst>
-              <a:ext uri="{FF2B5EF4-FFF2-40B4-BE49-F238E27FC236}">
-                <a16:creationId xmlns:a16="http://schemas.microsoft.com/office/drawing/2014/main" id="{A9C0F391-9B97-344E-BEBE-477BB5835328}"/>
-              </a:ext>
-            </a:extLst>
-          </p:cNvPr>
-          <p:cNvSpPr>
-            <a:spLocks noGrp="1"/>
-          </p:cNvSpPr>
-          <p:nvPr>
-            <p:ph type="title"/>
-          </p:nvPr>
-        </p:nvSpPr>
-        <p:spPr/>
-        <p:txBody>
-          <a:bodyPr/>
-          <a:lstStyle/>
-          <a:p>
-            <a:r>
-              <a:rPr lang="en-US" dirty="0"/>
-              <a:t>Extra Slides</a:t>
-            </a:r>
-          </a:p>
-        </p:txBody>
-      </p:sp>
-    </p:spTree>
-    <p:extLst>
-      <p:ext uri="{BB962C8B-B14F-4D97-AF65-F5344CB8AC3E}">
-        <p14:creationId xmlns:p14="http://schemas.microsoft.com/office/powerpoint/2010/main" val="4243513599"/>
-      </p:ext>
-    </p:extLst>
-  </p:cSld>
-  <p:clrMapOvr>
-    <a:masterClrMapping/>
-  </p:clrMapOvr>
-</p:sld>
-</file>
-
-<file path=ppt/slides/slide43.xml><?xml version="1.0" encoding="utf-8"?>
 <p:sld xmlns:a="http://schemas.openxmlformats.org/drawingml/2006/main" xmlns:r="http://schemas.openxmlformats.org/officeDocument/2006/relationships" xmlns:p="http://schemas.openxmlformats.org/presentationml/2006/main" showMasterPhAnim="0">
   <p:cSld>
     <p:spTree>
@@ -31643,7 +30405,7 @@
             <a:fld id="{7325C795-7DAB-B442-B639-80218F73E84D}" type="slidenum">
               <a:rPr lang="en-US"/>
               <a:pPr/>
-              <a:t>43</a:t>
+              <a:t>40</a:t>
             </a:fld>
             <a:endParaRPr lang="en-US"/>
           </a:p>
@@ -31935,7 +30697,7 @@
 </p:sld>
 </file>
 
-<file path=ppt/slides/slide44.xml><?xml version="1.0" encoding="utf-8"?>
+<file path=ppt/slides/slide41.xml><?xml version="1.0" encoding="utf-8"?>
 <p:sld xmlns:a="http://schemas.openxmlformats.org/drawingml/2006/main" xmlns:r="http://schemas.openxmlformats.org/officeDocument/2006/relationships" xmlns:p="http://schemas.openxmlformats.org/presentationml/2006/main" showMasterPhAnim="0">
   <p:cSld>
     <p:spTree>
@@ -32056,7 +30818,7 @@
             <a:fld id="{FA10C18A-94F5-2042-80F6-19625B7C0DC1}" type="slidenum">
               <a:rPr lang="en-US"/>
               <a:pPr/>
-              <a:t>44</a:t>
+              <a:t>41</a:t>
             </a:fld>
             <a:endParaRPr lang="en-US"/>
           </a:p>
@@ -32397,7 +31159,7 @@
 </p:sld>
 </file>
 
-<file path=ppt/slides/slide45.xml><?xml version="1.0" encoding="utf-8"?>
+<file path=ppt/slides/slide42.xml><?xml version="1.0" encoding="utf-8"?>
 <p:sld xmlns:a="http://schemas.openxmlformats.org/drawingml/2006/main" xmlns:r="http://schemas.openxmlformats.org/officeDocument/2006/relationships" xmlns:p="http://schemas.openxmlformats.org/presentationml/2006/main" showMasterPhAnim="0">
   <p:cSld>
     <p:spTree>
@@ -32525,7 +31287,7 @@
             <a:fld id="{981EF993-54B0-C34A-8C1A-2BD3CF04B331}" type="slidenum">
               <a:rPr lang="en-US"/>
               <a:pPr/>
-              <a:t>45</a:t>
+              <a:t>42</a:t>
             </a:fld>
             <a:endParaRPr lang="en-US"/>
           </a:p>
@@ -32817,7 +31579,7 @@
 </p:sld>
 </file>
 
-<file path=ppt/slides/slide46.xml><?xml version="1.0" encoding="utf-8"?>
+<file path=ppt/slides/slide43.xml><?xml version="1.0" encoding="utf-8"?>
 <p:sld xmlns:a="http://schemas.openxmlformats.org/drawingml/2006/main" xmlns:r="http://schemas.openxmlformats.org/officeDocument/2006/relationships" xmlns:p="http://schemas.openxmlformats.org/presentationml/2006/main">
   <p:cSld>
     <p:spTree>
@@ -33159,7 +31921,7 @@
             <a:fld id="{065D022C-57C6-3245-B0A5-C2956BEBABCC}" type="slidenum">
               <a:rPr lang="en-US"/>
               <a:pPr/>
-              <a:t>46</a:t>
+              <a:t>43</a:t>
             </a:fld>
             <a:endParaRPr lang="en-US"/>
           </a:p>
@@ -33173,7 +31935,7 @@
 </p:sld>
 </file>
 
-<file path=ppt/slides/slide47.xml><?xml version="1.0" encoding="utf-8"?>
+<file path=ppt/slides/slide44.xml><?xml version="1.0" encoding="utf-8"?>
 <p:sld xmlns:a="http://schemas.openxmlformats.org/drawingml/2006/main" xmlns:r="http://schemas.openxmlformats.org/officeDocument/2006/relationships" xmlns:p="http://schemas.openxmlformats.org/presentationml/2006/main" showMasterPhAnim="0">
   <p:cSld>
     <p:spTree>
@@ -33385,7 +32147,7 @@
             <a:fld id="{1FF25E63-21E9-EF4B-9E1D-2B243800535E}" type="slidenum">
               <a:rPr lang="en-US"/>
               <a:pPr/>
-              <a:t>47</a:t>
+              <a:t>44</a:t>
             </a:fld>
             <a:endParaRPr lang="en-US"/>
           </a:p>
@@ -34164,6 +32926,1246 @@
 </p:sld>
 </file>
 
+<file path=ppt/slides/slide45.xml><?xml version="1.0" encoding="utf-8"?>
+<p:sld xmlns:a="http://schemas.openxmlformats.org/drawingml/2006/main" xmlns:r="http://schemas.openxmlformats.org/officeDocument/2006/relationships" xmlns:p="http://schemas.openxmlformats.org/presentationml/2006/main">
+  <p:cSld>
+    <p:spTree>
+      <p:nvGrpSpPr>
+        <p:cNvPr id="1" name=""/>
+        <p:cNvGrpSpPr/>
+        <p:nvPr/>
+      </p:nvGrpSpPr>
+      <p:grpSpPr>
+        <a:xfrm>
+          <a:off x="0" y="0"/>
+          <a:ext cx="0" cy="0"/>
+          <a:chOff x="0" y="0"/>
+          <a:chExt cx="0" cy="0"/>
+        </a:xfrm>
+      </p:grpSpPr>
+      <p:sp>
+        <p:nvSpPr>
+          <p:cNvPr id="87042" name="Rectangle 2"/>
+          <p:cNvSpPr>
+            <a:spLocks noGrp="1" noChangeArrowheads="1"/>
+          </p:cNvSpPr>
+          <p:nvPr>
+            <p:ph type="title"/>
+          </p:nvPr>
+        </p:nvSpPr>
+        <p:spPr/>
+        <p:txBody>
+          <a:bodyPr/>
+          <a:lstStyle/>
+          <a:p>
+            <a:r>
+              <a:rPr lang="en-US" dirty="0"/>
+              <a:t>MIPS Stack frame</a:t>
+            </a:r>
+          </a:p>
+        </p:txBody>
+      </p:sp>
+      <p:sp>
+        <p:nvSpPr>
+          <p:cNvPr id="5" name="Slide Number Placeholder 4"/>
+          <p:cNvSpPr>
+            <a:spLocks noGrp="1"/>
+          </p:cNvSpPr>
+          <p:nvPr>
+            <p:ph type="sldNum" sz="quarter" idx="12"/>
+          </p:nvPr>
+        </p:nvSpPr>
+        <p:spPr/>
+        <p:txBody>
+          <a:bodyPr/>
+          <a:lstStyle/>
+          <a:p>
+            <a:fld id="{8A393549-EAF5-6541-9573-246DD75762A5}" type="slidenum">
+              <a:rPr lang="en-US"/>
+              <a:pPr/>
+              <a:t>45</a:t>
+            </a:fld>
+            <a:endParaRPr lang="en-US"/>
+          </a:p>
+        </p:txBody>
+      </p:sp>
+      <p:pic>
+        <p:nvPicPr>
+          <p:cNvPr id="87044" name="Picture 4"/>
+          <p:cNvPicPr>
+            <a:picLocks noChangeAspect="1" noChangeArrowheads="1"/>
+          </p:cNvPicPr>
+          <p:nvPr/>
+        </p:nvPicPr>
+        <p:blipFill>
+          <a:blip r:embed="rId3"/>
+          <a:srcRect/>
+          <a:stretch>
+            <a:fillRect/>
+          </a:stretch>
+        </p:blipFill>
+        <p:spPr bwMode="auto">
+          <a:xfrm>
+            <a:off x="2171700" y="1143000"/>
+            <a:ext cx="4972050" cy="3873104"/>
+          </a:xfrm>
+          <a:prstGeom prst="rect">
+            <a:avLst/>
+          </a:prstGeom>
+          <a:noFill/>
+          <a:ln w="9525">
+            <a:noFill/>
+            <a:miter lim="800000"/>
+            <a:headEnd/>
+            <a:tailEnd/>
+          </a:ln>
+          <a:effectLst/>
+        </p:spPr>
+      </p:pic>
+      <p:sp>
+        <p:nvSpPr>
+          <p:cNvPr id="6" name="Rounded Rectangular Callout 5"/>
+          <p:cNvSpPr/>
+          <p:nvPr/>
+        </p:nvSpPr>
+        <p:spPr bwMode="auto">
+          <a:xfrm>
+            <a:off x="1314450" y="1657350"/>
+            <a:ext cx="1485900" cy="457200"/>
+          </a:xfrm>
+          <a:prstGeom prst="wedgeRoundRectCallout">
+            <a:avLst>
+              <a:gd name="adj1" fmla="val 28965"/>
+              <a:gd name="adj2" fmla="val 69220"/>
+              <a:gd name="adj3" fmla="val 16667"/>
+            </a:avLst>
+          </a:prstGeom>
+          <a:solidFill>
+            <a:schemeClr val="accent5">
+              <a:lumMod val="40000"/>
+              <a:lumOff val="60000"/>
+            </a:schemeClr>
+          </a:solidFill>
+          <a:ln w="9525" cap="flat" cmpd="sng" algn="ctr">
+            <a:solidFill>
+              <a:schemeClr val="tx1"/>
+            </a:solidFill>
+            <a:prstDash val="solid"/>
+            <a:round/>
+            <a:headEnd type="none" w="med" len="med"/>
+            <a:tailEnd type="none" w="med" len="med"/>
+          </a:ln>
+          <a:effectLst/>
+        </p:spPr>
+        <p:txBody>
+          <a:bodyPr vert="horz" wrap="square" lIns="68580" tIns="34290" rIns="68580" bIns="34290" numCol="1" rtlCol="0" anchor="t" anchorCtr="0" compatLnSpc="1">
+            <a:prstTxWarp prst="textNoShape">
+              <a:avLst/>
+            </a:prstTxWarp>
+            <a:normAutofit fontScale="92500"/>
+          </a:bodyPr>
+          <a:lstStyle/>
+          <a:p>
+            <a:pPr defTabSz="685800"/>
+            <a:r>
+              <a:rPr lang="en-US" sz="1800" dirty="0">
+                <a:latin typeface="Calibri" panose="020F0502020204030204" pitchFamily="34" charset="0"/>
+              </a:rPr>
+              <a:t>Frame pointer</a:t>
+            </a:r>
+          </a:p>
+        </p:txBody>
+      </p:sp>
+      <p:sp>
+        <p:nvSpPr>
+          <p:cNvPr id="7" name="Rounded Rectangular Callout 6"/>
+          <p:cNvSpPr/>
+          <p:nvPr/>
+        </p:nvSpPr>
+        <p:spPr bwMode="auto">
+          <a:xfrm>
+            <a:off x="1314450" y="4114800"/>
+            <a:ext cx="1485900" cy="457200"/>
+          </a:xfrm>
+          <a:prstGeom prst="wedgeRoundRectCallout">
+            <a:avLst>
+              <a:gd name="adj1" fmla="val 28965"/>
+              <a:gd name="adj2" fmla="val 69220"/>
+              <a:gd name="adj3" fmla="val 16667"/>
+            </a:avLst>
+          </a:prstGeom>
+          <a:solidFill>
+            <a:schemeClr val="accent5">
+              <a:lumMod val="40000"/>
+              <a:lumOff val="60000"/>
+            </a:schemeClr>
+          </a:solidFill>
+          <a:ln w="9525" cap="flat" cmpd="sng" algn="ctr">
+            <a:solidFill>
+              <a:schemeClr val="tx1"/>
+            </a:solidFill>
+            <a:prstDash val="solid"/>
+            <a:round/>
+            <a:headEnd type="none" w="med" len="med"/>
+            <a:tailEnd type="none" w="med" len="med"/>
+          </a:ln>
+          <a:effectLst/>
+        </p:spPr>
+        <p:txBody>
+          <a:bodyPr vert="horz" wrap="square" lIns="68580" tIns="34290" rIns="68580" bIns="34290" numCol="1" rtlCol="0" anchor="t" anchorCtr="0" compatLnSpc="1">
+            <a:prstTxWarp prst="textNoShape">
+              <a:avLst/>
+            </a:prstTxWarp>
+            <a:normAutofit/>
+          </a:bodyPr>
+          <a:lstStyle/>
+          <a:p>
+            <a:pPr defTabSz="685800"/>
+            <a:r>
+              <a:rPr lang="en-US" sz="1800" dirty="0">
+                <a:latin typeface="Calibri" panose="020F0502020204030204" pitchFamily="34" charset="0"/>
+              </a:rPr>
+              <a:t>Stack pointer</a:t>
+            </a:r>
+          </a:p>
+        </p:txBody>
+      </p:sp>
+      <p:sp>
+        <p:nvSpPr>
+          <p:cNvPr id="8" name="Rounded Rectangular Callout 7"/>
+          <p:cNvSpPr/>
+          <p:nvPr/>
+        </p:nvSpPr>
+        <p:spPr bwMode="auto">
+          <a:xfrm>
+            <a:off x="5143500" y="1761660"/>
+            <a:ext cx="2514600" cy="1314450"/>
+          </a:xfrm>
+          <a:prstGeom prst="wedgeRoundRectCallout">
+            <a:avLst>
+              <a:gd name="adj1" fmla="val -61567"/>
+              <a:gd name="adj2" fmla="val -20174"/>
+              <a:gd name="adj3" fmla="val 16667"/>
+            </a:avLst>
+          </a:prstGeom>
+          <a:solidFill>
+            <a:schemeClr val="accent5">
+              <a:lumMod val="40000"/>
+              <a:lumOff val="60000"/>
+            </a:schemeClr>
+          </a:solidFill>
+          <a:ln w="9525" cap="flat" cmpd="sng" algn="ctr">
+            <a:solidFill>
+              <a:schemeClr val="tx1"/>
+            </a:solidFill>
+            <a:prstDash val="solid"/>
+            <a:round/>
+            <a:headEnd type="none" w="med" len="med"/>
+            <a:tailEnd type="none" w="med" len="med"/>
+          </a:ln>
+          <a:effectLst/>
+        </p:spPr>
+        <p:txBody>
+          <a:bodyPr vert="horz" wrap="square" lIns="68580" tIns="34290" rIns="68580" bIns="34290" numCol="1" rtlCol="0" anchor="t" anchorCtr="0" compatLnSpc="1">
+            <a:prstTxWarp prst="textNoShape">
+              <a:avLst/>
+            </a:prstTxWarp>
+            <a:normAutofit/>
+          </a:bodyPr>
+          <a:lstStyle/>
+          <a:p>
+            <a:pPr defTabSz="685800"/>
+            <a:r>
+              <a:rPr lang="en-US" sz="1800" dirty="0">
+                <a:latin typeface="Calibri" panose="020F0502020204030204" pitchFamily="34" charset="0"/>
+              </a:rPr>
+              <a:t>In MIPS, Argument 1-4 are provided to the function in registers $a0-$a3</a:t>
+            </a:r>
+          </a:p>
+        </p:txBody>
+      </p:sp>
+      <p:sp>
+        <p:nvSpPr>
+          <p:cNvPr id="9" name="Rounded Rectangular Callout 8"/>
+          <p:cNvSpPr/>
+          <p:nvPr/>
+        </p:nvSpPr>
+        <p:spPr bwMode="auto">
+          <a:xfrm>
+            <a:off x="5926956" y="3597865"/>
+            <a:ext cx="1615375" cy="594065"/>
+          </a:xfrm>
+          <a:prstGeom prst="wedgeRoundRectCallout">
+            <a:avLst>
+              <a:gd name="adj1" fmla="val -62230"/>
+              <a:gd name="adj2" fmla="val -56250"/>
+              <a:gd name="adj3" fmla="val 16667"/>
+            </a:avLst>
+          </a:prstGeom>
+          <a:solidFill>
+            <a:schemeClr val="accent5">
+              <a:lumMod val="40000"/>
+              <a:lumOff val="60000"/>
+            </a:schemeClr>
+          </a:solidFill>
+          <a:ln w="9525" cap="flat" cmpd="sng" algn="ctr">
+            <a:solidFill>
+              <a:schemeClr val="tx1"/>
+            </a:solidFill>
+            <a:prstDash val="solid"/>
+            <a:round/>
+            <a:headEnd type="none" w="med" len="med"/>
+            <a:tailEnd type="none" w="med" len="med"/>
+          </a:ln>
+          <a:effectLst/>
+        </p:spPr>
+        <p:txBody>
+          <a:bodyPr vert="horz" wrap="square" lIns="68580" tIns="34290" rIns="68580" bIns="34290" numCol="1" rtlCol="0" anchor="t" anchorCtr="0" compatLnSpc="1">
+            <a:prstTxWarp prst="textNoShape">
+              <a:avLst/>
+            </a:prstTxWarp>
+            <a:normAutofit fontScale="92500" lnSpcReduction="10000"/>
+          </a:bodyPr>
+          <a:lstStyle/>
+          <a:p>
+            <a:pPr defTabSz="685800"/>
+            <a:r>
+              <a:rPr lang="en-US" sz="1800" dirty="0">
+                <a:latin typeface="Calibri" panose="020F0502020204030204" pitchFamily="34" charset="0"/>
+              </a:rPr>
+              <a:t>Return address in $</a:t>
+            </a:r>
+            <a:r>
+              <a:rPr lang="en-US" sz="1800" dirty="0" err="1">
+                <a:latin typeface="Calibri" panose="020F0502020204030204" pitchFamily="34" charset="0"/>
+              </a:rPr>
+              <a:t>ra</a:t>
+            </a:r>
+            <a:endParaRPr lang="en-US" sz="1800" dirty="0">
+              <a:latin typeface="Calibri" panose="020F0502020204030204" pitchFamily="34" charset="0"/>
+            </a:endParaRPr>
+          </a:p>
+        </p:txBody>
+      </p:sp>
+    </p:spTree>
+    <p:extLst>
+      <p:ext uri="{BB962C8B-B14F-4D97-AF65-F5344CB8AC3E}">
+        <p14:creationId xmlns:p14="http://schemas.microsoft.com/office/powerpoint/2010/main" val="561117814"/>
+      </p:ext>
+    </p:extLst>
+  </p:cSld>
+  <p:clrMapOvr>
+    <a:masterClrMapping/>
+  </p:clrMapOvr>
+  <p:timing>
+    <p:tnLst>
+      <p:par>
+        <p:cTn id="1" dur="indefinite" restart="never" nodeType="tmRoot">
+          <p:childTnLst>
+            <p:seq concurrent="1" nextAc="seek">
+              <p:cTn id="2" dur="indefinite" nodeType="mainSeq">
+                <p:childTnLst>
+                  <p:par>
+                    <p:cTn id="3" fill="hold">
+                      <p:stCondLst>
+                        <p:cond delay="indefinite"/>
+                      </p:stCondLst>
+                      <p:childTnLst>
+                        <p:par>
+                          <p:cTn id="4" fill="hold">
+                            <p:stCondLst>
+                              <p:cond delay="0"/>
+                            </p:stCondLst>
+                            <p:childTnLst>
+                              <p:par>
+                                <p:cTn id="5" presetID="1" presetClass="entr" presetSubtype="0" fill="hold" grpId="0" nodeType="clickEffect">
+                                  <p:stCondLst>
+                                    <p:cond delay="0"/>
+                                  </p:stCondLst>
+                                  <p:childTnLst>
+                                    <p:set>
+                                      <p:cBhvr>
+                                        <p:cTn id="6" dur="1" fill="hold">
+                                          <p:stCondLst>
+                                            <p:cond delay="0"/>
+                                          </p:stCondLst>
+                                        </p:cTn>
+                                        <p:tgtEl>
+                                          <p:spTgt spid="6"/>
+                                        </p:tgtEl>
+                                        <p:attrNameLst>
+                                          <p:attrName>style.visibility</p:attrName>
+                                        </p:attrNameLst>
+                                      </p:cBhvr>
+                                      <p:to>
+                                        <p:strVal val="visible"/>
+                                      </p:to>
+                                    </p:set>
+                                  </p:childTnLst>
+                                </p:cTn>
+                              </p:par>
+                            </p:childTnLst>
+                          </p:cTn>
+                        </p:par>
+                      </p:childTnLst>
+                    </p:cTn>
+                  </p:par>
+                  <p:par>
+                    <p:cTn id="7" fill="hold">
+                      <p:stCondLst>
+                        <p:cond delay="indefinite"/>
+                      </p:stCondLst>
+                      <p:childTnLst>
+                        <p:par>
+                          <p:cTn id="8" fill="hold">
+                            <p:stCondLst>
+                              <p:cond delay="0"/>
+                            </p:stCondLst>
+                            <p:childTnLst>
+                              <p:par>
+                                <p:cTn id="9" presetID="1" presetClass="entr" presetSubtype="0" fill="hold" grpId="0" nodeType="clickEffect">
+                                  <p:stCondLst>
+                                    <p:cond delay="0"/>
+                                  </p:stCondLst>
+                                  <p:childTnLst>
+                                    <p:set>
+                                      <p:cBhvr>
+                                        <p:cTn id="10" dur="1" fill="hold">
+                                          <p:stCondLst>
+                                            <p:cond delay="0"/>
+                                          </p:stCondLst>
+                                        </p:cTn>
+                                        <p:tgtEl>
+                                          <p:spTgt spid="7"/>
+                                        </p:tgtEl>
+                                        <p:attrNameLst>
+                                          <p:attrName>style.visibility</p:attrName>
+                                        </p:attrNameLst>
+                                      </p:cBhvr>
+                                      <p:to>
+                                        <p:strVal val="visible"/>
+                                      </p:to>
+                                    </p:set>
+                                  </p:childTnLst>
+                                </p:cTn>
+                              </p:par>
+                            </p:childTnLst>
+                          </p:cTn>
+                        </p:par>
+                      </p:childTnLst>
+                    </p:cTn>
+                  </p:par>
+                  <p:par>
+                    <p:cTn id="11" fill="hold">
+                      <p:stCondLst>
+                        <p:cond delay="indefinite"/>
+                      </p:stCondLst>
+                      <p:childTnLst>
+                        <p:par>
+                          <p:cTn id="12" fill="hold">
+                            <p:stCondLst>
+                              <p:cond delay="0"/>
+                            </p:stCondLst>
+                            <p:childTnLst>
+                              <p:par>
+                                <p:cTn id="13" presetID="1" presetClass="entr" presetSubtype="0" fill="hold" grpId="0" nodeType="clickEffect">
+                                  <p:stCondLst>
+                                    <p:cond delay="0"/>
+                                  </p:stCondLst>
+                                  <p:childTnLst>
+                                    <p:set>
+                                      <p:cBhvr>
+                                        <p:cTn id="14" dur="1" fill="hold">
+                                          <p:stCondLst>
+                                            <p:cond delay="0"/>
+                                          </p:stCondLst>
+                                        </p:cTn>
+                                        <p:tgtEl>
+                                          <p:spTgt spid="8"/>
+                                        </p:tgtEl>
+                                        <p:attrNameLst>
+                                          <p:attrName>style.visibility</p:attrName>
+                                        </p:attrNameLst>
+                                      </p:cBhvr>
+                                      <p:to>
+                                        <p:strVal val="visible"/>
+                                      </p:to>
+                                    </p:set>
+                                  </p:childTnLst>
+                                </p:cTn>
+                              </p:par>
+                            </p:childTnLst>
+                          </p:cTn>
+                        </p:par>
+                      </p:childTnLst>
+                    </p:cTn>
+                  </p:par>
+                  <p:par>
+                    <p:cTn id="15" fill="hold">
+                      <p:stCondLst>
+                        <p:cond delay="indefinite"/>
+                      </p:stCondLst>
+                      <p:childTnLst>
+                        <p:par>
+                          <p:cTn id="16" fill="hold">
+                            <p:stCondLst>
+                              <p:cond delay="0"/>
+                            </p:stCondLst>
+                            <p:childTnLst>
+                              <p:par>
+                                <p:cTn id="17" presetID="1" presetClass="entr" presetSubtype="0" fill="hold" grpId="0" nodeType="clickEffect">
+                                  <p:stCondLst>
+                                    <p:cond delay="0"/>
+                                  </p:stCondLst>
+                                  <p:childTnLst>
+                                    <p:set>
+                                      <p:cBhvr>
+                                        <p:cTn id="18" dur="1" fill="hold">
+                                          <p:stCondLst>
+                                            <p:cond delay="0"/>
+                                          </p:stCondLst>
+                                        </p:cTn>
+                                        <p:tgtEl>
+                                          <p:spTgt spid="9"/>
+                                        </p:tgtEl>
+                                        <p:attrNameLst>
+                                          <p:attrName>style.visibility</p:attrName>
+                                        </p:attrNameLst>
+                                      </p:cBhvr>
+                                      <p:to>
+                                        <p:strVal val="visible"/>
+                                      </p:to>
+                                    </p:set>
+                                  </p:childTnLst>
+                                </p:cTn>
+                              </p:par>
+                            </p:childTnLst>
+                          </p:cTn>
+                        </p:par>
+                      </p:childTnLst>
+                    </p:cTn>
+                  </p:par>
+                </p:childTnLst>
+              </p:cTn>
+              <p:prevCondLst>
+                <p:cond evt="onPrev" delay="0">
+                  <p:tgtEl>
+                    <p:sldTgt/>
+                  </p:tgtEl>
+                </p:cond>
+              </p:prevCondLst>
+              <p:nextCondLst>
+                <p:cond evt="onNext" delay="0">
+                  <p:tgtEl>
+                    <p:sldTgt/>
+                  </p:tgtEl>
+                </p:cond>
+              </p:nextCondLst>
+            </p:seq>
+          </p:childTnLst>
+        </p:cTn>
+      </p:par>
+    </p:tnLst>
+    <p:bldLst>
+      <p:bldP spid="6" grpId="0" animBg="1"/>
+      <p:bldP spid="7" grpId="0" animBg="1"/>
+      <p:bldP spid="8" grpId="0" animBg="1"/>
+      <p:bldP spid="9" grpId="0" animBg="1"/>
+    </p:bldLst>
+  </p:timing>
+</p:sld>
+</file>
+
+<file path=ppt/slides/slide46.xml><?xml version="1.0" encoding="utf-8"?>
+<p:sld xmlns:a="http://schemas.openxmlformats.org/drawingml/2006/main" xmlns:r="http://schemas.openxmlformats.org/officeDocument/2006/relationships" xmlns:p="http://schemas.openxmlformats.org/presentationml/2006/main">
+  <p:cSld>
+    <p:spTree>
+      <p:nvGrpSpPr>
+        <p:cNvPr id="1" name=""/>
+        <p:cNvGrpSpPr/>
+        <p:nvPr/>
+      </p:nvGrpSpPr>
+      <p:grpSpPr>
+        <a:xfrm>
+          <a:off x="0" y="0"/>
+          <a:ext cx="0" cy="0"/>
+          <a:chOff x="0" y="0"/>
+          <a:chExt cx="0" cy="0"/>
+        </a:xfrm>
+      </p:grpSpPr>
+      <p:sp>
+        <p:nvSpPr>
+          <p:cNvPr id="4" name="Slide Number Placeholder 3"/>
+          <p:cNvSpPr>
+            <a:spLocks noGrp="1"/>
+          </p:cNvSpPr>
+          <p:nvPr>
+            <p:ph type="sldNum" sz="quarter" idx="12"/>
+          </p:nvPr>
+        </p:nvSpPr>
+        <p:spPr/>
+        <p:txBody>
+          <a:bodyPr/>
+          <a:lstStyle/>
+          <a:p>
+            <a:fld id="{60E1BFF4-DB76-D940-A65B-72E1BC4F90EC}" type="slidenum">
+              <a:rPr lang="en-US" smtClean="0"/>
+              <a:pPr/>
+              <a:t>46</a:t>
+            </a:fld>
+            <a:endParaRPr lang="en-US"/>
+          </a:p>
+        </p:txBody>
+      </p:sp>
+      <p:sp>
+        <p:nvSpPr>
+          <p:cNvPr id="6" name="TextBox 5"/>
+          <p:cNvSpPr txBox="1"/>
+          <p:nvPr/>
+        </p:nvSpPr>
+        <p:spPr>
+          <a:xfrm>
+            <a:off x="791580" y="309592"/>
+            <a:ext cx="7560840" cy="4524315"/>
+          </a:xfrm>
+          <a:prstGeom prst="rect">
+            <a:avLst/>
+          </a:prstGeom>
+          <a:noFill/>
+        </p:spPr>
+        <p:txBody>
+          <a:bodyPr wrap="square" rtlCol="0">
+            <a:spAutoFit/>
+          </a:bodyPr>
+          <a:lstStyle/>
+          <a:p>
+            <a:r>
+              <a:rPr lang="en-US" sz="1800" dirty="0">
+                <a:latin typeface="Consolas" panose="020B0609020204030204" pitchFamily="49" charset="0"/>
+                <a:cs typeface="Consolas" panose="020B0609020204030204" pitchFamily="49" charset="0"/>
+              </a:rPr>
+              <a:t>#include &lt;</a:t>
+            </a:r>
+            <a:r>
+              <a:rPr lang="en-US" sz="1800" dirty="0" err="1">
+                <a:latin typeface="Consolas" panose="020B0609020204030204" pitchFamily="49" charset="0"/>
+                <a:cs typeface="Consolas" panose="020B0609020204030204" pitchFamily="49" charset="0"/>
+              </a:rPr>
+              <a:t>stdio.h</a:t>
+            </a:r>
+            <a:r>
+              <a:rPr lang="en-US" sz="1800" dirty="0">
+                <a:latin typeface="Consolas" panose="020B0609020204030204" pitchFamily="49" charset="0"/>
+                <a:cs typeface="Consolas" panose="020B0609020204030204" pitchFamily="49" charset="0"/>
+              </a:rPr>
+              <a:t>&gt;</a:t>
+            </a:r>
+          </a:p>
+          <a:p>
+            <a:endParaRPr lang="en-US" sz="1800" dirty="0">
+              <a:latin typeface="Consolas" panose="020B0609020204030204" pitchFamily="49" charset="0"/>
+              <a:cs typeface="Consolas" panose="020B0609020204030204" pitchFamily="49" charset="0"/>
+            </a:endParaRPr>
+          </a:p>
+          <a:p>
+            <a:r>
+              <a:rPr lang="en-US" sz="1800" dirty="0">
+                <a:latin typeface="Consolas" panose="020B0609020204030204" pitchFamily="49" charset="0"/>
+                <a:cs typeface="Consolas" panose="020B0609020204030204" pitchFamily="49" charset="0"/>
+              </a:rPr>
+              <a:t>main () </a:t>
+            </a:r>
+          </a:p>
+          <a:p>
+            <a:r>
+              <a:rPr lang="en-US" sz="1800" dirty="0">
+                <a:latin typeface="Consolas" panose="020B0609020204030204" pitchFamily="49" charset="0"/>
+                <a:cs typeface="Consolas" panose="020B0609020204030204" pitchFamily="49" charset="0"/>
+              </a:rPr>
+              <a:t>{ </a:t>
+            </a:r>
+          </a:p>
+          <a:p>
+            <a:r>
+              <a:rPr lang="en-US" sz="1800" dirty="0">
+                <a:latin typeface="Consolas" panose="020B0609020204030204" pitchFamily="49" charset="0"/>
+                <a:cs typeface="Consolas" panose="020B0609020204030204" pitchFamily="49" charset="0"/>
+              </a:rPr>
+              <a:t>      </a:t>
+            </a:r>
+            <a:r>
+              <a:rPr lang="en-US" sz="1800" dirty="0" err="1">
+                <a:latin typeface="Consolas" panose="020B0609020204030204" pitchFamily="49" charset="0"/>
+                <a:cs typeface="Consolas" panose="020B0609020204030204" pitchFamily="49" charset="0"/>
+              </a:rPr>
+              <a:t>int</a:t>
+            </a:r>
+            <a:r>
+              <a:rPr lang="en-US" sz="1800" dirty="0">
+                <a:latin typeface="Consolas" panose="020B0609020204030204" pitchFamily="49" charset="0"/>
+                <a:cs typeface="Consolas" panose="020B0609020204030204" pitchFamily="49" charset="0"/>
+              </a:rPr>
+              <a:t> </a:t>
+            </a:r>
+            <a:r>
+              <a:rPr lang="en-US" sz="1800" dirty="0" err="1">
+                <a:latin typeface="Consolas" panose="020B0609020204030204" pitchFamily="49" charset="0"/>
+                <a:cs typeface="Consolas" panose="020B0609020204030204" pitchFamily="49" charset="0"/>
+              </a:rPr>
+              <a:t>n</a:t>
+            </a:r>
+            <a:r>
+              <a:rPr lang="en-US" sz="1800" dirty="0">
+                <a:latin typeface="Consolas" panose="020B0609020204030204" pitchFamily="49" charset="0"/>
+                <a:cs typeface="Consolas" panose="020B0609020204030204" pitchFamily="49" charset="0"/>
+              </a:rPr>
+              <a:t> = 10;</a:t>
+            </a:r>
+          </a:p>
+          <a:p>
+            <a:r>
+              <a:rPr lang="en-US" sz="1800" dirty="0">
+                <a:latin typeface="Consolas" panose="020B0609020204030204" pitchFamily="49" charset="0"/>
+                <a:cs typeface="Consolas" panose="020B0609020204030204" pitchFamily="49" charset="0"/>
+              </a:rPr>
+              <a:t>      </a:t>
+            </a:r>
+            <a:r>
+              <a:rPr lang="en-US" sz="1800" dirty="0" err="1">
+                <a:latin typeface="Consolas" panose="020B0609020204030204" pitchFamily="49" charset="0"/>
+                <a:cs typeface="Consolas" panose="020B0609020204030204" pitchFamily="49" charset="0"/>
+              </a:rPr>
+              <a:t>printf("The</a:t>
+            </a:r>
+            <a:r>
+              <a:rPr lang="en-US" sz="1800" dirty="0">
+                <a:latin typeface="Consolas" panose="020B0609020204030204" pitchFamily="49" charset="0"/>
+                <a:cs typeface="Consolas" panose="020B0609020204030204" pitchFamily="49" charset="0"/>
+              </a:rPr>
+              <a:t> factorial of 10 is %</a:t>
+            </a:r>
+            <a:r>
+              <a:rPr lang="en-US" sz="1800" dirty="0" err="1">
+                <a:latin typeface="Consolas" panose="020B0609020204030204" pitchFamily="49" charset="0"/>
+                <a:cs typeface="Consolas" panose="020B0609020204030204" pitchFamily="49" charset="0"/>
+              </a:rPr>
+              <a:t>d\n</a:t>
+            </a:r>
+            <a:r>
+              <a:rPr lang="en-US" sz="1800" dirty="0">
+                <a:latin typeface="Consolas" panose="020B0609020204030204" pitchFamily="49" charset="0"/>
+                <a:cs typeface="Consolas" panose="020B0609020204030204" pitchFamily="49" charset="0"/>
+              </a:rPr>
+              <a:t>", </a:t>
+            </a:r>
+            <a:r>
+              <a:rPr lang="en-US" sz="1800" dirty="0" err="1">
+                <a:latin typeface="Consolas" panose="020B0609020204030204" pitchFamily="49" charset="0"/>
+                <a:cs typeface="Consolas" panose="020B0609020204030204" pitchFamily="49" charset="0"/>
+              </a:rPr>
+              <a:t>fact(n</a:t>
+            </a:r>
+            <a:r>
+              <a:rPr lang="en-US" sz="1800" dirty="0">
+                <a:latin typeface="Consolas" panose="020B0609020204030204" pitchFamily="49" charset="0"/>
+                <a:cs typeface="Consolas" panose="020B0609020204030204" pitchFamily="49" charset="0"/>
+              </a:rPr>
+              <a:t>)); </a:t>
+            </a:r>
+          </a:p>
+          <a:p>
+            <a:r>
+              <a:rPr lang="en-US" sz="1800" dirty="0">
+                <a:latin typeface="Consolas" panose="020B0609020204030204" pitchFamily="49" charset="0"/>
+                <a:cs typeface="Consolas" panose="020B0609020204030204" pitchFamily="49" charset="0"/>
+              </a:rPr>
+              <a:t>} </a:t>
+            </a:r>
+          </a:p>
+          <a:p>
+            <a:endParaRPr lang="en-US" sz="1800" dirty="0">
+              <a:latin typeface="Consolas" panose="020B0609020204030204" pitchFamily="49" charset="0"/>
+              <a:cs typeface="Consolas" panose="020B0609020204030204" pitchFamily="49" charset="0"/>
+            </a:endParaRPr>
+          </a:p>
+          <a:p>
+            <a:r>
+              <a:rPr lang="en-US" sz="1800" dirty="0" err="1">
+                <a:latin typeface="Consolas" panose="020B0609020204030204" pitchFamily="49" charset="0"/>
+                <a:cs typeface="Consolas" panose="020B0609020204030204" pitchFamily="49" charset="0"/>
+              </a:rPr>
+              <a:t>int</a:t>
+            </a:r>
+            <a:r>
+              <a:rPr lang="en-US" sz="1800" dirty="0">
+                <a:latin typeface="Consolas" panose="020B0609020204030204" pitchFamily="49" charset="0"/>
+                <a:cs typeface="Consolas" panose="020B0609020204030204" pitchFamily="49" charset="0"/>
+              </a:rPr>
+              <a:t> fact (</a:t>
+            </a:r>
+            <a:r>
+              <a:rPr lang="en-US" sz="1800" dirty="0" err="1">
+                <a:latin typeface="Consolas" panose="020B0609020204030204" pitchFamily="49" charset="0"/>
+                <a:cs typeface="Consolas" panose="020B0609020204030204" pitchFamily="49" charset="0"/>
+              </a:rPr>
+              <a:t>int</a:t>
+            </a:r>
+            <a:r>
+              <a:rPr lang="en-US" sz="1800" dirty="0">
+                <a:latin typeface="Consolas" panose="020B0609020204030204" pitchFamily="49" charset="0"/>
+                <a:cs typeface="Consolas" panose="020B0609020204030204" pitchFamily="49" charset="0"/>
+              </a:rPr>
+              <a:t> </a:t>
+            </a:r>
+            <a:r>
+              <a:rPr lang="en-US" sz="1800" dirty="0" err="1">
+                <a:latin typeface="Consolas" panose="020B0609020204030204" pitchFamily="49" charset="0"/>
+                <a:cs typeface="Consolas" panose="020B0609020204030204" pitchFamily="49" charset="0"/>
+              </a:rPr>
+              <a:t>n</a:t>
+            </a:r>
+            <a:r>
+              <a:rPr lang="en-US" sz="1800" dirty="0">
+                <a:latin typeface="Consolas" panose="020B0609020204030204" pitchFamily="49" charset="0"/>
+                <a:cs typeface="Consolas" panose="020B0609020204030204" pitchFamily="49" charset="0"/>
+              </a:rPr>
+              <a:t>) </a:t>
+            </a:r>
+          </a:p>
+          <a:p>
+            <a:r>
+              <a:rPr lang="en-US" sz="1800" dirty="0">
+                <a:latin typeface="Consolas" panose="020B0609020204030204" pitchFamily="49" charset="0"/>
+                <a:cs typeface="Consolas" panose="020B0609020204030204" pitchFamily="49" charset="0"/>
+              </a:rPr>
+              <a:t>{ </a:t>
+            </a:r>
+          </a:p>
+          <a:p>
+            <a:r>
+              <a:rPr lang="en-US" sz="1800" dirty="0">
+                <a:latin typeface="Consolas" panose="020B0609020204030204" pitchFamily="49" charset="0"/>
+                <a:cs typeface="Consolas" panose="020B0609020204030204" pitchFamily="49" charset="0"/>
+              </a:rPr>
+              <a:t>      if (</a:t>
+            </a:r>
+            <a:r>
+              <a:rPr lang="en-US" sz="1800" dirty="0" err="1">
+                <a:latin typeface="Consolas" panose="020B0609020204030204" pitchFamily="49" charset="0"/>
+                <a:cs typeface="Consolas" panose="020B0609020204030204" pitchFamily="49" charset="0"/>
+              </a:rPr>
+              <a:t>n</a:t>
+            </a:r>
+            <a:r>
+              <a:rPr lang="en-US" sz="1800" dirty="0">
+                <a:latin typeface="Consolas" panose="020B0609020204030204" pitchFamily="49" charset="0"/>
+                <a:cs typeface="Consolas" panose="020B0609020204030204" pitchFamily="49" charset="0"/>
+              </a:rPr>
+              <a:t> &lt; 1) </a:t>
+            </a:r>
+          </a:p>
+          <a:p>
+            <a:r>
+              <a:rPr lang="en-US" sz="1800" dirty="0">
+                <a:latin typeface="Consolas" panose="020B0609020204030204" pitchFamily="49" charset="0"/>
+                <a:cs typeface="Consolas" panose="020B0609020204030204" pitchFamily="49" charset="0"/>
+              </a:rPr>
+              <a:t>            return(1); </a:t>
+            </a:r>
+          </a:p>
+          <a:p>
+            <a:r>
+              <a:rPr lang="en-US" sz="1800" dirty="0">
+                <a:latin typeface="Consolas" panose="020B0609020204030204" pitchFamily="49" charset="0"/>
+                <a:cs typeface="Consolas" panose="020B0609020204030204" pitchFamily="49" charset="0"/>
+              </a:rPr>
+              <a:t>      else </a:t>
+            </a:r>
+          </a:p>
+          <a:p>
+            <a:r>
+              <a:rPr lang="en-US" sz="1800" dirty="0">
+                <a:latin typeface="Consolas" panose="020B0609020204030204" pitchFamily="49" charset="0"/>
+                <a:cs typeface="Consolas" panose="020B0609020204030204" pitchFamily="49" charset="0"/>
+              </a:rPr>
+              <a:t>            </a:t>
+            </a:r>
+            <a:r>
+              <a:rPr lang="en-US" sz="1800" dirty="0" err="1">
+                <a:latin typeface="Consolas" panose="020B0609020204030204" pitchFamily="49" charset="0"/>
+                <a:cs typeface="Consolas" panose="020B0609020204030204" pitchFamily="49" charset="0"/>
+              </a:rPr>
+              <a:t>return(n</a:t>
+            </a:r>
+            <a:r>
+              <a:rPr lang="en-US" sz="1800" dirty="0">
+                <a:latin typeface="Consolas" panose="020B0609020204030204" pitchFamily="49" charset="0"/>
+                <a:cs typeface="Consolas" panose="020B0609020204030204" pitchFamily="49" charset="0"/>
+              </a:rPr>
+              <a:t> * </a:t>
+            </a:r>
+            <a:r>
+              <a:rPr lang="en-US" sz="1800" dirty="0" err="1">
+                <a:latin typeface="Consolas" panose="020B0609020204030204" pitchFamily="49" charset="0"/>
+                <a:cs typeface="Consolas" panose="020B0609020204030204" pitchFamily="49" charset="0"/>
+              </a:rPr>
+              <a:t>fact(n</a:t>
+            </a:r>
+            <a:r>
+              <a:rPr lang="en-US" sz="1800" dirty="0">
+                <a:latin typeface="Consolas" panose="020B0609020204030204" pitchFamily="49" charset="0"/>
+                <a:cs typeface="Consolas" panose="020B0609020204030204" pitchFamily="49" charset="0"/>
+              </a:rPr>
+              <a:t> - 1)); </a:t>
+            </a:r>
+          </a:p>
+          <a:p>
+            <a:r>
+              <a:rPr lang="en-US" sz="1800" dirty="0">
+                <a:latin typeface="Consolas" panose="020B0609020204030204" pitchFamily="49" charset="0"/>
+                <a:cs typeface="Consolas" panose="020B0609020204030204" pitchFamily="49" charset="0"/>
+              </a:rPr>
+              <a:t>} </a:t>
+            </a:r>
+          </a:p>
+          <a:p>
+            <a:endParaRPr lang="en-US" sz="1800" dirty="0" err="1">
+              <a:latin typeface="Consolas" panose="020B0609020204030204" pitchFamily="49" charset="0"/>
+              <a:cs typeface="Consolas" panose="020B0609020204030204" pitchFamily="49" charset="0"/>
+            </a:endParaRPr>
+          </a:p>
+        </p:txBody>
+      </p:sp>
+    </p:spTree>
+    <p:extLst>
+      <p:ext uri="{BB962C8B-B14F-4D97-AF65-F5344CB8AC3E}">
+        <p14:creationId xmlns:p14="http://schemas.microsoft.com/office/powerpoint/2010/main" val="2254468117"/>
+      </p:ext>
+    </p:extLst>
+  </p:cSld>
+  <p:clrMapOvr>
+    <a:masterClrMapping/>
+  </p:clrMapOvr>
+</p:sld>
+</file>
+
+<file path=ppt/slides/slide47.xml><?xml version="1.0" encoding="utf-8"?>
+<p:sld xmlns:a="http://schemas.openxmlformats.org/drawingml/2006/main" xmlns:r="http://schemas.openxmlformats.org/officeDocument/2006/relationships" xmlns:p="http://schemas.openxmlformats.org/presentationml/2006/main">
+  <p:cSld>
+    <p:spTree>
+      <p:nvGrpSpPr>
+        <p:cNvPr id="1" name=""/>
+        <p:cNvGrpSpPr/>
+        <p:nvPr/>
+      </p:nvGrpSpPr>
+      <p:grpSpPr>
+        <a:xfrm>
+          <a:off x="0" y="0"/>
+          <a:ext cx="0" cy="0"/>
+          <a:chOff x="0" y="0"/>
+          <a:chExt cx="0" cy="0"/>
+        </a:xfrm>
+      </p:grpSpPr>
+      <p:sp>
+        <p:nvSpPr>
+          <p:cNvPr id="4" name="Slide Number Placeholder 3"/>
+          <p:cNvSpPr>
+            <a:spLocks noGrp="1"/>
+          </p:cNvSpPr>
+          <p:nvPr>
+            <p:ph type="sldNum" sz="quarter" idx="12"/>
+          </p:nvPr>
+        </p:nvSpPr>
+        <p:spPr/>
+        <p:txBody>
+          <a:bodyPr/>
+          <a:lstStyle/>
+          <a:p>
+            <a:fld id="{9AC591AD-4D89-CD47-B3D5-BB1C3EB73C69}" type="slidenum">
+              <a:rPr lang="en-US"/>
+              <a:pPr/>
+              <a:t>47</a:t>
+            </a:fld>
+            <a:endParaRPr lang="en-US"/>
+          </a:p>
+        </p:txBody>
+      </p:sp>
+      <p:pic>
+        <p:nvPicPr>
+          <p:cNvPr id="95236" name="Picture 4"/>
+          <p:cNvPicPr>
+            <a:picLocks noChangeAspect="1" noChangeArrowheads="1"/>
+          </p:cNvPicPr>
+          <p:nvPr/>
+        </p:nvPicPr>
+        <p:blipFill>
+          <a:blip r:embed="rId3"/>
+          <a:srcRect/>
+          <a:stretch>
+            <a:fillRect/>
+          </a:stretch>
+        </p:blipFill>
+        <p:spPr bwMode="auto">
+          <a:xfrm>
+            <a:off x="3674994" y="0"/>
+            <a:ext cx="3543300" cy="5143500"/>
+          </a:xfrm>
+          <a:prstGeom prst="rect">
+            <a:avLst/>
+          </a:prstGeom>
+          <a:noFill/>
+          <a:ln w="9525">
+            <a:noFill/>
+            <a:miter lim="800000"/>
+            <a:headEnd/>
+            <a:tailEnd/>
+          </a:ln>
+          <a:effectLst/>
+        </p:spPr>
+      </p:pic>
+      <p:sp>
+        <p:nvSpPr>
+          <p:cNvPr id="2" name="Rounded Rectangular Callout 1"/>
+          <p:cNvSpPr/>
+          <p:nvPr/>
+        </p:nvSpPr>
+        <p:spPr bwMode="auto">
+          <a:xfrm>
+            <a:off x="1385647" y="1851670"/>
+            <a:ext cx="2135345" cy="486906"/>
+          </a:xfrm>
+          <a:prstGeom prst="wedgeRoundRectCallout">
+            <a:avLst>
+              <a:gd name="adj1" fmla="val 64075"/>
+              <a:gd name="adj2" fmla="val -31361"/>
+              <a:gd name="adj3" fmla="val 16667"/>
+            </a:avLst>
+          </a:prstGeom>
+          <a:solidFill>
+            <a:schemeClr val="accent5">
+              <a:lumMod val="40000"/>
+              <a:lumOff val="60000"/>
+            </a:schemeClr>
+          </a:solidFill>
+          <a:ln w="9525" cap="flat" cmpd="sng" algn="ctr">
+            <a:solidFill>
+              <a:schemeClr val="tx1"/>
+            </a:solidFill>
+            <a:prstDash val="solid"/>
+            <a:round/>
+            <a:headEnd type="none" w="med" len="med"/>
+            <a:tailEnd type="none" w="med" len="med"/>
+          </a:ln>
+          <a:effectLst/>
+        </p:spPr>
+        <p:txBody>
+          <a:bodyPr vert="horz" wrap="square" lIns="68580" tIns="34290" rIns="68580" bIns="34290" numCol="1" rtlCol="0" anchor="t" anchorCtr="0" compatLnSpc="1">
+            <a:prstTxWarp prst="textNoShape">
+              <a:avLst/>
+            </a:prstTxWarp>
+          </a:bodyPr>
+          <a:lstStyle/>
+          <a:p>
+            <a:pPr defTabSz="685800"/>
+            <a:r>
+              <a:rPr lang="en-CA" sz="1500" dirty="0">
+                <a:latin typeface="Calibri" panose="020F0502020204030204" pitchFamily="34" charset="0"/>
+              </a:rPr>
+              <a:t>return address in main</a:t>
+            </a:r>
+          </a:p>
+        </p:txBody>
+      </p:sp>
+      <p:sp>
+        <p:nvSpPr>
+          <p:cNvPr id="6" name="Rounded Rectangular Callout 5"/>
+          <p:cNvSpPr/>
+          <p:nvPr/>
+        </p:nvSpPr>
+        <p:spPr bwMode="auto">
+          <a:xfrm>
+            <a:off x="1385647" y="1167594"/>
+            <a:ext cx="2135345" cy="486906"/>
+          </a:xfrm>
+          <a:prstGeom prst="wedgeRoundRectCallout">
+            <a:avLst>
+              <a:gd name="adj1" fmla="val 67086"/>
+              <a:gd name="adj2" fmla="val 45665"/>
+              <a:gd name="adj3" fmla="val 16667"/>
+            </a:avLst>
+          </a:prstGeom>
+          <a:solidFill>
+            <a:schemeClr val="accent5">
+              <a:lumMod val="40000"/>
+              <a:lumOff val="60000"/>
+            </a:schemeClr>
+          </a:solidFill>
+          <a:ln w="9525" cap="flat" cmpd="sng" algn="ctr">
+            <a:solidFill>
+              <a:schemeClr val="tx1"/>
+            </a:solidFill>
+            <a:prstDash val="solid"/>
+            <a:round/>
+            <a:headEnd type="none" w="med" len="med"/>
+            <a:tailEnd type="none" w="med" len="med"/>
+          </a:ln>
+          <a:effectLst/>
+        </p:spPr>
+        <p:txBody>
+          <a:bodyPr vert="horz" wrap="square" lIns="68580" tIns="34290" rIns="68580" bIns="34290" numCol="1" rtlCol="0" anchor="t" anchorCtr="0" compatLnSpc="1">
+            <a:prstTxWarp prst="textNoShape">
+              <a:avLst/>
+            </a:prstTxWarp>
+          </a:bodyPr>
+          <a:lstStyle/>
+          <a:p>
+            <a:pPr defTabSz="685800"/>
+            <a:r>
+              <a:rPr lang="en-CA" sz="1500" dirty="0">
+                <a:latin typeface="Calibri" panose="020F0502020204030204" pitchFamily="34" charset="0"/>
+              </a:rPr>
+              <a:t>$a0(=10) saved in stack</a:t>
+            </a:r>
+          </a:p>
+        </p:txBody>
+      </p:sp>
+    </p:spTree>
+    <p:extLst>
+      <p:ext uri="{BB962C8B-B14F-4D97-AF65-F5344CB8AC3E}">
+        <p14:creationId xmlns:p14="http://schemas.microsoft.com/office/powerpoint/2010/main" val="3921522230"/>
+      </p:ext>
+    </p:extLst>
+  </p:cSld>
+  <p:clrMapOvr>
+    <a:masterClrMapping/>
+  </p:clrMapOvr>
+  <p:timing>
+    <p:tnLst>
+      <p:par>
+        <p:cTn id="1" dur="indefinite" restart="never" nodeType="tmRoot">
+          <p:childTnLst>
+            <p:seq concurrent="1" nextAc="seek">
+              <p:cTn id="2" dur="indefinite" nodeType="mainSeq">
+                <p:childTnLst>
+                  <p:par>
+                    <p:cTn id="3" fill="hold">
+                      <p:stCondLst>
+                        <p:cond delay="indefinite"/>
+                      </p:stCondLst>
+                      <p:childTnLst>
+                        <p:par>
+                          <p:cTn id="4" fill="hold">
+                            <p:stCondLst>
+                              <p:cond delay="0"/>
+                            </p:stCondLst>
+                            <p:childTnLst>
+                              <p:par>
+                                <p:cTn id="5" presetID="1" presetClass="entr" presetSubtype="0" fill="hold" grpId="0" nodeType="clickEffect">
+                                  <p:stCondLst>
+                                    <p:cond delay="0"/>
+                                  </p:stCondLst>
+                                  <p:childTnLst>
+                                    <p:set>
+                                      <p:cBhvr>
+                                        <p:cTn id="6" dur="1" fill="hold">
+                                          <p:stCondLst>
+                                            <p:cond delay="0"/>
+                                          </p:stCondLst>
+                                        </p:cTn>
+                                        <p:tgtEl>
+                                          <p:spTgt spid="2"/>
+                                        </p:tgtEl>
+                                        <p:attrNameLst>
+                                          <p:attrName>style.visibility</p:attrName>
+                                        </p:attrNameLst>
+                                      </p:cBhvr>
+                                      <p:to>
+                                        <p:strVal val="visible"/>
+                                      </p:to>
+                                    </p:set>
+                                  </p:childTnLst>
+                                </p:cTn>
+                              </p:par>
+                            </p:childTnLst>
+                          </p:cTn>
+                        </p:par>
+                      </p:childTnLst>
+                    </p:cTn>
+                  </p:par>
+                  <p:par>
+                    <p:cTn id="7" fill="hold">
+                      <p:stCondLst>
+                        <p:cond delay="indefinite"/>
+                      </p:stCondLst>
+                      <p:childTnLst>
+                        <p:par>
+                          <p:cTn id="8" fill="hold">
+                            <p:stCondLst>
+                              <p:cond delay="0"/>
+                            </p:stCondLst>
+                            <p:childTnLst>
+                              <p:par>
+                                <p:cTn id="9" presetID="1" presetClass="entr" presetSubtype="0" fill="hold" grpId="0" nodeType="clickEffect">
+                                  <p:stCondLst>
+                                    <p:cond delay="0"/>
+                                  </p:stCondLst>
+                                  <p:childTnLst>
+                                    <p:set>
+                                      <p:cBhvr>
+                                        <p:cTn id="10" dur="1" fill="hold">
+                                          <p:stCondLst>
+                                            <p:cond delay="0"/>
+                                          </p:stCondLst>
+                                        </p:cTn>
+                                        <p:tgtEl>
+                                          <p:spTgt spid="6"/>
+                                        </p:tgtEl>
+                                        <p:attrNameLst>
+                                          <p:attrName>style.visibility</p:attrName>
+                                        </p:attrNameLst>
+                                      </p:cBhvr>
+                                      <p:to>
+                                        <p:strVal val="visible"/>
+                                      </p:to>
+                                    </p:set>
+                                  </p:childTnLst>
+                                </p:cTn>
+                              </p:par>
+                            </p:childTnLst>
+                          </p:cTn>
+                        </p:par>
+                      </p:childTnLst>
+                    </p:cTn>
+                  </p:par>
+                </p:childTnLst>
+              </p:cTn>
+              <p:prevCondLst>
+                <p:cond evt="onPrev" delay="0">
+                  <p:tgtEl>
+                    <p:sldTgt/>
+                  </p:tgtEl>
+                </p:cond>
+              </p:prevCondLst>
+              <p:nextCondLst>
+                <p:cond evt="onNext" delay="0">
+                  <p:tgtEl>
+                    <p:sldTgt/>
+                  </p:tgtEl>
+                </p:cond>
+              </p:nextCondLst>
+            </p:seq>
+          </p:childTnLst>
+        </p:cTn>
+      </p:par>
+    </p:tnLst>
+    <p:bldLst>
+      <p:bldP spid="2" grpId="0" animBg="1"/>
+      <p:bldP spid="6" grpId="0" animBg="1"/>
+    </p:bldLst>
+  </p:timing>
+</p:sld>
+</file>
+
 <file path=ppt/slides/slide48.xml><?xml version="1.0" encoding="utf-8"?>
 <p:sld xmlns:a="http://schemas.openxmlformats.org/drawingml/2006/main" xmlns:r="http://schemas.openxmlformats.org/officeDocument/2006/relationships" xmlns:p="http://schemas.openxmlformats.org/presentationml/2006/main">
   <p:cSld>
@@ -34197,8 +34199,8 @@
           <a:lstStyle/>
           <a:p>
             <a:r>
-              <a:rPr lang="en-US"/>
-              <a:t>Run-time Memory</a:t>
+              <a:rPr lang="en-US" dirty="0"/>
+              <a:t>MIPS Run-time Memory</a:t>
             </a:r>
           </a:p>
         </p:txBody>
@@ -34301,8 +34303,8 @@
           <a:lstStyle/>
           <a:p>
             <a:r>
-              <a:rPr lang="en-US"/>
-              <a:t>Stack frame</a:t>
+              <a:rPr lang="en-US" dirty="0"/>
+              <a:t>MIPS Stack frame</a:t>
             </a:r>
           </a:p>
         </p:txBody>
@@ -34667,8 +34669,8 @@
           <a:lstStyle/>
           <a:p>
             <a:r>
-              <a:rPr lang="en-US"/>
-              <a:t>Example: MIPS stack frame</a:t>
+              <a:rPr lang="en-US" dirty="0"/>
+              <a:t>MIPS stack frame</a:t>
             </a:r>
           </a:p>
         </p:txBody>

--- a/assets/ppt/codegen/runtime.pptx
+++ b/assets/ppt/codegen/runtime.pptx
@@ -2574,7 +2574,7 @@
           <a:p>
             <a:fld id="{37508BEE-B66E-5E46-B50F-23B30D56323F}" type="datetime1">
               <a:rPr lang="en-CA" smtClean="0"/>
-              <a:t>2020-10-24</a:t>
+              <a:t>2020-10-25</a:t>
             </a:fld>
             <a:endParaRPr lang="en-US"/>
           </a:p>
@@ -2772,7 +2772,7 @@
           <a:p>
             <a:fld id="{94ED5F46-E862-7041-B839-1084A839C514}" type="datetime1">
               <a:rPr lang="en-CA" smtClean="0"/>
-              <a:t>2020-10-24</a:t>
+              <a:t>2020-10-25</a:t>
             </a:fld>
             <a:endParaRPr lang="en-US"/>
           </a:p>
@@ -2980,7 +2980,7 @@
           <a:p>
             <a:fld id="{A0755934-2EEA-454B-B47B-39481B16D93C}" type="datetime1">
               <a:rPr lang="en-CA" smtClean="0"/>
-              <a:t>2020-10-24</a:t>
+              <a:t>2020-10-25</a:t>
             </a:fld>
             <a:endParaRPr lang="en-US"/>
           </a:p>
@@ -4043,7 +4043,7 @@
           <a:p>
             <a:fld id="{33CDF6D5-475A-F046-87CA-412EB71D7141}" type="datetime1">
               <a:rPr lang="en-CA" smtClean="0"/>
-              <a:t>2020-10-24</a:t>
+              <a:t>2020-10-25</a:t>
             </a:fld>
             <a:endParaRPr/>
           </a:p>
@@ -4459,7 +4459,7 @@
           <a:p>
             <a:fld id="{BD806BE7-D4FF-0747-A46D-9D28D6793F9A}" type="datetime1">
               <a:rPr lang="en-CA" smtClean="0"/>
-              <a:t>2020-10-24</a:t>
+              <a:t>2020-10-25</a:t>
             </a:fld>
             <a:endParaRPr lang="en-US"/>
           </a:p>
@@ -4734,7 +4734,7 @@
           <a:p>
             <a:fld id="{FC112D8A-ADE8-E648-9A51-673455F77FA4}" type="datetime1">
               <a:rPr lang="en-CA" smtClean="0"/>
-              <a:t>2020-10-24</a:t>
+              <a:t>2020-10-25</a:t>
             </a:fld>
             <a:endParaRPr lang="en-US"/>
           </a:p>
@@ -4999,7 +4999,7 @@
           <a:p>
             <a:fld id="{A1C4D21D-FE66-404B-9D48-8813A41FDE83}" type="datetime1">
               <a:rPr lang="en-CA" smtClean="0"/>
-              <a:t>2020-10-24</a:t>
+              <a:t>2020-10-25</a:t>
             </a:fld>
             <a:endParaRPr lang="en-US"/>
           </a:p>
@@ -5411,7 +5411,7 @@
           <a:p>
             <a:fld id="{BC43913A-9187-9E4F-99AD-E5F9D3D715A1}" type="datetime1">
               <a:rPr lang="en-CA" smtClean="0"/>
-              <a:t>2020-10-24</a:t>
+              <a:t>2020-10-25</a:t>
             </a:fld>
             <a:endParaRPr lang="en-US"/>
           </a:p>
@@ -5552,7 +5552,7 @@
           <a:p>
             <a:fld id="{D640FCF0-750B-2849-A907-F64332DB8FEE}" type="datetime1">
               <a:rPr lang="en-CA" smtClean="0"/>
-              <a:t>2020-10-24</a:t>
+              <a:t>2020-10-25</a:t>
             </a:fld>
             <a:endParaRPr lang="en-US"/>
           </a:p>
@@ -5665,7 +5665,7 @@
           <a:p>
             <a:fld id="{C84DF663-3970-9B45-8274-AA8FABDA274B}" type="datetime1">
               <a:rPr lang="en-CA" smtClean="0"/>
-              <a:t>2020-10-24</a:t>
+              <a:t>2020-10-25</a:t>
             </a:fld>
             <a:endParaRPr lang="en-US"/>
           </a:p>
@@ -5976,7 +5976,7 @@
           <a:p>
             <a:fld id="{2EE809A3-0E53-524E-A233-B12C5DA91D99}" type="datetime1">
               <a:rPr lang="en-CA" smtClean="0"/>
-              <a:t>2020-10-24</a:t>
+              <a:t>2020-10-25</a:t>
             </a:fld>
             <a:endParaRPr lang="en-US"/>
           </a:p>
@@ -6264,7 +6264,7 @@
           <a:p>
             <a:fld id="{CBAFDF68-DD51-514E-B179-E22080947065}" type="datetime1">
               <a:rPr lang="en-CA" smtClean="0"/>
-              <a:t>2020-10-24</a:t>
+              <a:t>2020-10-25</a:t>
             </a:fld>
             <a:endParaRPr lang="en-US"/>
           </a:p>
@@ -6506,7 +6506,7 @@
           <a:p>
             <a:fld id="{CFB5B512-1C0B-5F4A-B1D8-07EED328189A}" type="datetime1">
               <a:rPr lang="en-CA" smtClean="0"/>
-              <a:t>2020-10-24</a:t>
+              <a:t>2020-10-25</a:t>
             </a:fld>
             <a:endParaRPr lang="en-US" dirty="0"/>
           </a:p>
@@ -6940,10 +6940,6 @@
           </p:nvPr>
         </p:nvSpPr>
         <p:spPr>
-          <a:xfrm>
-            <a:off x="1376781" y="781437"/>
-            <a:ext cx="6390450" cy="2052675"/>
-          </a:xfrm>
           <a:prstGeom prst="rect">
             <a:avLst/>
           </a:prstGeom>
@@ -6992,10 +6988,6 @@
           </p:nvPr>
         </p:nvSpPr>
         <p:spPr>
-          <a:xfrm>
-            <a:off x="1376775" y="2834114"/>
-            <a:ext cx="6390450" cy="1300500"/>
-          </a:xfrm>
           <a:prstGeom prst="rect">
             <a:avLst/>
           </a:prstGeom>
@@ -26584,16 +26576,6 @@
               <a:buNone/>
             </a:pPr>
             <a:r>
-              <a:rPr lang="en-CA" dirty="0" err="1">
-                <a:solidFill>
-                  <a:schemeClr val="accent2"/>
-                </a:solidFill>
-                <a:latin typeface="Consolas" panose="020B0609020204030204" pitchFamily="49" charset="0"/>
-                <a:cs typeface="Consolas" panose="020B0609020204030204" pitchFamily="49" charset="0"/>
-              </a:rPr>
-              <a:t>int</a:t>
-            </a:r>
-            <a:r>
               <a:rPr lang="en-CA" dirty="0">
                 <a:solidFill>
                   <a:schemeClr val="accent2"/>
@@ -26601,47 +26583,7 @@
                 <a:latin typeface="Consolas" panose="020B0609020204030204" pitchFamily="49" charset="0"/>
                 <a:cs typeface="Consolas" panose="020B0609020204030204" pitchFamily="49" charset="0"/>
               </a:rPr>
-              <a:t>* foo() {</a:t>
-            </a:r>
-            <a:r>
-              <a:rPr lang="en-CA" dirty="0" err="1">
-                <a:solidFill>
-                  <a:schemeClr val="accent2"/>
-                </a:solidFill>
-                <a:latin typeface="Consolas" panose="020B0609020204030204" pitchFamily="49" charset="0"/>
-                <a:cs typeface="Consolas" panose="020B0609020204030204" pitchFamily="49" charset="0"/>
-              </a:rPr>
-              <a:t>int</a:t>
-            </a:r>
-            <a:r>
-              <a:rPr lang="en-CA" dirty="0">
-                <a:solidFill>
-                  <a:schemeClr val="accent2"/>
-                </a:solidFill>
-                <a:latin typeface="Consolas" panose="020B0609020204030204" pitchFamily="49" charset="0"/>
-                <a:cs typeface="Consolas" panose="020B0609020204030204" pitchFamily="49" charset="0"/>
-              </a:rPr>
-              <a:t> * bar = new </a:t>
-            </a:r>
-            <a:r>
-              <a:rPr lang="en-CA" dirty="0" err="1">
-                <a:solidFill>
-                  <a:schemeClr val="accent2"/>
-                </a:solidFill>
-                <a:latin typeface="Consolas" panose="020B0609020204030204" pitchFamily="49" charset="0"/>
-                <a:cs typeface="Consolas" panose="020B0609020204030204" pitchFamily="49" charset="0"/>
-              </a:rPr>
-              <a:t>int</a:t>
-            </a:r>
-            <a:r>
-              <a:rPr lang="en-CA" dirty="0">
-                <a:solidFill>
-                  <a:schemeClr val="accent2"/>
-                </a:solidFill>
-                <a:latin typeface="Consolas" panose="020B0609020204030204" pitchFamily="49" charset="0"/>
-                <a:cs typeface="Consolas" panose="020B0609020204030204" pitchFamily="49" charset="0"/>
-              </a:rPr>
-              <a:t>[size]; return bar;}</a:t>
+              <a:t>int* foo() {int *bar = new int[size]; return bar;}</a:t>
             </a:r>
           </a:p>
           <a:p>
@@ -26795,7 +26737,7 @@
           <a:p>
             <a:r>
               <a:rPr lang="en-CA" sz="2100" dirty="0"/>
-              <a:t>The stack contains and AR for each currently active procedure </a:t>
+              <a:t>The stack contains a frame for each currently active procedure </a:t>
             </a:r>
           </a:p>
           <a:p>
@@ -26806,7 +26748,7 @@
                   <a:schemeClr val="accent2"/>
                 </a:solidFill>
               </a:rPr>
-              <a:t>Each AR usually fixed size, contains locals</a:t>
+              <a:t>Each frame usually has a variable size, contains all locals</a:t>
             </a:r>
           </a:p>
           <a:p>
@@ -28476,7 +28418,7 @@
           <a:p>
             <a:r>
               <a:rPr lang="en-CA" dirty="0"/>
-              <a:t>Most modern machines are 32 or 64 bit</a:t>
+              <a:t>Most modern machines are 64 bit</a:t>
             </a:r>
           </a:p>
           <a:p>
@@ -28521,14 +28463,14 @@
           <a:p>
             <a:r>
               <a:rPr lang="en-CA" dirty="0"/>
-              <a:t>Most machines have  some alignment restrictions</a:t>
+              <a:t>Most machines have alignment restrictions</a:t>
             </a:r>
           </a:p>
           <a:p>
             <a:pPr lvl="1"/>
             <a:r>
               <a:rPr lang="en-CA" dirty="0"/>
-              <a:t>Or performance penalties for poor alignment</a:t>
+              <a:t>Severe performance penalties for poor alignment</a:t>
             </a:r>
           </a:p>
         </p:txBody>
@@ -29661,7 +29603,7 @@
           <a:p>
             <a:r>
               <a:rPr lang="en-US" sz="2100" dirty="0"/>
-              <a:t>Functional PLs use heap allocation</a:t>
+              <a:t>Functional programming languages use heap allocation</a:t>
             </a:r>
           </a:p>
         </p:txBody>
@@ -37806,7 +37748,15 @@
             </a:r>
             <a:r>
               <a:rPr lang="en-CA" sz="2400" i="1" dirty="0"/>
-              <a:t> of </a:t>
+              <a:t> </a:t>
+            </a:r>
+            <a:r>
+              <a:rPr lang="en-CA" sz="2400" dirty="0"/>
+              <a:t>of</a:t>
+            </a:r>
+            <a:r>
+              <a:rPr lang="en-CA" sz="2400" i="1" dirty="0"/>
+              <a:t> </a:t>
             </a:r>
             <a:r>
               <a:rPr lang="en-CA" sz="2400" i="1" dirty="0">
@@ -38017,22 +37967,38 @@
           </a:p>
           <a:p>
             <a:r>
-              <a:rPr lang="en-CA" sz="2400" dirty="0"/>
-              <a:t>Note that</a:t>
-            </a:r>
-          </a:p>
-          <a:p>
-            <a:pPr lvl="1"/>
-            <a:r>
-              <a:rPr lang="en-CA" sz="2000" dirty="0"/>
-              <a:t>Lifetime is a dynamic (run-time) concept</a:t>
-            </a:r>
-          </a:p>
-          <a:p>
-            <a:pPr lvl="1"/>
-            <a:r>
-              <a:rPr lang="en-CA" sz="2000" dirty="0"/>
-              <a:t>Scope is a static concept</a:t>
+              <a:rPr lang="en-CA" sz="2300" dirty="0"/>
+              <a:t>Lifetime is a </a:t>
+            </a:r>
+            <a:r>
+              <a:rPr lang="en-CA" sz="2300" dirty="0">
+                <a:solidFill>
+                  <a:srgbClr val="C00000"/>
+                </a:solidFill>
+              </a:rPr>
+              <a:t>dynamic</a:t>
+            </a:r>
+            <a:r>
+              <a:rPr lang="en-CA" sz="2300" dirty="0"/>
+              <a:t> (run-time) concept</a:t>
+            </a:r>
+          </a:p>
+          <a:p>
+            <a:r>
+              <a:rPr lang="en-CA" sz="2300" dirty="0"/>
+              <a:t>Scope is a </a:t>
+            </a:r>
+            <a:r>
+              <a:rPr lang="en-CA" sz="2300" dirty="0">
+                <a:solidFill>
+                  <a:srgbClr val="C00000"/>
+                </a:solidFill>
+              </a:rPr>
+              <a:t>static</a:t>
+            </a:r>
+            <a:r>
+              <a:rPr lang="en-CA" sz="2300" dirty="0"/>
+              <a:t> concept</a:t>
             </a:r>
           </a:p>
         </p:txBody>
@@ -38130,13 +38096,6 @@
           </a:bodyPr>
           <a:lstStyle/>
           <a:p>
-            <a:r>
-              <a:rPr lang="en-CA" sz="2400" dirty="0"/>
-              <a:t>Observation</a:t>
-            </a:r>
-          </a:p>
-          <a:p>
-            <a:pPr lvl="1"/>
             <a:r>
               <a:rPr lang="en-CA" sz="2400" dirty="0"/>
               <a:t>When </a:t>
